--- a/Diss (repo)/Recommender.pptx
+++ b/Diss (repo)/Recommender.pptx
@@ -5,30 +5,31 @@
     <p:sldMasterId id="2147483673" r:id="rId1"/>
   </p:sldMasterIdLst>
   <p:notesMasterIdLst>
-    <p:notesMasterId r:id="rId23"/>
+    <p:notesMasterId r:id="rId24"/>
   </p:notesMasterIdLst>
   <p:sldIdLst>
     <p:sldId id="256" r:id="rId2"/>
     <p:sldId id="361" r:id="rId3"/>
     <p:sldId id="304" r:id="rId4"/>
-    <p:sldId id="372" r:id="rId5"/>
-    <p:sldId id="362" r:id="rId6"/>
-    <p:sldId id="363" r:id="rId7"/>
-    <p:sldId id="364" r:id="rId8"/>
-    <p:sldId id="375" r:id="rId9"/>
-    <p:sldId id="366" r:id="rId10"/>
-    <p:sldId id="355" r:id="rId11"/>
-    <p:sldId id="374" r:id="rId12"/>
-    <p:sldId id="347" r:id="rId13"/>
-    <p:sldId id="354" r:id="rId14"/>
-    <p:sldId id="371" r:id="rId15"/>
-    <p:sldId id="311" r:id="rId16"/>
-    <p:sldId id="356" r:id="rId17"/>
-    <p:sldId id="340" r:id="rId18"/>
-    <p:sldId id="370" r:id="rId19"/>
-    <p:sldId id="359" r:id="rId20"/>
-    <p:sldId id="345" r:id="rId21"/>
-    <p:sldId id="358" r:id="rId22"/>
+    <p:sldId id="376" r:id="rId5"/>
+    <p:sldId id="372" r:id="rId6"/>
+    <p:sldId id="362" r:id="rId7"/>
+    <p:sldId id="363" r:id="rId8"/>
+    <p:sldId id="364" r:id="rId9"/>
+    <p:sldId id="375" r:id="rId10"/>
+    <p:sldId id="366" r:id="rId11"/>
+    <p:sldId id="355" r:id="rId12"/>
+    <p:sldId id="374" r:id="rId13"/>
+    <p:sldId id="347" r:id="rId14"/>
+    <p:sldId id="354" r:id="rId15"/>
+    <p:sldId id="371" r:id="rId16"/>
+    <p:sldId id="311" r:id="rId17"/>
+    <p:sldId id="356" r:id="rId18"/>
+    <p:sldId id="340" r:id="rId19"/>
+    <p:sldId id="370" r:id="rId20"/>
+    <p:sldId id="359" r:id="rId21"/>
+    <p:sldId id="345" r:id="rId22"/>
+    <p:sldId id="358" r:id="rId23"/>
   </p:sldIdLst>
   <p:sldSz cx="9144000" cy="6858000" type="screen4x3"/>
   <p:notesSz cx="6858000" cy="9144000"/>
@@ -183,7 +184,7 @@
 
 <file path=ppt/commentAuthors.xml><?xml version="1.0" encoding="utf-8"?>
 <p:cmAuthorLst xmlns:a="http://schemas.openxmlformats.org/drawingml/2006/main" xmlns:r="http://schemas.openxmlformats.org/officeDocument/2006/relationships" xmlns:p="http://schemas.openxmlformats.org/presentationml/2006/main">
-  <p:cmAuthor id="1" name="Jacqueline Büttner" initials="JB" lastIdx="1" clrIdx="0">
+  <p:cmAuthor id="1" name="Jacqueline Büttner" initials="JB" lastIdx="2" clrIdx="0">
     <p:extLst>
       <p:ext uri="{19B8F6BF-5375-455C-9EA6-DF929625EA0E}">
         <p15:presenceInfo xmlns:p15="http://schemas.microsoft.com/office/powerpoint/2012/main" userId="feee3de6e02f8bea" providerId="Windows Live"/>
@@ -2892,6 +2893,13 @@
         </dgm:presLayoutVars>
       </dgm:prSet>
       <dgm:spPr/>
+      <dgm:t>
+        <a:bodyPr/>
+        <a:lstStyle/>
+        <a:p>
+          <a:endParaRPr lang="de-DE"/>
+        </a:p>
+      </dgm:t>
     </dgm:pt>
     <dgm:pt modelId="{DEE119AF-8634-42A8-8D26-9C0F50E46CCC}" type="pres">
       <dgm:prSet presAssocID="{7D794E9E-DCCE-4524-8B6E-FF6BECDAC7BA}" presName="Background" presStyleLbl="bgImgPlace1" presStyleIdx="0" presStyleCnt="1"/>
@@ -2945,25 +2953,25 @@
     </dgm:pt>
   </dgm:ptLst>
   <dgm:cxnLst>
+    <dgm:cxn modelId="{42637B25-67A1-46AB-8C65-096746CCF175}" srcId="{27109C6C-1786-42EC-8B21-E1C1FFE84A46}" destId="{E46A5133-DAFE-4ED6-A9BF-9A5AF15D07DD}" srcOrd="1" destOrd="0" parTransId="{C1F796BA-32D0-4170-B342-C641DF0FFC32}" sibTransId="{B514F1F3-9267-411A-936F-AE06D7BEF45F}"/>
+    <dgm:cxn modelId="{41907433-3603-4317-980D-ED19067BF6F0}" type="presOf" srcId="{4013A844-E1F2-4E49-BD3A-07F6D843E63E}" destId="{667CF3ED-2C31-4092-A9D3-1E0C17C953C4}" srcOrd="0" destOrd="2" presId="urn:microsoft.com/office/officeart/2009/3/layout/PlusandMinus"/>
+    <dgm:cxn modelId="{91BE4CA9-8D9F-4340-8F45-ABD1F4AA4329}" srcId="{27109C6C-1786-42EC-8B21-E1C1FFE84A46}" destId="{7F7E7958-3EBE-4249-AC9B-6DDB841CE077}" srcOrd="3" destOrd="0" parTransId="{EAED03CE-4364-48EE-A362-9EC2F09BFD79}" sibTransId="{E81BCE12-0A28-475D-921D-ECC231E39FB1}"/>
+    <dgm:cxn modelId="{C9C416E5-5D31-4BF8-AD46-D179EB9EF5B1}" srcId="{27109C6C-1786-42EC-8B21-E1C1FFE84A46}" destId="{48D81AA3-8930-479B-AC00-7B5BA94DEABA}" srcOrd="0" destOrd="0" parTransId="{F3916F63-3613-423A-857F-69329DE47C90}" sibTransId="{7B88DD44-0462-4684-B795-A35701CD97A9}"/>
+    <dgm:cxn modelId="{CEB35BAF-F05C-48AC-8C64-12D4D34E7BE3}" type="presOf" srcId="{119F7EDC-A371-48BF-A1A3-49BAD268EF31}" destId="{4C0AECE5-EA0E-44D0-B9B8-000F83980E9E}" srcOrd="0" destOrd="3" presId="urn:microsoft.com/office/officeart/2009/3/layout/PlusandMinus"/>
+    <dgm:cxn modelId="{25E44A90-5BF4-4485-89D7-621E3A1B7DC0}" type="presOf" srcId="{27109C6C-1786-42EC-8B21-E1C1FFE84A46}" destId="{4C0AECE5-EA0E-44D0-B9B8-000F83980E9E}" srcOrd="0" destOrd="0" presId="urn:microsoft.com/office/officeart/2009/3/layout/PlusandMinus"/>
+    <dgm:cxn modelId="{A9D19C6B-7610-4799-9333-B75DE7FA9712}" type="presOf" srcId="{48D81AA3-8930-479B-AC00-7B5BA94DEABA}" destId="{4C0AECE5-EA0E-44D0-B9B8-000F83980E9E}" srcOrd="0" destOrd="1" presId="urn:microsoft.com/office/officeart/2009/3/layout/PlusandMinus"/>
+    <dgm:cxn modelId="{D1C0CEFE-9DD8-4ABA-957B-D9A971899F2D}" srcId="{27109C6C-1786-42EC-8B21-E1C1FFE84A46}" destId="{119F7EDC-A371-48BF-A1A3-49BAD268EF31}" srcOrd="2" destOrd="0" parTransId="{70202212-1E92-41BF-A892-2AE8E5B8B735}" sibTransId="{61E08128-7880-47B9-A782-EC6A6D57D801}"/>
+    <dgm:cxn modelId="{D29F9063-C335-4997-9166-1C95AA59C2A2}" type="presOf" srcId="{E46A5133-DAFE-4ED6-A9BF-9A5AF15D07DD}" destId="{4C0AECE5-EA0E-44D0-B9B8-000F83980E9E}" srcOrd="0" destOrd="2" presId="urn:microsoft.com/office/officeart/2009/3/layout/PlusandMinus"/>
+    <dgm:cxn modelId="{EEEAC3A8-4A54-4B2D-A227-5FB9667EC5C4}" srcId="{7D794E9E-DCCE-4524-8B6E-FF6BECDAC7BA}" destId="{F3F0D860-B52D-4F22-9479-158954A8FEB7}" srcOrd="1" destOrd="0" parTransId="{F120192B-9A81-4F71-8626-0D1F56EE1CDC}" sibTransId="{BE64BDDE-E419-462F-B625-B2E5F52B6F8F}"/>
+    <dgm:cxn modelId="{6556F4C1-4EE9-493A-A21B-9B5F11148DF6}" type="presOf" srcId="{7D794E9E-DCCE-4524-8B6E-FF6BECDAC7BA}" destId="{A0BBD32E-BE5A-452D-B6BE-7952897DCF05}" srcOrd="0" destOrd="0" presId="urn:microsoft.com/office/officeart/2009/3/layout/PlusandMinus"/>
     <dgm:cxn modelId="{F9507B5A-09FE-481A-8864-A6A7648B5260}" srcId="{F3F0D860-B52D-4F22-9479-158954A8FEB7}" destId="{98BBF5F7-8A1E-4EFE-8736-9E2BDF839725}" srcOrd="2" destOrd="0" parTransId="{9DCAD6A5-BCDD-4544-983B-BB3A94B67706}" sibTransId="{C9B4D506-5F60-4AA9-ADBB-F2E4BF8F1DFA}"/>
+    <dgm:cxn modelId="{DBDE526A-893A-4421-A79D-EE969BBC594D}" srcId="{F3F0D860-B52D-4F22-9479-158954A8FEB7}" destId="{83A4E946-EAF3-4DE3-9FA5-51ABFFF78FBA}" srcOrd="0" destOrd="0" parTransId="{209B7C7A-0CD3-41D4-90D4-F149A1763213}" sibTransId="{B39F00AE-26CB-4B0A-A59B-F6C05F652272}"/>
+    <dgm:cxn modelId="{BE3B097D-676E-46C3-8DFA-35C03BB877F0}" type="presOf" srcId="{83A4E946-EAF3-4DE3-9FA5-51ABFFF78FBA}" destId="{667CF3ED-2C31-4092-A9D3-1E0C17C953C4}" srcOrd="0" destOrd="1" presId="urn:microsoft.com/office/officeart/2009/3/layout/PlusandMinus"/>
+    <dgm:cxn modelId="{4048338C-C31A-4EE9-AF51-8EE000A1F88B}" type="presOf" srcId="{98BBF5F7-8A1E-4EFE-8736-9E2BDF839725}" destId="{667CF3ED-2C31-4092-A9D3-1E0C17C953C4}" srcOrd="0" destOrd="3" presId="urn:microsoft.com/office/officeart/2009/3/layout/PlusandMinus"/>
+    <dgm:cxn modelId="{DA95D005-AEC2-409B-8F30-993B530BA7B5}" type="presOf" srcId="{7F7E7958-3EBE-4249-AC9B-6DDB841CE077}" destId="{4C0AECE5-EA0E-44D0-B9B8-000F83980E9E}" srcOrd="0" destOrd="4" presId="urn:microsoft.com/office/officeart/2009/3/layout/PlusandMinus"/>
     <dgm:cxn modelId="{DAEF7415-ED46-4D01-B677-0BC30299180B}" srcId="{7D794E9E-DCCE-4524-8B6E-FF6BECDAC7BA}" destId="{27109C6C-1786-42EC-8B21-E1C1FFE84A46}" srcOrd="0" destOrd="0" parTransId="{7C9F3B93-7770-42FA-A8A0-DE261C4E3C2C}" sibTransId="{6FFA774B-F6BA-4CEB-99B7-0CF500EA7765}"/>
-    <dgm:cxn modelId="{25E44A90-5BF4-4485-89D7-621E3A1B7DC0}" type="presOf" srcId="{27109C6C-1786-42EC-8B21-E1C1FFE84A46}" destId="{4C0AECE5-EA0E-44D0-B9B8-000F83980E9E}" srcOrd="0" destOrd="0" presId="urn:microsoft.com/office/officeart/2009/3/layout/PlusandMinus"/>
-    <dgm:cxn modelId="{D1C0CEFE-9DD8-4ABA-957B-D9A971899F2D}" srcId="{27109C6C-1786-42EC-8B21-E1C1FFE84A46}" destId="{119F7EDC-A371-48BF-A1A3-49BAD268EF31}" srcOrd="2" destOrd="0" parTransId="{70202212-1E92-41BF-A892-2AE8E5B8B735}" sibTransId="{61E08128-7880-47B9-A782-EC6A6D57D801}"/>
-    <dgm:cxn modelId="{BE3B097D-676E-46C3-8DFA-35C03BB877F0}" type="presOf" srcId="{83A4E946-EAF3-4DE3-9FA5-51ABFFF78FBA}" destId="{667CF3ED-2C31-4092-A9D3-1E0C17C953C4}" srcOrd="0" destOrd="1" presId="urn:microsoft.com/office/officeart/2009/3/layout/PlusandMinus"/>
-    <dgm:cxn modelId="{DBDE526A-893A-4421-A79D-EE969BBC594D}" srcId="{F3F0D860-B52D-4F22-9479-158954A8FEB7}" destId="{83A4E946-EAF3-4DE3-9FA5-51ABFFF78FBA}" srcOrd="0" destOrd="0" parTransId="{209B7C7A-0CD3-41D4-90D4-F149A1763213}" sibTransId="{B39F00AE-26CB-4B0A-A59B-F6C05F652272}"/>
-    <dgm:cxn modelId="{C9C416E5-5D31-4BF8-AD46-D179EB9EF5B1}" srcId="{27109C6C-1786-42EC-8B21-E1C1FFE84A46}" destId="{48D81AA3-8930-479B-AC00-7B5BA94DEABA}" srcOrd="0" destOrd="0" parTransId="{F3916F63-3613-423A-857F-69329DE47C90}" sibTransId="{7B88DD44-0462-4684-B795-A35701CD97A9}"/>
-    <dgm:cxn modelId="{D29F9063-C335-4997-9166-1C95AA59C2A2}" type="presOf" srcId="{E46A5133-DAFE-4ED6-A9BF-9A5AF15D07DD}" destId="{4C0AECE5-EA0E-44D0-B9B8-000F83980E9E}" srcOrd="0" destOrd="2" presId="urn:microsoft.com/office/officeart/2009/3/layout/PlusandMinus"/>
-    <dgm:cxn modelId="{DA95D005-AEC2-409B-8F30-993B530BA7B5}" type="presOf" srcId="{7F7E7958-3EBE-4249-AC9B-6DDB841CE077}" destId="{4C0AECE5-EA0E-44D0-B9B8-000F83980E9E}" srcOrd="0" destOrd="4" presId="urn:microsoft.com/office/officeart/2009/3/layout/PlusandMinus"/>
-    <dgm:cxn modelId="{4048338C-C31A-4EE9-AF51-8EE000A1F88B}" type="presOf" srcId="{98BBF5F7-8A1E-4EFE-8736-9E2BDF839725}" destId="{667CF3ED-2C31-4092-A9D3-1E0C17C953C4}" srcOrd="0" destOrd="3" presId="urn:microsoft.com/office/officeart/2009/3/layout/PlusandMinus"/>
-    <dgm:cxn modelId="{CEB35BAF-F05C-48AC-8C64-12D4D34E7BE3}" type="presOf" srcId="{119F7EDC-A371-48BF-A1A3-49BAD268EF31}" destId="{4C0AECE5-EA0E-44D0-B9B8-000F83980E9E}" srcOrd="0" destOrd="3" presId="urn:microsoft.com/office/officeart/2009/3/layout/PlusandMinus"/>
-    <dgm:cxn modelId="{41907433-3603-4317-980D-ED19067BF6F0}" type="presOf" srcId="{4013A844-E1F2-4E49-BD3A-07F6D843E63E}" destId="{667CF3ED-2C31-4092-A9D3-1E0C17C953C4}" srcOrd="0" destOrd="2" presId="urn:microsoft.com/office/officeart/2009/3/layout/PlusandMinus"/>
-    <dgm:cxn modelId="{6556F4C1-4EE9-493A-A21B-9B5F11148DF6}" type="presOf" srcId="{7D794E9E-DCCE-4524-8B6E-FF6BECDAC7BA}" destId="{A0BBD32E-BE5A-452D-B6BE-7952897DCF05}" srcOrd="0" destOrd="0" presId="urn:microsoft.com/office/officeart/2009/3/layout/PlusandMinus"/>
     <dgm:cxn modelId="{3C47B1F5-179F-4110-971E-9292443EA3D2}" srcId="{F3F0D860-B52D-4F22-9479-158954A8FEB7}" destId="{4013A844-E1F2-4E49-BD3A-07F6D843E63E}" srcOrd="1" destOrd="0" parTransId="{557F3373-291D-4BD8-A40C-D567D99D1050}" sibTransId="{DA3353B4-45AF-4073-8ED4-745A881F1139}"/>
-    <dgm:cxn modelId="{A9D19C6B-7610-4799-9333-B75DE7FA9712}" type="presOf" srcId="{48D81AA3-8930-479B-AC00-7B5BA94DEABA}" destId="{4C0AECE5-EA0E-44D0-B9B8-000F83980E9E}" srcOrd="0" destOrd="1" presId="urn:microsoft.com/office/officeart/2009/3/layout/PlusandMinus"/>
-    <dgm:cxn modelId="{91BE4CA9-8D9F-4340-8F45-ABD1F4AA4329}" srcId="{27109C6C-1786-42EC-8B21-E1C1FFE84A46}" destId="{7F7E7958-3EBE-4249-AC9B-6DDB841CE077}" srcOrd="3" destOrd="0" parTransId="{EAED03CE-4364-48EE-A362-9EC2F09BFD79}" sibTransId="{E81BCE12-0A28-475D-921D-ECC231E39FB1}"/>
-    <dgm:cxn modelId="{42637B25-67A1-46AB-8C65-096746CCF175}" srcId="{27109C6C-1786-42EC-8B21-E1C1FFE84A46}" destId="{E46A5133-DAFE-4ED6-A9BF-9A5AF15D07DD}" srcOrd="1" destOrd="0" parTransId="{C1F796BA-32D0-4170-B342-C641DF0FFC32}" sibTransId="{B514F1F3-9267-411A-936F-AE06D7BEF45F}"/>
     <dgm:cxn modelId="{636DC53D-70C4-4DE4-9D08-FD3ECF36E8EE}" type="presOf" srcId="{F3F0D860-B52D-4F22-9479-158954A8FEB7}" destId="{667CF3ED-2C31-4092-A9D3-1E0C17C953C4}" srcOrd="0" destOrd="0" presId="urn:microsoft.com/office/officeart/2009/3/layout/PlusandMinus"/>
-    <dgm:cxn modelId="{EEEAC3A8-4A54-4B2D-A227-5FB9667EC5C4}" srcId="{7D794E9E-DCCE-4524-8B6E-FF6BECDAC7BA}" destId="{F3F0D860-B52D-4F22-9479-158954A8FEB7}" srcOrd="1" destOrd="0" parTransId="{F120192B-9A81-4F71-8626-0D1F56EE1CDC}" sibTransId="{BE64BDDE-E419-462F-B625-B2E5F52B6F8F}"/>
     <dgm:cxn modelId="{F9B76930-E4D7-4FD7-855F-5DFDD4C9A746}" type="presParOf" srcId="{A0BBD32E-BE5A-452D-B6BE-7952897DCF05}" destId="{DEE119AF-8634-42A8-8D26-9C0F50E46CCC}" srcOrd="0" destOrd="0" presId="urn:microsoft.com/office/officeart/2009/3/layout/PlusandMinus"/>
     <dgm:cxn modelId="{7B387079-B121-4DDE-B3E1-2F633DF2181C}" type="presParOf" srcId="{A0BBD32E-BE5A-452D-B6BE-7952897DCF05}" destId="{4C0AECE5-EA0E-44D0-B9B8-000F83980E9E}" srcOrd="1" destOrd="0" presId="urn:microsoft.com/office/officeart/2009/3/layout/PlusandMinus"/>
     <dgm:cxn modelId="{0ED00FCE-46C3-48D8-8D22-0E82D91CE3F3}" type="presParOf" srcId="{A0BBD32E-BE5A-452D-B6BE-7952897DCF05}" destId="{667CF3ED-2C31-4092-A9D3-1E0C17C953C4}" srcOrd="2" destOrd="0" presId="urn:microsoft.com/office/officeart/2009/3/layout/PlusandMinus"/>
@@ -3740,6 +3748,13 @@
         </dgm:presLayoutVars>
       </dgm:prSet>
       <dgm:spPr/>
+      <dgm:t>
+        <a:bodyPr/>
+        <a:lstStyle/>
+        <a:p>
+          <a:endParaRPr lang="de-DE"/>
+        </a:p>
+      </dgm:t>
     </dgm:pt>
     <dgm:pt modelId="{8693A0FC-3ACD-47FB-B152-68C0CC266E2B}" type="pres">
       <dgm:prSet presAssocID="{AB2E08F6-C92E-43C2-B621-A23B81B2C378}" presName="composite" presStyleCnt="0"/>
@@ -3831,6 +3846,13 @@
         </dgm:presLayoutVars>
       </dgm:prSet>
       <dgm:spPr/>
+      <dgm:t>
+        <a:bodyPr/>
+        <a:lstStyle/>
+        <a:p>
+          <a:endParaRPr lang="de-DE"/>
+        </a:p>
+      </dgm:t>
     </dgm:pt>
     <dgm:pt modelId="{D1F6CD34-97CA-4589-B394-782089F4850B}" type="pres">
       <dgm:prSet presAssocID="{1002FFE4-9E48-4CFB-9A26-00CF389C640B}" presName="descendantText" presStyleLbl="alignAcc1" presStyleIdx="2" presStyleCnt="3">
@@ -3849,39 +3871,39 @@
     </dgm:pt>
   </dgm:ptLst>
   <dgm:cxnLst>
+    <dgm:cxn modelId="{C6C38E1E-E2A2-43D5-A447-722EE23D823E}" type="presOf" srcId="{1002FFE4-9E48-4CFB-9A26-00CF389C640B}" destId="{D2CA54F2-DD1B-4B4E-B750-D553E85B0540}" srcOrd="0" destOrd="0" presId="urn:microsoft.com/office/officeart/2005/8/layout/chevron2"/>
+    <dgm:cxn modelId="{80C21BFB-2AE2-4447-B6F3-233EDE99EDAA}" type="presOf" srcId="{1DEBE7CB-0701-42DD-B30F-E203166CCAFB}" destId="{D1F6CD34-97CA-4589-B394-782089F4850B}" srcOrd="0" destOrd="0" presId="urn:microsoft.com/office/officeart/2005/8/layout/chevron2"/>
+    <dgm:cxn modelId="{7B3C27CA-6CE1-4058-A3F3-95A75D5F3DDB}" srcId="{FA2D1302-B46C-43F3-87BF-7B8EAED67D80}" destId="{B95DAA12-63AD-4760-8822-2247EF15A601}" srcOrd="1" destOrd="0" parTransId="{AE6335EB-4B21-4EDE-9191-66EE825B3726}" sibTransId="{C63935AD-AF83-4F42-86D9-CD633DBDBA44}"/>
+    <dgm:cxn modelId="{A15F56D6-AE49-42B5-AFBA-1B3EF2F5E6BA}" type="presOf" srcId="{FA2D1302-B46C-43F3-87BF-7B8EAED67D80}" destId="{6D2845EC-2AE4-4C7C-B217-401916C6D56C}" srcOrd="0" destOrd="0" presId="urn:microsoft.com/office/officeart/2005/8/layout/chevron2"/>
+    <dgm:cxn modelId="{93074077-0798-4336-A411-0B57377B1581}" srcId="{B95DAA12-63AD-4760-8822-2247EF15A601}" destId="{072F3527-3AC7-4959-89E6-B3128338C2D6}" srcOrd="1" destOrd="0" parTransId="{1E3D53D5-9917-440E-A62F-222C7CAC1527}" sibTransId="{24AEF55F-C856-4664-AF6B-E53EDF4D2E4A}"/>
+    <dgm:cxn modelId="{0E6ED8AE-087B-4600-938F-9BA780C7F3B2}" type="presOf" srcId="{37D0155A-060A-4502-9FB4-70B8C413DB22}" destId="{D1F6CD34-97CA-4589-B394-782089F4850B}" srcOrd="0" destOrd="1" presId="urn:microsoft.com/office/officeart/2005/8/layout/chevron2"/>
+    <dgm:cxn modelId="{D2A7F113-34FA-497A-853F-73A94E4CB306}" type="presOf" srcId="{B95DAA12-63AD-4760-8822-2247EF15A601}" destId="{93A953BD-CB85-4792-9ECA-AB46DE2E2AA0}" srcOrd="0" destOrd="0" presId="urn:microsoft.com/office/officeart/2005/8/layout/chevron2"/>
+    <dgm:cxn modelId="{860F5F86-6EE9-458D-8A3F-552144BEB683}" srcId="{B95DAA12-63AD-4760-8822-2247EF15A601}" destId="{281D6A1E-8185-40CE-8EB4-43272903830C}" srcOrd="0" destOrd="0" parTransId="{3D2EFB73-2273-4EFE-9FC9-33EEE6C157FB}" sibTransId="{FA5802BC-FA56-48BC-9168-F9BE6B793B8C}"/>
+    <dgm:cxn modelId="{76FCB87E-EB1A-4D4A-93EF-AC51719F491A}" type="presOf" srcId="{1C775F3C-CFEC-4099-A4A8-F0A5A719EF24}" destId="{B2D1A780-CEE5-40A8-80AC-FA23190C26ED}" srcOrd="0" destOrd="4" presId="urn:microsoft.com/office/officeart/2005/8/layout/chevron2"/>
     <dgm:cxn modelId="{26975977-C134-4C6E-BC9C-9DF512C62920}" srcId="{AB2E08F6-C92E-43C2-B621-A23B81B2C378}" destId="{E6B154B8-8FE6-42E8-A0D6-5500FA11DCB1}" srcOrd="2" destOrd="0" parTransId="{BB413485-D2E4-4338-8364-4005E2480792}" sibTransId="{CD58799E-B965-4D32-A3B0-1A7DC778C207}"/>
-    <dgm:cxn modelId="{D3C3A8C0-3378-4878-9DED-F9F5E050E1D4}" srcId="{AB2E08F6-C92E-43C2-B621-A23B81B2C378}" destId="{B43B6478-46E9-458A-93D6-A40C0A58E4BA}" srcOrd="3" destOrd="0" parTransId="{AF4AC811-7B59-4994-9A26-543735229546}" sibTransId="{5DBEA7DE-1F2E-451B-9F2E-9888ED4A99A4}"/>
-    <dgm:cxn modelId="{0F56AD68-5B6E-4490-AF36-3CC669F44927}" type="presOf" srcId="{E5F78F24-05ED-4DC2-BC44-FE9725810AB4}" destId="{D1F6CD34-97CA-4589-B394-782089F4850B}" srcOrd="0" destOrd="2" presId="urn:microsoft.com/office/officeart/2005/8/layout/chevron2"/>
-    <dgm:cxn modelId="{ECFB4000-D82C-4857-93EF-C58E8F9568E8}" srcId="{AB2E08F6-C92E-43C2-B621-A23B81B2C378}" destId="{57FB3EE7-6E6C-48B5-8ACB-F3BC09672035}" srcOrd="4" destOrd="0" parTransId="{2C57C521-632F-43E6-8635-CBEE0FA4F47C}" sibTransId="{9151AD1C-CDCE-479B-AFBD-2FC6957E8630}"/>
-    <dgm:cxn modelId="{05C4A53F-B133-4823-ABFB-403EF1B106AE}" type="presOf" srcId="{F5BBFD90-B94A-4778-AC2D-538A2C8E0CD6}" destId="{4765E029-EF2C-4F78-A3BE-5E5669B1A7BC}" srcOrd="0" destOrd="1" presId="urn:microsoft.com/office/officeart/2005/8/layout/chevron2"/>
+    <dgm:cxn modelId="{F599C87A-25B9-47D3-A585-D95D73714786}" type="presOf" srcId="{2A0AAB4C-7F6C-424C-BC59-59ADFDF0AE82}" destId="{B2D1A780-CEE5-40A8-80AC-FA23190C26ED}" srcOrd="0" destOrd="3" presId="urn:microsoft.com/office/officeart/2005/8/layout/chevron2"/>
+    <dgm:cxn modelId="{B505B113-81AC-4A2F-B943-3EC9A4495DB4}" srcId="{AB2E08F6-C92E-43C2-B621-A23B81B2C378}" destId="{8051D395-C475-429E-BC2A-DA7F3CC8D195}" srcOrd="0" destOrd="0" parTransId="{AF748784-ECA7-4035-8622-0B9D326DFD3D}" sibTransId="{85EE5730-2C6A-49B7-8414-B2A4A0B4A1F1}"/>
+    <dgm:cxn modelId="{73B0D0ED-1EB0-4D74-939D-7F89789001A2}" type="presOf" srcId="{072F3527-3AC7-4959-89E6-B3128338C2D6}" destId="{B2D1A780-CEE5-40A8-80AC-FA23190C26ED}" srcOrd="0" destOrd="1" presId="urn:microsoft.com/office/officeart/2005/8/layout/chevron2"/>
     <dgm:cxn modelId="{C53E96C8-BF3A-4D70-B3BB-40A8007B85AB}" type="presOf" srcId="{57FB3EE7-6E6C-48B5-8ACB-F3BC09672035}" destId="{4765E029-EF2C-4F78-A3BE-5E5669B1A7BC}" srcOrd="0" destOrd="4" presId="urn:microsoft.com/office/officeart/2005/8/layout/chevron2"/>
-    <dgm:cxn modelId="{76FCB87E-EB1A-4D4A-93EF-AC51719F491A}" type="presOf" srcId="{1C775F3C-CFEC-4099-A4A8-F0A5A719EF24}" destId="{B2D1A780-CEE5-40A8-80AC-FA23190C26ED}" srcOrd="0" destOrd="4" presId="urn:microsoft.com/office/officeart/2005/8/layout/chevron2"/>
-    <dgm:cxn modelId="{A108AB3D-FF50-4CD4-A7AE-B115BB365E54}" type="presOf" srcId="{B43B6478-46E9-458A-93D6-A40C0A58E4BA}" destId="{4765E029-EF2C-4F78-A3BE-5E5669B1A7BC}" srcOrd="0" destOrd="3" presId="urn:microsoft.com/office/officeart/2005/8/layout/chevron2"/>
-    <dgm:cxn modelId="{987A8A1C-564D-4FEC-9A97-C0157EA7FF58}" type="presOf" srcId="{281D6A1E-8185-40CE-8EB4-43272903830C}" destId="{B2D1A780-CEE5-40A8-80AC-FA23190C26ED}" srcOrd="0" destOrd="0" presId="urn:microsoft.com/office/officeart/2005/8/layout/chevron2"/>
-    <dgm:cxn modelId="{58E422E4-8AA0-466C-84FF-11C27DF8A232}" srcId="{B95DAA12-63AD-4760-8822-2247EF15A601}" destId="{1C775F3C-CFEC-4099-A4A8-F0A5A719EF24}" srcOrd="4" destOrd="0" parTransId="{7A06F027-BE20-422D-B367-4C214C23F35F}" sibTransId="{25E3A615-7FA2-4683-85AB-4DF7D09D8672}"/>
-    <dgm:cxn modelId="{5643D6BC-FAEE-4E40-BC73-736C16E7A548}" srcId="{FA2D1302-B46C-43F3-87BF-7B8EAED67D80}" destId="{AB2E08F6-C92E-43C2-B621-A23B81B2C378}" srcOrd="0" destOrd="0" parTransId="{CC82B797-8E37-453D-8E9C-D6A9C364AFA6}" sibTransId="{3EC4F018-6484-48CB-A69F-1DCF9A53FA7F}"/>
-    <dgm:cxn modelId="{0E6ED8AE-087B-4600-938F-9BA780C7F3B2}" type="presOf" srcId="{37D0155A-060A-4502-9FB4-70B8C413DB22}" destId="{D1F6CD34-97CA-4589-B394-782089F4850B}" srcOrd="0" destOrd="1" presId="urn:microsoft.com/office/officeart/2005/8/layout/chevron2"/>
-    <dgm:cxn modelId="{09F3690B-C003-4DDC-89B1-4C529972B076}" srcId="{AB2E08F6-C92E-43C2-B621-A23B81B2C378}" destId="{F5BBFD90-B94A-4778-AC2D-538A2C8E0CD6}" srcOrd="1" destOrd="0" parTransId="{7A9B76A2-50A0-4108-9AAB-4815597A1358}" sibTransId="{A58A6EC2-1A8D-40B9-85AF-36A8FC36BB7D}"/>
-    <dgm:cxn modelId="{C6C38E1E-E2A2-43D5-A447-722EE23D823E}" type="presOf" srcId="{1002FFE4-9E48-4CFB-9A26-00CF389C640B}" destId="{D2CA54F2-DD1B-4B4E-B750-D553E85B0540}" srcOrd="0" destOrd="0" presId="urn:microsoft.com/office/officeart/2005/8/layout/chevron2"/>
-    <dgm:cxn modelId="{F599C87A-25B9-47D3-A585-D95D73714786}" type="presOf" srcId="{2A0AAB4C-7F6C-424C-BC59-59ADFDF0AE82}" destId="{B2D1A780-CEE5-40A8-80AC-FA23190C26ED}" srcOrd="0" destOrd="3" presId="urn:microsoft.com/office/officeart/2005/8/layout/chevron2"/>
-    <dgm:cxn modelId="{7B3C27CA-6CE1-4058-A3F3-95A75D5F3DDB}" srcId="{FA2D1302-B46C-43F3-87BF-7B8EAED67D80}" destId="{B95DAA12-63AD-4760-8822-2247EF15A601}" srcOrd="1" destOrd="0" parTransId="{AE6335EB-4B21-4EDE-9191-66EE825B3726}" sibTransId="{C63935AD-AF83-4F42-86D9-CD633DBDBA44}"/>
-    <dgm:cxn modelId="{860F5F86-6EE9-458D-8A3F-552144BEB683}" srcId="{B95DAA12-63AD-4760-8822-2247EF15A601}" destId="{281D6A1E-8185-40CE-8EB4-43272903830C}" srcOrd="0" destOrd="0" parTransId="{3D2EFB73-2273-4EFE-9FC9-33EEE6C157FB}" sibTransId="{FA5802BC-FA56-48BC-9168-F9BE6B793B8C}"/>
-    <dgm:cxn modelId="{B505B113-81AC-4A2F-B943-3EC9A4495DB4}" srcId="{AB2E08F6-C92E-43C2-B621-A23B81B2C378}" destId="{8051D395-C475-429E-BC2A-DA7F3CC8D195}" srcOrd="0" destOrd="0" parTransId="{AF748784-ECA7-4035-8622-0B9D326DFD3D}" sibTransId="{85EE5730-2C6A-49B7-8414-B2A4A0B4A1F1}"/>
-    <dgm:cxn modelId="{B5F4BD89-9D8A-4CA2-8BFF-441E0D0109B9}" srcId="{B95DAA12-63AD-4760-8822-2247EF15A601}" destId="{2A0AAB4C-7F6C-424C-BC59-59ADFDF0AE82}" srcOrd="3" destOrd="0" parTransId="{3BD93F2D-0125-4F64-A95D-BD14699B628D}" sibTransId="{B83A5014-0004-4876-BE6E-13C7603A086D}"/>
-    <dgm:cxn modelId="{25E33D39-8F4B-4E03-A1C9-D47F5114E1AA}" type="presOf" srcId="{2083B336-6551-43D9-B307-0AC83816F473}" destId="{B2D1A780-CEE5-40A8-80AC-FA23190C26ED}" srcOrd="0" destOrd="2" presId="urn:microsoft.com/office/officeart/2005/8/layout/chevron2"/>
     <dgm:cxn modelId="{BEE94B4D-794B-4278-9FE7-720EE140152E}" srcId="{B95DAA12-63AD-4760-8822-2247EF15A601}" destId="{2083B336-6551-43D9-B307-0AC83816F473}" srcOrd="2" destOrd="0" parTransId="{5F7068CC-5A7A-440B-BC9C-F63FC95F8766}" sibTransId="{B4FC5BF0-2950-4642-B927-CB73A053A13E}"/>
     <dgm:cxn modelId="{D8EFC346-60FA-4836-9B4A-77A94C9B64E0}" type="presOf" srcId="{8051D395-C475-429E-BC2A-DA7F3CC8D195}" destId="{4765E029-EF2C-4F78-A3BE-5E5669B1A7BC}" srcOrd="0" destOrd="0" presId="urn:microsoft.com/office/officeart/2005/8/layout/chevron2"/>
-    <dgm:cxn modelId="{A15F56D6-AE49-42B5-AFBA-1B3EF2F5E6BA}" type="presOf" srcId="{FA2D1302-B46C-43F3-87BF-7B8EAED67D80}" destId="{6D2845EC-2AE4-4C7C-B217-401916C6D56C}" srcOrd="0" destOrd="0" presId="urn:microsoft.com/office/officeart/2005/8/layout/chevron2"/>
-    <dgm:cxn modelId="{80C21BFB-2AE2-4447-B6F3-233EDE99EDAA}" type="presOf" srcId="{1DEBE7CB-0701-42DD-B30F-E203166CCAFB}" destId="{D1F6CD34-97CA-4589-B394-782089F4850B}" srcOrd="0" destOrd="0" presId="urn:microsoft.com/office/officeart/2005/8/layout/chevron2"/>
-    <dgm:cxn modelId="{73B0D0ED-1EB0-4D74-939D-7F89789001A2}" type="presOf" srcId="{072F3527-3AC7-4959-89E6-B3128338C2D6}" destId="{B2D1A780-CEE5-40A8-80AC-FA23190C26ED}" srcOrd="0" destOrd="1" presId="urn:microsoft.com/office/officeart/2005/8/layout/chevron2"/>
+    <dgm:cxn modelId="{EDB8880F-2D66-4A7C-A4B9-9C162EE9DCE3}" srcId="{1002FFE4-9E48-4CFB-9A26-00CF389C640B}" destId="{E5F78F24-05ED-4DC2-BC44-FE9725810AB4}" srcOrd="2" destOrd="0" parTransId="{31EE4DA1-F372-42C6-9AE2-B1B81720D419}" sibTransId="{C60A9AAB-B9E0-4C7A-A202-5EFAAC3927A0}"/>
     <dgm:cxn modelId="{B5A500D3-931C-4F35-BAAB-FD2E19F038F9}" type="presOf" srcId="{AB2E08F6-C92E-43C2-B621-A23B81B2C378}" destId="{25B9633B-07B7-4D3C-9E56-A2E3C7C14F58}" srcOrd="0" destOrd="0" presId="urn:microsoft.com/office/officeart/2005/8/layout/chevron2"/>
-    <dgm:cxn modelId="{93074077-0798-4336-A411-0B57377B1581}" srcId="{B95DAA12-63AD-4760-8822-2247EF15A601}" destId="{072F3527-3AC7-4959-89E6-B3128338C2D6}" srcOrd="1" destOrd="0" parTransId="{1E3D53D5-9917-440E-A62F-222C7CAC1527}" sibTransId="{24AEF55F-C856-4664-AF6B-E53EDF4D2E4A}"/>
-    <dgm:cxn modelId="{D2A7F113-34FA-497A-853F-73A94E4CB306}" type="presOf" srcId="{B95DAA12-63AD-4760-8822-2247EF15A601}" destId="{93A953BD-CB85-4792-9ECA-AB46DE2E2AA0}" srcOrd="0" destOrd="0" presId="urn:microsoft.com/office/officeart/2005/8/layout/chevron2"/>
+    <dgm:cxn modelId="{58E422E4-8AA0-466C-84FF-11C27DF8A232}" srcId="{B95DAA12-63AD-4760-8822-2247EF15A601}" destId="{1C775F3C-CFEC-4099-A4A8-F0A5A719EF24}" srcOrd="4" destOrd="0" parTransId="{7A06F027-BE20-422D-B367-4C214C23F35F}" sibTransId="{25E3A615-7FA2-4683-85AB-4DF7D09D8672}"/>
+    <dgm:cxn modelId="{2E32062F-CDAC-4674-B68C-A3E40B9A0E11}" srcId="{1002FFE4-9E48-4CFB-9A26-00CF389C640B}" destId="{37D0155A-060A-4502-9FB4-70B8C413DB22}" srcOrd="1" destOrd="0" parTransId="{32E2DA59-044C-409C-83D0-E7EC71DF52C6}" sibTransId="{C9591260-0B12-4536-9B8C-A5B95071010B}"/>
+    <dgm:cxn modelId="{ECFB4000-D82C-4857-93EF-C58E8F9568E8}" srcId="{AB2E08F6-C92E-43C2-B621-A23B81B2C378}" destId="{57FB3EE7-6E6C-48B5-8ACB-F3BC09672035}" srcOrd="4" destOrd="0" parTransId="{2C57C521-632F-43E6-8635-CBEE0FA4F47C}" sibTransId="{9151AD1C-CDCE-479B-AFBD-2FC6957E8630}"/>
+    <dgm:cxn modelId="{790D8C2F-086F-442E-B94C-7A61CE1C0F02}" srcId="{FA2D1302-B46C-43F3-87BF-7B8EAED67D80}" destId="{1002FFE4-9E48-4CFB-9A26-00CF389C640B}" srcOrd="2" destOrd="0" parTransId="{BEDE0F65-DA0B-4E6E-9992-C1874C823DC7}" sibTransId="{207B0BCB-9CAA-47E4-B972-9F2AA0FC866A}"/>
+    <dgm:cxn modelId="{0F56AD68-5B6E-4490-AF36-3CC669F44927}" type="presOf" srcId="{E5F78F24-05ED-4DC2-BC44-FE9725810AB4}" destId="{D1F6CD34-97CA-4589-B394-782089F4850B}" srcOrd="0" destOrd="2" presId="urn:microsoft.com/office/officeart/2005/8/layout/chevron2"/>
+    <dgm:cxn modelId="{5643D6BC-FAEE-4E40-BC73-736C16E7A548}" srcId="{FA2D1302-B46C-43F3-87BF-7B8EAED67D80}" destId="{AB2E08F6-C92E-43C2-B621-A23B81B2C378}" srcOrd="0" destOrd="0" parTransId="{CC82B797-8E37-453D-8E9C-D6A9C364AFA6}" sibTransId="{3EC4F018-6484-48CB-A69F-1DCF9A53FA7F}"/>
+    <dgm:cxn modelId="{25E33D39-8F4B-4E03-A1C9-D47F5114E1AA}" type="presOf" srcId="{2083B336-6551-43D9-B307-0AC83816F473}" destId="{B2D1A780-CEE5-40A8-80AC-FA23190C26ED}" srcOrd="0" destOrd="2" presId="urn:microsoft.com/office/officeart/2005/8/layout/chevron2"/>
+    <dgm:cxn modelId="{A3B807C8-98E6-4B44-BD55-D1BC480E09A9}" srcId="{1002FFE4-9E48-4CFB-9A26-00CF389C640B}" destId="{1DEBE7CB-0701-42DD-B30F-E203166CCAFB}" srcOrd="0" destOrd="0" parTransId="{BB77A0B3-E597-4476-9132-E5E1FB1B34B9}" sibTransId="{3B3A6926-F13E-409E-9FAF-8B5D0F6DF5E5}"/>
+    <dgm:cxn modelId="{B5F4BD89-9D8A-4CA2-8BFF-441E0D0109B9}" srcId="{B95DAA12-63AD-4760-8822-2247EF15A601}" destId="{2A0AAB4C-7F6C-424C-BC59-59ADFDF0AE82}" srcOrd="3" destOrd="0" parTransId="{3BD93F2D-0125-4F64-A95D-BD14699B628D}" sibTransId="{B83A5014-0004-4876-BE6E-13C7603A086D}"/>
+    <dgm:cxn modelId="{987A8A1C-564D-4FEC-9A97-C0157EA7FF58}" type="presOf" srcId="{281D6A1E-8185-40CE-8EB4-43272903830C}" destId="{B2D1A780-CEE5-40A8-80AC-FA23190C26ED}" srcOrd="0" destOrd="0" presId="urn:microsoft.com/office/officeart/2005/8/layout/chevron2"/>
+    <dgm:cxn modelId="{A108AB3D-FF50-4CD4-A7AE-B115BB365E54}" type="presOf" srcId="{B43B6478-46E9-458A-93D6-A40C0A58E4BA}" destId="{4765E029-EF2C-4F78-A3BE-5E5669B1A7BC}" srcOrd="0" destOrd="3" presId="urn:microsoft.com/office/officeart/2005/8/layout/chevron2"/>
+    <dgm:cxn modelId="{D3C3A8C0-3378-4878-9DED-F9F5E050E1D4}" srcId="{AB2E08F6-C92E-43C2-B621-A23B81B2C378}" destId="{B43B6478-46E9-458A-93D6-A40C0A58E4BA}" srcOrd="3" destOrd="0" parTransId="{AF4AC811-7B59-4994-9A26-543735229546}" sibTransId="{5DBEA7DE-1F2E-451B-9F2E-9888ED4A99A4}"/>
+    <dgm:cxn modelId="{05C4A53F-B133-4823-ABFB-403EF1B106AE}" type="presOf" srcId="{F5BBFD90-B94A-4778-AC2D-538A2C8E0CD6}" destId="{4765E029-EF2C-4F78-A3BE-5E5669B1A7BC}" srcOrd="0" destOrd="1" presId="urn:microsoft.com/office/officeart/2005/8/layout/chevron2"/>
     <dgm:cxn modelId="{F2ADC2A6-2666-4569-A4C0-4D0085DE5170}" type="presOf" srcId="{E6B154B8-8FE6-42E8-A0D6-5500FA11DCB1}" destId="{4765E029-EF2C-4F78-A3BE-5E5669B1A7BC}" srcOrd="0" destOrd="2" presId="urn:microsoft.com/office/officeart/2005/8/layout/chevron2"/>
-    <dgm:cxn modelId="{790D8C2F-086F-442E-B94C-7A61CE1C0F02}" srcId="{FA2D1302-B46C-43F3-87BF-7B8EAED67D80}" destId="{1002FFE4-9E48-4CFB-9A26-00CF389C640B}" srcOrd="2" destOrd="0" parTransId="{BEDE0F65-DA0B-4E6E-9992-C1874C823DC7}" sibTransId="{207B0BCB-9CAA-47E4-B972-9F2AA0FC866A}"/>
-    <dgm:cxn modelId="{EDB8880F-2D66-4A7C-A4B9-9C162EE9DCE3}" srcId="{1002FFE4-9E48-4CFB-9A26-00CF389C640B}" destId="{E5F78F24-05ED-4DC2-BC44-FE9725810AB4}" srcOrd="2" destOrd="0" parTransId="{31EE4DA1-F372-42C6-9AE2-B1B81720D419}" sibTransId="{C60A9AAB-B9E0-4C7A-A202-5EFAAC3927A0}"/>
-    <dgm:cxn modelId="{A3B807C8-98E6-4B44-BD55-D1BC480E09A9}" srcId="{1002FFE4-9E48-4CFB-9A26-00CF389C640B}" destId="{1DEBE7CB-0701-42DD-B30F-E203166CCAFB}" srcOrd="0" destOrd="0" parTransId="{BB77A0B3-E597-4476-9132-E5E1FB1B34B9}" sibTransId="{3B3A6926-F13E-409E-9FAF-8B5D0F6DF5E5}"/>
-    <dgm:cxn modelId="{2E32062F-CDAC-4674-B68C-A3E40B9A0E11}" srcId="{1002FFE4-9E48-4CFB-9A26-00CF389C640B}" destId="{37D0155A-060A-4502-9FB4-70B8C413DB22}" srcOrd="1" destOrd="0" parTransId="{32E2DA59-044C-409C-83D0-E7EC71DF52C6}" sibTransId="{C9591260-0B12-4536-9B8C-A5B95071010B}"/>
+    <dgm:cxn modelId="{09F3690B-C003-4DDC-89B1-4C529972B076}" srcId="{AB2E08F6-C92E-43C2-B621-A23B81B2C378}" destId="{F5BBFD90-B94A-4778-AC2D-538A2C8E0CD6}" srcOrd="1" destOrd="0" parTransId="{7A9B76A2-50A0-4108-9AAB-4815597A1358}" sibTransId="{A58A6EC2-1A8D-40B9-85AF-36A8FC36BB7D}"/>
     <dgm:cxn modelId="{5911264A-243E-479F-A022-9C07989AF40E}" type="presParOf" srcId="{6D2845EC-2AE4-4C7C-B217-401916C6D56C}" destId="{8693A0FC-3ACD-47FB-B152-68C0CC266E2B}" srcOrd="0" destOrd="0" presId="urn:microsoft.com/office/officeart/2005/8/layout/chevron2"/>
     <dgm:cxn modelId="{9E54F6BB-9083-447D-9A22-38E8E1445C46}" type="presParOf" srcId="{8693A0FC-3ACD-47FB-B152-68C0CC266E2B}" destId="{25B9633B-07B7-4D3C-9E56-A2E3C7C14F58}" srcOrd="0" destOrd="0" presId="urn:microsoft.com/office/officeart/2005/8/layout/chevron2"/>
     <dgm:cxn modelId="{662F1D5B-C329-4514-89FD-39981B664D20}" type="presParOf" srcId="{8693A0FC-3ACD-47FB-B152-68C0CC266E2B}" destId="{4765E029-EF2C-4F78-A3BE-5E5669B1A7BC}" srcOrd="1" destOrd="0" presId="urn:microsoft.com/office/officeart/2005/8/layout/chevron2"/>
@@ -4535,11 +4557,7 @@
         <a:p>
           <a:r>
             <a:rPr lang="en-US" dirty="0" err="1" smtClean="0"/>
-            <a:t>s</a:t>
-          </a:r>
-          <a:r>
-            <a:rPr lang="en-US" dirty="0" err="1" smtClean="0"/>
-            <a:t>tatistische</a:t>
+            <a:t>statistische</a:t>
           </a:r>
           <a:r>
             <a:rPr lang="en-US" dirty="0" smtClean="0"/>
@@ -4670,6 +4688,13 @@
         </dgm:presLayoutVars>
       </dgm:prSet>
       <dgm:spPr/>
+      <dgm:t>
+        <a:bodyPr/>
+        <a:lstStyle/>
+        <a:p>
+          <a:endParaRPr lang="de-DE"/>
+        </a:p>
+      </dgm:t>
     </dgm:pt>
     <dgm:pt modelId="{8693A0FC-3ACD-47FB-B152-68C0CC266E2B}" type="pres">
       <dgm:prSet presAssocID="{AB2E08F6-C92E-43C2-B621-A23B81B2C378}" presName="composite" presStyleCnt="0"/>
@@ -4786,37 +4811,37 @@
     </dgm:pt>
   </dgm:ptLst>
   <dgm:cxnLst>
+    <dgm:cxn modelId="{B505B113-81AC-4A2F-B943-3EC9A4495DB4}" srcId="{AB2E08F6-C92E-43C2-B621-A23B81B2C378}" destId="{8051D395-C475-429E-BC2A-DA7F3CC8D195}" srcOrd="0" destOrd="0" parTransId="{AF748784-ECA7-4035-8622-0B9D326DFD3D}" sibTransId="{85EE5730-2C6A-49B7-8414-B2A4A0B4A1F1}"/>
+    <dgm:cxn modelId="{73D85AED-1C3A-41F1-B7CD-5440720C76DA}" srcId="{AB2E08F6-C92E-43C2-B621-A23B81B2C378}" destId="{0185C235-9F80-41FC-A1C8-0C1FB5D79C18}" srcOrd="2" destOrd="0" parTransId="{4CFA2FC5-6C53-4E96-AF00-3993F9AC8427}" sibTransId="{A0BA1C5E-1C73-4AEF-B3A2-7EAD05E86DF2}"/>
+    <dgm:cxn modelId="{B447BA44-A163-4F6C-BA2F-2130DF746C63}" type="presOf" srcId="{3EEDEB5F-8001-4038-9F6D-3E9FAA9F2C48}" destId="{4765E029-EF2C-4F78-A3BE-5E5669B1A7BC}" srcOrd="0" destOrd="1" presId="urn:microsoft.com/office/officeart/2005/8/layout/chevron2"/>
+    <dgm:cxn modelId="{A3B807C8-98E6-4B44-BD55-D1BC480E09A9}" srcId="{1002FFE4-9E48-4CFB-9A26-00CF389C640B}" destId="{1DEBE7CB-0701-42DD-B30F-E203166CCAFB}" srcOrd="0" destOrd="0" parTransId="{BB77A0B3-E597-4476-9132-E5E1FB1B34B9}" sibTransId="{3B3A6926-F13E-409E-9FAF-8B5D0F6DF5E5}"/>
+    <dgm:cxn modelId="{AA0DF6D6-07C8-4A33-B752-F082E28CC70C}" type="presOf" srcId="{FBD16EAD-CFCB-48AB-84D3-1E2D9955382D}" destId="{B2D1A780-CEE5-40A8-80AC-FA23190C26ED}" srcOrd="0" destOrd="1" presId="urn:microsoft.com/office/officeart/2005/8/layout/chevron2"/>
+    <dgm:cxn modelId="{34652863-5E81-401D-A01D-EB5E5990B64C}" srcId="{AB2E08F6-C92E-43C2-B621-A23B81B2C378}" destId="{3EEDEB5F-8001-4038-9F6D-3E9FAA9F2C48}" srcOrd="1" destOrd="0" parTransId="{95FBD850-5CFE-4DA7-8BB5-7375B4BF50F5}" sibTransId="{FBB3E673-EB9F-4D6F-A120-371EB3885657}"/>
+    <dgm:cxn modelId="{860F5F86-6EE9-458D-8A3F-552144BEB683}" srcId="{B95DAA12-63AD-4760-8822-2247EF15A601}" destId="{281D6A1E-8185-40CE-8EB4-43272903830C}" srcOrd="0" destOrd="0" parTransId="{3D2EFB73-2273-4EFE-9FC9-33EEE6C157FB}" sibTransId="{FA5802BC-FA56-48BC-9168-F9BE6B793B8C}"/>
+    <dgm:cxn modelId="{790D8C2F-086F-442E-B94C-7A61CE1C0F02}" srcId="{FA2D1302-B46C-43F3-87BF-7B8EAED67D80}" destId="{1002FFE4-9E48-4CFB-9A26-00CF389C640B}" srcOrd="2" destOrd="0" parTransId="{BEDE0F65-DA0B-4E6E-9992-C1874C823DC7}" sibTransId="{207B0BCB-9CAA-47E4-B972-9F2AA0FC866A}"/>
+    <dgm:cxn modelId="{987A8A1C-564D-4FEC-9A97-C0157EA7FF58}" type="presOf" srcId="{281D6A1E-8185-40CE-8EB4-43272903830C}" destId="{B2D1A780-CEE5-40A8-80AC-FA23190C26ED}" srcOrd="0" destOrd="0" presId="urn:microsoft.com/office/officeart/2005/8/layout/chevron2"/>
+    <dgm:cxn modelId="{891BBDDD-051F-42FA-A9FB-30F44BDC9ADE}" type="presOf" srcId="{6E3C52FA-3A1F-4EAF-9B4D-6C5BD60714F0}" destId="{4765E029-EF2C-4F78-A3BE-5E5669B1A7BC}" srcOrd="0" destOrd="3" presId="urn:microsoft.com/office/officeart/2005/8/layout/chevron2"/>
     <dgm:cxn modelId="{C6C38E1E-E2A2-43D5-A447-722EE23D823E}" type="presOf" srcId="{1002FFE4-9E48-4CFB-9A26-00CF389C640B}" destId="{D2CA54F2-DD1B-4B4E-B750-D553E85B0540}" srcOrd="0" destOrd="0" presId="urn:microsoft.com/office/officeart/2005/8/layout/chevron2"/>
-    <dgm:cxn modelId="{18CD6B36-6A8C-4B1B-9865-68CAB8831917}" srcId="{B95DAA12-63AD-4760-8822-2247EF15A601}" destId="{79B95D9F-5294-4E32-8F97-6A0EF6AE9662}" srcOrd="3" destOrd="0" parTransId="{895F4B7E-6015-455F-9993-3794E61AD42C}" sibTransId="{5E85C9A2-8125-4A2D-8627-6059D8614278}"/>
-    <dgm:cxn modelId="{80C21BFB-2AE2-4447-B6F3-233EDE99EDAA}" type="presOf" srcId="{1DEBE7CB-0701-42DD-B30F-E203166CCAFB}" destId="{D1F6CD34-97CA-4589-B394-782089F4850B}" srcOrd="0" destOrd="0" presId="urn:microsoft.com/office/officeart/2005/8/layout/chevron2"/>
-    <dgm:cxn modelId="{7B3C27CA-6CE1-4058-A3F3-95A75D5F3DDB}" srcId="{FA2D1302-B46C-43F3-87BF-7B8EAED67D80}" destId="{B95DAA12-63AD-4760-8822-2247EF15A601}" srcOrd="1" destOrd="0" parTransId="{AE6335EB-4B21-4EDE-9191-66EE825B3726}" sibTransId="{C63935AD-AF83-4F42-86D9-CD633DBDBA44}"/>
-    <dgm:cxn modelId="{CE46655A-AAA6-47EA-9D01-1E0E4C93B093}" srcId="{B95DAA12-63AD-4760-8822-2247EF15A601}" destId="{FBD16EAD-CFCB-48AB-84D3-1E2D9955382D}" srcOrd="1" destOrd="0" parTransId="{800F1393-650A-4995-BE5E-54966AF5E872}" sibTransId="{F56E1056-C649-43CD-9AC3-0BAB0B517E40}"/>
-    <dgm:cxn modelId="{25528E93-7490-4169-B960-DFBB26B6FFB9}" srcId="{AB2E08F6-C92E-43C2-B621-A23B81B2C378}" destId="{6E3C52FA-3A1F-4EAF-9B4D-6C5BD60714F0}" srcOrd="3" destOrd="0" parTransId="{F4FC5135-918B-4305-90F0-AC1B855D2D79}" sibTransId="{333D2F41-817C-4C9A-A11E-A8346C44AB4C}"/>
+    <dgm:cxn modelId="{171D13FC-3802-42DC-9C85-1812735B3299}" type="presOf" srcId="{79B95D9F-5294-4E32-8F97-6A0EF6AE9662}" destId="{B2D1A780-CEE5-40A8-80AC-FA23190C26ED}" srcOrd="0" destOrd="3" presId="urn:microsoft.com/office/officeart/2005/8/layout/chevron2"/>
     <dgm:cxn modelId="{CAA2F690-BB9A-4178-B2B0-BFFD182F9C57}" srcId="{1002FFE4-9E48-4CFB-9A26-00CF389C640B}" destId="{259EB2E1-42B8-42F1-BF70-7CAF904FB8C2}" srcOrd="2" destOrd="0" parTransId="{247E5D84-B315-4970-BE2B-B8770C0E53C8}" sibTransId="{31EAA18E-A9DB-454B-B8EF-A806CE191159}"/>
     <dgm:cxn modelId="{9741F82C-8879-44CF-B893-551ECBCC3C7B}" srcId="{B95DAA12-63AD-4760-8822-2247EF15A601}" destId="{323FE1CE-3A82-4E7F-A59C-C8E47053C7FC}" srcOrd="2" destOrd="0" parTransId="{20E59A36-8A9D-458D-9528-CF07C207F3A6}" sibTransId="{3AAA391A-4221-47D0-9BF8-5AE5F3B17B82}"/>
-    <dgm:cxn modelId="{A15F56D6-AE49-42B5-AFBA-1B3EF2F5E6BA}" type="presOf" srcId="{FA2D1302-B46C-43F3-87BF-7B8EAED67D80}" destId="{6D2845EC-2AE4-4C7C-B217-401916C6D56C}" srcOrd="0" destOrd="0" presId="urn:microsoft.com/office/officeart/2005/8/layout/chevron2"/>
+    <dgm:cxn modelId="{F5FF36D2-BCFE-48FC-8D0D-6D42E51004DA}" type="presOf" srcId="{323FE1CE-3A82-4E7F-A59C-C8E47053C7FC}" destId="{B2D1A780-CEE5-40A8-80AC-FA23190C26ED}" srcOrd="0" destOrd="2" presId="urn:microsoft.com/office/officeart/2005/8/layout/chevron2"/>
+    <dgm:cxn modelId="{25528E93-7490-4169-B960-DFBB26B6FFB9}" srcId="{AB2E08F6-C92E-43C2-B621-A23B81B2C378}" destId="{6E3C52FA-3A1F-4EAF-9B4D-6C5BD60714F0}" srcOrd="3" destOrd="0" parTransId="{F4FC5135-918B-4305-90F0-AC1B855D2D79}" sibTransId="{333D2F41-817C-4C9A-A11E-A8346C44AB4C}"/>
+    <dgm:cxn modelId="{CE46655A-AAA6-47EA-9D01-1E0E4C93B093}" srcId="{B95DAA12-63AD-4760-8822-2247EF15A601}" destId="{FBD16EAD-CFCB-48AB-84D3-1E2D9955382D}" srcOrd="1" destOrd="0" parTransId="{800F1393-650A-4995-BE5E-54966AF5E872}" sibTransId="{F56E1056-C649-43CD-9AC3-0BAB0B517E40}"/>
+    <dgm:cxn modelId="{B5A500D3-931C-4F35-BAAB-FD2E19F038F9}" type="presOf" srcId="{AB2E08F6-C92E-43C2-B621-A23B81B2C378}" destId="{25B9633B-07B7-4D3C-9E56-A2E3C7C14F58}" srcOrd="0" destOrd="0" presId="urn:microsoft.com/office/officeart/2005/8/layout/chevron2"/>
+    <dgm:cxn modelId="{7B3C27CA-6CE1-4058-A3F3-95A75D5F3DDB}" srcId="{FA2D1302-B46C-43F3-87BF-7B8EAED67D80}" destId="{B95DAA12-63AD-4760-8822-2247EF15A601}" srcOrd="1" destOrd="0" parTransId="{AE6335EB-4B21-4EDE-9191-66EE825B3726}" sibTransId="{C63935AD-AF83-4F42-86D9-CD633DBDBA44}"/>
+    <dgm:cxn modelId="{D8EFC346-60FA-4836-9B4A-77A94C9B64E0}" type="presOf" srcId="{8051D395-C475-429E-BC2A-DA7F3CC8D195}" destId="{4765E029-EF2C-4F78-A3BE-5E5669B1A7BC}" srcOrd="0" destOrd="0" presId="urn:microsoft.com/office/officeart/2005/8/layout/chevron2"/>
+    <dgm:cxn modelId="{5643D6BC-FAEE-4E40-BC73-736C16E7A548}" srcId="{FA2D1302-B46C-43F3-87BF-7B8EAED67D80}" destId="{AB2E08F6-C92E-43C2-B621-A23B81B2C378}" srcOrd="0" destOrd="0" parTransId="{CC82B797-8E37-453D-8E9C-D6A9C364AFA6}" sibTransId="{3EC4F018-6484-48CB-A69F-1DCF9A53FA7F}"/>
     <dgm:cxn modelId="{D2A7F113-34FA-497A-853F-73A94E4CB306}" type="presOf" srcId="{B95DAA12-63AD-4760-8822-2247EF15A601}" destId="{93A953BD-CB85-4792-9ECA-AB46DE2E2AA0}" srcOrd="0" destOrd="0" presId="urn:microsoft.com/office/officeart/2005/8/layout/chevron2"/>
-    <dgm:cxn modelId="{860F5F86-6EE9-458D-8A3F-552144BEB683}" srcId="{B95DAA12-63AD-4760-8822-2247EF15A601}" destId="{281D6A1E-8185-40CE-8EB4-43272903830C}" srcOrd="0" destOrd="0" parTransId="{3D2EFB73-2273-4EFE-9FC9-33EEE6C157FB}" sibTransId="{FA5802BC-FA56-48BC-9168-F9BE6B793B8C}"/>
-    <dgm:cxn modelId="{34652863-5E81-401D-A01D-EB5E5990B64C}" srcId="{AB2E08F6-C92E-43C2-B621-A23B81B2C378}" destId="{3EEDEB5F-8001-4038-9F6D-3E9FAA9F2C48}" srcOrd="1" destOrd="0" parTransId="{95FBD850-5CFE-4DA7-8BB5-7375B4BF50F5}" sibTransId="{FBB3E673-EB9F-4D6F-A120-371EB3885657}"/>
-    <dgm:cxn modelId="{74B29E8A-62F4-4A28-A663-EDD7FE4F1E0E}" type="presOf" srcId="{0185C235-9F80-41FC-A1C8-0C1FB5D79C18}" destId="{4765E029-EF2C-4F78-A3BE-5E5669B1A7BC}" srcOrd="0" destOrd="2" presId="urn:microsoft.com/office/officeart/2005/8/layout/chevron2"/>
-    <dgm:cxn modelId="{B505B113-81AC-4A2F-B943-3EC9A4495DB4}" srcId="{AB2E08F6-C92E-43C2-B621-A23B81B2C378}" destId="{8051D395-C475-429E-BC2A-DA7F3CC8D195}" srcOrd="0" destOrd="0" parTransId="{AF748784-ECA7-4035-8622-0B9D326DFD3D}" sibTransId="{85EE5730-2C6A-49B7-8414-B2A4A0B4A1F1}"/>
-    <dgm:cxn modelId="{B447BA44-A163-4F6C-BA2F-2130DF746C63}" type="presOf" srcId="{3EEDEB5F-8001-4038-9F6D-3E9FAA9F2C48}" destId="{4765E029-EF2C-4F78-A3BE-5E5669B1A7BC}" srcOrd="0" destOrd="1" presId="urn:microsoft.com/office/officeart/2005/8/layout/chevron2"/>
     <dgm:cxn modelId="{8960EB34-8414-45C4-84AF-C144AB4EA31A}" type="presOf" srcId="{259EB2E1-42B8-42F1-BF70-7CAF904FB8C2}" destId="{D1F6CD34-97CA-4589-B394-782089F4850B}" srcOrd="0" destOrd="2" presId="urn:microsoft.com/office/officeart/2005/8/layout/chevron2"/>
     <dgm:cxn modelId="{6E8B2F69-E583-40BE-A365-69D86AADA4D9}" type="presOf" srcId="{B02ECAE7-ECB2-491B-8FEE-E0FB679F5E36}" destId="{D1F6CD34-97CA-4589-B394-782089F4850B}" srcOrd="0" destOrd="1" presId="urn:microsoft.com/office/officeart/2005/8/layout/chevron2"/>
-    <dgm:cxn modelId="{D8EFC346-60FA-4836-9B4A-77A94C9B64E0}" type="presOf" srcId="{8051D395-C475-429E-BC2A-DA7F3CC8D195}" destId="{4765E029-EF2C-4F78-A3BE-5E5669B1A7BC}" srcOrd="0" destOrd="0" presId="urn:microsoft.com/office/officeart/2005/8/layout/chevron2"/>
     <dgm:cxn modelId="{93EF1275-A6F8-4278-A81C-E44B5AB5B5DB}" srcId="{B95DAA12-63AD-4760-8822-2247EF15A601}" destId="{C8227B3B-A3CB-4CAA-ACCA-7E02C152A8A3}" srcOrd="4" destOrd="0" parTransId="{1EA0E39A-D331-449D-B4D2-4FC0108A5084}" sibTransId="{CF69DCDC-72E3-43FB-8586-452DF3BEAC31}"/>
+    <dgm:cxn modelId="{EF9D4BDC-47C5-4F92-AD25-E7151CC7C43A}" srcId="{1002FFE4-9E48-4CFB-9A26-00CF389C640B}" destId="{B02ECAE7-ECB2-491B-8FEE-E0FB679F5E36}" srcOrd="1" destOrd="0" parTransId="{CBDC0CE4-A16C-4BB4-8961-BDA9609C984A}" sibTransId="{FFD49C88-4696-44BC-965D-E06CAADCD221}"/>
+    <dgm:cxn modelId="{80C21BFB-2AE2-4447-B6F3-233EDE99EDAA}" type="presOf" srcId="{1DEBE7CB-0701-42DD-B30F-E203166CCAFB}" destId="{D1F6CD34-97CA-4589-B394-782089F4850B}" srcOrd="0" destOrd="0" presId="urn:microsoft.com/office/officeart/2005/8/layout/chevron2"/>
+    <dgm:cxn modelId="{74B29E8A-62F4-4A28-A663-EDD7FE4F1E0E}" type="presOf" srcId="{0185C235-9F80-41FC-A1C8-0C1FB5D79C18}" destId="{4765E029-EF2C-4F78-A3BE-5E5669B1A7BC}" srcOrd="0" destOrd="2" presId="urn:microsoft.com/office/officeart/2005/8/layout/chevron2"/>
+    <dgm:cxn modelId="{A15F56D6-AE49-42B5-AFBA-1B3EF2F5E6BA}" type="presOf" srcId="{FA2D1302-B46C-43F3-87BF-7B8EAED67D80}" destId="{6D2845EC-2AE4-4C7C-B217-401916C6D56C}" srcOrd="0" destOrd="0" presId="urn:microsoft.com/office/officeart/2005/8/layout/chevron2"/>
+    <dgm:cxn modelId="{18CD6B36-6A8C-4B1B-9865-68CAB8831917}" srcId="{B95DAA12-63AD-4760-8822-2247EF15A601}" destId="{79B95D9F-5294-4E32-8F97-6A0EF6AE9662}" srcOrd="3" destOrd="0" parTransId="{895F4B7E-6015-455F-9993-3794E61AD42C}" sibTransId="{5E85C9A2-8125-4A2D-8627-6059D8614278}"/>
     <dgm:cxn modelId="{CA57B274-4CAB-4C8B-93C1-9FE34A7C6033}" type="presOf" srcId="{C8227B3B-A3CB-4CAA-ACCA-7E02C152A8A3}" destId="{B2D1A780-CEE5-40A8-80AC-FA23190C26ED}" srcOrd="0" destOrd="4" presId="urn:microsoft.com/office/officeart/2005/8/layout/chevron2"/>
-    <dgm:cxn modelId="{171D13FC-3802-42DC-9C85-1812735B3299}" type="presOf" srcId="{79B95D9F-5294-4E32-8F97-6A0EF6AE9662}" destId="{B2D1A780-CEE5-40A8-80AC-FA23190C26ED}" srcOrd="0" destOrd="3" presId="urn:microsoft.com/office/officeart/2005/8/layout/chevron2"/>
-    <dgm:cxn modelId="{73D85AED-1C3A-41F1-B7CD-5440720C76DA}" srcId="{AB2E08F6-C92E-43C2-B621-A23B81B2C378}" destId="{0185C235-9F80-41FC-A1C8-0C1FB5D79C18}" srcOrd="2" destOrd="0" parTransId="{4CFA2FC5-6C53-4E96-AF00-3993F9AC8427}" sibTransId="{A0BA1C5E-1C73-4AEF-B3A2-7EAD05E86DF2}"/>
-    <dgm:cxn modelId="{B5A500D3-931C-4F35-BAAB-FD2E19F038F9}" type="presOf" srcId="{AB2E08F6-C92E-43C2-B621-A23B81B2C378}" destId="{25B9633B-07B7-4D3C-9E56-A2E3C7C14F58}" srcOrd="0" destOrd="0" presId="urn:microsoft.com/office/officeart/2005/8/layout/chevron2"/>
-    <dgm:cxn modelId="{F5FF36D2-BCFE-48FC-8D0D-6D42E51004DA}" type="presOf" srcId="{323FE1CE-3A82-4E7F-A59C-C8E47053C7FC}" destId="{B2D1A780-CEE5-40A8-80AC-FA23190C26ED}" srcOrd="0" destOrd="2" presId="urn:microsoft.com/office/officeart/2005/8/layout/chevron2"/>
-    <dgm:cxn modelId="{790D8C2F-086F-442E-B94C-7A61CE1C0F02}" srcId="{FA2D1302-B46C-43F3-87BF-7B8EAED67D80}" destId="{1002FFE4-9E48-4CFB-9A26-00CF389C640B}" srcOrd="2" destOrd="0" parTransId="{BEDE0F65-DA0B-4E6E-9992-C1874C823DC7}" sibTransId="{207B0BCB-9CAA-47E4-B972-9F2AA0FC866A}"/>
-    <dgm:cxn modelId="{5643D6BC-FAEE-4E40-BC73-736C16E7A548}" srcId="{FA2D1302-B46C-43F3-87BF-7B8EAED67D80}" destId="{AB2E08F6-C92E-43C2-B621-A23B81B2C378}" srcOrd="0" destOrd="0" parTransId="{CC82B797-8E37-453D-8E9C-D6A9C364AFA6}" sibTransId="{3EC4F018-6484-48CB-A69F-1DCF9A53FA7F}"/>
-    <dgm:cxn modelId="{A3B807C8-98E6-4B44-BD55-D1BC480E09A9}" srcId="{1002FFE4-9E48-4CFB-9A26-00CF389C640B}" destId="{1DEBE7CB-0701-42DD-B30F-E203166CCAFB}" srcOrd="0" destOrd="0" parTransId="{BB77A0B3-E597-4476-9132-E5E1FB1B34B9}" sibTransId="{3B3A6926-F13E-409E-9FAF-8B5D0F6DF5E5}"/>
-    <dgm:cxn modelId="{987A8A1C-564D-4FEC-9A97-C0157EA7FF58}" type="presOf" srcId="{281D6A1E-8185-40CE-8EB4-43272903830C}" destId="{B2D1A780-CEE5-40A8-80AC-FA23190C26ED}" srcOrd="0" destOrd="0" presId="urn:microsoft.com/office/officeart/2005/8/layout/chevron2"/>
-    <dgm:cxn modelId="{AA0DF6D6-07C8-4A33-B752-F082E28CC70C}" type="presOf" srcId="{FBD16EAD-CFCB-48AB-84D3-1E2D9955382D}" destId="{B2D1A780-CEE5-40A8-80AC-FA23190C26ED}" srcOrd="0" destOrd="1" presId="urn:microsoft.com/office/officeart/2005/8/layout/chevron2"/>
-    <dgm:cxn modelId="{891BBDDD-051F-42FA-A9FB-30F44BDC9ADE}" type="presOf" srcId="{6E3C52FA-3A1F-4EAF-9B4D-6C5BD60714F0}" destId="{4765E029-EF2C-4F78-A3BE-5E5669B1A7BC}" srcOrd="0" destOrd="3" presId="urn:microsoft.com/office/officeart/2005/8/layout/chevron2"/>
-    <dgm:cxn modelId="{EF9D4BDC-47C5-4F92-AD25-E7151CC7C43A}" srcId="{1002FFE4-9E48-4CFB-9A26-00CF389C640B}" destId="{B02ECAE7-ECB2-491B-8FEE-E0FB679F5E36}" srcOrd="1" destOrd="0" parTransId="{CBDC0CE4-A16C-4BB4-8961-BDA9609C984A}" sibTransId="{FFD49C88-4696-44BC-965D-E06CAADCD221}"/>
     <dgm:cxn modelId="{5911264A-243E-479F-A022-9C07989AF40E}" type="presParOf" srcId="{6D2845EC-2AE4-4C7C-B217-401916C6D56C}" destId="{8693A0FC-3ACD-47FB-B152-68C0CC266E2B}" srcOrd="0" destOrd="0" presId="urn:microsoft.com/office/officeart/2005/8/layout/chevron2"/>
     <dgm:cxn modelId="{9E54F6BB-9083-447D-9A22-38E8E1445C46}" type="presParOf" srcId="{8693A0FC-3ACD-47FB-B152-68C0CC266E2B}" destId="{25B9633B-07B7-4D3C-9E56-A2E3C7C14F58}" srcOrd="0" destOrd="0" presId="urn:microsoft.com/office/officeart/2005/8/layout/chevron2"/>
     <dgm:cxn modelId="{662F1D5B-C329-4514-89FD-39981B664D20}" type="presParOf" srcId="{8693A0FC-3ACD-47FB-B152-68C0CC266E2B}" destId="{4765E029-EF2C-4F78-A3BE-5E5669B1A7BC}" srcOrd="1" destOrd="0" presId="urn:microsoft.com/office/officeart/2005/8/layout/chevron2"/>
@@ -6692,11 +6717,7 @@
           </a:pPr>
           <a:r>
             <a:rPr lang="en-US" sz="1400" kern="1200" dirty="0" err="1" smtClean="0"/>
-            <a:t>s</a:t>
-          </a:r>
-          <a:r>
-            <a:rPr lang="en-US" sz="1400" kern="1200" dirty="0" err="1" smtClean="0"/>
-            <a:t>tatistische</a:t>
+            <a:t>statistische</a:t>
           </a:r>
           <a:r>
             <a:rPr lang="en-US" sz="1400" kern="1200" dirty="0" smtClean="0"/>
@@ -10947,7 +10968,7 @@
           <a:p>
             <a:fld id="{A9533422-EA17-F948-BF63-CBC5318A2B77}" type="datetimeFigureOut">
               <a:rPr lang="en-US" smtClean="0"/>
-              <a:t>4/5/2018</a:t>
+              <a:t>4/6/2018</a:t>
             </a:fld>
             <a:endParaRPr lang="en-US"/>
           </a:p>
@@ -12360,7 +12381,7 @@
           <a:p>
             <a:fld id="{FB77DEBE-DB84-1445-A195-EA89E0287CFF}" type="slidenum">
               <a:rPr lang="en-US" smtClean="0"/>
-              <a:t>21</a:t>
+              <a:t>22</a:t>
             </a:fld>
             <a:endParaRPr lang="en-US"/>
           </a:p>
@@ -17841,7 +17862,7 @@
           <a:p>
             <a:fld id="{FB77DEBE-DB84-1445-A195-EA89E0287CFF}" type="slidenum">
               <a:rPr lang="en-US" smtClean="0"/>
-              <a:t>4</a:t>
+              <a:t>5</a:t>
             </a:fld>
             <a:endParaRPr lang="en-US"/>
           </a:p>
@@ -18591,7 +18612,7 @@
           <a:p>
             <a:fld id="{FB77DEBE-DB84-1445-A195-EA89E0287CFF}" type="slidenum">
               <a:rPr lang="en-US" smtClean="0"/>
-              <a:t>10</a:t>
+              <a:t>11</a:t>
             </a:fld>
             <a:endParaRPr lang="en-US"/>
           </a:p>
@@ -19843,7 +19864,7 @@
           <a:p>
             <a:fld id="{FB77DEBE-DB84-1445-A195-EA89E0287CFF}" type="slidenum">
               <a:rPr lang="en-US" smtClean="0"/>
-              <a:t>12</a:t>
+              <a:t>13</a:t>
             </a:fld>
             <a:endParaRPr lang="en-US"/>
           </a:p>
@@ -20015,7 +20036,7 @@
           <a:p>
             <a:fld id="{FB77DEBE-DB84-1445-A195-EA89E0287CFF}" type="slidenum">
               <a:rPr lang="en-US" smtClean="0"/>
-              <a:t>13</a:t>
+              <a:t>14</a:t>
             </a:fld>
             <a:endParaRPr lang="en-US"/>
           </a:p>
@@ -20187,7 +20208,7 @@
           <a:p>
             <a:fld id="{FB77DEBE-DB84-1445-A195-EA89E0287CFF}" type="slidenum">
               <a:rPr lang="en-US" smtClean="0"/>
-              <a:t>14</a:t>
+              <a:t>15</a:t>
             </a:fld>
             <a:endParaRPr lang="en-US"/>
           </a:p>
@@ -20914,7 +20935,7 @@
           <a:p>
             <a:fld id="{FB77DEBE-DB84-1445-A195-EA89E0287CFF}" type="slidenum">
               <a:rPr lang="en-US" smtClean="0"/>
-              <a:t>19</a:t>
+              <a:t>20</a:t>
             </a:fld>
             <a:endParaRPr lang="en-US"/>
           </a:p>
@@ -21972,7 +21993,7 @@
           <a:p>
             <a:fld id="{FB77DEBE-DB84-1445-A195-EA89E0287CFF}" type="slidenum">
               <a:rPr lang="en-US" smtClean="0"/>
-              <a:t>20</a:t>
+              <a:t>21</a:t>
             </a:fld>
             <a:endParaRPr lang="en-US"/>
           </a:p>
@@ -26811,15 +26832,7 @@
                   <a:schemeClr val="tx2"/>
                 </a:solidFill>
               </a:rPr>
-              <a:t> </a:t>
-            </a:r>
-            <a:r>
-              <a:rPr lang="de-DE" sz="2400" dirty="0" smtClean="0">
-                <a:solidFill>
-                  <a:schemeClr val="tx2"/>
-                </a:solidFill>
-              </a:rPr>
-              <a:t>Systeme</a:t>
+              <a:t> Systeme</a:t>
             </a:r>
             <a:endParaRPr lang="de-DE" sz="2400" dirty="0">
               <a:solidFill>
@@ -26898,11 +26911,11 @@
   <p:clrMapOvr>
     <a:masterClrMapping/>
   </p:clrMapOvr>
-  <mc:AlternateContent xmlns:mc="http://schemas.openxmlformats.org/markup-compatibility/2006">
-    <mc:Choice xmlns:p14="http://schemas.microsoft.com/office/powerpoint/2010/main" Requires="p14">
+  <mc:AlternateContent xmlns:mc="http://schemas.openxmlformats.org/markup-compatibility/2006" xmlns:p14="http://schemas.microsoft.com/office/powerpoint/2010/main">
+    <mc:Choice Requires="p14">
       <p:transition spd="slow" p14:dur="2000" advTm="14148"/>
     </mc:Choice>
-    <mc:Fallback>
+    <mc:Fallback xmlns="">
       <p:transition spd="slow" advTm="14148"/>
     </mc:Fallback>
   </mc:AlternateContent>
@@ -26917,6 +26930,1241 @@
 </file>
 
 <file path=ppt/slides/slide10.xml><?xml version="1.0" encoding="utf-8"?>
+<p:sld xmlns:a="http://schemas.openxmlformats.org/drawingml/2006/main" xmlns:r="http://schemas.openxmlformats.org/officeDocument/2006/relationships" xmlns:p="http://schemas.openxmlformats.org/presentationml/2006/main">
+  <p:cSld>
+    <p:spTree>
+      <p:nvGrpSpPr>
+        <p:cNvPr id="1" name=""/>
+        <p:cNvGrpSpPr/>
+        <p:nvPr/>
+      </p:nvGrpSpPr>
+      <p:grpSpPr>
+        <a:xfrm>
+          <a:off x="0" y="0"/>
+          <a:ext cx="0" cy="0"/>
+          <a:chOff x="0" y="0"/>
+          <a:chExt cx="0" cy="0"/>
+        </a:xfrm>
+      </p:grpSpPr>
+      <p:sp>
+        <p:nvSpPr>
+          <p:cNvPr id="2" name="Titel 1"/>
+          <p:cNvSpPr>
+            <a:spLocks noGrp="1"/>
+          </p:cNvSpPr>
+          <p:nvPr>
+            <p:ph type="title"/>
+          </p:nvPr>
+        </p:nvSpPr>
+        <p:spPr/>
+        <p:txBody>
+          <a:bodyPr/>
+          <a:lstStyle/>
+          <a:p>
+            <a:r>
+              <a:rPr lang="en-US" dirty="0"/>
+              <a:t>Content based Recommender Systems</a:t>
+            </a:r>
+            <a:endParaRPr lang="de-DE" dirty="0"/>
+          </a:p>
+        </p:txBody>
+      </p:sp>
+      <p:sp>
+        <p:nvSpPr>
+          <p:cNvPr id="7" name="Textfeld 6"/>
+          <p:cNvSpPr txBox="1"/>
+          <p:nvPr/>
+        </p:nvSpPr>
+        <p:spPr>
+          <a:xfrm>
+            <a:off x="527900" y="1084082"/>
+            <a:ext cx="8616099" cy="4920792"/>
+          </a:xfrm>
+          <a:prstGeom prst="rect">
+            <a:avLst/>
+          </a:prstGeom>
+          <a:noFill/>
+        </p:spPr>
+        <p:txBody>
+          <a:bodyPr wrap="square" lIns="0" rIns="0" rtlCol="0">
+            <a:noAutofit/>
+          </a:bodyPr>
+          <a:lstStyle/>
+          <a:p>
+            <a:pPr marL="285750" indent="-285750">
+              <a:buFont typeface="Arial" panose="020B0604020202020204" pitchFamily="34" charset="0"/>
+              <a:buChar char="•"/>
+            </a:pPr>
+            <a:r>
+              <a:rPr lang="en-US" dirty="0" err="1" smtClean="0"/>
+              <a:t>finde</a:t>
+            </a:r>
+            <a:r>
+              <a:rPr lang="en-US" dirty="0" smtClean="0"/>
+              <a:t> </a:t>
+            </a:r>
+            <a:r>
+              <a:rPr lang="en-US" dirty="0" err="1"/>
+              <a:t>Ähnlichkeiten</a:t>
+            </a:r>
+            <a:r>
+              <a:rPr lang="en-US" dirty="0"/>
+              <a:t> </a:t>
+            </a:r>
+            <a:r>
+              <a:rPr lang="en-US" dirty="0" err="1"/>
+              <a:t>zwischen</a:t>
+            </a:r>
+            <a:r>
+              <a:rPr lang="en-US" dirty="0"/>
+              <a:t> </a:t>
+            </a:r>
+            <a:r>
+              <a:rPr lang="en-US" dirty="0" smtClean="0"/>
+              <a:t>Items</a:t>
+            </a:r>
+          </a:p>
+          <a:p>
+            <a:pPr marL="742950" lvl="1" indent="-285750">
+              <a:buFont typeface="Arial" panose="020B0604020202020204" pitchFamily="34" charset="0"/>
+              <a:buChar char="•"/>
+            </a:pPr>
+            <a:r>
+              <a:rPr lang="en-US" dirty="0" err="1" smtClean="0"/>
+              <a:t>z.B</a:t>
+            </a:r>
+            <a:r>
+              <a:rPr lang="en-US" dirty="0"/>
+              <a:t>. </a:t>
+            </a:r>
+            <a:r>
+              <a:rPr lang="en-US" dirty="0" err="1"/>
+              <a:t>gleiches</a:t>
+            </a:r>
+            <a:r>
+              <a:rPr lang="en-US" dirty="0"/>
+              <a:t> Genre/ </a:t>
+            </a:r>
+            <a:r>
+              <a:rPr lang="en-US" dirty="0" err="1"/>
+              <a:t>Regisseur</a:t>
+            </a:r>
+            <a:r>
+              <a:rPr lang="en-US" dirty="0"/>
+              <a:t> / </a:t>
+            </a:r>
+            <a:r>
+              <a:rPr lang="en-US" dirty="0" err="1" smtClean="0"/>
+              <a:t>Autor</a:t>
+            </a:r>
+            <a:r>
+              <a:rPr lang="en-US" dirty="0" smtClean="0"/>
+              <a:t> </a:t>
+            </a:r>
+            <a:r>
+              <a:rPr lang="en-US" dirty="0" err="1"/>
+              <a:t>bei</a:t>
+            </a:r>
+            <a:r>
+              <a:rPr lang="en-US" dirty="0"/>
+              <a:t> </a:t>
+            </a:r>
+            <a:r>
+              <a:rPr lang="en-US" dirty="0" err="1"/>
+              <a:t>Filmen</a:t>
+            </a:r>
+            <a:r>
+              <a:rPr lang="en-US" dirty="0"/>
+              <a:t> / </a:t>
+            </a:r>
+            <a:r>
+              <a:rPr lang="en-US" dirty="0" err="1" smtClean="0"/>
+              <a:t>Büchern</a:t>
+            </a:r>
+            <a:endParaRPr lang="en-US" dirty="0" smtClean="0"/>
+          </a:p>
+          <a:p>
+            <a:pPr marL="742950" lvl="1" indent="-285750">
+              <a:buFont typeface="Arial" panose="020B0604020202020204" pitchFamily="34" charset="0"/>
+              <a:buChar char="•"/>
+            </a:pPr>
+            <a:r>
+              <a:rPr lang="en-US" dirty="0" smtClean="0"/>
+              <a:t>Auf </a:t>
+            </a:r>
+            <a:r>
+              <a:rPr lang="en-US" dirty="0"/>
+              <a:t>Basis von </a:t>
+            </a:r>
+            <a:r>
+              <a:rPr lang="en-US" dirty="0" err="1"/>
+              <a:t>Produktkatalogen</a:t>
+            </a:r>
+            <a:r>
+              <a:rPr lang="en-US" dirty="0"/>
+              <a:t> / </a:t>
+            </a:r>
+            <a:r>
+              <a:rPr lang="en-US" dirty="0" err="1"/>
+              <a:t>semantischen</a:t>
+            </a:r>
+            <a:r>
+              <a:rPr lang="en-US" dirty="0"/>
+              <a:t> </a:t>
+            </a:r>
+            <a:r>
+              <a:rPr lang="en-US" dirty="0" err="1" smtClean="0"/>
+              <a:t>Netzwerken</a:t>
+            </a:r>
+            <a:endParaRPr lang="en-US" dirty="0" smtClean="0"/>
+          </a:p>
+          <a:p>
+            <a:pPr marL="285750" indent="-285750">
+              <a:buFont typeface="Arial" panose="020B0604020202020204" pitchFamily="34" charset="0"/>
+              <a:buChar char="•"/>
+            </a:pPr>
+            <a:r>
+              <a:rPr lang="en-US" dirty="0" err="1" smtClean="0"/>
+              <a:t>schlage</a:t>
+            </a:r>
+            <a:r>
+              <a:rPr lang="en-US" dirty="0" smtClean="0"/>
+              <a:t> </a:t>
+            </a:r>
+            <a:r>
+              <a:rPr lang="en-US" dirty="0" err="1"/>
+              <a:t>dem</a:t>
+            </a:r>
+            <a:r>
+              <a:rPr lang="en-US" dirty="0"/>
+              <a:t> </a:t>
+            </a:r>
+            <a:r>
+              <a:rPr lang="en-US" dirty="0" err="1"/>
+              <a:t>Nutzer</a:t>
+            </a:r>
+            <a:r>
+              <a:rPr lang="en-US" dirty="0"/>
+              <a:t> Items </a:t>
+            </a:r>
+            <a:r>
+              <a:rPr lang="en-US" dirty="0" err="1"/>
+              <a:t>vor</a:t>
+            </a:r>
+            <a:r>
+              <a:rPr lang="en-US" dirty="0"/>
+              <a:t>, die </a:t>
+            </a:r>
+            <a:r>
+              <a:rPr lang="en-US" dirty="0" err="1"/>
+              <a:t>denjenigen</a:t>
+            </a:r>
+            <a:r>
+              <a:rPr lang="en-US" dirty="0"/>
+              <a:t> </a:t>
+            </a:r>
+            <a:r>
+              <a:rPr lang="en-US" dirty="0" err="1"/>
+              <a:t>ähnlich</a:t>
+            </a:r>
+            <a:r>
+              <a:rPr lang="en-US" dirty="0"/>
+              <a:t> </a:t>
+            </a:r>
+            <a:r>
+              <a:rPr lang="en-US" dirty="0" err="1"/>
+              <a:t>sind</a:t>
+            </a:r>
+            <a:r>
+              <a:rPr lang="en-US" dirty="0"/>
+              <a:t>, die </a:t>
+            </a:r>
+            <a:r>
+              <a:rPr lang="en-US" dirty="0" err="1"/>
+              <a:t>er</a:t>
+            </a:r>
+            <a:r>
+              <a:rPr lang="en-US" dirty="0"/>
+              <a:t> / </a:t>
+            </a:r>
+            <a:r>
+              <a:rPr lang="en-US" dirty="0" err="1"/>
+              <a:t>sie</a:t>
+            </a:r>
+            <a:r>
+              <a:rPr lang="en-US" dirty="0"/>
+              <a:t> </a:t>
+            </a:r>
+            <a:r>
+              <a:rPr lang="en-US" dirty="0" err="1"/>
+              <a:t>bereits</a:t>
+            </a:r>
+            <a:r>
+              <a:rPr lang="en-US" dirty="0"/>
+              <a:t> </a:t>
+            </a:r>
+            <a:r>
+              <a:rPr lang="en-US" dirty="0" err="1"/>
+              <a:t>positiv</a:t>
+            </a:r>
+            <a:r>
+              <a:rPr lang="en-US" dirty="0"/>
+              <a:t> </a:t>
+            </a:r>
+            <a:r>
+              <a:rPr lang="en-US" dirty="0" err="1"/>
+              <a:t>bewertet</a:t>
+            </a:r>
+            <a:r>
+              <a:rPr lang="en-US" dirty="0"/>
+              <a:t> </a:t>
+            </a:r>
+            <a:r>
+              <a:rPr lang="en-US" dirty="0" smtClean="0"/>
+              <a:t>hat </a:t>
+            </a:r>
+            <a:r>
+              <a:rPr lang="en-US" dirty="0"/>
+              <a:t>(</a:t>
+            </a:r>
+            <a:r>
+              <a:rPr lang="en-US" dirty="0" err="1"/>
+              <a:t>Leute</a:t>
+            </a:r>
+            <a:r>
+              <a:rPr lang="en-US" dirty="0"/>
+              <a:t>, die </a:t>
+            </a:r>
+            <a:r>
+              <a:rPr lang="en-US" dirty="0" err="1" smtClean="0"/>
+              <a:t>Milch</a:t>
+            </a:r>
+            <a:r>
+              <a:rPr lang="en-US" dirty="0" smtClean="0"/>
+              <a:t> </a:t>
+            </a:r>
+            <a:r>
+              <a:rPr lang="en-US" dirty="0" err="1"/>
+              <a:t>kauften</a:t>
+            </a:r>
+            <a:r>
+              <a:rPr lang="en-US" dirty="0"/>
+              <a:t>, </a:t>
+            </a:r>
+            <a:r>
+              <a:rPr lang="en-US" dirty="0" err="1"/>
+              <a:t>kauften</a:t>
+            </a:r>
+            <a:r>
+              <a:rPr lang="en-US" dirty="0"/>
+              <a:t> </a:t>
+            </a:r>
+            <a:r>
+              <a:rPr lang="en-US" dirty="0" err="1" smtClean="0"/>
+              <a:t>auch</a:t>
+            </a:r>
+            <a:r>
+              <a:rPr lang="en-US" dirty="0" smtClean="0"/>
+              <a:t> </a:t>
+            </a:r>
+            <a:r>
+              <a:rPr lang="en-US" dirty="0" err="1" smtClean="0"/>
+              <a:t>Eier</a:t>
+            </a:r>
+            <a:r>
+              <a:rPr lang="en-US" dirty="0" smtClean="0"/>
+              <a:t>)</a:t>
+            </a:r>
+          </a:p>
+          <a:p>
+            <a:pPr marL="285750" indent="-285750">
+              <a:buFont typeface="Arial" panose="020B0604020202020204" pitchFamily="34" charset="0"/>
+              <a:buChar char="•"/>
+            </a:pPr>
+            <a:r>
+              <a:rPr lang="en-US" dirty="0" err="1" smtClean="0"/>
+              <a:t>Benötigt</a:t>
+            </a:r>
+            <a:r>
+              <a:rPr lang="en-US" dirty="0" smtClean="0"/>
+              <a:t> </a:t>
+            </a:r>
+            <a:r>
+              <a:rPr lang="en-US" dirty="0" err="1" smtClean="0"/>
+              <a:t>lediglich</a:t>
+            </a:r>
+            <a:r>
+              <a:rPr lang="en-US" dirty="0" smtClean="0"/>
+              <a:t> Start-</a:t>
+            </a:r>
+            <a:r>
+              <a:rPr lang="en-US" dirty="0" err="1" smtClean="0"/>
+              <a:t>Bewertungen</a:t>
+            </a:r>
+            <a:r>
+              <a:rPr lang="en-US" dirty="0" smtClean="0"/>
+              <a:t> des </a:t>
+            </a:r>
+            <a:r>
+              <a:rPr lang="en-US" dirty="0" err="1" smtClean="0"/>
+              <a:t>Nutzers</a:t>
+            </a:r>
+            <a:r>
+              <a:rPr lang="en-US" dirty="0" smtClean="0"/>
+              <a:t>, </a:t>
+            </a:r>
+            <a:r>
+              <a:rPr lang="en-US" dirty="0" err="1" smtClean="0"/>
+              <a:t>aber</a:t>
+            </a:r>
+            <a:r>
+              <a:rPr lang="en-US" dirty="0" smtClean="0"/>
+              <a:t> </a:t>
+            </a:r>
+            <a:r>
+              <a:rPr lang="en-US" dirty="0" err="1" smtClean="0"/>
+              <a:t>Ähnlichkeitsmaß</a:t>
+            </a:r>
+            <a:r>
+              <a:rPr lang="en-US" dirty="0" smtClean="0"/>
+              <a:t> je </a:t>
+            </a:r>
+            <a:r>
+              <a:rPr lang="en-US" dirty="0" err="1" smtClean="0"/>
+              <a:t>nach</a:t>
+            </a:r>
+            <a:r>
+              <a:rPr lang="en-US" dirty="0" smtClean="0"/>
+              <a:t> </a:t>
+            </a:r>
+            <a:r>
+              <a:rPr lang="en-US" dirty="0" err="1" smtClean="0"/>
+              <a:t>Anwendungsgebiet</a:t>
+            </a:r>
+            <a:r>
+              <a:rPr lang="en-US" dirty="0" smtClean="0"/>
+              <a:t> </a:t>
+            </a:r>
+            <a:r>
+              <a:rPr lang="en-US" dirty="0" err="1" smtClean="0"/>
+              <a:t>ggf</a:t>
+            </a:r>
+            <a:r>
+              <a:rPr lang="en-US" dirty="0" smtClean="0"/>
+              <a:t>. </a:t>
+            </a:r>
+            <a:r>
+              <a:rPr lang="en-US" dirty="0" err="1"/>
+              <a:t>n</a:t>
+            </a:r>
+            <a:r>
+              <a:rPr lang="en-US" dirty="0" err="1" smtClean="0"/>
+              <a:t>icht</a:t>
+            </a:r>
+            <a:r>
+              <a:rPr lang="en-US" dirty="0" smtClean="0"/>
+              <a:t> trivial</a:t>
+            </a:r>
+            <a:endParaRPr lang="en-US" dirty="0"/>
+          </a:p>
+          <a:p>
+            <a:endParaRPr lang="de-DE" dirty="0" err="1" smtClean="0"/>
+          </a:p>
+        </p:txBody>
+      </p:sp>
+      <p:graphicFrame>
+        <p:nvGraphicFramePr>
+          <p:cNvPr id="23" name="Tabelle 22"/>
+          <p:cNvGraphicFramePr>
+            <a:graphicFrameLocks noGrp="1"/>
+          </p:cNvGraphicFramePr>
+          <p:nvPr>
+            <p:extLst>
+              <p:ext uri="{D42A27DB-BD31-4B8C-83A1-F6EECF244321}">
+                <p14:modId xmlns:p14="http://schemas.microsoft.com/office/powerpoint/2010/main" val="3522479494"/>
+              </p:ext>
+            </p:extLst>
+          </p:nvPr>
+        </p:nvGraphicFramePr>
+        <p:xfrm>
+          <a:off x="672888" y="3295649"/>
+          <a:ext cx="3826086" cy="2733152"/>
+        </p:xfrm>
+        <a:graphic>
+          <a:graphicData uri="http://schemas.openxmlformats.org/drawingml/2006/table">
+            <a:tbl>
+              <a:tblPr firstRow="1" bandRow="1">
+                <a:tableStyleId>{7DF18680-E054-41AD-8BC1-D1AEF772440D}</a:tableStyleId>
+              </a:tblPr>
+              <a:tblGrid>
+                <a:gridCol w="849086">
+                  <a:extLst>
+                    <a:ext uri="{9D8B030D-6E8A-4147-A177-3AD203B41FA5}">
+                      <a16:colId xmlns:a16="http://schemas.microsoft.com/office/drawing/2014/main" val="3671169814"/>
+                    </a:ext>
+                  </a:extLst>
+                </a:gridCol>
+                <a:gridCol w="568536">
+                  <a:extLst>
+                    <a:ext uri="{9D8B030D-6E8A-4147-A177-3AD203B41FA5}">
+                      <a16:colId xmlns:a16="http://schemas.microsoft.com/office/drawing/2014/main" val="2732018922"/>
+                    </a:ext>
+                  </a:extLst>
+                </a:gridCol>
+                <a:gridCol w="530050">
+                  <a:extLst>
+                    <a:ext uri="{9D8B030D-6E8A-4147-A177-3AD203B41FA5}">
+                      <a16:colId xmlns:a16="http://schemas.microsoft.com/office/drawing/2014/main" val="497293107"/>
+                    </a:ext>
+                  </a:extLst>
+                </a:gridCol>
+                <a:gridCol w="626138">
+                  <a:extLst>
+                    <a:ext uri="{9D8B030D-6E8A-4147-A177-3AD203B41FA5}">
+                      <a16:colId xmlns:a16="http://schemas.microsoft.com/office/drawing/2014/main" val="1843541253"/>
+                    </a:ext>
+                  </a:extLst>
+                </a:gridCol>
+                <a:gridCol w="626138">
+                  <a:extLst>
+                    <a:ext uri="{9D8B030D-6E8A-4147-A177-3AD203B41FA5}">
+                      <a16:colId xmlns:a16="http://schemas.microsoft.com/office/drawing/2014/main" val="2211584553"/>
+                    </a:ext>
+                  </a:extLst>
+                </a:gridCol>
+                <a:gridCol w="626138">
+                  <a:extLst>
+                    <a:ext uri="{9D8B030D-6E8A-4147-A177-3AD203B41FA5}">
+                      <a16:colId xmlns:a16="http://schemas.microsoft.com/office/drawing/2014/main" val="2187108981"/>
+                    </a:ext>
+                  </a:extLst>
+                </a:gridCol>
+              </a:tblGrid>
+              <a:tr h="683288">
+                <a:tc>
+                  <a:txBody>
+                    <a:bodyPr/>
+                    <a:lstStyle/>
+                    <a:p>
+                      <a:r>
+                        <a:rPr lang="en-US" dirty="0" smtClean="0"/>
+                        <a:t>Item</a:t>
+                      </a:r>
+                    </a:p>
+                    <a:p>
+                      <a:r>
+                        <a:rPr lang="en-US" dirty="0" smtClean="0"/>
+                        <a:t>/Item</a:t>
+                      </a:r>
+                      <a:endParaRPr lang="de-DE" dirty="0"/>
+                    </a:p>
+                  </a:txBody>
+                  <a:tcPr/>
+                </a:tc>
+                <a:tc>
+                  <a:txBody>
+                    <a:bodyPr/>
+                    <a:lstStyle/>
+                    <a:p>
+                      <a:r>
+                        <a:rPr lang="en-US" dirty="0" smtClean="0">
+                          <a:solidFill>
+                            <a:srgbClr val="92D050"/>
+                          </a:solidFill>
+                        </a:rPr>
+                        <a:t>2</a:t>
+                      </a:r>
+                    </a:p>
+                    <a:p>
+                      <a:r>
+                        <a:rPr lang="en-US" dirty="0" smtClean="0">
+                          <a:solidFill>
+                            <a:srgbClr val="92D050"/>
+                          </a:solidFill>
+                        </a:rPr>
+                        <a:t>(3)</a:t>
+                      </a:r>
+                      <a:endParaRPr lang="de-DE" dirty="0">
+                        <a:solidFill>
+                          <a:srgbClr val="92D050"/>
+                        </a:solidFill>
+                      </a:endParaRPr>
+                    </a:p>
+                  </a:txBody>
+                  <a:tcPr/>
+                </a:tc>
+                <a:tc>
+                  <a:txBody>
+                    <a:bodyPr/>
+                    <a:lstStyle/>
+                    <a:p>
+                      <a:r>
+                        <a:rPr lang="en-US" dirty="0" smtClean="0"/>
+                        <a:t>3</a:t>
+                      </a:r>
+                      <a:endParaRPr lang="de-DE" dirty="0"/>
+                    </a:p>
+                  </a:txBody>
+                  <a:tcPr/>
+                </a:tc>
+                <a:tc>
+                  <a:txBody>
+                    <a:bodyPr/>
+                    <a:lstStyle/>
+                    <a:p>
+                      <a:r>
+                        <a:rPr lang="en-US" dirty="0" smtClean="0"/>
+                        <a:t>4</a:t>
+                      </a:r>
+                      <a:endParaRPr lang="de-DE" dirty="0"/>
+                    </a:p>
+                  </a:txBody>
+                  <a:tcPr/>
+                </a:tc>
+                <a:tc>
+                  <a:txBody>
+                    <a:bodyPr/>
+                    <a:lstStyle/>
+                    <a:p>
+                      <a:r>
+                        <a:rPr lang="en-US" dirty="0" smtClean="0">
+                          <a:solidFill>
+                            <a:srgbClr val="92D050"/>
+                          </a:solidFill>
+                        </a:rPr>
+                        <a:t>5</a:t>
+                      </a:r>
+                    </a:p>
+                    <a:p>
+                      <a:r>
+                        <a:rPr lang="en-US" dirty="0" smtClean="0">
+                          <a:solidFill>
+                            <a:srgbClr val="92D050"/>
+                          </a:solidFill>
+                        </a:rPr>
+                        <a:t>(5)</a:t>
+                      </a:r>
+                      <a:endParaRPr lang="de-DE" dirty="0">
+                        <a:solidFill>
+                          <a:srgbClr val="92D050"/>
+                        </a:solidFill>
+                      </a:endParaRPr>
+                    </a:p>
+                  </a:txBody>
+                  <a:tcPr/>
+                </a:tc>
+                <a:tc>
+                  <a:txBody>
+                    <a:bodyPr/>
+                    <a:lstStyle/>
+                    <a:p>
+                      <a:r>
+                        <a:rPr lang="en-US" dirty="0" smtClean="0">
+                          <a:solidFill>
+                            <a:srgbClr val="92D050"/>
+                          </a:solidFill>
+                        </a:rPr>
+                        <a:t>6</a:t>
+                      </a:r>
+                    </a:p>
+                    <a:p>
+                      <a:r>
+                        <a:rPr lang="en-US" dirty="0" smtClean="0">
+                          <a:solidFill>
+                            <a:srgbClr val="92D050"/>
+                          </a:solidFill>
+                        </a:rPr>
+                        <a:t>(4)</a:t>
+                      </a:r>
+                      <a:endParaRPr lang="de-DE" dirty="0">
+                        <a:solidFill>
+                          <a:srgbClr val="92D050"/>
+                        </a:solidFill>
+                      </a:endParaRPr>
+                    </a:p>
+                  </a:txBody>
+                  <a:tcPr/>
+                </a:tc>
+                <a:extLst>
+                  <a:ext uri="{0D108BD9-81ED-4DB2-BD59-A6C34878D82A}">
+                    <a16:rowId xmlns:a16="http://schemas.microsoft.com/office/drawing/2014/main" val="3215733398"/>
+                  </a:ext>
+                </a:extLst>
+              </a:tr>
+              <a:tr h="683288">
+                <a:tc>
+                  <a:txBody>
+                    <a:bodyPr/>
+                    <a:lstStyle/>
+                    <a:p>
+                      <a:r>
+                        <a:rPr lang="en-US" dirty="0" smtClean="0">
+                          <a:solidFill>
+                            <a:schemeClr val="bg1"/>
+                          </a:solidFill>
+                        </a:rPr>
+                        <a:t>1</a:t>
+                      </a:r>
+                      <a:endParaRPr lang="de-DE" dirty="0">
+                        <a:solidFill>
+                          <a:schemeClr val="bg1"/>
+                        </a:solidFill>
+                      </a:endParaRPr>
+                    </a:p>
+                  </a:txBody>
+                  <a:tcPr>
+                    <a:solidFill>
+                      <a:schemeClr val="accent5"/>
+                    </a:solidFill>
+                  </a:tcPr>
+                </a:tc>
+                <a:tc>
+                  <a:txBody>
+                    <a:bodyPr/>
+                    <a:lstStyle/>
+                    <a:p>
+                      <a:r>
+                        <a:rPr lang="en-US" dirty="0" smtClean="0"/>
+                        <a:t>0,2</a:t>
+                      </a:r>
+                      <a:endParaRPr lang="de-DE" dirty="0"/>
+                    </a:p>
+                  </a:txBody>
+                  <a:tcPr/>
+                </a:tc>
+                <a:tc>
+                  <a:txBody>
+                    <a:bodyPr/>
+                    <a:lstStyle/>
+                    <a:p>
+                      <a:r>
+                        <a:rPr lang="en-US" dirty="0" smtClean="0"/>
+                        <a:t>0,7</a:t>
+                      </a:r>
+                      <a:endParaRPr lang="de-DE" dirty="0"/>
+                    </a:p>
+                  </a:txBody>
+                  <a:tcPr/>
+                </a:tc>
+                <a:tc>
+                  <a:txBody>
+                    <a:bodyPr/>
+                    <a:lstStyle/>
+                    <a:p>
+                      <a:r>
+                        <a:rPr lang="en-US" dirty="0" smtClean="0"/>
+                        <a:t>0,3</a:t>
+                      </a:r>
+                      <a:endParaRPr lang="de-DE" dirty="0"/>
+                    </a:p>
+                  </a:txBody>
+                  <a:tcPr/>
+                </a:tc>
+                <a:tc>
+                  <a:txBody>
+                    <a:bodyPr/>
+                    <a:lstStyle/>
+                    <a:p>
+                      <a:r>
+                        <a:rPr lang="en-US" dirty="0" smtClean="0"/>
+                        <a:t>0,9</a:t>
+                      </a:r>
+                      <a:endParaRPr lang="de-DE" dirty="0"/>
+                    </a:p>
+                  </a:txBody>
+                  <a:tcPr/>
+                </a:tc>
+                <a:tc>
+                  <a:txBody>
+                    <a:bodyPr/>
+                    <a:lstStyle/>
+                    <a:p>
+                      <a:r>
+                        <a:rPr lang="en-US" dirty="0" smtClean="0"/>
+                        <a:t>0,0</a:t>
+                      </a:r>
+                      <a:endParaRPr lang="de-DE" dirty="0"/>
+                    </a:p>
+                  </a:txBody>
+                  <a:tcPr/>
+                </a:tc>
+                <a:extLst>
+                  <a:ext uri="{0D108BD9-81ED-4DB2-BD59-A6C34878D82A}">
+                    <a16:rowId xmlns:a16="http://schemas.microsoft.com/office/drawing/2014/main" val="2101585830"/>
+                  </a:ext>
+                </a:extLst>
+              </a:tr>
+              <a:tr h="683288">
+                <a:tc>
+                  <a:txBody>
+                    <a:bodyPr/>
+                    <a:lstStyle/>
+                    <a:p>
+                      <a:r>
+                        <a:rPr lang="en-US" dirty="0" smtClean="0">
+                          <a:solidFill>
+                            <a:schemeClr val="bg1"/>
+                          </a:solidFill>
+                        </a:rPr>
+                        <a:t>3</a:t>
+                      </a:r>
+                      <a:endParaRPr lang="de-DE" dirty="0">
+                        <a:solidFill>
+                          <a:schemeClr val="bg1"/>
+                        </a:solidFill>
+                      </a:endParaRPr>
+                    </a:p>
+                  </a:txBody>
+                  <a:tcPr>
+                    <a:solidFill>
+                      <a:schemeClr val="accent5"/>
+                    </a:solidFill>
+                  </a:tcPr>
+                </a:tc>
+                <a:tc>
+                  <a:txBody>
+                    <a:bodyPr/>
+                    <a:lstStyle/>
+                    <a:p>
+                      <a:r>
+                        <a:rPr lang="en-US" dirty="0" smtClean="0"/>
+                        <a:t>0,0</a:t>
+                      </a:r>
+                      <a:endParaRPr lang="de-DE" dirty="0"/>
+                    </a:p>
+                  </a:txBody>
+                  <a:tcPr/>
+                </a:tc>
+                <a:tc>
+                  <a:txBody>
+                    <a:bodyPr/>
+                    <a:lstStyle/>
+                    <a:p>
+                      <a:endParaRPr lang="de-DE" dirty="0"/>
+                    </a:p>
+                  </a:txBody>
+                  <a:tcPr/>
+                </a:tc>
+                <a:tc>
+                  <a:txBody>
+                    <a:bodyPr/>
+                    <a:lstStyle/>
+                    <a:p>
+                      <a:r>
+                        <a:rPr lang="en-US" dirty="0" smtClean="0"/>
+                        <a:t>0,6</a:t>
+                      </a:r>
+                      <a:endParaRPr lang="de-DE" dirty="0"/>
+                    </a:p>
+                  </a:txBody>
+                  <a:tcPr/>
+                </a:tc>
+                <a:tc>
+                  <a:txBody>
+                    <a:bodyPr/>
+                    <a:lstStyle/>
+                    <a:p>
+                      <a:r>
+                        <a:rPr lang="en-US" dirty="0" smtClean="0"/>
+                        <a:t>0,7</a:t>
+                      </a:r>
+                      <a:endParaRPr lang="de-DE" dirty="0"/>
+                    </a:p>
+                  </a:txBody>
+                  <a:tcPr/>
+                </a:tc>
+                <a:tc>
+                  <a:txBody>
+                    <a:bodyPr/>
+                    <a:lstStyle/>
+                    <a:p>
+                      <a:r>
+                        <a:rPr lang="en-US" dirty="0" smtClean="0"/>
+                        <a:t>0,8</a:t>
+                      </a:r>
+                      <a:endParaRPr lang="de-DE" dirty="0"/>
+                    </a:p>
+                  </a:txBody>
+                  <a:tcPr/>
+                </a:tc>
+                <a:extLst>
+                  <a:ext uri="{0D108BD9-81ED-4DB2-BD59-A6C34878D82A}">
+                    <a16:rowId xmlns:a16="http://schemas.microsoft.com/office/drawing/2014/main" val="2849327640"/>
+                  </a:ext>
+                </a:extLst>
+              </a:tr>
+              <a:tr h="683288">
+                <a:tc>
+                  <a:txBody>
+                    <a:bodyPr/>
+                    <a:lstStyle/>
+                    <a:p>
+                      <a:r>
+                        <a:rPr lang="en-US" smtClean="0">
+                          <a:solidFill>
+                            <a:schemeClr val="bg1"/>
+                          </a:solidFill>
+                        </a:rPr>
+                        <a:t>4</a:t>
+                      </a:r>
+                      <a:endParaRPr lang="de-DE" dirty="0">
+                        <a:solidFill>
+                          <a:schemeClr val="bg1"/>
+                        </a:solidFill>
+                      </a:endParaRPr>
+                    </a:p>
+                  </a:txBody>
+                  <a:tcPr>
+                    <a:solidFill>
+                      <a:schemeClr val="accent5"/>
+                    </a:solidFill>
+                  </a:tcPr>
+                </a:tc>
+                <a:tc>
+                  <a:txBody>
+                    <a:bodyPr/>
+                    <a:lstStyle/>
+                    <a:p>
+                      <a:r>
+                        <a:rPr lang="en-US" smtClean="0"/>
+                        <a:t>0,0</a:t>
+                      </a:r>
+                      <a:endParaRPr lang="de-DE" dirty="0"/>
+                    </a:p>
+                  </a:txBody>
+                  <a:tcPr/>
+                </a:tc>
+                <a:tc>
+                  <a:txBody>
+                    <a:bodyPr/>
+                    <a:lstStyle/>
+                    <a:p>
+                      <a:r>
+                        <a:rPr lang="en-US" smtClean="0"/>
+                        <a:t>0,6</a:t>
+                      </a:r>
+                      <a:endParaRPr lang="de-DE" dirty="0"/>
+                    </a:p>
+                  </a:txBody>
+                  <a:tcPr/>
+                </a:tc>
+                <a:tc>
+                  <a:txBody>
+                    <a:bodyPr/>
+                    <a:lstStyle/>
+                    <a:p>
+                      <a:endParaRPr lang="de-DE" dirty="0"/>
+                    </a:p>
+                  </a:txBody>
+                  <a:tcPr/>
+                </a:tc>
+                <a:tc>
+                  <a:txBody>
+                    <a:bodyPr/>
+                    <a:lstStyle/>
+                    <a:p>
+                      <a:r>
+                        <a:rPr lang="en-US" smtClean="0"/>
+                        <a:t>0,3</a:t>
+                      </a:r>
+                      <a:endParaRPr lang="de-DE" dirty="0"/>
+                    </a:p>
+                  </a:txBody>
+                  <a:tcPr/>
+                </a:tc>
+                <a:tc>
+                  <a:txBody>
+                    <a:bodyPr/>
+                    <a:lstStyle/>
+                    <a:p>
+                      <a:r>
+                        <a:rPr lang="en-US" dirty="0" smtClean="0"/>
+                        <a:t>0,4</a:t>
+                      </a:r>
+                      <a:endParaRPr lang="de-DE" dirty="0"/>
+                    </a:p>
+                  </a:txBody>
+                  <a:tcPr/>
+                </a:tc>
+                <a:extLst>
+                  <a:ext uri="{0D108BD9-81ED-4DB2-BD59-A6C34878D82A}">
+                    <a16:rowId xmlns:a16="http://schemas.microsoft.com/office/drawing/2014/main" val="217265902"/>
+                  </a:ext>
+                </a:extLst>
+              </a:tr>
+            </a:tbl>
+          </a:graphicData>
+        </a:graphic>
+      </p:graphicFrame>
+      <p:sp>
+        <p:nvSpPr>
+          <p:cNvPr id="24" name="Textfeld 23"/>
+          <p:cNvSpPr txBox="1"/>
+          <p:nvPr/>
+        </p:nvSpPr>
+        <p:spPr>
+          <a:xfrm>
+            <a:off x="4606818" y="3988987"/>
+            <a:ext cx="1858945" cy="582804"/>
+          </a:xfrm>
+          <a:prstGeom prst="rect">
+            <a:avLst/>
+          </a:prstGeom>
+          <a:noFill/>
+        </p:spPr>
+        <p:txBody>
+          <a:bodyPr wrap="square" lIns="0" rIns="0" rtlCol="0">
+            <a:noAutofit/>
+          </a:bodyPr>
+          <a:lstStyle/>
+          <a:p>
+            <a:pPr>
+              <a:buClr>
+                <a:schemeClr val="tx2"/>
+              </a:buClr>
+            </a:pPr>
+            <a:r>
+              <a:rPr lang="en-US" dirty="0" smtClean="0"/>
+              <a:t>(0,2 * 3 + 0,9 * 5) </a:t>
+            </a:r>
+          </a:p>
+          <a:p>
+            <a:pPr>
+              <a:buClr>
+                <a:schemeClr val="tx2"/>
+              </a:buClr>
+            </a:pPr>
+            <a:r>
+              <a:rPr lang="en-US" dirty="0" smtClean="0"/>
+              <a:t>/ (0,2 + 0,9) =</a:t>
+            </a:r>
+            <a:endParaRPr lang="de-DE" dirty="0" err="1" smtClean="0"/>
+          </a:p>
+        </p:txBody>
+      </p:sp>
+      <p:sp>
+        <p:nvSpPr>
+          <p:cNvPr id="25" name="Textfeld 24"/>
+          <p:cNvSpPr txBox="1"/>
+          <p:nvPr/>
+        </p:nvSpPr>
+        <p:spPr>
+          <a:xfrm>
+            <a:off x="4606818" y="4661330"/>
+            <a:ext cx="3366198" cy="502417"/>
+          </a:xfrm>
+          <a:prstGeom prst="rect">
+            <a:avLst/>
+          </a:prstGeom>
+          <a:noFill/>
+        </p:spPr>
+        <p:txBody>
+          <a:bodyPr wrap="square" lIns="0" rIns="0" rtlCol="0">
+            <a:noAutofit/>
+          </a:bodyPr>
+          <a:lstStyle/>
+          <a:p>
+            <a:pPr>
+              <a:buClr>
+                <a:schemeClr val="tx2"/>
+              </a:buClr>
+            </a:pPr>
+            <a:r>
+              <a:rPr lang="en-US" dirty="0" smtClean="0"/>
+              <a:t>(0,7 * 5 + 0,8 * 4) </a:t>
+            </a:r>
+          </a:p>
+          <a:p>
+            <a:pPr>
+              <a:buClr>
+                <a:schemeClr val="tx2"/>
+              </a:buClr>
+            </a:pPr>
+            <a:r>
+              <a:rPr lang="en-US" dirty="0" smtClean="0"/>
+              <a:t>/ (0,7 + 0,8) =</a:t>
+            </a:r>
+            <a:endParaRPr lang="de-DE" dirty="0" err="1" smtClean="0"/>
+          </a:p>
+        </p:txBody>
+      </p:sp>
+      <p:sp>
+        <p:nvSpPr>
+          <p:cNvPr id="26" name="Rechteck 25"/>
+          <p:cNvSpPr/>
+          <p:nvPr/>
+        </p:nvSpPr>
+        <p:spPr>
+          <a:xfrm>
+            <a:off x="7575874" y="4095723"/>
+            <a:ext cx="633507" cy="369332"/>
+          </a:xfrm>
+          <a:prstGeom prst="rect">
+            <a:avLst/>
+          </a:prstGeom>
+        </p:spPr>
+        <p:txBody>
+          <a:bodyPr wrap="none">
+            <a:spAutoFit/>
+          </a:bodyPr>
+          <a:lstStyle/>
+          <a:p>
+            <a:pPr>
+              <a:buClr>
+                <a:schemeClr val="tx2"/>
+              </a:buClr>
+            </a:pPr>
+            <a:r>
+              <a:rPr lang="en-US" dirty="0"/>
+              <a:t>4,63</a:t>
+            </a:r>
+            <a:endParaRPr lang="de-DE" dirty="0" err="1"/>
+          </a:p>
+        </p:txBody>
+      </p:sp>
+      <p:sp>
+        <p:nvSpPr>
+          <p:cNvPr id="27" name="Rechteck 26"/>
+          <p:cNvSpPr/>
+          <p:nvPr/>
+        </p:nvSpPr>
+        <p:spPr>
+          <a:xfrm>
+            <a:off x="7575875" y="4727872"/>
+            <a:ext cx="633507" cy="369332"/>
+          </a:xfrm>
+          <a:prstGeom prst="rect">
+            <a:avLst/>
+          </a:prstGeom>
+        </p:spPr>
+        <p:txBody>
+          <a:bodyPr wrap="none">
+            <a:spAutoFit/>
+          </a:bodyPr>
+          <a:lstStyle/>
+          <a:p>
+            <a:pPr>
+              <a:buClr>
+                <a:schemeClr val="tx2"/>
+              </a:buClr>
+            </a:pPr>
+            <a:r>
+              <a:rPr lang="en-US" dirty="0"/>
+              <a:t>4,47</a:t>
+            </a:r>
+            <a:endParaRPr lang="de-DE" dirty="0" err="1"/>
+          </a:p>
+        </p:txBody>
+      </p:sp>
+      <p:sp>
+        <p:nvSpPr>
+          <p:cNvPr id="28" name="Textfeld 27"/>
+          <p:cNvSpPr txBox="1"/>
+          <p:nvPr/>
+        </p:nvSpPr>
+        <p:spPr>
+          <a:xfrm>
+            <a:off x="4606818" y="5350751"/>
+            <a:ext cx="3366198" cy="502417"/>
+          </a:xfrm>
+          <a:prstGeom prst="rect">
+            <a:avLst/>
+          </a:prstGeom>
+          <a:noFill/>
+        </p:spPr>
+        <p:txBody>
+          <a:bodyPr wrap="square" lIns="0" rIns="0" rtlCol="0">
+            <a:noAutofit/>
+          </a:bodyPr>
+          <a:lstStyle/>
+          <a:p>
+            <a:pPr>
+              <a:buClr>
+                <a:schemeClr val="tx2"/>
+              </a:buClr>
+            </a:pPr>
+            <a:r>
+              <a:rPr lang="en-US" dirty="0" smtClean="0"/>
+              <a:t>(0,3 * 5 + 0,4 * 6) </a:t>
+            </a:r>
+          </a:p>
+          <a:p>
+            <a:pPr>
+              <a:buClr>
+                <a:schemeClr val="tx2"/>
+              </a:buClr>
+            </a:pPr>
+            <a:r>
+              <a:rPr lang="en-US" dirty="0" smtClean="0"/>
+              <a:t>/ (0,3 + 0,4) =</a:t>
+            </a:r>
+            <a:endParaRPr lang="de-DE" dirty="0" err="1" smtClean="0"/>
+          </a:p>
+        </p:txBody>
+      </p:sp>
+      <p:sp>
+        <p:nvSpPr>
+          <p:cNvPr id="29" name="Rechteck 28"/>
+          <p:cNvSpPr/>
+          <p:nvPr/>
+        </p:nvSpPr>
+        <p:spPr>
+          <a:xfrm>
+            <a:off x="7575875" y="5360021"/>
+            <a:ext cx="633507" cy="369332"/>
+          </a:xfrm>
+          <a:prstGeom prst="rect">
+            <a:avLst/>
+          </a:prstGeom>
+        </p:spPr>
+        <p:txBody>
+          <a:bodyPr wrap="none">
+            <a:spAutoFit/>
+          </a:bodyPr>
+          <a:lstStyle/>
+          <a:p>
+            <a:pPr>
+              <a:buClr>
+                <a:schemeClr val="tx2"/>
+              </a:buClr>
+            </a:pPr>
+            <a:r>
+              <a:rPr lang="en-US" dirty="0" smtClean="0"/>
+              <a:t>5,57</a:t>
+            </a:r>
+            <a:endParaRPr lang="de-DE" dirty="0" err="1"/>
+          </a:p>
+        </p:txBody>
+      </p:sp>
+    </p:spTree>
+    <p:extLst>
+      <p:ext uri="{BB962C8B-B14F-4D97-AF65-F5344CB8AC3E}">
+        <p14:creationId xmlns:p14="http://schemas.microsoft.com/office/powerpoint/2010/main" val="250895194"/>
+      </p:ext>
+    </p:extLst>
+  </p:cSld>
+  <p:clrMapOvr>
+    <a:masterClrMapping/>
+  </p:clrMapOvr>
+  <mc:AlternateContent xmlns:mc="http://schemas.openxmlformats.org/markup-compatibility/2006" xmlns:p14="http://schemas.microsoft.com/office/powerpoint/2010/main">
+    <mc:Choice Requires="p14">
+      <p:transition spd="slow" p14:dur="2000" advTm="51376"/>
+    </mc:Choice>
+    <mc:Fallback xmlns="">
+      <p:transition spd="slow" advTm="51376"/>
+    </mc:Fallback>
+  </mc:AlternateContent>
+  <p:timing>
+    <p:tnLst>
+      <p:par>
+        <p:cTn id="1" dur="indefinite" restart="never" nodeType="tmRoot"/>
+      </p:par>
+    </p:tnLst>
+  </p:timing>
+</p:sld>
+</file>
+
+<file path=ppt/slides/slide11.xml><?xml version="1.0" encoding="utf-8"?>
 <p:sld xmlns:a="http://schemas.openxmlformats.org/drawingml/2006/main" xmlns:r="http://schemas.openxmlformats.org/officeDocument/2006/relationships" xmlns:p="http://schemas.openxmlformats.org/presentationml/2006/main">
   <p:cSld>
     <p:spTree>
@@ -27149,11 +28397,11 @@
   <p:clrMapOvr>
     <a:masterClrMapping/>
   </p:clrMapOvr>
-  <mc:AlternateContent xmlns:mc="http://schemas.openxmlformats.org/markup-compatibility/2006">
-    <mc:Choice xmlns:p14="http://schemas.microsoft.com/office/powerpoint/2010/main" Requires="p14">
+  <mc:AlternateContent xmlns:mc="http://schemas.openxmlformats.org/markup-compatibility/2006" xmlns:p14="http://schemas.microsoft.com/office/powerpoint/2010/main">
+    <mc:Choice Requires="p14">
       <p:transition spd="slow" p14:dur="2000" advTm="71359"/>
     </mc:Choice>
-    <mc:Fallback>
+    <mc:Fallback xmlns="">
       <p:transition spd="slow" advTm="71359"/>
     </mc:Fallback>
   </mc:AlternateContent>
@@ -27167,7 +28415,7 @@
 </p:sld>
 </file>
 
-<file path=ppt/slides/slide11.xml><?xml version="1.0" encoding="utf-8"?>
+<file path=ppt/slides/slide12.xml><?xml version="1.0" encoding="utf-8"?>
 <p:sld xmlns:a="http://schemas.openxmlformats.org/drawingml/2006/main" xmlns:r="http://schemas.openxmlformats.org/officeDocument/2006/relationships" xmlns:p="http://schemas.openxmlformats.org/presentationml/2006/main">
   <p:cSld>
     <p:spTree>
@@ -27282,7 +28530,7 @@
 </p:sld>
 </file>
 
-<file path=ppt/slides/slide12.xml><?xml version="1.0" encoding="utf-8"?>
+<file path=ppt/slides/slide13.xml><?xml version="1.0" encoding="utf-8"?>
 <p:sld xmlns:a="http://schemas.openxmlformats.org/drawingml/2006/main" xmlns:r="http://schemas.openxmlformats.org/officeDocument/2006/relationships" xmlns:p="http://schemas.openxmlformats.org/presentationml/2006/main">
   <p:cSld>
     <p:spTree>
@@ -27899,127 +29147,12 @@
   <p:clrMapOvr>
     <a:masterClrMapping/>
   </p:clrMapOvr>
-  <mc:AlternateContent xmlns:mc="http://schemas.openxmlformats.org/markup-compatibility/2006">
-    <mc:Choice xmlns:p14="http://schemas.microsoft.com/office/powerpoint/2010/main" Requires="p14">
+  <mc:AlternateContent xmlns:mc="http://schemas.openxmlformats.org/markup-compatibility/2006" xmlns:p14="http://schemas.microsoft.com/office/powerpoint/2010/main">
+    <mc:Choice Requires="p14">
       <p:transition spd="slow" p14:dur="2000" advTm="320090"/>
     </mc:Choice>
-    <mc:Fallback>
+    <mc:Fallback xmlns="">
       <p:transition spd="slow" advTm="320090"/>
-    </mc:Fallback>
-  </mc:AlternateContent>
-  <p:timing>
-    <p:tnLst>
-      <p:par>
-        <p:cTn id="1" dur="indefinite" restart="never" nodeType="tmRoot"/>
-      </p:par>
-    </p:tnLst>
-  </p:timing>
-</p:sld>
-</file>
-
-<file path=ppt/slides/slide13.xml><?xml version="1.0" encoding="utf-8"?>
-<p:sld xmlns:a="http://schemas.openxmlformats.org/drawingml/2006/main" xmlns:r="http://schemas.openxmlformats.org/officeDocument/2006/relationships" xmlns:p="http://schemas.openxmlformats.org/presentationml/2006/main">
-  <p:cSld>
-    <p:spTree>
-      <p:nvGrpSpPr>
-        <p:cNvPr id="1" name=""/>
-        <p:cNvGrpSpPr/>
-        <p:nvPr/>
-      </p:nvGrpSpPr>
-      <p:grpSpPr>
-        <a:xfrm>
-          <a:off x="0" y="0"/>
-          <a:ext cx="0" cy="0"/>
-          <a:chOff x="0" y="0"/>
-          <a:chExt cx="0" cy="0"/>
-        </a:xfrm>
-      </p:grpSpPr>
-      <p:sp>
-        <p:nvSpPr>
-          <p:cNvPr id="2" name="Title 1">
-            <a:extLst>
-              <a:ext uri="{FF2B5EF4-FFF2-40B4-BE49-F238E27FC236}">
-                <a16:creationId xmlns:a16="http://schemas.microsoft.com/office/drawing/2014/main" id="{3585DEC7-004F-2D42-AA0E-E882A5F38DE8}"/>
-              </a:ext>
-            </a:extLst>
-          </p:cNvPr>
-          <p:cNvSpPr>
-            <a:spLocks noGrp="1"/>
-          </p:cNvSpPr>
-          <p:nvPr>
-            <p:ph type="title"/>
-          </p:nvPr>
-        </p:nvSpPr>
-        <p:spPr/>
-        <p:txBody>
-          <a:bodyPr/>
-          <a:lstStyle/>
-          <a:p>
-            <a:r>
-              <a:rPr lang="en-US" dirty="0" smtClean="0"/>
-              <a:t>CRISP – </a:t>
-            </a:r>
-            <a:r>
-              <a:rPr lang="en-US" dirty="0" err="1" smtClean="0"/>
-              <a:t>Phasen</a:t>
-            </a:r>
-            <a:r>
-              <a:rPr lang="en-US" dirty="0" smtClean="0"/>
-              <a:t>/ </a:t>
-            </a:r>
-            <a:r>
-              <a:rPr lang="en-US" dirty="0" err="1" smtClean="0"/>
-              <a:t>Aufgaben</a:t>
-            </a:r>
-            <a:r>
-              <a:rPr lang="en-US" dirty="0" smtClean="0"/>
-              <a:t> Recommender</a:t>
-            </a:r>
-            <a:endParaRPr lang="de-DE" dirty="0"/>
-          </a:p>
-        </p:txBody>
-      </p:sp>
-      <p:graphicFrame>
-        <p:nvGraphicFramePr>
-          <p:cNvPr id="4" name="Inhaltsplatzhalter 3"/>
-          <p:cNvGraphicFramePr>
-            <a:graphicFrameLocks noGrp="1"/>
-          </p:cNvGraphicFramePr>
-          <p:nvPr>
-            <p:ph idx="1"/>
-            <p:extLst>
-              <p:ext uri="{D42A27DB-BD31-4B8C-83A1-F6EECF244321}">
-                <p14:modId xmlns:p14="http://schemas.microsoft.com/office/powerpoint/2010/main" val="1075726593"/>
-              </p:ext>
-            </p:extLst>
-          </p:nvPr>
-        </p:nvGraphicFramePr>
-        <p:xfrm>
-          <a:off x="457200" y="698500"/>
-          <a:ext cx="8229600" cy="5427663"/>
-        </p:xfrm>
-        <a:graphic>
-          <a:graphicData uri="http://schemas.openxmlformats.org/drawingml/2006/diagram">
-            <dgm:relIds xmlns:dgm="http://schemas.openxmlformats.org/drawingml/2006/diagram" xmlns:r="http://schemas.openxmlformats.org/officeDocument/2006/relationships" r:dm="rId3" r:lo="rId4" r:qs="rId5" r:cs="rId6"/>
-          </a:graphicData>
-        </a:graphic>
-      </p:graphicFrame>
-    </p:spTree>
-    <p:extLst>
-      <p:ext uri="{BB962C8B-B14F-4D97-AF65-F5344CB8AC3E}">
-        <p14:creationId xmlns:p14="http://schemas.microsoft.com/office/powerpoint/2010/main" val="3407589446"/>
-      </p:ext>
-    </p:extLst>
-  </p:cSld>
-  <p:clrMapOvr>
-    <a:masterClrMapping/>
-  </p:clrMapOvr>
-  <mc:AlternateContent xmlns:mc="http://schemas.openxmlformats.org/markup-compatibility/2006">
-    <mc:Choice xmlns:p14="http://schemas.microsoft.com/office/powerpoint/2010/main" Requires="p14">
-      <p:transition spd="slow" p14:dur="2000" advTm="170856"/>
-    </mc:Choice>
-    <mc:Fallback>
-      <p:transition spd="slow" advTm="170856"/>
     </mc:Fallback>
   </mc:AlternateContent>
   <p:timing>
@@ -28104,7 +29237,7 @@
             <p:ph idx="1"/>
             <p:extLst>
               <p:ext uri="{D42A27DB-BD31-4B8C-83A1-F6EECF244321}">
-                <p14:modId xmlns:p14="http://schemas.microsoft.com/office/powerpoint/2010/main" val="3755582981"/>
+                <p14:modId xmlns:p14="http://schemas.microsoft.com/office/powerpoint/2010/main" val="1075726593"/>
               </p:ext>
             </p:extLst>
           </p:nvPr>
@@ -28122,19 +29255,19 @@
     </p:spTree>
     <p:extLst>
       <p:ext uri="{BB962C8B-B14F-4D97-AF65-F5344CB8AC3E}">
-        <p14:creationId xmlns:p14="http://schemas.microsoft.com/office/powerpoint/2010/main" val="169569573"/>
+        <p14:creationId xmlns:p14="http://schemas.microsoft.com/office/powerpoint/2010/main" val="3407589446"/>
       </p:ext>
     </p:extLst>
   </p:cSld>
   <p:clrMapOvr>
     <a:masterClrMapping/>
   </p:clrMapOvr>
-  <mc:AlternateContent xmlns:mc="http://schemas.openxmlformats.org/markup-compatibility/2006">
-    <mc:Choice xmlns:p14="http://schemas.microsoft.com/office/powerpoint/2010/main" Requires="p14">
-      <p:transition spd="slow" p14:dur="2000" advTm="197172"/>
+  <mc:AlternateContent xmlns:mc="http://schemas.openxmlformats.org/markup-compatibility/2006" xmlns:p14="http://schemas.microsoft.com/office/powerpoint/2010/main">
+    <mc:Choice Requires="p14">
+      <p:transition spd="slow" p14:dur="2000" advTm="170856"/>
     </mc:Choice>
-    <mc:Fallback>
-      <p:transition spd="slow" advTm="197172"/>
+    <mc:Fallback xmlns="">
+      <p:transition spd="slow" advTm="170856"/>
     </mc:Fallback>
   </mc:AlternateContent>
   <p:timing>
@@ -28166,6 +29299,121 @@
       </p:grpSpPr>
       <p:sp>
         <p:nvSpPr>
+          <p:cNvPr id="2" name="Title 1">
+            <a:extLst>
+              <a:ext uri="{FF2B5EF4-FFF2-40B4-BE49-F238E27FC236}">
+                <a16:creationId xmlns:a16="http://schemas.microsoft.com/office/drawing/2014/main" id="{3585DEC7-004F-2D42-AA0E-E882A5F38DE8}"/>
+              </a:ext>
+            </a:extLst>
+          </p:cNvPr>
+          <p:cNvSpPr>
+            <a:spLocks noGrp="1"/>
+          </p:cNvSpPr>
+          <p:nvPr>
+            <p:ph type="title"/>
+          </p:nvPr>
+        </p:nvSpPr>
+        <p:spPr/>
+        <p:txBody>
+          <a:bodyPr/>
+          <a:lstStyle/>
+          <a:p>
+            <a:r>
+              <a:rPr lang="en-US" dirty="0" smtClean="0"/>
+              <a:t>CRISP – </a:t>
+            </a:r>
+            <a:r>
+              <a:rPr lang="en-US" dirty="0" err="1" smtClean="0"/>
+              <a:t>Phasen</a:t>
+            </a:r>
+            <a:r>
+              <a:rPr lang="en-US" dirty="0" smtClean="0"/>
+              <a:t>/ </a:t>
+            </a:r>
+            <a:r>
+              <a:rPr lang="en-US" dirty="0" err="1" smtClean="0"/>
+              <a:t>Aufgaben</a:t>
+            </a:r>
+            <a:r>
+              <a:rPr lang="en-US" dirty="0" smtClean="0"/>
+              <a:t> Recommender</a:t>
+            </a:r>
+            <a:endParaRPr lang="de-DE" dirty="0"/>
+          </a:p>
+        </p:txBody>
+      </p:sp>
+      <p:graphicFrame>
+        <p:nvGraphicFramePr>
+          <p:cNvPr id="4" name="Inhaltsplatzhalter 3"/>
+          <p:cNvGraphicFramePr>
+            <a:graphicFrameLocks noGrp="1"/>
+          </p:cNvGraphicFramePr>
+          <p:nvPr>
+            <p:ph idx="1"/>
+            <p:extLst>
+              <p:ext uri="{D42A27DB-BD31-4B8C-83A1-F6EECF244321}">
+                <p14:modId xmlns:p14="http://schemas.microsoft.com/office/powerpoint/2010/main" val="3755582981"/>
+              </p:ext>
+            </p:extLst>
+          </p:nvPr>
+        </p:nvGraphicFramePr>
+        <p:xfrm>
+          <a:off x="457200" y="698500"/>
+          <a:ext cx="8229600" cy="5427663"/>
+        </p:xfrm>
+        <a:graphic>
+          <a:graphicData uri="http://schemas.openxmlformats.org/drawingml/2006/diagram">
+            <dgm:relIds xmlns:dgm="http://schemas.openxmlformats.org/drawingml/2006/diagram" xmlns:r="http://schemas.openxmlformats.org/officeDocument/2006/relationships" r:dm="rId3" r:lo="rId4" r:qs="rId5" r:cs="rId6"/>
+          </a:graphicData>
+        </a:graphic>
+      </p:graphicFrame>
+    </p:spTree>
+    <p:extLst>
+      <p:ext uri="{BB962C8B-B14F-4D97-AF65-F5344CB8AC3E}">
+        <p14:creationId xmlns:p14="http://schemas.microsoft.com/office/powerpoint/2010/main" val="169569573"/>
+      </p:ext>
+    </p:extLst>
+  </p:cSld>
+  <p:clrMapOvr>
+    <a:masterClrMapping/>
+  </p:clrMapOvr>
+  <mc:AlternateContent xmlns:mc="http://schemas.openxmlformats.org/markup-compatibility/2006" xmlns:p14="http://schemas.microsoft.com/office/powerpoint/2010/main">
+    <mc:Choice Requires="p14">
+      <p:transition spd="slow" p14:dur="2000" advTm="197172"/>
+    </mc:Choice>
+    <mc:Fallback xmlns="">
+      <p:transition spd="slow" advTm="197172"/>
+    </mc:Fallback>
+  </mc:AlternateContent>
+  <p:timing>
+    <p:tnLst>
+      <p:par>
+        <p:cTn id="1" dur="indefinite" restart="never" nodeType="tmRoot"/>
+      </p:par>
+    </p:tnLst>
+  </p:timing>
+</p:sld>
+</file>
+
+<file path=ppt/slides/slide16.xml><?xml version="1.0" encoding="utf-8"?>
+<p:sld xmlns:a="http://schemas.openxmlformats.org/drawingml/2006/main" xmlns:r="http://schemas.openxmlformats.org/officeDocument/2006/relationships" xmlns:p="http://schemas.openxmlformats.org/presentationml/2006/main">
+  <p:cSld>
+    <p:spTree>
+      <p:nvGrpSpPr>
+        <p:cNvPr id="1" name=""/>
+        <p:cNvGrpSpPr/>
+        <p:nvPr/>
+      </p:nvGrpSpPr>
+      <p:grpSpPr>
+        <a:xfrm>
+          <a:off x="0" y="0"/>
+          <a:ext cx="0" cy="0"/>
+          <a:chOff x="0" y="0"/>
+          <a:chExt cx="0" cy="0"/>
+        </a:xfrm>
+      </p:grpSpPr>
+      <p:sp>
+        <p:nvSpPr>
           <p:cNvPr id="2" name="Title 1"/>
           <p:cNvSpPr>
             <a:spLocks noGrp="1"/>
@@ -28231,11 +29479,11 @@
   <p:clrMapOvr>
     <a:masterClrMapping/>
   </p:clrMapOvr>
-  <mc:AlternateContent xmlns:mc="http://schemas.openxmlformats.org/markup-compatibility/2006">
-    <mc:Choice xmlns:p14="http://schemas.microsoft.com/office/powerpoint/2010/main" Requires="p14">
+  <mc:AlternateContent xmlns:mc="http://schemas.openxmlformats.org/markup-compatibility/2006" xmlns:p14="http://schemas.microsoft.com/office/powerpoint/2010/main">
+    <mc:Choice Requires="p14">
       <p:transition spd="slow" p14:dur="2000" advTm="1992"/>
     </mc:Choice>
-    <mc:Fallback>
+    <mc:Fallback xmlns="">
       <p:transition spd="slow" advTm="1992"/>
     </mc:Fallback>
   </mc:AlternateContent>
@@ -28249,7 +29497,7 @@
 </p:sld>
 </file>
 
-<file path=ppt/slides/slide16.xml><?xml version="1.0" encoding="utf-8"?>
+<file path=ppt/slides/slide17.xml><?xml version="1.0" encoding="utf-8"?>
 <p:sld xmlns:a="http://schemas.openxmlformats.org/drawingml/2006/main" xmlns:r="http://schemas.openxmlformats.org/officeDocument/2006/relationships" xmlns:p="http://schemas.openxmlformats.org/presentationml/2006/main">
   <p:cSld>
     <p:spTree>
@@ -28339,8 +29587,8 @@
         </p:nvSpPr>
         <p:spPr bwMode="auto">
           <a:xfrm>
-            <a:off x="432078" y="349479"/>
-            <a:ext cx="8309987" cy="4185761"/>
+            <a:off x="432078" y="134036"/>
+            <a:ext cx="8309987" cy="4616648"/>
           </a:xfrm>
           <a:prstGeom prst="rect">
             <a:avLst/>
@@ -28552,7 +29800,134 @@
                 <a:ea typeface="Calibri" panose="020F0502020204030204" pitchFamily="34" charset="0"/>
                 <a:cs typeface="Times New Roman" panose="02020603050405020304" pitchFamily="18" charset="0"/>
               </a:rPr>
-              <a:t>In: Knowledge-based systems 46, S. 109–132.</a:t>
+              <a:t>In: Knowledge-based systems 46, S. 109–132</a:t>
+            </a:r>
+            <a:r>
+              <a:rPr lang="en-US" sz="1400" dirty="0" smtClean="0">
+                <a:solidFill>
+                  <a:srgbClr val="44546A"/>
+                </a:solidFill>
+                <a:latin typeface="Calibri" panose="020F0502020204030204" pitchFamily="34" charset="0"/>
+                <a:ea typeface="Calibri" panose="020F0502020204030204" pitchFamily="34" charset="0"/>
+                <a:cs typeface="Times New Roman" panose="02020603050405020304" pitchFamily="18" charset="0"/>
+              </a:rPr>
+              <a:t>.</a:t>
+            </a:r>
+          </a:p>
+          <a:p>
+            <a:pPr defTabSz="914400" eaLnBrk="0" fontAlgn="base" hangingPunct="0">
+              <a:spcBef>
+                <a:spcPct val="0"/>
+              </a:spcBef>
+              <a:spcAft>
+                <a:spcPct val="0"/>
+              </a:spcAft>
+            </a:pPr>
+            <a:endParaRPr lang="en-US" sz="1400" dirty="0">
+              <a:solidFill>
+                <a:srgbClr val="44546A"/>
+              </a:solidFill>
+              <a:latin typeface="Calibri" panose="020F0502020204030204" pitchFamily="34" charset="0"/>
+              <a:ea typeface="Calibri" panose="020F0502020204030204" pitchFamily="34" charset="0"/>
+              <a:cs typeface="Times New Roman" panose="02020603050405020304" pitchFamily="18" charset="0"/>
+            </a:endParaRPr>
+          </a:p>
+          <a:p>
+            <a:pPr defTabSz="914400" eaLnBrk="0" fontAlgn="base" hangingPunct="0">
+              <a:spcBef>
+                <a:spcPct val="0"/>
+              </a:spcBef>
+              <a:spcAft>
+                <a:spcPct val="0"/>
+              </a:spcAft>
+            </a:pPr>
+            <a:r>
+              <a:rPr lang="de-DE" sz="1400" dirty="0">
+                <a:solidFill>
+                  <a:srgbClr val="44546A"/>
+                </a:solidFill>
+                <a:latin typeface="Calibri" panose="020F0502020204030204" pitchFamily="34" charset="0"/>
+                <a:ea typeface="Calibri" panose="020F0502020204030204" pitchFamily="34" charset="0"/>
+                <a:cs typeface="Times New Roman" panose="02020603050405020304" pitchFamily="18" charset="0"/>
+              </a:rPr>
+              <a:t>Burke, Robin (2007): Hybrid web </a:t>
+            </a:r>
+            <a:r>
+              <a:rPr lang="de-DE" sz="1400" dirty="0" err="1">
+                <a:solidFill>
+                  <a:srgbClr val="44546A"/>
+                </a:solidFill>
+                <a:latin typeface="Calibri" panose="020F0502020204030204" pitchFamily="34" charset="0"/>
+                <a:ea typeface="Calibri" panose="020F0502020204030204" pitchFamily="34" charset="0"/>
+                <a:cs typeface="Times New Roman" panose="02020603050405020304" pitchFamily="18" charset="0"/>
+              </a:rPr>
+              <a:t>recommender</a:t>
+            </a:r>
+            <a:r>
+              <a:rPr lang="de-DE" sz="1400" dirty="0">
+                <a:solidFill>
+                  <a:srgbClr val="44546A"/>
+                </a:solidFill>
+                <a:latin typeface="Calibri" panose="020F0502020204030204" pitchFamily="34" charset="0"/>
+                <a:ea typeface="Calibri" panose="020F0502020204030204" pitchFamily="34" charset="0"/>
+                <a:cs typeface="Times New Roman" panose="02020603050405020304" pitchFamily="18" charset="0"/>
+              </a:rPr>
+              <a:t> </a:t>
+            </a:r>
+            <a:r>
+              <a:rPr lang="de-DE" sz="1400" dirty="0" err="1">
+                <a:solidFill>
+                  <a:srgbClr val="44546A"/>
+                </a:solidFill>
+                <a:latin typeface="Calibri" panose="020F0502020204030204" pitchFamily="34" charset="0"/>
+                <a:ea typeface="Calibri" panose="020F0502020204030204" pitchFamily="34" charset="0"/>
+                <a:cs typeface="Times New Roman" panose="02020603050405020304" pitchFamily="18" charset="0"/>
+              </a:rPr>
+              <a:t>systems</a:t>
+            </a:r>
+            <a:r>
+              <a:rPr lang="de-DE" sz="1400" dirty="0">
+                <a:solidFill>
+                  <a:srgbClr val="44546A"/>
+                </a:solidFill>
+                <a:latin typeface="Calibri" panose="020F0502020204030204" pitchFamily="34" charset="0"/>
+                <a:ea typeface="Calibri" panose="020F0502020204030204" pitchFamily="34" charset="0"/>
+                <a:cs typeface="Times New Roman" panose="02020603050405020304" pitchFamily="18" charset="0"/>
+              </a:rPr>
+              <a:t>. </a:t>
+            </a:r>
+            <a:r>
+              <a:rPr lang="en-US" sz="1400" dirty="0">
+                <a:solidFill>
+                  <a:srgbClr val="44546A"/>
+                </a:solidFill>
+                <a:latin typeface="Calibri" panose="020F0502020204030204" pitchFamily="34" charset="0"/>
+                <a:ea typeface="Calibri" panose="020F0502020204030204" pitchFamily="34" charset="0"/>
+                <a:cs typeface="Times New Roman" panose="02020603050405020304" pitchFamily="18" charset="0"/>
+              </a:rPr>
+              <a:t>In: The adaptive web: Springer, S. </a:t>
+            </a:r>
+            <a:r>
+              <a:rPr lang="en-US" sz="1400" dirty="0">
+                <a:solidFill>
+                  <a:srgbClr val="44546A"/>
+                </a:solidFill>
+                <a:latin typeface="Calibri" panose="020F0502020204030204" pitchFamily="34" charset="0"/>
+                <a:ea typeface="Calibri" panose="020F0502020204030204" pitchFamily="34" charset="0"/>
+                <a:cs typeface="Times New Roman" panose="02020603050405020304" pitchFamily="18" charset="0"/>
+              </a:rPr>
+              <a:t>377–408</a:t>
+            </a:r>
+            <a:r>
+              <a:rPr lang="en-US" sz="1400" dirty="0" smtClean="0">
+                <a:solidFill>
+                  <a:srgbClr val="44546A"/>
+                </a:solidFill>
+                <a:latin typeface="Calibri" panose="020F0502020204030204" pitchFamily="34" charset="0"/>
+                <a:ea typeface="Calibri" panose="020F0502020204030204" pitchFamily="34" charset="0"/>
+                <a:cs typeface="Times New Roman" panose="02020603050405020304" pitchFamily="18" charset="0"/>
+              </a:rPr>
+              <a:t>.</a:t>
             </a:r>
             <a:endParaRPr lang="de-DE" sz="1400" dirty="0">
               <a:solidFill>
@@ -29051,11 +30426,11 @@
   <p:clrMapOvr>
     <a:masterClrMapping/>
   </p:clrMapOvr>
-  <mc:AlternateContent xmlns:mc="http://schemas.openxmlformats.org/markup-compatibility/2006">
-    <mc:Choice xmlns:p14="http://schemas.microsoft.com/office/powerpoint/2010/main" Requires="p14">
+  <mc:AlternateContent xmlns:mc="http://schemas.openxmlformats.org/markup-compatibility/2006" xmlns:p14="http://schemas.microsoft.com/office/powerpoint/2010/main">
+    <mc:Choice Requires="p14">
       <p:transition spd="slow" p14:dur="2000" advTm="1537"/>
     </mc:Choice>
-    <mc:Fallback>
+    <mc:Fallback xmlns="">
       <p:transition spd="slow" advTm="1537"/>
     </mc:Fallback>
   </mc:AlternateContent>
@@ -29069,7 +30444,7 @@
 </p:sld>
 </file>
 
-<file path=ppt/slides/slide17.xml><?xml version="1.0" encoding="utf-8"?>
+<file path=ppt/slides/slide18.xml><?xml version="1.0" encoding="utf-8"?>
 <p:sld xmlns:a="http://schemas.openxmlformats.org/drawingml/2006/main" xmlns:r="http://schemas.openxmlformats.org/officeDocument/2006/relationships" xmlns:p="http://schemas.openxmlformats.org/presentationml/2006/main">
   <p:cSld>
     <p:spTree>
@@ -29490,11 +30865,11 @@
   <p:clrMapOvr>
     <a:masterClrMapping/>
   </p:clrMapOvr>
-  <mc:AlternateContent xmlns:mc="http://schemas.openxmlformats.org/markup-compatibility/2006">
-    <mc:Choice xmlns:p14="http://schemas.microsoft.com/office/powerpoint/2010/main" Requires="p14">
+  <mc:AlternateContent xmlns:mc="http://schemas.openxmlformats.org/markup-compatibility/2006" xmlns:p14="http://schemas.microsoft.com/office/powerpoint/2010/main">
+    <mc:Choice Requires="p14">
       <p:transition spd="slow" p14:dur="2000" advTm="17446"/>
     </mc:Choice>
-    <mc:Fallback>
+    <mc:Fallback xmlns="">
       <p:transition spd="slow" advTm="17446"/>
     </mc:Fallback>
   </mc:AlternateContent>
@@ -29508,7 +30883,7 @@
 </p:sld>
 </file>
 
-<file path=ppt/slides/slide18.xml><?xml version="1.0" encoding="utf-8"?>
+<file path=ppt/slides/slide19.xml><?xml version="1.0" encoding="utf-8"?>
 <p:sld xmlns:a="http://schemas.openxmlformats.org/drawingml/2006/main" xmlns:r="http://schemas.openxmlformats.org/officeDocument/2006/relationships" xmlns:p="http://schemas.openxmlformats.org/presentationml/2006/main">
   <p:cSld>
     <p:spTree>
@@ -29592,11 +30967,11 @@
   <p:clrMapOvr>
     <a:masterClrMapping/>
   </p:clrMapOvr>
-  <mc:AlternateContent xmlns:mc="http://schemas.openxmlformats.org/markup-compatibility/2006">
-    <mc:Choice xmlns:p14="http://schemas.microsoft.com/office/powerpoint/2010/main" Requires="p14">
+  <mc:AlternateContent xmlns:mc="http://schemas.openxmlformats.org/markup-compatibility/2006" xmlns:p14="http://schemas.microsoft.com/office/powerpoint/2010/main">
+    <mc:Choice Requires="p14">
       <p:transition spd="slow" p14:dur="2000" advTm="20999"/>
     </mc:Choice>
-    <mc:Fallback>
+    <mc:Fallback xmlns="">
       <p:transition spd="slow" advTm="20999"/>
     </mc:Fallback>
   </mc:AlternateContent>
@@ -29610,7 +30985,7 @@
 </p:sld>
 </file>
 
-<file path=ppt/slides/slide19.xml><?xml version="1.0" encoding="utf-8"?>
+<file path=ppt/slides/slide2.xml><?xml version="1.0" encoding="utf-8"?>
 <p:sld xmlns:a="http://schemas.openxmlformats.org/drawingml/2006/main" xmlns:r="http://schemas.openxmlformats.org/officeDocument/2006/relationships" xmlns:p="http://schemas.openxmlformats.org/presentationml/2006/main">
   <p:cSld>
     <p:spTree>
@@ -29643,16 +31018,683 @@
           <a:lstStyle/>
           <a:p>
             <a:r>
+              <a:rPr lang="en-US" dirty="0"/>
+              <a:t>Recommender </a:t>
+            </a:r>
+            <a:r>
+              <a:rPr lang="en-US" dirty="0" err="1"/>
+              <a:t>Systeme</a:t>
+            </a:r>
+            <a:endParaRPr lang="de-DE" dirty="0"/>
+          </a:p>
+        </p:txBody>
+      </p:sp>
+      <p:sp>
+        <p:nvSpPr>
+          <p:cNvPr id="3" name="Inhaltsplatzhalter 2"/>
+          <p:cNvSpPr>
+            <a:spLocks noGrp="1"/>
+          </p:cNvSpPr>
+          <p:nvPr>
+            <p:ph sz="half" idx="1"/>
+          </p:nvPr>
+        </p:nvSpPr>
+        <p:spPr>
+          <a:xfrm>
+            <a:off x="457200" y="1049339"/>
+            <a:ext cx="4566976" cy="4567690"/>
+          </a:xfrm>
+        </p:spPr>
+        <p:txBody>
+          <a:bodyPr>
+            <a:normAutofit fontScale="85000" lnSpcReduction="20000"/>
+          </a:bodyPr>
+          <a:lstStyle/>
+          <a:p>
+            <a:r>
+              <a:rPr lang="en-US" dirty="0" smtClean="0"/>
+              <a:t>Die </a:t>
+            </a:r>
+            <a:r>
+              <a:rPr lang="en-US" dirty="0" err="1" smtClean="0"/>
+              <a:t>Aufgabe</a:t>
+            </a:r>
+            <a:r>
+              <a:rPr lang="en-US" dirty="0" smtClean="0"/>
+              <a:t> </a:t>
+            </a:r>
+            <a:r>
+              <a:rPr lang="en-US" dirty="0" err="1" smtClean="0"/>
+              <a:t>eines</a:t>
+            </a:r>
+            <a:r>
+              <a:rPr lang="en-US" dirty="0" smtClean="0"/>
+              <a:t> Recommender Systems </a:t>
+            </a:r>
+            <a:r>
+              <a:rPr lang="en-US" dirty="0" err="1" smtClean="0"/>
+              <a:t>ist</a:t>
+            </a:r>
+            <a:r>
+              <a:rPr lang="en-US" dirty="0" smtClean="0"/>
+              <a:t> </a:t>
+            </a:r>
+            <a:r>
+              <a:rPr lang="en-US" dirty="0" err="1" smtClean="0"/>
+              <a:t>es</a:t>
+            </a:r>
+            <a:r>
+              <a:rPr lang="en-US" dirty="0" smtClean="0"/>
+              <a:t>, </a:t>
+            </a:r>
+            <a:r>
+              <a:rPr lang="en-US" dirty="0" err="1" smtClean="0"/>
+              <a:t>Daten</a:t>
+            </a:r>
+            <a:r>
+              <a:rPr lang="en-US" dirty="0" smtClean="0"/>
+              <a:t> </a:t>
+            </a:r>
+            <a:r>
+              <a:rPr lang="en-US" dirty="0" err="1" smtClean="0"/>
+              <a:t>über</a:t>
+            </a:r>
+            <a:r>
+              <a:rPr lang="en-US" dirty="0" smtClean="0"/>
+              <a:t> </a:t>
+            </a:r>
+            <a:r>
+              <a:rPr lang="en-US" dirty="0" err="1" smtClean="0"/>
+              <a:t>Nutzer</a:t>
+            </a:r>
+            <a:r>
+              <a:rPr lang="en-US" dirty="0" smtClean="0"/>
+              <a:t> und </a:t>
+            </a:r>
+            <a:r>
+              <a:rPr lang="en-US" dirty="0" err="1" smtClean="0"/>
+              <a:t>ihre</a:t>
+            </a:r>
+            <a:r>
+              <a:rPr lang="en-US" dirty="0" smtClean="0"/>
+              <a:t> </a:t>
+            </a:r>
+            <a:r>
+              <a:rPr lang="en-US" dirty="0" err="1" smtClean="0"/>
+              <a:t>Vorlieben</a:t>
+            </a:r>
+            <a:r>
+              <a:rPr lang="en-US" dirty="0" smtClean="0"/>
+              <a:t> in </a:t>
+            </a:r>
+            <a:r>
+              <a:rPr lang="en-US" dirty="0" err="1" smtClean="0"/>
+              <a:t>Vorhersagen</a:t>
+            </a:r>
+            <a:r>
+              <a:rPr lang="en-US" dirty="0" smtClean="0"/>
+              <a:t> der </a:t>
+            </a:r>
+            <a:r>
+              <a:rPr lang="en-US" dirty="0" err="1" smtClean="0"/>
+              <a:t>zukünfigen</a:t>
+            </a:r>
+            <a:r>
+              <a:rPr lang="en-US" dirty="0" smtClean="0"/>
+              <a:t> </a:t>
+            </a:r>
+            <a:r>
+              <a:rPr lang="en-US" dirty="0" err="1" smtClean="0"/>
+              <a:t>Vorlieben</a:t>
+            </a:r>
+            <a:r>
+              <a:rPr lang="en-US" dirty="0" smtClean="0"/>
+              <a:t> und </a:t>
+            </a:r>
+            <a:r>
+              <a:rPr lang="en-US" dirty="0" err="1" smtClean="0"/>
+              <a:t>Interessen</a:t>
+            </a:r>
+            <a:r>
+              <a:rPr lang="en-US" dirty="0" smtClean="0"/>
+              <a:t> </a:t>
+            </a:r>
+            <a:r>
+              <a:rPr lang="en-US" dirty="0" err="1" smtClean="0"/>
+              <a:t>eines</a:t>
+            </a:r>
+            <a:r>
+              <a:rPr lang="en-US" dirty="0" smtClean="0"/>
+              <a:t> </a:t>
+            </a:r>
+            <a:r>
+              <a:rPr lang="en-US" dirty="0" err="1" smtClean="0"/>
+              <a:t>Nutzers</a:t>
+            </a:r>
+            <a:r>
+              <a:rPr lang="en-US" dirty="0" smtClean="0"/>
+              <a:t> </a:t>
+            </a:r>
+            <a:r>
+              <a:rPr lang="en-US" dirty="0" err="1" smtClean="0"/>
+              <a:t>umzuwandeln</a:t>
+            </a:r>
+            <a:r>
+              <a:rPr lang="en-US" dirty="0" smtClean="0"/>
+              <a:t>. </a:t>
+            </a:r>
+          </a:p>
+          <a:p>
+            <a:pPr marL="0" indent="0">
+              <a:buNone/>
+            </a:pPr>
+            <a:r>
+              <a:rPr lang="en-US" sz="1000" dirty="0" smtClean="0"/>
+              <a:t>           (</a:t>
+            </a:r>
+            <a:r>
+              <a:rPr lang="en-US" sz="1000" dirty="0" err="1"/>
+              <a:t>Lü</a:t>
+            </a:r>
+            <a:r>
+              <a:rPr lang="en-US" sz="1000" dirty="0"/>
+              <a:t> et al. 2012, S. 2</a:t>
+            </a:r>
+            <a:r>
+              <a:rPr lang="en-US" sz="1000" dirty="0" smtClean="0"/>
+              <a:t>)</a:t>
+            </a:r>
+          </a:p>
+          <a:p>
+            <a:pPr marL="0" indent="0">
+              <a:buNone/>
+            </a:pPr>
+            <a:endParaRPr lang="en-US" sz="1000" dirty="0" smtClean="0"/>
+          </a:p>
+          <a:p>
+            <a:r>
+              <a:rPr lang="en-US" dirty="0" err="1" smtClean="0"/>
+              <a:t>Im</a:t>
+            </a:r>
+            <a:r>
+              <a:rPr lang="en-US" dirty="0" smtClean="0"/>
+              <a:t> </a:t>
+            </a:r>
+            <a:r>
+              <a:rPr lang="en-US" dirty="0" err="1" smtClean="0"/>
+              <a:t>Allgemeinen</a:t>
+            </a:r>
+            <a:r>
+              <a:rPr lang="en-US" dirty="0" smtClean="0"/>
+              <a:t> </a:t>
+            </a:r>
+            <a:r>
+              <a:rPr lang="en-US" dirty="0" err="1" smtClean="0"/>
+              <a:t>helfen</a:t>
+            </a:r>
+            <a:r>
+              <a:rPr lang="en-US" dirty="0" smtClean="0"/>
+              <a:t> Recommender </a:t>
+            </a:r>
+            <a:r>
+              <a:rPr lang="en-US" dirty="0" err="1" smtClean="0"/>
+              <a:t>Systeme</a:t>
+            </a:r>
+            <a:r>
+              <a:rPr lang="en-US" dirty="0" smtClean="0"/>
+              <a:t> </a:t>
+            </a:r>
+            <a:r>
+              <a:rPr lang="en-US" dirty="0" err="1" smtClean="0"/>
+              <a:t>Nutzern</a:t>
+            </a:r>
+            <a:r>
+              <a:rPr lang="en-US" dirty="0" smtClean="0"/>
+              <a:t>, </a:t>
+            </a:r>
+            <a:r>
+              <a:rPr lang="en-US" dirty="0" err="1" smtClean="0"/>
+              <a:t>Inhalte</a:t>
+            </a:r>
+            <a:r>
+              <a:rPr lang="en-US" dirty="0" smtClean="0"/>
+              <a:t>, </a:t>
+            </a:r>
+            <a:r>
+              <a:rPr lang="en-US" dirty="0" err="1" smtClean="0"/>
+              <a:t>Produkte</a:t>
+            </a:r>
+            <a:r>
+              <a:rPr lang="en-US" dirty="0" smtClean="0"/>
+              <a:t> </a:t>
+            </a:r>
+            <a:r>
+              <a:rPr lang="en-US" dirty="0" err="1" smtClean="0"/>
+              <a:t>oder</a:t>
+            </a:r>
+            <a:r>
+              <a:rPr lang="en-US" dirty="0" smtClean="0"/>
+              <a:t> </a:t>
+            </a:r>
+            <a:r>
+              <a:rPr lang="en-US" dirty="0" err="1" smtClean="0"/>
+              <a:t>Dienstleistungen</a:t>
+            </a:r>
+            <a:r>
+              <a:rPr lang="en-US" dirty="0" smtClean="0"/>
+              <a:t> </a:t>
+            </a:r>
+            <a:r>
+              <a:rPr lang="en-US" dirty="0" err="1" smtClean="0"/>
+              <a:t>zu</a:t>
+            </a:r>
+            <a:r>
+              <a:rPr lang="en-US" dirty="0" smtClean="0"/>
+              <a:t> </a:t>
+            </a:r>
+            <a:r>
+              <a:rPr lang="en-US" dirty="0" err="1" smtClean="0"/>
+              <a:t>finden</a:t>
+            </a:r>
+            <a:r>
+              <a:rPr lang="en-US" dirty="0" smtClean="0"/>
+              <a:t>, </a:t>
+            </a:r>
+            <a:r>
+              <a:rPr lang="en-US" dirty="0" err="1" smtClean="0"/>
+              <a:t>indem</a:t>
+            </a:r>
+            <a:r>
+              <a:rPr lang="en-US" dirty="0" smtClean="0"/>
+              <a:t> </a:t>
+            </a:r>
+            <a:r>
+              <a:rPr lang="en-US" dirty="0" err="1" smtClean="0"/>
+              <a:t>sie</a:t>
+            </a:r>
+            <a:r>
+              <a:rPr lang="en-US" dirty="0" smtClean="0"/>
+              <a:t> </a:t>
+            </a:r>
+            <a:r>
+              <a:rPr lang="en-US" dirty="0" err="1" smtClean="0"/>
+              <a:t>Vorschläge</a:t>
+            </a:r>
+            <a:r>
+              <a:rPr lang="en-US" dirty="0" smtClean="0"/>
+              <a:t> und </a:t>
+            </a:r>
+            <a:r>
+              <a:rPr lang="en-US" dirty="0" err="1" smtClean="0"/>
+              <a:t>Bewertungen</a:t>
+            </a:r>
+            <a:r>
+              <a:rPr lang="en-US" dirty="0" smtClean="0"/>
+              <a:t> </a:t>
+            </a:r>
+            <a:r>
+              <a:rPr lang="en-US" dirty="0" err="1" smtClean="0"/>
+              <a:t>anderer</a:t>
+            </a:r>
+            <a:r>
+              <a:rPr lang="en-US" dirty="0" smtClean="0"/>
+              <a:t> </a:t>
+            </a:r>
+            <a:r>
+              <a:rPr lang="en-US" dirty="0" err="1" smtClean="0"/>
+              <a:t>Nutzer</a:t>
+            </a:r>
+            <a:r>
+              <a:rPr lang="en-US" dirty="0" smtClean="0"/>
+              <a:t> </a:t>
+            </a:r>
+            <a:r>
+              <a:rPr lang="en-US" dirty="0" err="1" smtClean="0"/>
+              <a:t>aggregieren</a:t>
+            </a:r>
+            <a:r>
+              <a:rPr lang="en-US" dirty="0" smtClean="0"/>
+              <a:t>. </a:t>
+            </a:r>
+            <a:r>
+              <a:rPr lang="en-US" sz="1000" dirty="0" smtClean="0"/>
+              <a:t>(</a:t>
+            </a:r>
+            <a:r>
+              <a:rPr lang="en-US" sz="1000" dirty="0" err="1"/>
+              <a:t>Deuk</a:t>
+            </a:r>
+            <a:r>
+              <a:rPr lang="en-US" sz="1000" dirty="0"/>
+              <a:t> </a:t>
+            </a:r>
+            <a:r>
+              <a:rPr lang="en-US" sz="1000" dirty="0" err="1"/>
+              <a:t>Hee</a:t>
+            </a:r>
+            <a:r>
+              <a:rPr lang="en-US" sz="1000" dirty="0"/>
+              <a:t> Park et al. 2012, S. 10059</a:t>
+            </a:r>
+            <a:r>
+              <a:rPr lang="en-US" sz="1000" dirty="0" smtClean="0"/>
+              <a:t>)</a:t>
+            </a:r>
+          </a:p>
+          <a:p>
+            <a:pPr marL="0" indent="0">
+              <a:buNone/>
+            </a:pPr>
+            <a:endParaRPr lang="de-DE" sz="1000" dirty="0"/>
+          </a:p>
+          <a:p>
+            <a:r>
+              <a:rPr lang="en-US" dirty="0" smtClean="0"/>
+              <a:t>Recommender </a:t>
+            </a:r>
+            <a:r>
+              <a:rPr lang="en-US" dirty="0" err="1" smtClean="0"/>
+              <a:t>Systeme</a:t>
+            </a:r>
+            <a:r>
+              <a:rPr lang="en-US" dirty="0" smtClean="0"/>
+              <a:t> </a:t>
+            </a:r>
+            <a:r>
+              <a:rPr lang="en-US" dirty="0" err="1" smtClean="0"/>
+              <a:t>nutzen</a:t>
+            </a:r>
+            <a:r>
+              <a:rPr lang="en-US" dirty="0" smtClean="0"/>
+              <a:t> </a:t>
+            </a:r>
+            <a:r>
+              <a:rPr lang="en-US" dirty="0" err="1" smtClean="0"/>
+              <a:t>verschiedene</a:t>
+            </a:r>
+            <a:r>
+              <a:rPr lang="en-US" dirty="0" smtClean="0"/>
+              <a:t> </a:t>
+            </a:r>
+            <a:r>
+              <a:rPr lang="en-US" dirty="0" err="1" smtClean="0"/>
+              <a:t>Quellen</a:t>
+            </a:r>
+            <a:r>
+              <a:rPr lang="en-US" dirty="0" smtClean="0"/>
+              <a:t> von </a:t>
+            </a:r>
+            <a:r>
+              <a:rPr lang="en-US" dirty="0" err="1" smtClean="0"/>
+              <a:t>Informationen</a:t>
+            </a:r>
+            <a:r>
+              <a:rPr lang="en-US" dirty="0" smtClean="0"/>
+              <a:t> um </a:t>
+            </a:r>
+            <a:r>
+              <a:rPr lang="en-US" dirty="0" err="1" smtClean="0"/>
+              <a:t>Nutzern</a:t>
+            </a:r>
+            <a:r>
+              <a:rPr lang="en-US" dirty="0" smtClean="0"/>
+              <a:t> </a:t>
+            </a:r>
+            <a:r>
+              <a:rPr lang="en-US" dirty="0" err="1" smtClean="0"/>
+              <a:t>Empfehlungen</a:t>
+            </a:r>
+            <a:r>
+              <a:rPr lang="en-US" dirty="0" smtClean="0"/>
+              <a:t> </a:t>
+            </a:r>
+            <a:r>
+              <a:rPr lang="en-US" dirty="0" err="1" smtClean="0"/>
+              <a:t>geben</a:t>
+            </a:r>
+            <a:r>
+              <a:rPr lang="en-US" dirty="0" smtClean="0"/>
+              <a:t>. </a:t>
+            </a:r>
+            <a:r>
+              <a:rPr lang="en-US" dirty="0" err="1" smtClean="0"/>
+              <a:t>Sie</a:t>
+            </a:r>
+            <a:r>
+              <a:rPr lang="en-US" dirty="0" smtClean="0"/>
+              <a:t> </a:t>
+            </a:r>
+            <a:r>
+              <a:rPr lang="en-US" dirty="0" err="1" smtClean="0"/>
+              <a:t>versuchen</a:t>
+            </a:r>
+            <a:r>
+              <a:rPr lang="en-US" dirty="0" smtClean="0"/>
+              <a:t>, </a:t>
+            </a:r>
+            <a:r>
+              <a:rPr lang="en-US" dirty="0" err="1" smtClean="0"/>
+              <a:t>Faktoren</a:t>
+            </a:r>
+            <a:r>
+              <a:rPr lang="en-US" dirty="0" smtClean="0"/>
+              <a:t> </a:t>
+            </a:r>
+            <a:r>
+              <a:rPr lang="en-US" dirty="0" err="1" smtClean="0"/>
+              <a:t>wie</a:t>
+            </a:r>
+            <a:r>
+              <a:rPr lang="en-US" dirty="0" smtClean="0"/>
+              <a:t> </a:t>
+            </a:r>
+            <a:r>
+              <a:rPr lang="en-US" dirty="0" err="1" smtClean="0"/>
+              <a:t>Genauigkeit</a:t>
+            </a:r>
+            <a:r>
+              <a:rPr lang="en-US" dirty="0" smtClean="0"/>
+              <a:t>, </a:t>
+            </a:r>
+            <a:r>
+              <a:rPr lang="en-US" dirty="0" err="1" smtClean="0"/>
+              <a:t>Neuheit</a:t>
+            </a:r>
+            <a:r>
+              <a:rPr lang="en-US" dirty="0" smtClean="0"/>
+              <a:t>, </a:t>
+            </a:r>
+            <a:r>
+              <a:rPr lang="en-US" dirty="0" err="1" smtClean="0"/>
+              <a:t>Verschiedenheit</a:t>
+            </a:r>
+            <a:r>
+              <a:rPr lang="en-US" dirty="0" smtClean="0"/>
+              <a:t> (</a:t>
+            </a:r>
+            <a:r>
+              <a:rPr lang="en-US" dirty="0" err="1" smtClean="0"/>
+              <a:t>dispersity</a:t>
+            </a:r>
+            <a:r>
+              <a:rPr lang="en-US" dirty="0" smtClean="0"/>
+              <a:t>) und </a:t>
+            </a:r>
+            <a:r>
+              <a:rPr lang="en-US" dirty="0" err="1" smtClean="0"/>
+              <a:t>eine</a:t>
+            </a:r>
+            <a:r>
+              <a:rPr lang="en-US" dirty="0" smtClean="0"/>
+              <a:t> </a:t>
+            </a:r>
+            <a:r>
+              <a:rPr lang="en-US" dirty="0" err="1" smtClean="0"/>
+              <a:t>Stabiltät</a:t>
+            </a:r>
+            <a:r>
+              <a:rPr lang="en-US" dirty="0" smtClean="0"/>
+              <a:t> der </a:t>
+            </a:r>
+            <a:r>
+              <a:rPr lang="en-US" dirty="0" err="1" smtClean="0"/>
+              <a:t>Vorhersagen</a:t>
+            </a:r>
+            <a:r>
+              <a:rPr lang="en-US" dirty="0" smtClean="0"/>
+              <a:t> </a:t>
+            </a:r>
+            <a:r>
+              <a:rPr lang="en-US" dirty="0" err="1" smtClean="0"/>
+              <a:t>miteinander</a:t>
+            </a:r>
+            <a:r>
+              <a:rPr lang="en-US" dirty="0" smtClean="0"/>
+              <a:t> in </a:t>
+            </a:r>
+            <a:r>
+              <a:rPr lang="en-US" dirty="0" err="1" smtClean="0"/>
+              <a:t>Einklang</a:t>
+            </a:r>
+            <a:r>
+              <a:rPr lang="en-US" dirty="0" smtClean="0"/>
+              <a:t> </a:t>
+            </a:r>
+            <a:r>
+              <a:rPr lang="en-US" dirty="0" err="1" smtClean="0"/>
+              <a:t>zu</a:t>
+            </a:r>
+            <a:r>
+              <a:rPr lang="en-US" dirty="0" smtClean="0"/>
+              <a:t> </a:t>
+            </a:r>
+            <a:r>
+              <a:rPr lang="en-US" dirty="0" err="1" smtClean="0"/>
+              <a:t>bringen</a:t>
+            </a:r>
+            <a:r>
+              <a:rPr lang="en-US" dirty="0" smtClean="0"/>
+              <a:t>. </a:t>
+            </a:r>
+          </a:p>
+          <a:p>
+            <a:pPr marL="0" indent="0">
+              <a:buNone/>
+            </a:pPr>
+            <a:r>
+              <a:rPr lang="en-US" sz="1000" dirty="0" smtClean="0"/>
+              <a:t>           (</a:t>
+            </a:r>
+            <a:r>
+              <a:rPr lang="en-US" sz="1000" dirty="0"/>
+              <a:t>Bobadilla et al. 2013, S. 109)</a:t>
+            </a:r>
+            <a:endParaRPr lang="de-DE" sz="1000" dirty="0"/>
+          </a:p>
+          <a:p>
+            <a:endParaRPr lang="de-DE" dirty="0"/>
+          </a:p>
+        </p:txBody>
+      </p:sp>
+      <p:pic>
+        <p:nvPicPr>
+          <p:cNvPr id="5" name="Inhaltsplatzhalter 4"/>
+          <p:cNvPicPr>
+            <a:picLocks noGrp="1" noChangeAspect="1"/>
+          </p:cNvPicPr>
+          <p:nvPr>
+            <p:ph sz="half" idx="2"/>
+          </p:nvPr>
+        </p:nvPicPr>
+        <p:blipFill>
+          <a:blip r:embed="rId2">
+            <a:extLst>
+              <a:ext uri="{28A0092B-C50C-407E-A947-70E740481C1C}">
+                <a14:useLocalDpi xmlns:a14="http://schemas.microsoft.com/office/drawing/2010/main" val="0"/>
+              </a:ext>
+            </a:extLst>
+          </a:blip>
+          <a:stretch>
+            <a:fillRect/>
+          </a:stretch>
+        </p:blipFill>
+        <p:spPr>
+          <a:xfrm>
+            <a:off x="5697414" y="1049339"/>
+            <a:ext cx="2989385" cy="3728088"/>
+          </a:xfrm>
+          <a:prstGeom prst="rect">
+            <a:avLst/>
+          </a:prstGeom>
+        </p:spPr>
+      </p:pic>
+    </p:spTree>
+    <p:extLst>
+      <p:ext uri="{BB962C8B-B14F-4D97-AF65-F5344CB8AC3E}">
+        <p14:creationId xmlns:p14="http://schemas.microsoft.com/office/powerpoint/2010/main" val="56513252"/>
+      </p:ext>
+    </p:extLst>
+  </p:cSld>
+  <p:clrMapOvr>
+    <a:masterClrMapping/>
+  </p:clrMapOvr>
+  <mc:AlternateContent xmlns:mc="http://schemas.openxmlformats.org/markup-compatibility/2006" xmlns:p14="http://schemas.microsoft.com/office/powerpoint/2010/main">
+    <mc:Choice Requires="p14">
+      <p:transition spd="slow" p14:dur="2000" advTm="136179"/>
+    </mc:Choice>
+    <mc:Fallback xmlns="">
+      <p:transition spd="slow" advTm="136179"/>
+    </mc:Fallback>
+  </mc:AlternateContent>
+  <p:timing>
+    <p:tnLst>
+      <p:par>
+        <p:cTn id="1" dur="indefinite" restart="never" nodeType="tmRoot"/>
+      </p:par>
+    </p:tnLst>
+  </p:timing>
+</p:sld>
+</file>
+
+<file path=ppt/slides/slide20.xml><?xml version="1.0" encoding="utf-8"?>
+<p:sld xmlns:a="http://schemas.openxmlformats.org/drawingml/2006/main" xmlns:r="http://schemas.openxmlformats.org/officeDocument/2006/relationships" xmlns:p="http://schemas.openxmlformats.org/presentationml/2006/main">
+  <p:cSld>
+    <p:spTree>
+      <p:nvGrpSpPr>
+        <p:cNvPr id="1" name=""/>
+        <p:cNvGrpSpPr/>
+        <p:nvPr/>
+      </p:nvGrpSpPr>
+      <p:grpSpPr>
+        <a:xfrm>
+          <a:off x="0" y="0"/>
+          <a:ext cx="0" cy="0"/>
+          <a:chOff x="0" y="0"/>
+          <a:chExt cx="0" cy="0"/>
+        </a:xfrm>
+      </p:grpSpPr>
+      <p:sp>
+        <p:nvSpPr>
+          <p:cNvPr id="2" name="Titel 1"/>
+          <p:cNvSpPr>
+            <a:spLocks noGrp="1"/>
+          </p:cNvSpPr>
+          <p:nvPr>
+            <p:ph type="title"/>
+          </p:nvPr>
+        </p:nvSpPr>
+        <p:spPr/>
+        <p:txBody>
+          <a:bodyPr/>
+          <a:lstStyle/>
+          <a:p>
+            <a:r>
               <a:rPr lang="en-US" dirty="0" err="1" smtClean="0"/>
               <a:t>Hybrider</a:t>
             </a:r>
             <a:r>
               <a:rPr lang="en-US" dirty="0" smtClean="0"/>
-              <a:t> Ansatz </a:t>
-            </a:r>
-            <a:r>
-              <a:rPr lang="en-US" dirty="0" smtClean="0"/>
-              <a:t>am </a:t>
+              <a:t> Ansatz am </a:t>
             </a:r>
             <a:r>
               <a:rPr lang="en-US" dirty="0" err="1" smtClean="0"/>
@@ -29760,11 +31802,7 @@
             </a:r>
             <a:r>
               <a:rPr lang="en-US" dirty="0" smtClean="0"/>
-              <a:t> </a:t>
-            </a:r>
-            <a:r>
-              <a:rPr lang="en-US" dirty="0" smtClean="0"/>
-              <a:t>Top-N-Videos</a:t>
+              <a:t> Top-N-Videos</a:t>
             </a:r>
           </a:p>
           <a:p>
@@ -29871,11 +31909,11 @@
   <p:clrMapOvr>
     <a:masterClrMapping/>
   </p:clrMapOvr>
-  <mc:AlternateContent xmlns:mc="http://schemas.openxmlformats.org/markup-compatibility/2006">
-    <mc:Choice xmlns:p14="http://schemas.microsoft.com/office/powerpoint/2010/main" Requires="p14">
+  <mc:AlternateContent xmlns:mc="http://schemas.openxmlformats.org/markup-compatibility/2006" xmlns:p14="http://schemas.microsoft.com/office/powerpoint/2010/main">
+    <mc:Choice Requires="p14">
       <p:transition spd="slow" p14:dur="2000" advTm="207460"/>
     </mc:Choice>
-    <mc:Fallback>
+    <mc:Fallback xmlns="">
       <p:transition spd="slow" advTm="207460"/>
     </mc:Fallback>
   </mc:AlternateContent>
@@ -29889,678 +31927,7 @@
 </p:sld>
 </file>
 
-<file path=ppt/slides/slide2.xml><?xml version="1.0" encoding="utf-8"?>
-<p:sld xmlns:a="http://schemas.openxmlformats.org/drawingml/2006/main" xmlns:r="http://schemas.openxmlformats.org/officeDocument/2006/relationships" xmlns:p="http://schemas.openxmlformats.org/presentationml/2006/main">
-  <p:cSld>
-    <p:spTree>
-      <p:nvGrpSpPr>
-        <p:cNvPr id="1" name=""/>
-        <p:cNvGrpSpPr/>
-        <p:nvPr/>
-      </p:nvGrpSpPr>
-      <p:grpSpPr>
-        <a:xfrm>
-          <a:off x="0" y="0"/>
-          <a:ext cx="0" cy="0"/>
-          <a:chOff x="0" y="0"/>
-          <a:chExt cx="0" cy="0"/>
-        </a:xfrm>
-      </p:grpSpPr>
-      <p:sp>
-        <p:nvSpPr>
-          <p:cNvPr id="2" name="Titel 1"/>
-          <p:cNvSpPr>
-            <a:spLocks noGrp="1"/>
-          </p:cNvSpPr>
-          <p:nvPr>
-            <p:ph type="title"/>
-          </p:nvPr>
-        </p:nvSpPr>
-        <p:spPr/>
-        <p:txBody>
-          <a:bodyPr/>
-          <a:lstStyle/>
-          <a:p>
-            <a:r>
-              <a:rPr lang="en-US" dirty="0"/>
-              <a:t>Recommender </a:t>
-            </a:r>
-            <a:r>
-              <a:rPr lang="en-US" dirty="0" err="1"/>
-              <a:t>Systeme</a:t>
-            </a:r>
-            <a:endParaRPr lang="de-DE" dirty="0"/>
-          </a:p>
-        </p:txBody>
-      </p:sp>
-      <p:sp>
-        <p:nvSpPr>
-          <p:cNvPr id="3" name="Inhaltsplatzhalter 2"/>
-          <p:cNvSpPr>
-            <a:spLocks noGrp="1"/>
-          </p:cNvSpPr>
-          <p:nvPr>
-            <p:ph sz="half" idx="1"/>
-          </p:nvPr>
-        </p:nvSpPr>
-        <p:spPr>
-          <a:xfrm>
-            <a:off x="457200" y="1049339"/>
-            <a:ext cx="4566976" cy="4567690"/>
-          </a:xfrm>
-        </p:spPr>
-        <p:txBody>
-          <a:bodyPr>
-            <a:normAutofit fontScale="85000" lnSpcReduction="20000"/>
-          </a:bodyPr>
-          <a:lstStyle/>
-          <a:p>
-            <a:r>
-              <a:rPr lang="en-US" dirty="0" smtClean="0"/>
-              <a:t>Die </a:t>
-            </a:r>
-            <a:r>
-              <a:rPr lang="en-US" dirty="0" err="1" smtClean="0"/>
-              <a:t>Aufgabe</a:t>
-            </a:r>
-            <a:r>
-              <a:rPr lang="en-US" dirty="0" smtClean="0"/>
-              <a:t> </a:t>
-            </a:r>
-            <a:r>
-              <a:rPr lang="en-US" dirty="0" err="1" smtClean="0"/>
-              <a:t>eines</a:t>
-            </a:r>
-            <a:r>
-              <a:rPr lang="en-US" dirty="0" smtClean="0"/>
-              <a:t> Recommender Systems </a:t>
-            </a:r>
-            <a:r>
-              <a:rPr lang="en-US" dirty="0" err="1" smtClean="0"/>
-              <a:t>ist</a:t>
-            </a:r>
-            <a:r>
-              <a:rPr lang="en-US" dirty="0" smtClean="0"/>
-              <a:t> </a:t>
-            </a:r>
-            <a:r>
-              <a:rPr lang="en-US" dirty="0" err="1" smtClean="0"/>
-              <a:t>es</a:t>
-            </a:r>
-            <a:r>
-              <a:rPr lang="en-US" dirty="0" smtClean="0"/>
-              <a:t>, </a:t>
-            </a:r>
-            <a:r>
-              <a:rPr lang="en-US" dirty="0" err="1" smtClean="0"/>
-              <a:t>Daten</a:t>
-            </a:r>
-            <a:r>
-              <a:rPr lang="en-US" dirty="0" smtClean="0"/>
-              <a:t> </a:t>
-            </a:r>
-            <a:r>
-              <a:rPr lang="en-US" dirty="0" err="1" smtClean="0"/>
-              <a:t>über</a:t>
-            </a:r>
-            <a:r>
-              <a:rPr lang="en-US" dirty="0" smtClean="0"/>
-              <a:t> </a:t>
-            </a:r>
-            <a:r>
-              <a:rPr lang="en-US" dirty="0" err="1" smtClean="0"/>
-              <a:t>Nutzer</a:t>
-            </a:r>
-            <a:r>
-              <a:rPr lang="en-US" dirty="0" smtClean="0"/>
-              <a:t> und </a:t>
-            </a:r>
-            <a:r>
-              <a:rPr lang="en-US" dirty="0" err="1" smtClean="0"/>
-              <a:t>ihre</a:t>
-            </a:r>
-            <a:r>
-              <a:rPr lang="en-US" dirty="0" smtClean="0"/>
-              <a:t> </a:t>
-            </a:r>
-            <a:r>
-              <a:rPr lang="en-US" dirty="0" err="1" smtClean="0"/>
-              <a:t>Vorlieben</a:t>
-            </a:r>
-            <a:r>
-              <a:rPr lang="en-US" dirty="0" smtClean="0"/>
-              <a:t> in </a:t>
-            </a:r>
-            <a:r>
-              <a:rPr lang="en-US" dirty="0" err="1" smtClean="0"/>
-              <a:t>Vorhersagen</a:t>
-            </a:r>
-            <a:r>
-              <a:rPr lang="en-US" dirty="0" smtClean="0"/>
-              <a:t> der </a:t>
-            </a:r>
-            <a:r>
-              <a:rPr lang="en-US" dirty="0" err="1" smtClean="0"/>
-              <a:t>zukünfigen</a:t>
-            </a:r>
-            <a:r>
-              <a:rPr lang="en-US" dirty="0" smtClean="0"/>
-              <a:t> </a:t>
-            </a:r>
-            <a:r>
-              <a:rPr lang="en-US" dirty="0" err="1" smtClean="0"/>
-              <a:t>Vorlieben</a:t>
-            </a:r>
-            <a:r>
-              <a:rPr lang="en-US" dirty="0" smtClean="0"/>
-              <a:t> und </a:t>
-            </a:r>
-            <a:r>
-              <a:rPr lang="en-US" dirty="0" err="1" smtClean="0"/>
-              <a:t>Interessen</a:t>
-            </a:r>
-            <a:r>
-              <a:rPr lang="en-US" dirty="0" smtClean="0"/>
-              <a:t> </a:t>
-            </a:r>
-            <a:r>
-              <a:rPr lang="en-US" dirty="0" err="1" smtClean="0"/>
-              <a:t>eines</a:t>
-            </a:r>
-            <a:r>
-              <a:rPr lang="en-US" dirty="0" smtClean="0"/>
-              <a:t> </a:t>
-            </a:r>
-            <a:r>
-              <a:rPr lang="en-US" dirty="0" err="1" smtClean="0"/>
-              <a:t>Nutzers</a:t>
-            </a:r>
-            <a:r>
-              <a:rPr lang="en-US" dirty="0" smtClean="0"/>
-              <a:t> </a:t>
-            </a:r>
-            <a:r>
-              <a:rPr lang="en-US" dirty="0" err="1" smtClean="0"/>
-              <a:t>umzuwandeln</a:t>
-            </a:r>
-            <a:r>
-              <a:rPr lang="en-US" dirty="0" smtClean="0"/>
-              <a:t>. </a:t>
-            </a:r>
-          </a:p>
-          <a:p>
-            <a:pPr marL="0" indent="0">
-              <a:buNone/>
-            </a:pPr>
-            <a:r>
-              <a:rPr lang="en-US" sz="1000" dirty="0" smtClean="0"/>
-              <a:t>           (</a:t>
-            </a:r>
-            <a:r>
-              <a:rPr lang="en-US" sz="1000" dirty="0" err="1"/>
-              <a:t>Lü</a:t>
-            </a:r>
-            <a:r>
-              <a:rPr lang="en-US" sz="1000" dirty="0"/>
-              <a:t> et al. 2012, S. 2</a:t>
-            </a:r>
-            <a:r>
-              <a:rPr lang="en-US" sz="1000" dirty="0" smtClean="0"/>
-              <a:t>)</a:t>
-            </a:r>
-          </a:p>
-          <a:p>
-            <a:pPr marL="0" indent="0">
-              <a:buNone/>
-            </a:pPr>
-            <a:endParaRPr lang="en-US" sz="1000" dirty="0" smtClean="0"/>
-          </a:p>
-          <a:p>
-            <a:r>
-              <a:rPr lang="en-US" dirty="0" err="1" smtClean="0"/>
-              <a:t>Im</a:t>
-            </a:r>
-            <a:r>
-              <a:rPr lang="en-US" dirty="0" smtClean="0"/>
-              <a:t> </a:t>
-            </a:r>
-            <a:r>
-              <a:rPr lang="en-US" dirty="0" err="1" smtClean="0"/>
-              <a:t>Allgemeinen</a:t>
-            </a:r>
-            <a:r>
-              <a:rPr lang="en-US" dirty="0" smtClean="0"/>
-              <a:t> </a:t>
-            </a:r>
-            <a:r>
-              <a:rPr lang="en-US" dirty="0" err="1" smtClean="0"/>
-              <a:t>helfen</a:t>
-            </a:r>
-            <a:r>
-              <a:rPr lang="en-US" dirty="0" smtClean="0"/>
-              <a:t> Recommender </a:t>
-            </a:r>
-            <a:r>
-              <a:rPr lang="en-US" dirty="0" err="1" smtClean="0"/>
-              <a:t>Systeme</a:t>
-            </a:r>
-            <a:r>
-              <a:rPr lang="en-US" dirty="0" smtClean="0"/>
-              <a:t> </a:t>
-            </a:r>
-            <a:r>
-              <a:rPr lang="en-US" dirty="0" err="1" smtClean="0"/>
-              <a:t>Nutzern</a:t>
-            </a:r>
-            <a:r>
-              <a:rPr lang="en-US" dirty="0" smtClean="0"/>
-              <a:t>, </a:t>
-            </a:r>
-            <a:r>
-              <a:rPr lang="en-US" dirty="0" err="1" smtClean="0"/>
-              <a:t>Inhalte</a:t>
-            </a:r>
-            <a:r>
-              <a:rPr lang="en-US" dirty="0" smtClean="0"/>
-              <a:t>, </a:t>
-            </a:r>
-            <a:r>
-              <a:rPr lang="en-US" dirty="0" err="1" smtClean="0"/>
-              <a:t>Produkte</a:t>
-            </a:r>
-            <a:r>
-              <a:rPr lang="en-US" dirty="0" smtClean="0"/>
-              <a:t> </a:t>
-            </a:r>
-            <a:r>
-              <a:rPr lang="en-US" dirty="0" err="1" smtClean="0"/>
-              <a:t>oder</a:t>
-            </a:r>
-            <a:r>
-              <a:rPr lang="en-US" dirty="0" smtClean="0"/>
-              <a:t> </a:t>
-            </a:r>
-            <a:r>
-              <a:rPr lang="en-US" dirty="0" err="1" smtClean="0"/>
-              <a:t>Dienstleistungen</a:t>
-            </a:r>
-            <a:r>
-              <a:rPr lang="en-US" dirty="0" smtClean="0"/>
-              <a:t> </a:t>
-            </a:r>
-            <a:r>
-              <a:rPr lang="en-US" dirty="0" err="1" smtClean="0"/>
-              <a:t>zu</a:t>
-            </a:r>
-            <a:r>
-              <a:rPr lang="en-US" dirty="0" smtClean="0"/>
-              <a:t> </a:t>
-            </a:r>
-            <a:r>
-              <a:rPr lang="en-US" dirty="0" err="1" smtClean="0"/>
-              <a:t>finden</a:t>
-            </a:r>
-            <a:r>
-              <a:rPr lang="en-US" dirty="0" smtClean="0"/>
-              <a:t>, </a:t>
-            </a:r>
-            <a:r>
-              <a:rPr lang="en-US" dirty="0" err="1" smtClean="0"/>
-              <a:t>indem</a:t>
-            </a:r>
-            <a:r>
-              <a:rPr lang="en-US" dirty="0" smtClean="0"/>
-              <a:t> </a:t>
-            </a:r>
-            <a:r>
-              <a:rPr lang="en-US" dirty="0" err="1" smtClean="0"/>
-              <a:t>sie</a:t>
-            </a:r>
-            <a:r>
-              <a:rPr lang="en-US" dirty="0" smtClean="0"/>
-              <a:t> </a:t>
-            </a:r>
-            <a:r>
-              <a:rPr lang="en-US" dirty="0" err="1" smtClean="0"/>
-              <a:t>Vorschläge</a:t>
-            </a:r>
-            <a:r>
-              <a:rPr lang="en-US" dirty="0" smtClean="0"/>
-              <a:t> und </a:t>
-            </a:r>
-            <a:r>
-              <a:rPr lang="en-US" dirty="0" err="1" smtClean="0"/>
-              <a:t>Bewertungen</a:t>
-            </a:r>
-            <a:r>
-              <a:rPr lang="en-US" dirty="0" smtClean="0"/>
-              <a:t> </a:t>
-            </a:r>
-            <a:r>
-              <a:rPr lang="en-US" dirty="0" err="1" smtClean="0"/>
-              <a:t>anderer</a:t>
-            </a:r>
-            <a:r>
-              <a:rPr lang="en-US" dirty="0" smtClean="0"/>
-              <a:t> </a:t>
-            </a:r>
-            <a:r>
-              <a:rPr lang="en-US" dirty="0" err="1" smtClean="0"/>
-              <a:t>Nutzer</a:t>
-            </a:r>
-            <a:r>
-              <a:rPr lang="en-US" dirty="0" smtClean="0"/>
-              <a:t> </a:t>
-            </a:r>
-            <a:r>
-              <a:rPr lang="en-US" dirty="0" err="1" smtClean="0"/>
-              <a:t>aggregieren</a:t>
-            </a:r>
-            <a:r>
-              <a:rPr lang="en-US" dirty="0" smtClean="0"/>
-              <a:t>. </a:t>
-            </a:r>
-            <a:r>
-              <a:rPr lang="en-US" sz="1000" dirty="0" smtClean="0"/>
-              <a:t>(</a:t>
-            </a:r>
-            <a:r>
-              <a:rPr lang="en-US" sz="1000" dirty="0" err="1"/>
-              <a:t>Deuk</a:t>
-            </a:r>
-            <a:r>
-              <a:rPr lang="en-US" sz="1000" dirty="0"/>
-              <a:t> </a:t>
-            </a:r>
-            <a:r>
-              <a:rPr lang="en-US" sz="1000" dirty="0" err="1"/>
-              <a:t>Hee</a:t>
-            </a:r>
-            <a:r>
-              <a:rPr lang="en-US" sz="1000" dirty="0"/>
-              <a:t> Park et al. 2012, S. 10059</a:t>
-            </a:r>
-            <a:r>
-              <a:rPr lang="en-US" sz="1000" dirty="0" smtClean="0"/>
-              <a:t>)</a:t>
-            </a:r>
-          </a:p>
-          <a:p>
-            <a:pPr marL="0" indent="0">
-              <a:buNone/>
-            </a:pPr>
-            <a:endParaRPr lang="de-DE" sz="1000" dirty="0"/>
-          </a:p>
-          <a:p>
-            <a:r>
-              <a:rPr lang="en-US" dirty="0" smtClean="0"/>
-              <a:t>Recommender </a:t>
-            </a:r>
-            <a:r>
-              <a:rPr lang="en-US" dirty="0" err="1" smtClean="0"/>
-              <a:t>Systeme</a:t>
-            </a:r>
-            <a:r>
-              <a:rPr lang="en-US" dirty="0" smtClean="0"/>
-              <a:t> </a:t>
-            </a:r>
-            <a:r>
-              <a:rPr lang="en-US" dirty="0" err="1" smtClean="0"/>
-              <a:t>nutzen</a:t>
-            </a:r>
-            <a:r>
-              <a:rPr lang="en-US" dirty="0" smtClean="0"/>
-              <a:t> </a:t>
-            </a:r>
-            <a:r>
-              <a:rPr lang="en-US" dirty="0" err="1" smtClean="0"/>
-              <a:t>verschiedene</a:t>
-            </a:r>
-            <a:r>
-              <a:rPr lang="en-US" dirty="0" smtClean="0"/>
-              <a:t> </a:t>
-            </a:r>
-            <a:r>
-              <a:rPr lang="en-US" dirty="0" err="1" smtClean="0"/>
-              <a:t>Quellen</a:t>
-            </a:r>
-            <a:r>
-              <a:rPr lang="en-US" dirty="0" smtClean="0"/>
-              <a:t> von </a:t>
-            </a:r>
-            <a:r>
-              <a:rPr lang="en-US" dirty="0" err="1" smtClean="0"/>
-              <a:t>Informationen</a:t>
-            </a:r>
-            <a:r>
-              <a:rPr lang="en-US" dirty="0" smtClean="0"/>
-              <a:t> um </a:t>
-            </a:r>
-            <a:r>
-              <a:rPr lang="en-US" dirty="0" err="1" smtClean="0"/>
-              <a:t>Nutzern</a:t>
-            </a:r>
-            <a:r>
-              <a:rPr lang="en-US" dirty="0" smtClean="0"/>
-              <a:t> </a:t>
-            </a:r>
-            <a:r>
-              <a:rPr lang="en-US" dirty="0" err="1" smtClean="0"/>
-              <a:t>Empfehlungen</a:t>
-            </a:r>
-            <a:r>
-              <a:rPr lang="en-US" dirty="0" smtClean="0"/>
-              <a:t> </a:t>
-            </a:r>
-            <a:r>
-              <a:rPr lang="en-US" dirty="0" err="1" smtClean="0"/>
-              <a:t>geben</a:t>
-            </a:r>
-            <a:r>
-              <a:rPr lang="en-US" dirty="0" smtClean="0"/>
-              <a:t>. </a:t>
-            </a:r>
-            <a:r>
-              <a:rPr lang="en-US" dirty="0" err="1" smtClean="0"/>
-              <a:t>Sie</a:t>
-            </a:r>
-            <a:r>
-              <a:rPr lang="en-US" dirty="0" smtClean="0"/>
-              <a:t> </a:t>
-            </a:r>
-            <a:r>
-              <a:rPr lang="en-US" dirty="0" err="1" smtClean="0"/>
-              <a:t>versuchen</a:t>
-            </a:r>
-            <a:r>
-              <a:rPr lang="en-US" dirty="0" smtClean="0"/>
-              <a:t>, </a:t>
-            </a:r>
-            <a:r>
-              <a:rPr lang="en-US" dirty="0" err="1" smtClean="0"/>
-              <a:t>Faktoren</a:t>
-            </a:r>
-            <a:r>
-              <a:rPr lang="en-US" dirty="0" smtClean="0"/>
-              <a:t> </a:t>
-            </a:r>
-            <a:r>
-              <a:rPr lang="en-US" dirty="0" err="1" smtClean="0"/>
-              <a:t>wie</a:t>
-            </a:r>
-            <a:r>
-              <a:rPr lang="en-US" dirty="0" smtClean="0"/>
-              <a:t> </a:t>
-            </a:r>
-            <a:r>
-              <a:rPr lang="en-US" dirty="0" err="1" smtClean="0"/>
-              <a:t>Genauigkeit</a:t>
-            </a:r>
-            <a:r>
-              <a:rPr lang="en-US" dirty="0" smtClean="0"/>
-              <a:t>, </a:t>
-            </a:r>
-            <a:r>
-              <a:rPr lang="en-US" dirty="0" err="1" smtClean="0"/>
-              <a:t>Neuheit</a:t>
-            </a:r>
-            <a:r>
-              <a:rPr lang="en-US" dirty="0" smtClean="0"/>
-              <a:t>, </a:t>
-            </a:r>
-            <a:r>
-              <a:rPr lang="en-US" dirty="0" err="1" smtClean="0"/>
-              <a:t>Verschiedenheit</a:t>
-            </a:r>
-            <a:r>
-              <a:rPr lang="en-US" dirty="0" smtClean="0"/>
-              <a:t> (</a:t>
-            </a:r>
-            <a:r>
-              <a:rPr lang="en-US" dirty="0" err="1" smtClean="0"/>
-              <a:t>dispersity</a:t>
-            </a:r>
-            <a:r>
-              <a:rPr lang="en-US" dirty="0" smtClean="0"/>
-              <a:t>) und </a:t>
-            </a:r>
-            <a:r>
-              <a:rPr lang="en-US" dirty="0" err="1" smtClean="0"/>
-              <a:t>eine</a:t>
-            </a:r>
-            <a:r>
-              <a:rPr lang="en-US" dirty="0" smtClean="0"/>
-              <a:t> </a:t>
-            </a:r>
-            <a:r>
-              <a:rPr lang="en-US" dirty="0" err="1" smtClean="0"/>
-              <a:t>Stabiltät</a:t>
-            </a:r>
-            <a:r>
-              <a:rPr lang="en-US" dirty="0" smtClean="0"/>
-              <a:t> der </a:t>
-            </a:r>
-            <a:r>
-              <a:rPr lang="en-US" dirty="0" err="1" smtClean="0"/>
-              <a:t>Vorhersagen</a:t>
-            </a:r>
-            <a:r>
-              <a:rPr lang="en-US" dirty="0" smtClean="0"/>
-              <a:t> </a:t>
-            </a:r>
-            <a:r>
-              <a:rPr lang="en-US" dirty="0" err="1" smtClean="0"/>
-              <a:t>miteinander</a:t>
-            </a:r>
-            <a:r>
-              <a:rPr lang="en-US" dirty="0" smtClean="0"/>
-              <a:t> in </a:t>
-            </a:r>
-            <a:r>
-              <a:rPr lang="en-US" dirty="0" err="1" smtClean="0"/>
-              <a:t>Einklang</a:t>
-            </a:r>
-            <a:r>
-              <a:rPr lang="en-US" dirty="0" smtClean="0"/>
-              <a:t> </a:t>
-            </a:r>
-            <a:r>
-              <a:rPr lang="en-US" dirty="0" err="1" smtClean="0"/>
-              <a:t>zu</a:t>
-            </a:r>
-            <a:r>
-              <a:rPr lang="en-US" dirty="0" smtClean="0"/>
-              <a:t> </a:t>
-            </a:r>
-            <a:r>
-              <a:rPr lang="en-US" dirty="0" err="1" smtClean="0"/>
-              <a:t>bringen</a:t>
-            </a:r>
-            <a:r>
-              <a:rPr lang="en-US" dirty="0" smtClean="0"/>
-              <a:t>. </a:t>
-            </a:r>
-          </a:p>
-          <a:p>
-            <a:pPr marL="0" indent="0">
-              <a:buNone/>
-            </a:pPr>
-            <a:r>
-              <a:rPr lang="en-US" sz="1000" dirty="0" smtClean="0"/>
-              <a:t>           (</a:t>
-            </a:r>
-            <a:r>
-              <a:rPr lang="en-US" sz="1000" dirty="0"/>
-              <a:t>Bobadilla et al. 2013, S. 109)</a:t>
-            </a:r>
-            <a:endParaRPr lang="de-DE" sz="1000" dirty="0"/>
-          </a:p>
-          <a:p>
-            <a:endParaRPr lang="de-DE" dirty="0"/>
-          </a:p>
-        </p:txBody>
-      </p:sp>
-      <p:pic>
-        <p:nvPicPr>
-          <p:cNvPr id="5" name="Inhaltsplatzhalter 4"/>
-          <p:cNvPicPr>
-            <a:picLocks noGrp="1" noChangeAspect="1"/>
-          </p:cNvPicPr>
-          <p:nvPr>
-            <p:ph sz="half" idx="2"/>
-          </p:nvPr>
-        </p:nvPicPr>
-        <p:blipFill>
-          <a:blip r:embed="rId2">
-            <a:extLst>
-              <a:ext uri="{28A0092B-C50C-407E-A947-70E740481C1C}">
-                <a14:useLocalDpi xmlns:a14="http://schemas.microsoft.com/office/drawing/2010/main" val="0"/>
-              </a:ext>
-            </a:extLst>
-          </a:blip>
-          <a:stretch>
-            <a:fillRect/>
-          </a:stretch>
-        </p:blipFill>
-        <p:spPr>
-          <a:xfrm>
-            <a:off x="5697414" y="1049339"/>
-            <a:ext cx="2989385" cy="3728088"/>
-          </a:xfrm>
-          <a:prstGeom prst="rect">
-            <a:avLst/>
-          </a:prstGeom>
-        </p:spPr>
-      </p:pic>
-    </p:spTree>
-    <p:extLst>
-      <p:ext uri="{BB962C8B-B14F-4D97-AF65-F5344CB8AC3E}">
-        <p14:creationId xmlns:p14="http://schemas.microsoft.com/office/powerpoint/2010/main" val="56513252"/>
-      </p:ext>
-    </p:extLst>
-  </p:cSld>
-  <p:clrMapOvr>
-    <a:masterClrMapping/>
-  </p:clrMapOvr>
-  <mc:AlternateContent xmlns:mc="http://schemas.openxmlformats.org/markup-compatibility/2006">
-    <mc:Choice xmlns:p14="http://schemas.microsoft.com/office/powerpoint/2010/main" Requires="p14">
-      <p:transition spd="slow" p14:dur="2000" advTm="136179"/>
-    </mc:Choice>
-    <mc:Fallback>
-      <p:transition spd="slow" advTm="136179"/>
-    </mc:Fallback>
-  </mc:AlternateContent>
-  <p:timing>
-    <p:tnLst>
-      <p:par>
-        <p:cTn id="1" dur="indefinite" restart="never" nodeType="tmRoot"/>
-      </p:par>
-    </p:tnLst>
-  </p:timing>
-</p:sld>
-</file>
-
-<file path=ppt/slides/slide20.xml><?xml version="1.0" encoding="utf-8"?>
+<file path=ppt/slides/slide21.xml><?xml version="1.0" encoding="utf-8"?>
 <p:sld xmlns:a="http://schemas.openxmlformats.org/drawingml/2006/main" xmlns:r="http://schemas.openxmlformats.org/officeDocument/2006/relationships" xmlns:p="http://schemas.openxmlformats.org/presentationml/2006/main">
   <p:cSld>
     <p:spTree>
@@ -30743,11 +32110,11 @@
   <p:clrMapOvr>
     <a:masterClrMapping/>
   </p:clrMapOvr>
-  <mc:AlternateContent xmlns:mc="http://schemas.openxmlformats.org/markup-compatibility/2006">
-    <mc:Choice xmlns:p14="http://schemas.microsoft.com/office/powerpoint/2010/main" Requires="p14">
+  <mc:AlternateContent xmlns:mc="http://schemas.openxmlformats.org/markup-compatibility/2006" xmlns:p14="http://schemas.microsoft.com/office/powerpoint/2010/main">
+    <mc:Choice Requires="p14">
       <p:transition spd="slow" p14:dur="2000" advTm="228387"/>
     </mc:Choice>
-    <mc:Fallback>
+    <mc:Fallback xmlns="">
       <p:transition spd="slow" advTm="228387"/>
     </mc:Fallback>
   </mc:AlternateContent>
@@ -30761,7 +32128,7 @@
 </p:sld>
 </file>
 
-<file path=ppt/slides/slide21.xml><?xml version="1.0" encoding="utf-8"?>
+<file path=ppt/slides/slide22.xml><?xml version="1.0" encoding="utf-8"?>
 <p:sld xmlns:a="http://schemas.openxmlformats.org/drawingml/2006/main" xmlns:r="http://schemas.openxmlformats.org/officeDocument/2006/relationships" xmlns:p="http://schemas.openxmlformats.org/presentationml/2006/main">
   <p:cSld>
     <p:spTree>
@@ -32085,11 +33452,11 @@
   <p:clrMapOvr>
     <a:masterClrMapping/>
   </p:clrMapOvr>
-  <mc:AlternateContent xmlns:mc="http://schemas.openxmlformats.org/markup-compatibility/2006">
-    <mc:Choice xmlns:p14="http://schemas.microsoft.com/office/powerpoint/2010/main" Requires="p14">
+  <mc:AlternateContent xmlns:mc="http://schemas.openxmlformats.org/markup-compatibility/2006" xmlns:p14="http://schemas.microsoft.com/office/powerpoint/2010/main">
+    <mc:Choice Requires="p14">
       <p:transition spd="slow" p14:dur="2000" advTm="138991"/>
     </mc:Choice>
-    <mc:Fallback>
+    <mc:Fallback xmlns="">
       <p:transition spd="slow" advTm="138991"/>
     </mc:Fallback>
   </mc:AlternateContent>
@@ -33683,11 +35050,11 @@
   <p:clrMapOvr>
     <a:masterClrMapping/>
   </p:clrMapOvr>
-  <mc:AlternateContent xmlns:mc="http://schemas.openxmlformats.org/markup-compatibility/2006">
-    <mc:Choice xmlns:p14="http://schemas.microsoft.com/office/powerpoint/2010/main" Requires="p14">
+  <mc:AlternateContent xmlns:mc="http://schemas.openxmlformats.org/markup-compatibility/2006" xmlns:p14="http://schemas.microsoft.com/office/powerpoint/2010/main">
+    <mc:Choice Requires="p14">
       <p:transition p14:dur="10" advTm="95912"/>
     </mc:Choice>
-    <mc:Fallback>
+    <mc:Fallback xmlns="">
       <p:transition advTm="95912"/>
     </mc:Fallback>
   </mc:AlternateContent>
@@ -33734,6 +35101,531 @@
           <a:lstStyle/>
           <a:p>
             <a:r>
+              <a:rPr lang="en-US" dirty="0" err="1" smtClean="0"/>
+              <a:t>Strategien</a:t>
+            </a:r>
+            <a:r>
+              <a:rPr lang="en-US" dirty="0"/>
+              <a:t> </a:t>
+            </a:r>
+            <a:r>
+              <a:rPr lang="en-US" dirty="0" err="1" smtClean="0"/>
+              <a:t>für</a:t>
+            </a:r>
+            <a:r>
+              <a:rPr lang="en-US" dirty="0" smtClean="0"/>
+              <a:t> Recommender </a:t>
+            </a:r>
+            <a:r>
+              <a:rPr lang="en-US" dirty="0" err="1" smtClean="0"/>
+              <a:t>Systeme</a:t>
+            </a:r>
+            <a:endParaRPr lang="de-DE" dirty="0"/>
+          </a:p>
+        </p:txBody>
+      </p:sp>
+      <p:sp>
+        <p:nvSpPr>
+          <p:cNvPr id="7" name="Inhaltsplatzhalter 6"/>
+          <p:cNvSpPr>
+            <a:spLocks noGrp="1"/>
+          </p:cNvSpPr>
+          <p:nvPr>
+            <p:ph sz="half" idx="1"/>
+          </p:nvPr>
+        </p:nvSpPr>
+        <p:spPr>
+          <a:xfrm>
+            <a:off x="457200" y="1049339"/>
+            <a:ext cx="5274297" cy="4898974"/>
+          </a:xfrm>
+        </p:spPr>
+        <p:txBody>
+          <a:bodyPr>
+            <a:normAutofit fontScale="92500" lnSpcReduction="10000"/>
+          </a:bodyPr>
+          <a:lstStyle/>
+          <a:p>
+            <a:r>
+              <a:rPr lang="en-US" dirty="0" err="1" smtClean="0"/>
+              <a:t>Generierung</a:t>
+            </a:r>
+            <a:r>
+              <a:rPr lang="en-US" dirty="0" smtClean="0"/>
+              <a:t> von </a:t>
+            </a:r>
+            <a:r>
+              <a:rPr lang="en-US" dirty="0" err="1" smtClean="0"/>
+              <a:t>Empfehlungen</a:t>
+            </a:r>
+            <a:r>
+              <a:rPr lang="en-US" dirty="0" smtClean="0"/>
+              <a:t> auf Basis von</a:t>
+            </a:r>
+          </a:p>
+          <a:p>
+            <a:r>
+              <a:rPr lang="en-US" dirty="0" smtClean="0"/>
+              <a:t>Collaborative</a:t>
+            </a:r>
+          </a:p>
+          <a:p>
+            <a:pPr lvl="1"/>
+            <a:r>
+              <a:rPr lang="en-US" dirty="0" smtClean="0"/>
+              <a:t>peer </a:t>
+            </a:r>
+            <a:r>
+              <a:rPr lang="en-US" dirty="0" err="1" smtClean="0"/>
+              <a:t>Usern</a:t>
+            </a:r>
+            <a:r>
+              <a:rPr lang="en-US" dirty="0" smtClean="0"/>
+              <a:t> </a:t>
+            </a:r>
+            <a:r>
+              <a:rPr lang="en-US" dirty="0" err="1" smtClean="0"/>
+              <a:t>mit</a:t>
+            </a:r>
+            <a:r>
+              <a:rPr lang="en-US" dirty="0" smtClean="0"/>
+              <a:t> </a:t>
+            </a:r>
+            <a:r>
+              <a:rPr lang="en-US" dirty="0" err="1" smtClean="0"/>
+              <a:t>ähnlicher</a:t>
+            </a:r>
+            <a:r>
+              <a:rPr lang="en-US" dirty="0" smtClean="0"/>
+              <a:t> </a:t>
+            </a:r>
+            <a:r>
+              <a:rPr lang="en-US" dirty="0" err="1" smtClean="0"/>
+              <a:t>Bewertungsgeschichte</a:t>
+            </a:r>
+            <a:endParaRPr lang="en-US" dirty="0" smtClean="0"/>
+          </a:p>
+          <a:p>
+            <a:r>
+              <a:rPr lang="en-US" dirty="0" smtClean="0"/>
+              <a:t>Content based</a:t>
+            </a:r>
+          </a:p>
+          <a:p>
+            <a:pPr lvl="1"/>
+            <a:r>
+              <a:rPr lang="en-US" dirty="0" err="1" smtClean="0"/>
+              <a:t>Merkmalen</a:t>
+            </a:r>
+            <a:r>
+              <a:rPr lang="en-US" dirty="0" smtClean="0"/>
+              <a:t> des </a:t>
+            </a:r>
+            <a:r>
+              <a:rPr lang="en-US" dirty="0" err="1" smtClean="0"/>
+              <a:t>Produktes</a:t>
+            </a:r>
+            <a:r>
+              <a:rPr lang="en-US" dirty="0" smtClean="0"/>
+              <a:t> und </a:t>
+            </a:r>
+            <a:r>
+              <a:rPr lang="en-US" dirty="0" err="1" smtClean="0"/>
+              <a:t>Bewertungen</a:t>
+            </a:r>
+            <a:r>
+              <a:rPr lang="en-US" dirty="0" smtClean="0"/>
+              <a:t> der </a:t>
+            </a:r>
+            <a:r>
+              <a:rPr lang="en-US" dirty="0" err="1" smtClean="0"/>
+              <a:t>Nutzer</a:t>
+            </a:r>
+            <a:endParaRPr lang="en-US" dirty="0" smtClean="0"/>
+          </a:p>
+          <a:p>
+            <a:pPr lvl="1"/>
+            <a:r>
+              <a:rPr lang="en-US" dirty="0" err="1" smtClean="0"/>
+              <a:t>Nutzerspezifisches</a:t>
+            </a:r>
+            <a:r>
+              <a:rPr lang="en-US" dirty="0" smtClean="0"/>
+              <a:t> </a:t>
+            </a:r>
+            <a:r>
+              <a:rPr lang="en-US" dirty="0" err="1" smtClean="0"/>
+              <a:t>Klassifikationsproblem</a:t>
+            </a:r>
+            <a:r>
+              <a:rPr lang="en-US" dirty="0" smtClean="0"/>
+              <a:t>, Training </a:t>
+            </a:r>
+            <a:r>
+              <a:rPr lang="en-US" dirty="0" err="1" smtClean="0"/>
+              <a:t>mit</a:t>
+            </a:r>
+            <a:r>
+              <a:rPr lang="en-US" dirty="0" smtClean="0"/>
+              <a:t> likes / dislikes</a:t>
+            </a:r>
+          </a:p>
+          <a:p>
+            <a:r>
+              <a:rPr lang="en-US" dirty="0" smtClean="0"/>
+              <a:t>Demographic</a:t>
+            </a:r>
+          </a:p>
+          <a:p>
+            <a:pPr lvl="1"/>
+            <a:r>
+              <a:rPr lang="en-US" dirty="0" smtClean="0"/>
+              <a:t>Clustering </a:t>
+            </a:r>
+            <a:r>
+              <a:rPr lang="en-US" dirty="0" err="1" smtClean="0"/>
+              <a:t>demographischer</a:t>
+            </a:r>
+            <a:r>
+              <a:rPr lang="en-US" dirty="0" smtClean="0"/>
+              <a:t> </a:t>
+            </a:r>
+            <a:r>
+              <a:rPr lang="en-US" dirty="0" err="1" smtClean="0"/>
+              <a:t>Daten</a:t>
+            </a:r>
+            <a:r>
+              <a:rPr lang="en-US" dirty="0" smtClean="0"/>
+              <a:t>, </a:t>
+            </a:r>
+            <a:r>
+              <a:rPr lang="en-US" dirty="0" err="1" smtClean="0"/>
+              <a:t>Empfehlung</a:t>
+            </a:r>
+            <a:r>
+              <a:rPr lang="en-US" dirty="0" smtClean="0"/>
+              <a:t> von </a:t>
+            </a:r>
+            <a:r>
+              <a:rPr lang="en-US" dirty="0" err="1" smtClean="0"/>
+              <a:t>Nutzern</a:t>
+            </a:r>
+            <a:r>
+              <a:rPr lang="en-US" dirty="0" smtClean="0"/>
+              <a:t> </a:t>
+            </a:r>
+            <a:r>
+              <a:rPr lang="en-US" dirty="0" err="1" smtClean="0"/>
+              <a:t>im</a:t>
+            </a:r>
+            <a:r>
+              <a:rPr lang="en-US" dirty="0" smtClean="0"/>
+              <a:t> </a:t>
+            </a:r>
+            <a:r>
+              <a:rPr lang="en-US" dirty="0" err="1" smtClean="0"/>
+              <a:t>gleichen</a:t>
+            </a:r>
+            <a:r>
+              <a:rPr lang="en-US" dirty="0" smtClean="0"/>
+              <a:t> Cluster</a:t>
+            </a:r>
+          </a:p>
+          <a:p>
+            <a:r>
+              <a:rPr lang="en-US" dirty="0" smtClean="0"/>
+              <a:t>Knowledge based</a:t>
+            </a:r>
+          </a:p>
+          <a:p>
+            <a:pPr lvl="1"/>
+            <a:r>
+              <a:rPr lang="en-US" dirty="0" smtClean="0"/>
+              <a:t> </a:t>
+            </a:r>
+            <a:r>
+              <a:rPr lang="en-US" dirty="0" err="1" smtClean="0"/>
+              <a:t>Annahmen</a:t>
+            </a:r>
+            <a:r>
+              <a:rPr lang="en-US" dirty="0" smtClean="0"/>
+              <a:t> </a:t>
+            </a:r>
+            <a:r>
+              <a:rPr lang="en-US" dirty="0" err="1" smtClean="0"/>
+              <a:t>wie</a:t>
+            </a:r>
+            <a:r>
+              <a:rPr lang="en-US" dirty="0" smtClean="0"/>
+              <a:t> </a:t>
+            </a:r>
+            <a:r>
+              <a:rPr lang="en-US" dirty="0" err="1" smtClean="0"/>
+              <a:t>Produkteigenschaften</a:t>
+            </a:r>
+            <a:r>
+              <a:rPr lang="en-US" dirty="0" smtClean="0"/>
+              <a:t> </a:t>
+            </a:r>
+            <a:r>
+              <a:rPr lang="en-US" dirty="0" err="1" smtClean="0"/>
+              <a:t>Nutzerbedürftnisse</a:t>
+            </a:r>
+            <a:r>
+              <a:rPr lang="en-US" dirty="0" smtClean="0"/>
+              <a:t> </a:t>
+            </a:r>
+            <a:r>
+              <a:rPr lang="en-US" dirty="0" err="1" smtClean="0"/>
+              <a:t>befriedrigen</a:t>
+            </a:r>
+            <a:r>
+              <a:rPr lang="en-US" dirty="0" smtClean="0"/>
+              <a:t>; </a:t>
+            </a:r>
+            <a:r>
+              <a:rPr lang="en-US" dirty="0" err="1" smtClean="0"/>
+              <a:t>Fragebogen</a:t>
+            </a:r>
+            <a:endParaRPr lang="en-US" dirty="0" smtClean="0"/>
+          </a:p>
+          <a:p>
+            <a:pPr lvl="1"/>
+            <a:r>
+              <a:rPr lang="en-US" dirty="0" err="1" smtClean="0"/>
+              <a:t>z.B</a:t>
+            </a:r>
+            <a:r>
+              <a:rPr lang="en-US" dirty="0" smtClean="0"/>
+              <a:t>. </a:t>
+            </a:r>
+            <a:r>
+              <a:rPr lang="en-US" dirty="0" err="1" smtClean="0"/>
+              <a:t>mittels</a:t>
+            </a:r>
+            <a:r>
+              <a:rPr lang="en-US" dirty="0" smtClean="0"/>
+              <a:t> </a:t>
+            </a:r>
+            <a:r>
+              <a:rPr lang="en-US" dirty="0" err="1" smtClean="0"/>
+              <a:t>Expertensystem</a:t>
+            </a:r>
+            <a:endParaRPr lang="en-US" dirty="0" smtClean="0"/>
+          </a:p>
+          <a:p>
+            <a:pPr lvl="1"/>
+            <a:endParaRPr lang="de-DE" dirty="0"/>
+          </a:p>
+        </p:txBody>
+      </p:sp>
+      <p:pic>
+        <p:nvPicPr>
+          <p:cNvPr id="10" name="Grafik 9"/>
+          <p:cNvPicPr/>
+          <p:nvPr/>
+        </p:nvPicPr>
+        <p:blipFill>
+          <a:blip r:embed="rId2" cstate="print">
+            <a:extLst>
+              <a:ext uri="{28A0092B-C50C-407E-A947-70E740481C1C}">
+                <a14:useLocalDpi xmlns:a14="http://schemas.microsoft.com/office/drawing/2010/main" val="0"/>
+              </a:ext>
+            </a:extLst>
+          </a:blip>
+          <a:stretch>
+            <a:fillRect/>
+          </a:stretch>
+        </p:blipFill>
+        <p:spPr>
+          <a:xfrm>
+            <a:off x="5509968" y="1049339"/>
+            <a:ext cx="3275814" cy="2030606"/>
+          </a:xfrm>
+          <a:prstGeom prst="rect">
+            <a:avLst/>
+          </a:prstGeom>
+        </p:spPr>
+      </p:pic>
+      <p:sp>
+        <p:nvSpPr>
+          <p:cNvPr id="11" name="Rectangle 6"/>
+          <p:cNvSpPr>
+            <a:spLocks noChangeArrowheads="1"/>
+          </p:cNvSpPr>
+          <p:nvPr/>
+        </p:nvSpPr>
+        <p:spPr bwMode="auto">
+          <a:xfrm>
+            <a:off x="7570789" y="6180469"/>
+            <a:ext cx="1116011" cy="230832"/>
+          </a:xfrm>
+          <a:prstGeom prst="rect">
+            <a:avLst/>
+          </a:prstGeom>
+          <a:noFill/>
+          <a:ln>
+            <a:noFill/>
+          </a:ln>
+          <a:effectLst/>
+          <a:extLst>
+            <a:ext uri="{909E8E84-426E-40DD-AFC4-6F175D3DCCD1}">
+              <a14:hiddenFill xmlns:a14="http://schemas.microsoft.com/office/drawing/2010/main">
+                <a:solidFill>
+                  <a:schemeClr val="accent1"/>
+                </a:solidFill>
+              </a14:hiddenFill>
+            </a:ext>
+            <a:ext uri="{91240B29-F687-4F45-9708-019B960494DF}">
+              <a14:hiddenLine xmlns:a14="http://schemas.microsoft.com/office/drawing/2010/main" w="9525">
+                <a:solidFill>
+                  <a:schemeClr val="tx1"/>
+                </a:solidFill>
+                <a:miter lim="800000"/>
+                <a:headEnd/>
+                <a:tailEnd/>
+              </a14:hiddenLine>
+            </a:ext>
+            <a:ext uri="{AF507438-7753-43E0-B8FC-AC1667EBCBE1}">
+              <a14:hiddenEffects xmlns:a14="http://schemas.microsoft.com/office/drawing/2010/main">
+                <a:effectLst>
+                  <a:outerShdw dist="35921" dir="2700000" algn="ctr" rotWithShape="0">
+                    <a:schemeClr val="bg2"/>
+                  </a:outerShdw>
+                </a:effectLst>
+              </a14:hiddenEffects>
+            </a:ext>
+          </a:extLst>
+        </p:spPr>
+        <p:txBody>
+          <a:bodyPr vert="horz" wrap="none" lIns="91440" tIns="45720" rIns="91440" bIns="45720" numCol="1" anchor="ctr" anchorCtr="0" compatLnSpc="1">
+            <a:prstTxWarp prst="textNoShape">
+              <a:avLst/>
+            </a:prstTxWarp>
+            <a:spAutoFit/>
+          </a:bodyPr>
+          <a:lstStyle/>
+          <a:p>
+            <a:pPr marL="0" marR="0" lvl="0" indent="0" algn="l" defTabSz="914400" rtl="0" eaLnBrk="0" fontAlgn="base" latinLnBrk="0" hangingPunct="0">
+              <a:lnSpc>
+                <a:spcPct val="100000"/>
+              </a:lnSpc>
+              <a:spcBef>
+                <a:spcPct val="0"/>
+              </a:spcBef>
+              <a:spcAft>
+                <a:spcPct val="0"/>
+              </a:spcAft>
+              <a:buClrTx/>
+              <a:buSzTx/>
+              <a:buFontTx/>
+              <a:buNone/>
+              <a:tabLst/>
+            </a:pPr>
+            <a:r>
+              <a:rPr kumimoji="0" lang="en-US" altLang="de-DE" sz="900" b="0" i="1" u="none" strike="noStrike" cap="none" normalizeH="0" baseline="0" dirty="0" smtClean="0">
+                <a:ln>
+                  <a:noFill/>
+                </a:ln>
+                <a:solidFill>
+                  <a:srgbClr val="44546A"/>
+                </a:solidFill>
+                <a:effectLst/>
+                <a:latin typeface="Calibri" panose="020F0502020204030204" pitchFamily="34" charset="0"/>
+                <a:ea typeface="Calibri" panose="020F0502020204030204" pitchFamily="34" charset="0"/>
+                <a:cs typeface="Times New Roman" panose="02020603050405020304" pitchFamily="18" charset="0"/>
+              </a:rPr>
+              <a:t>(Burke 2007, </a:t>
+            </a:r>
+            <a:r>
+              <a:rPr kumimoji="0" lang="en-US" altLang="de-DE" sz="900" b="0" i="1" u="none" strike="noStrike" cap="none" normalizeH="0" baseline="0" dirty="0" smtClean="0">
+                <a:ln>
+                  <a:noFill/>
+                </a:ln>
+                <a:solidFill>
+                  <a:srgbClr val="44546A"/>
+                </a:solidFill>
+                <a:effectLst/>
+                <a:latin typeface="Calibri" panose="020F0502020204030204" pitchFamily="34" charset="0"/>
+                <a:ea typeface="Calibri" panose="020F0502020204030204" pitchFamily="34" charset="0"/>
+                <a:cs typeface="Times New Roman" panose="02020603050405020304" pitchFamily="18" charset="0"/>
+              </a:rPr>
+              <a:t>S. </a:t>
+            </a:r>
+            <a:r>
+              <a:rPr kumimoji="0" lang="en-US" altLang="de-DE" sz="900" b="0" i="1" u="none" strike="noStrike" cap="none" normalizeH="0" baseline="0" dirty="0" smtClean="0">
+                <a:ln>
+                  <a:noFill/>
+                </a:ln>
+                <a:solidFill>
+                  <a:srgbClr val="44546A"/>
+                </a:solidFill>
+                <a:effectLst/>
+                <a:latin typeface="Calibri" panose="020F0502020204030204" pitchFamily="34" charset="0"/>
+                <a:ea typeface="Calibri" panose="020F0502020204030204" pitchFamily="34" charset="0"/>
+                <a:cs typeface="Times New Roman" panose="02020603050405020304" pitchFamily="18" charset="0"/>
+              </a:rPr>
+              <a:t>379)</a:t>
+            </a:r>
+            <a:endParaRPr kumimoji="0" lang="en-US" altLang="de-DE" sz="1800" b="0" i="0" u="none" strike="noStrike" cap="none" normalizeH="0" baseline="0" dirty="0" smtClean="0">
+              <a:ln>
+                <a:noFill/>
+              </a:ln>
+              <a:solidFill>
+                <a:schemeClr val="tx1"/>
+              </a:solidFill>
+              <a:effectLst/>
+              <a:latin typeface="Arial" panose="020B0604020202020204" pitchFamily="34" charset="0"/>
+            </a:endParaRPr>
+          </a:p>
+        </p:txBody>
+      </p:sp>
+    </p:spTree>
+    <p:extLst>
+      <p:ext uri="{BB962C8B-B14F-4D97-AF65-F5344CB8AC3E}">
+        <p14:creationId xmlns:p14="http://schemas.microsoft.com/office/powerpoint/2010/main" val="2863369551"/>
+      </p:ext>
+    </p:extLst>
+  </p:cSld>
+  <p:clrMapOvr>
+    <a:masterClrMapping/>
+  </p:clrMapOvr>
+</p:sld>
+</file>
+
+<file path=ppt/slides/slide5.xml><?xml version="1.0" encoding="utf-8"?>
+<p:sld xmlns:a="http://schemas.openxmlformats.org/drawingml/2006/main" xmlns:r="http://schemas.openxmlformats.org/officeDocument/2006/relationships" xmlns:p="http://schemas.openxmlformats.org/presentationml/2006/main">
+  <p:cSld>
+    <p:spTree>
+      <p:nvGrpSpPr>
+        <p:cNvPr id="1" name=""/>
+        <p:cNvGrpSpPr/>
+        <p:nvPr/>
+      </p:nvGrpSpPr>
+      <p:grpSpPr>
+        <a:xfrm>
+          <a:off x="0" y="0"/>
+          <a:ext cx="0" cy="0"/>
+          <a:chOff x="0" y="0"/>
+          <a:chExt cx="0" cy="0"/>
+        </a:xfrm>
+      </p:grpSpPr>
+      <p:sp>
+        <p:nvSpPr>
+          <p:cNvPr id="2" name="Titel 1"/>
+          <p:cNvSpPr>
+            <a:spLocks noGrp="1"/>
+          </p:cNvSpPr>
+          <p:nvPr>
+            <p:ph type="title"/>
+          </p:nvPr>
+        </p:nvSpPr>
+        <p:spPr/>
+        <p:txBody>
+          <a:bodyPr/>
+          <a:lstStyle/>
+          <a:p>
+            <a:r>
               <a:rPr lang="en-US" dirty="0" smtClean="0"/>
               <a:t>Collaborative Filtering</a:t>
             </a:r>
@@ -34404,7 +36296,7 @@
 </p:sld>
 </file>
 
-<file path=ppt/slides/slide5.xml><?xml version="1.0" encoding="utf-8"?>
+<file path=ppt/slides/slide6.xml><?xml version="1.0" encoding="utf-8"?>
 <p:sld xmlns:a="http://schemas.openxmlformats.org/drawingml/2006/main" xmlns:r="http://schemas.openxmlformats.org/officeDocument/2006/relationships" xmlns:p="http://schemas.openxmlformats.org/presentationml/2006/main">
   <p:cSld>
     <p:spTree>
@@ -35771,11 +37663,11 @@
   <p:clrMapOvr>
     <a:masterClrMapping/>
   </p:clrMapOvr>
-  <mc:AlternateContent xmlns:mc="http://schemas.openxmlformats.org/markup-compatibility/2006">
-    <mc:Choice xmlns:p14="http://schemas.microsoft.com/office/powerpoint/2010/main" Requires="p14">
+  <mc:AlternateContent xmlns:mc="http://schemas.openxmlformats.org/markup-compatibility/2006" xmlns:p14="http://schemas.microsoft.com/office/powerpoint/2010/main">
+    <mc:Choice Requires="p14">
       <p:transition spd="slow" p14:dur="2000" advTm="88445"/>
     </mc:Choice>
-    <mc:Fallback>
+    <mc:Fallback xmlns="">
       <p:transition spd="slow" advTm="88445"/>
     </mc:Fallback>
   </mc:AlternateContent>
@@ -35911,7 +37803,7 @@
 </p:sld>
 </file>
 
-<file path=ppt/slides/slide6.xml><?xml version="1.0" encoding="utf-8"?>
+<file path=ppt/slides/slide7.xml><?xml version="1.0" encoding="utf-8"?>
 <p:sld xmlns:a="http://schemas.openxmlformats.org/drawingml/2006/main" xmlns:r="http://schemas.openxmlformats.org/officeDocument/2006/relationships" xmlns:p="http://schemas.openxmlformats.org/presentationml/2006/main">
   <p:cSld>
     <p:spTree>
@@ -36848,11 +38740,11 @@
   <p:clrMapOvr>
     <a:masterClrMapping/>
   </p:clrMapOvr>
-  <mc:AlternateContent xmlns:mc="http://schemas.openxmlformats.org/markup-compatibility/2006">
-    <mc:Choice xmlns:p14="http://schemas.microsoft.com/office/powerpoint/2010/main" Requires="p14">
+  <mc:AlternateContent xmlns:mc="http://schemas.openxmlformats.org/markup-compatibility/2006" xmlns:p14="http://schemas.microsoft.com/office/powerpoint/2010/main">
+    <mc:Choice Requires="p14">
       <p:transition spd="slow" p14:dur="2000" advTm="24776"/>
     </mc:Choice>
-    <mc:Fallback>
+    <mc:Fallback xmlns="">
       <p:transition spd="slow" advTm="24776"/>
     </mc:Fallback>
   </mc:AlternateContent>
@@ -36866,7 +38758,7 @@
 </p:sld>
 </file>
 
-<file path=ppt/slides/slide7.xml><?xml version="1.0" encoding="utf-8"?>
+<file path=ppt/slides/slide8.xml><?xml version="1.0" encoding="utf-8"?>
 <p:sld xmlns:a="http://schemas.openxmlformats.org/drawingml/2006/main" xmlns:r="http://schemas.openxmlformats.org/officeDocument/2006/relationships" xmlns:p="http://schemas.openxmlformats.org/presentationml/2006/main">
   <p:cSld>
     <p:spTree>
@@ -37629,99 +39521,14 @@
   <p:clrMapOvr>
     <a:masterClrMapping/>
   </p:clrMapOvr>
-  <mc:AlternateContent xmlns:mc="http://schemas.openxmlformats.org/markup-compatibility/2006">
-    <mc:Choice xmlns:p14="http://schemas.microsoft.com/office/powerpoint/2010/main" Requires="p14">
+  <mc:AlternateContent xmlns:mc="http://schemas.openxmlformats.org/markup-compatibility/2006" xmlns:p14="http://schemas.microsoft.com/office/powerpoint/2010/main">
+    <mc:Choice Requires="p14">
       <p:transition spd="slow" p14:dur="2000" advTm="18246"/>
     </mc:Choice>
-    <mc:Fallback>
+    <mc:Fallback xmlns="">
       <p:transition spd="slow" advTm="18246"/>
     </mc:Fallback>
   </mc:AlternateContent>
-  <p:timing>
-    <p:tnLst>
-      <p:par>
-        <p:cTn id="1" dur="indefinite" restart="never" nodeType="tmRoot"/>
-      </p:par>
-    </p:tnLst>
-  </p:timing>
-</p:sld>
-</file>
-
-<file path=ppt/slides/slide8.xml><?xml version="1.0" encoding="utf-8"?>
-<p:sld xmlns:a="http://schemas.openxmlformats.org/drawingml/2006/main" xmlns:r="http://schemas.openxmlformats.org/officeDocument/2006/relationships" xmlns:p="http://schemas.openxmlformats.org/presentationml/2006/main">
-  <p:cSld>
-    <p:spTree>
-      <p:nvGrpSpPr>
-        <p:cNvPr id="1" name=""/>
-        <p:cNvGrpSpPr/>
-        <p:nvPr/>
-      </p:nvGrpSpPr>
-      <p:grpSpPr>
-        <a:xfrm>
-          <a:off x="0" y="0"/>
-          <a:ext cx="0" cy="0"/>
-          <a:chOff x="0" y="0"/>
-          <a:chExt cx="0" cy="0"/>
-        </a:xfrm>
-      </p:grpSpPr>
-      <p:sp>
-        <p:nvSpPr>
-          <p:cNvPr id="2" name="Titel 1"/>
-          <p:cNvSpPr>
-            <a:spLocks noGrp="1"/>
-          </p:cNvSpPr>
-          <p:nvPr>
-            <p:ph type="title"/>
-          </p:nvPr>
-        </p:nvSpPr>
-        <p:spPr/>
-        <p:txBody>
-          <a:bodyPr/>
-          <a:lstStyle/>
-          <a:p>
-            <a:r>
-              <a:rPr lang="en-US" dirty="0" smtClean="0"/>
-              <a:t>Collaborative Filtering	</a:t>
-            </a:r>
-            <a:endParaRPr lang="de-DE" dirty="0"/>
-          </a:p>
-        </p:txBody>
-      </p:sp>
-      <p:graphicFrame>
-        <p:nvGraphicFramePr>
-          <p:cNvPr id="4" name="Inhaltsplatzhalter 3"/>
-          <p:cNvGraphicFramePr>
-            <a:graphicFrameLocks noGrp="1"/>
-          </p:cNvGraphicFramePr>
-          <p:nvPr>
-            <p:ph idx="1"/>
-            <p:extLst>
-              <p:ext uri="{D42A27DB-BD31-4B8C-83A1-F6EECF244321}">
-                <p14:modId xmlns:p14="http://schemas.microsoft.com/office/powerpoint/2010/main" val="398817358"/>
-              </p:ext>
-            </p:extLst>
-          </p:nvPr>
-        </p:nvGraphicFramePr>
-        <p:xfrm>
-          <a:off x="457200" y="698500"/>
-          <a:ext cx="8229600" cy="5427663"/>
-        </p:xfrm>
-        <a:graphic>
-          <a:graphicData uri="http://schemas.openxmlformats.org/drawingml/2006/diagram">
-            <dgm:relIds xmlns:dgm="http://schemas.openxmlformats.org/drawingml/2006/diagram" xmlns:r="http://schemas.openxmlformats.org/officeDocument/2006/relationships" r:dm="rId2" r:lo="rId3" r:qs="rId4" r:cs="rId5"/>
-          </a:graphicData>
-        </a:graphic>
-      </p:graphicFrame>
-    </p:spTree>
-    <p:extLst>
-      <p:ext uri="{BB962C8B-B14F-4D97-AF65-F5344CB8AC3E}">
-        <p14:creationId xmlns:p14="http://schemas.microsoft.com/office/powerpoint/2010/main" val="3044687076"/>
-      </p:ext>
-    </p:extLst>
-  </p:cSld>
-  <p:clrMapOvr>
-    <a:masterClrMapping/>
-  </p:clrMapOvr>
   <p:timing>
     <p:tnLst>
       <p:par>
@@ -37765,1198 +39572,48 @@
           <a:lstStyle/>
           <a:p>
             <a:r>
-              <a:rPr lang="en-US" dirty="0"/>
-              <a:t>Content based Recommender Systems</a:t>
+              <a:rPr lang="en-US" dirty="0" smtClean="0"/>
+              <a:t>Collaborative Filtering	</a:t>
             </a:r>
             <a:endParaRPr lang="de-DE" dirty="0"/>
-          </a:p>
-        </p:txBody>
-      </p:sp>
-      <p:sp>
-        <p:nvSpPr>
-          <p:cNvPr id="7" name="Textfeld 6"/>
-          <p:cNvSpPr txBox="1"/>
-          <p:nvPr/>
-        </p:nvSpPr>
-        <p:spPr>
-          <a:xfrm>
-            <a:off x="527900" y="1084082"/>
-            <a:ext cx="8616099" cy="4920792"/>
-          </a:xfrm>
-          <a:prstGeom prst="rect">
-            <a:avLst/>
-          </a:prstGeom>
-          <a:noFill/>
-        </p:spPr>
-        <p:txBody>
-          <a:bodyPr wrap="square" lIns="0" rIns="0" rtlCol="0">
-            <a:noAutofit/>
-          </a:bodyPr>
-          <a:lstStyle/>
-          <a:p>
-            <a:pPr marL="285750" indent="-285750">
-              <a:buFont typeface="Arial" panose="020B0604020202020204" pitchFamily="34" charset="0"/>
-              <a:buChar char="•"/>
-            </a:pPr>
-            <a:r>
-              <a:rPr lang="en-US" dirty="0" err="1" smtClean="0"/>
-              <a:t>finde</a:t>
-            </a:r>
-            <a:r>
-              <a:rPr lang="en-US" dirty="0" smtClean="0"/>
-              <a:t> </a:t>
-            </a:r>
-            <a:r>
-              <a:rPr lang="en-US" dirty="0" err="1"/>
-              <a:t>Ähnlichkeiten</a:t>
-            </a:r>
-            <a:r>
-              <a:rPr lang="en-US" dirty="0"/>
-              <a:t> </a:t>
-            </a:r>
-            <a:r>
-              <a:rPr lang="en-US" dirty="0" err="1"/>
-              <a:t>zwischen</a:t>
-            </a:r>
-            <a:r>
-              <a:rPr lang="en-US" dirty="0"/>
-              <a:t> </a:t>
-            </a:r>
-            <a:r>
-              <a:rPr lang="en-US" dirty="0" smtClean="0"/>
-              <a:t>Items</a:t>
-            </a:r>
-          </a:p>
-          <a:p>
-            <a:pPr marL="742950" lvl="1" indent="-285750">
-              <a:buFont typeface="Arial" panose="020B0604020202020204" pitchFamily="34" charset="0"/>
-              <a:buChar char="•"/>
-            </a:pPr>
-            <a:r>
-              <a:rPr lang="en-US" dirty="0" err="1" smtClean="0"/>
-              <a:t>z.B</a:t>
-            </a:r>
-            <a:r>
-              <a:rPr lang="en-US" dirty="0"/>
-              <a:t>. </a:t>
-            </a:r>
-            <a:r>
-              <a:rPr lang="en-US" dirty="0" err="1"/>
-              <a:t>gleiches</a:t>
-            </a:r>
-            <a:r>
-              <a:rPr lang="en-US" dirty="0"/>
-              <a:t> Genre/ </a:t>
-            </a:r>
-            <a:r>
-              <a:rPr lang="en-US" dirty="0" err="1"/>
-              <a:t>Regisseur</a:t>
-            </a:r>
-            <a:r>
-              <a:rPr lang="en-US" dirty="0"/>
-              <a:t> / </a:t>
-            </a:r>
-            <a:r>
-              <a:rPr lang="en-US" dirty="0" err="1" smtClean="0"/>
-              <a:t>Autor</a:t>
-            </a:r>
-            <a:r>
-              <a:rPr lang="en-US" dirty="0" smtClean="0"/>
-              <a:t> </a:t>
-            </a:r>
-            <a:r>
-              <a:rPr lang="en-US" dirty="0" err="1"/>
-              <a:t>bei</a:t>
-            </a:r>
-            <a:r>
-              <a:rPr lang="en-US" dirty="0"/>
-              <a:t> </a:t>
-            </a:r>
-            <a:r>
-              <a:rPr lang="en-US" dirty="0" err="1"/>
-              <a:t>Filmen</a:t>
-            </a:r>
-            <a:r>
-              <a:rPr lang="en-US" dirty="0"/>
-              <a:t> / </a:t>
-            </a:r>
-            <a:r>
-              <a:rPr lang="en-US" dirty="0" err="1" smtClean="0"/>
-              <a:t>Büchern</a:t>
-            </a:r>
-            <a:endParaRPr lang="en-US" dirty="0" smtClean="0"/>
-          </a:p>
-          <a:p>
-            <a:pPr marL="742950" lvl="1" indent="-285750">
-              <a:buFont typeface="Arial" panose="020B0604020202020204" pitchFamily="34" charset="0"/>
-              <a:buChar char="•"/>
-            </a:pPr>
-            <a:r>
-              <a:rPr lang="en-US" dirty="0" smtClean="0"/>
-              <a:t>Auf </a:t>
-            </a:r>
-            <a:r>
-              <a:rPr lang="en-US" dirty="0"/>
-              <a:t>Basis von </a:t>
-            </a:r>
-            <a:r>
-              <a:rPr lang="en-US" dirty="0" err="1"/>
-              <a:t>Produktkatalogen</a:t>
-            </a:r>
-            <a:r>
-              <a:rPr lang="en-US" dirty="0"/>
-              <a:t> / </a:t>
-            </a:r>
-            <a:r>
-              <a:rPr lang="en-US" dirty="0" err="1"/>
-              <a:t>semantischen</a:t>
-            </a:r>
-            <a:r>
-              <a:rPr lang="en-US" dirty="0"/>
-              <a:t> </a:t>
-            </a:r>
-            <a:r>
-              <a:rPr lang="en-US" dirty="0" err="1" smtClean="0"/>
-              <a:t>Netzwerken</a:t>
-            </a:r>
-            <a:endParaRPr lang="en-US" dirty="0" smtClean="0"/>
-          </a:p>
-          <a:p>
-            <a:pPr marL="285750" indent="-285750">
-              <a:buFont typeface="Arial" panose="020B0604020202020204" pitchFamily="34" charset="0"/>
-              <a:buChar char="•"/>
-            </a:pPr>
-            <a:r>
-              <a:rPr lang="en-US" dirty="0" err="1" smtClean="0"/>
-              <a:t>schlage</a:t>
-            </a:r>
-            <a:r>
-              <a:rPr lang="en-US" dirty="0" smtClean="0"/>
-              <a:t> </a:t>
-            </a:r>
-            <a:r>
-              <a:rPr lang="en-US" dirty="0" err="1"/>
-              <a:t>dem</a:t>
-            </a:r>
-            <a:r>
-              <a:rPr lang="en-US" dirty="0"/>
-              <a:t> </a:t>
-            </a:r>
-            <a:r>
-              <a:rPr lang="en-US" dirty="0" err="1"/>
-              <a:t>Nutzer</a:t>
-            </a:r>
-            <a:r>
-              <a:rPr lang="en-US" dirty="0"/>
-              <a:t> Items </a:t>
-            </a:r>
-            <a:r>
-              <a:rPr lang="en-US" dirty="0" err="1"/>
-              <a:t>vor</a:t>
-            </a:r>
-            <a:r>
-              <a:rPr lang="en-US" dirty="0"/>
-              <a:t>, die </a:t>
-            </a:r>
-            <a:r>
-              <a:rPr lang="en-US" dirty="0" err="1"/>
-              <a:t>denjenigen</a:t>
-            </a:r>
-            <a:r>
-              <a:rPr lang="en-US" dirty="0"/>
-              <a:t> </a:t>
-            </a:r>
-            <a:r>
-              <a:rPr lang="en-US" dirty="0" err="1"/>
-              <a:t>ähnlich</a:t>
-            </a:r>
-            <a:r>
-              <a:rPr lang="en-US" dirty="0"/>
-              <a:t> </a:t>
-            </a:r>
-            <a:r>
-              <a:rPr lang="en-US" dirty="0" err="1"/>
-              <a:t>sind</a:t>
-            </a:r>
-            <a:r>
-              <a:rPr lang="en-US" dirty="0"/>
-              <a:t>, die </a:t>
-            </a:r>
-            <a:r>
-              <a:rPr lang="en-US" dirty="0" err="1"/>
-              <a:t>er</a:t>
-            </a:r>
-            <a:r>
-              <a:rPr lang="en-US" dirty="0"/>
-              <a:t> / </a:t>
-            </a:r>
-            <a:r>
-              <a:rPr lang="en-US" dirty="0" err="1"/>
-              <a:t>sie</a:t>
-            </a:r>
-            <a:r>
-              <a:rPr lang="en-US" dirty="0"/>
-              <a:t> </a:t>
-            </a:r>
-            <a:r>
-              <a:rPr lang="en-US" dirty="0" err="1"/>
-              <a:t>bereits</a:t>
-            </a:r>
-            <a:r>
-              <a:rPr lang="en-US" dirty="0"/>
-              <a:t> </a:t>
-            </a:r>
-            <a:r>
-              <a:rPr lang="en-US" dirty="0" err="1"/>
-              <a:t>positiv</a:t>
-            </a:r>
-            <a:r>
-              <a:rPr lang="en-US" dirty="0"/>
-              <a:t> </a:t>
-            </a:r>
-            <a:r>
-              <a:rPr lang="en-US" dirty="0" err="1"/>
-              <a:t>bewertet</a:t>
-            </a:r>
-            <a:r>
-              <a:rPr lang="en-US" dirty="0"/>
-              <a:t> </a:t>
-            </a:r>
-            <a:r>
-              <a:rPr lang="en-US" dirty="0" smtClean="0"/>
-              <a:t>hat </a:t>
-            </a:r>
-            <a:r>
-              <a:rPr lang="en-US" dirty="0"/>
-              <a:t>(</a:t>
-            </a:r>
-            <a:r>
-              <a:rPr lang="en-US" dirty="0" err="1"/>
-              <a:t>Leute</a:t>
-            </a:r>
-            <a:r>
-              <a:rPr lang="en-US" dirty="0"/>
-              <a:t>, die </a:t>
-            </a:r>
-            <a:r>
-              <a:rPr lang="en-US" dirty="0" err="1" smtClean="0"/>
-              <a:t>Milch</a:t>
-            </a:r>
-            <a:r>
-              <a:rPr lang="en-US" dirty="0" smtClean="0"/>
-              <a:t> </a:t>
-            </a:r>
-            <a:r>
-              <a:rPr lang="en-US" dirty="0" err="1"/>
-              <a:t>kauften</a:t>
-            </a:r>
-            <a:r>
-              <a:rPr lang="en-US" dirty="0"/>
-              <a:t>, </a:t>
-            </a:r>
-            <a:r>
-              <a:rPr lang="en-US" dirty="0" err="1"/>
-              <a:t>kauften</a:t>
-            </a:r>
-            <a:r>
-              <a:rPr lang="en-US" dirty="0"/>
-              <a:t> </a:t>
-            </a:r>
-            <a:r>
-              <a:rPr lang="en-US" dirty="0" err="1" smtClean="0"/>
-              <a:t>auch</a:t>
-            </a:r>
-            <a:r>
-              <a:rPr lang="en-US" dirty="0" smtClean="0"/>
-              <a:t> </a:t>
-            </a:r>
-            <a:r>
-              <a:rPr lang="en-US" dirty="0" err="1" smtClean="0"/>
-              <a:t>Eier</a:t>
-            </a:r>
-            <a:r>
-              <a:rPr lang="en-US" dirty="0" smtClean="0"/>
-              <a:t>)</a:t>
-            </a:r>
-          </a:p>
-          <a:p>
-            <a:pPr marL="285750" indent="-285750">
-              <a:buFont typeface="Arial" panose="020B0604020202020204" pitchFamily="34" charset="0"/>
-              <a:buChar char="•"/>
-            </a:pPr>
-            <a:r>
-              <a:rPr lang="en-US" dirty="0" err="1" smtClean="0"/>
-              <a:t>Benötigt</a:t>
-            </a:r>
-            <a:r>
-              <a:rPr lang="en-US" dirty="0" smtClean="0"/>
-              <a:t> </a:t>
-            </a:r>
-            <a:r>
-              <a:rPr lang="en-US" dirty="0" err="1" smtClean="0"/>
-              <a:t>lediglich</a:t>
-            </a:r>
-            <a:r>
-              <a:rPr lang="en-US" dirty="0" smtClean="0"/>
-              <a:t> Start-</a:t>
-            </a:r>
-            <a:r>
-              <a:rPr lang="en-US" dirty="0" err="1" smtClean="0"/>
-              <a:t>Bewertungen</a:t>
-            </a:r>
-            <a:r>
-              <a:rPr lang="en-US" dirty="0" smtClean="0"/>
-              <a:t> des </a:t>
-            </a:r>
-            <a:r>
-              <a:rPr lang="en-US" dirty="0" err="1" smtClean="0"/>
-              <a:t>Nutzers</a:t>
-            </a:r>
-            <a:r>
-              <a:rPr lang="en-US" dirty="0" smtClean="0"/>
-              <a:t>, </a:t>
-            </a:r>
-            <a:r>
-              <a:rPr lang="en-US" dirty="0" err="1" smtClean="0"/>
-              <a:t>aber</a:t>
-            </a:r>
-            <a:r>
-              <a:rPr lang="en-US" dirty="0" smtClean="0"/>
-              <a:t> </a:t>
-            </a:r>
-            <a:r>
-              <a:rPr lang="en-US" dirty="0" err="1" smtClean="0"/>
-              <a:t>Ähnlichkeitsmaß</a:t>
-            </a:r>
-            <a:r>
-              <a:rPr lang="en-US" dirty="0" smtClean="0"/>
-              <a:t> je </a:t>
-            </a:r>
-            <a:r>
-              <a:rPr lang="en-US" dirty="0" err="1" smtClean="0"/>
-              <a:t>nach</a:t>
-            </a:r>
-            <a:r>
-              <a:rPr lang="en-US" dirty="0" smtClean="0"/>
-              <a:t> </a:t>
-            </a:r>
-            <a:r>
-              <a:rPr lang="en-US" dirty="0" err="1" smtClean="0"/>
-              <a:t>Anwendungsgebiet</a:t>
-            </a:r>
-            <a:r>
-              <a:rPr lang="en-US" dirty="0" smtClean="0"/>
-              <a:t> </a:t>
-            </a:r>
-            <a:r>
-              <a:rPr lang="en-US" dirty="0" err="1" smtClean="0"/>
-              <a:t>ggf</a:t>
-            </a:r>
-            <a:r>
-              <a:rPr lang="en-US" dirty="0" smtClean="0"/>
-              <a:t>. </a:t>
-            </a:r>
-            <a:r>
-              <a:rPr lang="en-US" dirty="0" err="1"/>
-              <a:t>n</a:t>
-            </a:r>
-            <a:r>
-              <a:rPr lang="en-US" dirty="0" err="1" smtClean="0"/>
-              <a:t>icht</a:t>
-            </a:r>
-            <a:r>
-              <a:rPr lang="en-US" dirty="0" smtClean="0"/>
-              <a:t> trivial</a:t>
-            </a:r>
-            <a:endParaRPr lang="en-US" dirty="0"/>
-          </a:p>
-          <a:p>
-            <a:endParaRPr lang="de-DE" dirty="0" err="1" smtClean="0"/>
           </a:p>
         </p:txBody>
       </p:sp>
       <p:graphicFrame>
         <p:nvGraphicFramePr>
-          <p:cNvPr id="23" name="Tabelle 22"/>
+          <p:cNvPr id="4" name="Inhaltsplatzhalter 3"/>
           <p:cNvGraphicFramePr>
             <a:graphicFrameLocks noGrp="1"/>
           </p:cNvGraphicFramePr>
           <p:nvPr>
+            <p:ph idx="1"/>
             <p:extLst>
               <p:ext uri="{D42A27DB-BD31-4B8C-83A1-F6EECF244321}">
-                <p14:modId xmlns:p14="http://schemas.microsoft.com/office/powerpoint/2010/main" val="3522479494"/>
+                <p14:modId xmlns:p14="http://schemas.microsoft.com/office/powerpoint/2010/main" val="398817358"/>
               </p:ext>
             </p:extLst>
           </p:nvPr>
         </p:nvGraphicFramePr>
         <p:xfrm>
-          <a:off x="672888" y="3295649"/>
-          <a:ext cx="3826086" cy="2733152"/>
+          <a:off x="457200" y="698500"/>
+          <a:ext cx="8229600" cy="5427663"/>
         </p:xfrm>
         <a:graphic>
-          <a:graphicData uri="http://schemas.openxmlformats.org/drawingml/2006/table">
-            <a:tbl>
-              <a:tblPr firstRow="1" bandRow="1">
-                <a:tableStyleId>{7DF18680-E054-41AD-8BC1-D1AEF772440D}</a:tableStyleId>
-              </a:tblPr>
-              <a:tblGrid>
-                <a:gridCol w="849086">
-                  <a:extLst>
-                    <a:ext uri="{9D8B030D-6E8A-4147-A177-3AD203B41FA5}">
-                      <a16:colId xmlns:a16="http://schemas.microsoft.com/office/drawing/2014/main" val="3671169814"/>
-                    </a:ext>
-                  </a:extLst>
-                </a:gridCol>
-                <a:gridCol w="568536">
-                  <a:extLst>
-                    <a:ext uri="{9D8B030D-6E8A-4147-A177-3AD203B41FA5}">
-                      <a16:colId xmlns:a16="http://schemas.microsoft.com/office/drawing/2014/main" val="2732018922"/>
-                    </a:ext>
-                  </a:extLst>
-                </a:gridCol>
-                <a:gridCol w="530050">
-                  <a:extLst>
-                    <a:ext uri="{9D8B030D-6E8A-4147-A177-3AD203B41FA5}">
-                      <a16:colId xmlns:a16="http://schemas.microsoft.com/office/drawing/2014/main" val="497293107"/>
-                    </a:ext>
-                  </a:extLst>
-                </a:gridCol>
-                <a:gridCol w="626138">
-                  <a:extLst>
-                    <a:ext uri="{9D8B030D-6E8A-4147-A177-3AD203B41FA5}">
-                      <a16:colId xmlns:a16="http://schemas.microsoft.com/office/drawing/2014/main" val="1843541253"/>
-                    </a:ext>
-                  </a:extLst>
-                </a:gridCol>
-                <a:gridCol w="626138">
-                  <a:extLst>
-                    <a:ext uri="{9D8B030D-6E8A-4147-A177-3AD203B41FA5}">
-                      <a16:colId xmlns:a16="http://schemas.microsoft.com/office/drawing/2014/main" val="2211584553"/>
-                    </a:ext>
-                  </a:extLst>
-                </a:gridCol>
-                <a:gridCol w="626138">
-                  <a:extLst>
-                    <a:ext uri="{9D8B030D-6E8A-4147-A177-3AD203B41FA5}">
-                      <a16:colId xmlns:a16="http://schemas.microsoft.com/office/drawing/2014/main" val="2187108981"/>
-                    </a:ext>
-                  </a:extLst>
-                </a:gridCol>
-              </a:tblGrid>
-              <a:tr h="683288">
-                <a:tc>
-                  <a:txBody>
-                    <a:bodyPr/>
-                    <a:lstStyle/>
-                    <a:p>
-                      <a:r>
-                        <a:rPr lang="en-US" dirty="0" smtClean="0"/>
-                        <a:t>Item</a:t>
-                      </a:r>
-                    </a:p>
-                    <a:p>
-                      <a:r>
-                        <a:rPr lang="en-US" dirty="0" smtClean="0"/>
-                        <a:t>/Item</a:t>
-                      </a:r>
-                      <a:endParaRPr lang="de-DE" dirty="0"/>
-                    </a:p>
-                  </a:txBody>
-                  <a:tcPr/>
-                </a:tc>
-                <a:tc>
-                  <a:txBody>
-                    <a:bodyPr/>
-                    <a:lstStyle/>
-                    <a:p>
-                      <a:r>
-                        <a:rPr lang="en-US" dirty="0" smtClean="0">
-                          <a:solidFill>
-                            <a:srgbClr val="92D050"/>
-                          </a:solidFill>
-                        </a:rPr>
-                        <a:t>2</a:t>
-                      </a:r>
-                    </a:p>
-                    <a:p>
-                      <a:r>
-                        <a:rPr lang="en-US" dirty="0" smtClean="0">
-                          <a:solidFill>
-                            <a:srgbClr val="92D050"/>
-                          </a:solidFill>
-                        </a:rPr>
-                        <a:t>(3)</a:t>
-                      </a:r>
-                      <a:endParaRPr lang="de-DE" dirty="0">
-                        <a:solidFill>
-                          <a:srgbClr val="92D050"/>
-                        </a:solidFill>
-                      </a:endParaRPr>
-                    </a:p>
-                  </a:txBody>
-                  <a:tcPr/>
-                </a:tc>
-                <a:tc>
-                  <a:txBody>
-                    <a:bodyPr/>
-                    <a:lstStyle/>
-                    <a:p>
-                      <a:r>
-                        <a:rPr lang="en-US" dirty="0" smtClean="0"/>
-                        <a:t>3</a:t>
-                      </a:r>
-                      <a:endParaRPr lang="de-DE" dirty="0"/>
-                    </a:p>
-                  </a:txBody>
-                  <a:tcPr/>
-                </a:tc>
-                <a:tc>
-                  <a:txBody>
-                    <a:bodyPr/>
-                    <a:lstStyle/>
-                    <a:p>
-                      <a:r>
-                        <a:rPr lang="en-US" dirty="0" smtClean="0"/>
-                        <a:t>4</a:t>
-                      </a:r>
-                      <a:endParaRPr lang="de-DE" dirty="0"/>
-                    </a:p>
-                  </a:txBody>
-                  <a:tcPr/>
-                </a:tc>
-                <a:tc>
-                  <a:txBody>
-                    <a:bodyPr/>
-                    <a:lstStyle/>
-                    <a:p>
-                      <a:r>
-                        <a:rPr lang="en-US" dirty="0" smtClean="0">
-                          <a:solidFill>
-                            <a:srgbClr val="92D050"/>
-                          </a:solidFill>
-                        </a:rPr>
-                        <a:t>5</a:t>
-                      </a:r>
-                    </a:p>
-                    <a:p>
-                      <a:r>
-                        <a:rPr lang="en-US" dirty="0" smtClean="0">
-                          <a:solidFill>
-                            <a:srgbClr val="92D050"/>
-                          </a:solidFill>
-                        </a:rPr>
-                        <a:t>(5)</a:t>
-                      </a:r>
-                      <a:endParaRPr lang="de-DE" dirty="0">
-                        <a:solidFill>
-                          <a:srgbClr val="92D050"/>
-                        </a:solidFill>
-                      </a:endParaRPr>
-                    </a:p>
-                  </a:txBody>
-                  <a:tcPr/>
-                </a:tc>
-                <a:tc>
-                  <a:txBody>
-                    <a:bodyPr/>
-                    <a:lstStyle/>
-                    <a:p>
-                      <a:r>
-                        <a:rPr lang="en-US" dirty="0" smtClean="0">
-                          <a:solidFill>
-                            <a:srgbClr val="92D050"/>
-                          </a:solidFill>
-                        </a:rPr>
-                        <a:t>6</a:t>
-                      </a:r>
-                    </a:p>
-                    <a:p>
-                      <a:r>
-                        <a:rPr lang="en-US" dirty="0" smtClean="0">
-                          <a:solidFill>
-                            <a:srgbClr val="92D050"/>
-                          </a:solidFill>
-                        </a:rPr>
-                        <a:t>(4)</a:t>
-                      </a:r>
-                      <a:endParaRPr lang="de-DE" dirty="0">
-                        <a:solidFill>
-                          <a:srgbClr val="92D050"/>
-                        </a:solidFill>
-                      </a:endParaRPr>
-                    </a:p>
-                  </a:txBody>
-                  <a:tcPr/>
-                </a:tc>
-                <a:extLst>
-                  <a:ext uri="{0D108BD9-81ED-4DB2-BD59-A6C34878D82A}">
-                    <a16:rowId xmlns:a16="http://schemas.microsoft.com/office/drawing/2014/main" val="3215733398"/>
-                  </a:ext>
-                </a:extLst>
-              </a:tr>
-              <a:tr h="683288">
-                <a:tc>
-                  <a:txBody>
-                    <a:bodyPr/>
-                    <a:lstStyle/>
-                    <a:p>
-                      <a:r>
-                        <a:rPr lang="en-US" dirty="0" smtClean="0">
-                          <a:solidFill>
-                            <a:schemeClr val="bg1"/>
-                          </a:solidFill>
-                        </a:rPr>
-                        <a:t>1</a:t>
-                      </a:r>
-                      <a:endParaRPr lang="de-DE" dirty="0">
-                        <a:solidFill>
-                          <a:schemeClr val="bg1"/>
-                        </a:solidFill>
-                      </a:endParaRPr>
-                    </a:p>
-                  </a:txBody>
-                  <a:tcPr>
-                    <a:solidFill>
-                      <a:schemeClr val="accent5"/>
-                    </a:solidFill>
-                  </a:tcPr>
-                </a:tc>
-                <a:tc>
-                  <a:txBody>
-                    <a:bodyPr/>
-                    <a:lstStyle/>
-                    <a:p>
-                      <a:r>
-                        <a:rPr lang="en-US" dirty="0" smtClean="0"/>
-                        <a:t>0,2</a:t>
-                      </a:r>
-                      <a:endParaRPr lang="de-DE" dirty="0"/>
-                    </a:p>
-                  </a:txBody>
-                  <a:tcPr/>
-                </a:tc>
-                <a:tc>
-                  <a:txBody>
-                    <a:bodyPr/>
-                    <a:lstStyle/>
-                    <a:p>
-                      <a:r>
-                        <a:rPr lang="en-US" dirty="0" smtClean="0"/>
-                        <a:t>0,7</a:t>
-                      </a:r>
-                      <a:endParaRPr lang="de-DE" dirty="0"/>
-                    </a:p>
-                  </a:txBody>
-                  <a:tcPr/>
-                </a:tc>
-                <a:tc>
-                  <a:txBody>
-                    <a:bodyPr/>
-                    <a:lstStyle/>
-                    <a:p>
-                      <a:r>
-                        <a:rPr lang="en-US" dirty="0" smtClean="0"/>
-                        <a:t>0,3</a:t>
-                      </a:r>
-                      <a:endParaRPr lang="de-DE" dirty="0"/>
-                    </a:p>
-                  </a:txBody>
-                  <a:tcPr/>
-                </a:tc>
-                <a:tc>
-                  <a:txBody>
-                    <a:bodyPr/>
-                    <a:lstStyle/>
-                    <a:p>
-                      <a:r>
-                        <a:rPr lang="en-US" dirty="0" smtClean="0"/>
-                        <a:t>0,9</a:t>
-                      </a:r>
-                      <a:endParaRPr lang="de-DE" dirty="0"/>
-                    </a:p>
-                  </a:txBody>
-                  <a:tcPr/>
-                </a:tc>
-                <a:tc>
-                  <a:txBody>
-                    <a:bodyPr/>
-                    <a:lstStyle/>
-                    <a:p>
-                      <a:r>
-                        <a:rPr lang="en-US" dirty="0" smtClean="0"/>
-                        <a:t>0,0</a:t>
-                      </a:r>
-                      <a:endParaRPr lang="de-DE" dirty="0"/>
-                    </a:p>
-                  </a:txBody>
-                  <a:tcPr/>
-                </a:tc>
-                <a:extLst>
-                  <a:ext uri="{0D108BD9-81ED-4DB2-BD59-A6C34878D82A}">
-                    <a16:rowId xmlns:a16="http://schemas.microsoft.com/office/drawing/2014/main" val="2101585830"/>
-                  </a:ext>
-                </a:extLst>
-              </a:tr>
-              <a:tr h="683288">
-                <a:tc>
-                  <a:txBody>
-                    <a:bodyPr/>
-                    <a:lstStyle/>
-                    <a:p>
-                      <a:r>
-                        <a:rPr lang="en-US" dirty="0" smtClean="0">
-                          <a:solidFill>
-                            <a:schemeClr val="bg1"/>
-                          </a:solidFill>
-                        </a:rPr>
-                        <a:t>3</a:t>
-                      </a:r>
-                      <a:endParaRPr lang="de-DE" dirty="0">
-                        <a:solidFill>
-                          <a:schemeClr val="bg1"/>
-                        </a:solidFill>
-                      </a:endParaRPr>
-                    </a:p>
-                  </a:txBody>
-                  <a:tcPr>
-                    <a:solidFill>
-                      <a:schemeClr val="accent5"/>
-                    </a:solidFill>
-                  </a:tcPr>
-                </a:tc>
-                <a:tc>
-                  <a:txBody>
-                    <a:bodyPr/>
-                    <a:lstStyle/>
-                    <a:p>
-                      <a:r>
-                        <a:rPr lang="en-US" dirty="0" smtClean="0"/>
-                        <a:t>0,0</a:t>
-                      </a:r>
-                      <a:endParaRPr lang="de-DE" dirty="0"/>
-                    </a:p>
-                  </a:txBody>
-                  <a:tcPr/>
-                </a:tc>
-                <a:tc>
-                  <a:txBody>
-                    <a:bodyPr/>
-                    <a:lstStyle/>
-                    <a:p>
-                      <a:endParaRPr lang="de-DE" dirty="0"/>
-                    </a:p>
-                  </a:txBody>
-                  <a:tcPr/>
-                </a:tc>
-                <a:tc>
-                  <a:txBody>
-                    <a:bodyPr/>
-                    <a:lstStyle/>
-                    <a:p>
-                      <a:r>
-                        <a:rPr lang="en-US" dirty="0" smtClean="0"/>
-                        <a:t>0,6</a:t>
-                      </a:r>
-                      <a:endParaRPr lang="de-DE" dirty="0"/>
-                    </a:p>
-                  </a:txBody>
-                  <a:tcPr/>
-                </a:tc>
-                <a:tc>
-                  <a:txBody>
-                    <a:bodyPr/>
-                    <a:lstStyle/>
-                    <a:p>
-                      <a:r>
-                        <a:rPr lang="en-US" dirty="0" smtClean="0"/>
-                        <a:t>0,7</a:t>
-                      </a:r>
-                      <a:endParaRPr lang="de-DE" dirty="0"/>
-                    </a:p>
-                  </a:txBody>
-                  <a:tcPr/>
-                </a:tc>
-                <a:tc>
-                  <a:txBody>
-                    <a:bodyPr/>
-                    <a:lstStyle/>
-                    <a:p>
-                      <a:r>
-                        <a:rPr lang="en-US" dirty="0" smtClean="0"/>
-                        <a:t>0,8</a:t>
-                      </a:r>
-                      <a:endParaRPr lang="de-DE" dirty="0"/>
-                    </a:p>
-                  </a:txBody>
-                  <a:tcPr/>
-                </a:tc>
-                <a:extLst>
-                  <a:ext uri="{0D108BD9-81ED-4DB2-BD59-A6C34878D82A}">
-                    <a16:rowId xmlns:a16="http://schemas.microsoft.com/office/drawing/2014/main" val="2849327640"/>
-                  </a:ext>
-                </a:extLst>
-              </a:tr>
-              <a:tr h="683288">
-                <a:tc>
-                  <a:txBody>
-                    <a:bodyPr/>
-                    <a:lstStyle/>
-                    <a:p>
-                      <a:r>
-                        <a:rPr lang="en-US" smtClean="0">
-                          <a:solidFill>
-                            <a:schemeClr val="bg1"/>
-                          </a:solidFill>
-                        </a:rPr>
-                        <a:t>4</a:t>
-                      </a:r>
-                      <a:endParaRPr lang="de-DE" dirty="0">
-                        <a:solidFill>
-                          <a:schemeClr val="bg1"/>
-                        </a:solidFill>
-                      </a:endParaRPr>
-                    </a:p>
-                  </a:txBody>
-                  <a:tcPr>
-                    <a:solidFill>
-                      <a:schemeClr val="accent5"/>
-                    </a:solidFill>
-                  </a:tcPr>
-                </a:tc>
-                <a:tc>
-                  <a:txBody>
-                    <a:bodyPr/>
-                    <a:lstStyle/>
-                    <a:p>
-                      <a:r>
-                        <a:rPr lang="en-US" smtClean="0"/>
-                        <a:t>0,0</a:t>
-                      </a:r>
-                      <a:endParaRPr lang="de-DE" dirty="0"/>
-                    </a:p>
-                  </a:txBody>
-                  <a:tcPr/>
-                </a:tc>
-                <a:tc>
-                  <a:txBody>
-                    <a:bodyPr/>
-                    <a:lstStyle/>
-                    <a:p>
-                      <a:r>
-                        <a:rPr lang="en-US" smtClean="0"/>
-                        <a:t>0,6</a:t>
-                      </a:r>
-                      <a:endParaRPr lang="de-DE" dirty="0"/>
-                    </a:p>
-                  </a:txBody>
-                  <a:tcPr/>
-                </a:tc>
-                <a:tc>
-                  <a:txBody>
-                    <a:bodyPr/>
-                    <a:lstStyle/>
-                    <a:p>
-                      <a:endParaRPr lang="de-DE" dirty="0"/>
-                    </a:p>
-                  </a:txBody>
-                  <a:tcPr/>
-                </a:tc>
-                <a:tc>
-                  <a:txBody>
-                    <a:bodyPr/>
-                    <a:lstStyle/>
-                    <a:p>
-                      <a:r>
-                        <a:rPr lang="en-US" smtClean="0"/>
-                        <a:t>0,3</a:t>
-                      </a:r>
-                      <a:endParaRPr lang="de-DE" dirty="0"/>
-                    </a:p>
-                  </a:txBody>
-                  <a:tcPr/>
-                </a:tc>
-                <a:tc>
-                  <a:txBody>
-                    <a:bodyPr/>
-                    <a:lstStyle/>
-                    <a:p>
-                      <a:r>
-                        <a:rPr lang="en-US" dirty="0" smtClean="0"/>
-                        <a:t>0,4</a:t>
-                      </a:r>
-                      <a:endParaRPr lang="de-DE" dirty="0"/>
-                    </a:p>
-                  </a:txBody>
-                  <a:tcPr/>
-                </a:tc>
-                <a:extLst>
-                  <a:ext uri="{0D108BD9-81ED-4DB2-BD59-A6C34878D82A}">
-                    <a16:rowId xmlns:a16="http://schemas.microsoft.com/office/drawing/2014/main" val="217265902"/>
-                  </a:ext>
-                </a:extLst>
-              </a:tr>
-            </a:tbl>
+          <a:graphicData uri="http://schemas.openxmlformats.org/drawingml/2006/diagram">
+            <dgm:relIds xmlns:dgm="http://schemas.openxmlformats.org/drawingml/2006/diagram" xmlns:r="http://schemas.openxmlformats.org/officeDocument/2006/relationships" r:dm="rId2" r:lo="rId3" r:qs="rId4" r:cs="rId5"/>
           </a:graphicData>
         </a:graphic>
       </p:graphicFrame>
-      <p:sp>
-        <p:nvSpPr>
-          <p:cNvPr id="24" name="Textfeld 23"/>
-          <p:cNvSpPr txBox="1"/>
-          <p:nvPr/>
-        </p:nvSpPr>
-        <p:spPr>
-          <a:xfrm>
-            <a:off x="4606818" y="3988987"/>
-            <a:ext cx="1858945" cy="582804"/>
-          </a:xfrm>
-          <a:prstGeom prst="rect">
-            <a:avLst/>
-          </a:prstGeom>
-          <a:noFill/>
-        </p:spPr>
-        <p:txBody>
-          <a:bodyPr wrap="square" lIns="0" rIns="0" rtlCol="0">
-            <a:noAutofit/>
-          </a:bodyPr>
-          <a:lstStyle/>
-          <a:p>
-            <a:pPr>
-              <a:buClr>
-                <a:schemeClr val="tx2"/>
-              </a:buClr>
-            </a:pPr>
-            <a:r>
-              <a:rPr lang="en-US" dirty="0" smtClean="0"/>
-              <a:t>(0,2 * 3 + 0,9 * 5) </a:t>
-            </a:r>
-          </a:p>
-          <a:p>
-            <a:pPr>
-              <a:buClr>
-                <a:schemeClr val="tx2"/>
-              </a:buClr>
-            </a:pPr>
-            <a:r>
-              <a:rPr lang="en-US" dirty="0" smtClean="0"/>
-              <a:t>/ (0,2 + 0,9) =</a:t>
-            </a:r>
-            <a:endParaRPr lang="de-DE" dirty="0" err="1" smtClean="0"/>
-          </a:p>
-        </p:txBody>
-      </p:sp>
-      <p:sp>
-        <p:nvSpPr>
-          <p:cNvPr id="25" name="Textfeld 24"/>
-          <p:cNvSpPr txBox="1"/>
-          <p:nvPr/>
-        </p:nvSpPr>
-        <p:spPr>
-          <a:xfrm>
-            <a:off x="4606818" y="4661330"/>
-            <a:ext cx="3366198" cy="502417"/>
-          </a:xfrm>
-          <a:prstGeom prst="rect">
-            <a:avLst/>
-          </a:prstGeom>
-          <a:noFill/>
-        </p:spPr>
-        <p:txBody>
-          <a:bodyPr wrap="square" lIns="0" rIns="0" rtlCol="0">
-            <a:noAutofit/>
-          </a:bodyPr>
-          <a:lstStyle/>
-          <a:p>
-            <a:pPr>
-              <a:buClr>
-                <a:schemeClr val="tx2"/>
-              </a:buClr>
-            </a:pPr>
-            <a:r>
-              <a:rPr lang="en-US" dirty="0" smtClean="0"/>
-              <a:t>(0,7 * 5 + 0,8 * 4) </a:t>
-            </a:r>
-          </a:p>
-          <a:p>
-            <a:pPr>
-              <a:buClr>
-                <a:schemeClr val="tx2"/>
-              </a:buClr>
-            </a:pPr>
-            <a:r>
-              <a:rPr lang="en-US" dirty="0" smtClean="0"/>
-              <a:t>/ (0,7 + 0,8) =</a:t>
-            </a:r>
-            <a:endParaRPr lang="de-DE" dirty="0" err="1" smtClean="0"/>
-          </a:p>
-        </p:txBody>
-      </p:sp>
-      <p:sp>
-        <p:nvSpPr>
-          <p:cNvPr id="26" name="Rechteck 25"/>
-          <p:cNvSpPr/>
-          <p:nvPr/>
-        </p:nvSpPr>
-        <p:spPr>
-          <a:xfrm>
-            <a:off x="7575874" y="4095723"/>
-            <a:ext cx="633507" cy="369332"/>
-          </a:xfrm>
-          <a:prstGeom prst="rect">
-            <a:avLst/>
-          </a:prstGeom>
-        </p:spPr>
-        <p:txBody>
-          <a:bodyPr wrap="none">
-            <a:spAutoFit/>
-          </a:bodyPr>
-          <a:lstStyle/>
-          <a:p>
-            <a:pPr>
-              <a:buClr>
-                <a:schemeClr val="tx2"/>
-              </a:buClr>
-            </a:pPr>
-            <a:r>
-              <a:rPr lang="en-US" dirty="0"/>
-              <a:t>4,63</a:t>
-            </a:r>
-            <a:endParaRPr lang="de-DE" dirty="0" err="1"/>
-          </a:p>
-        </p:txBody>
-      </p:sp>
-      <p:sp>
-        <p:nvSpPr>
-          <p:cNvPr id="27" name="Rechteck 26"/>
-          <p:cNvSpPr/>
-          <p:nvPr/>
-        </p:nvSpPr>
-        <p:spPr>
-          <a:xfrm>
-            <a:off x="7575875" y="4727872"/>
-            <a:ext cx="633507" cy="369332"/>
-          </a:xfrm>
-          <a:prstGeom prst="rect">
-            <a:avLst/>
-          </a:prstGeom>
-        </p:spPr>
-        <p:txBody>
-          <a:bodyPr wrap="none">
-            <a:spAutoFit/>
-          </a:bodyPr>
-          <a:lstStyle/>
-          <a:p>
-            <a:pPr>
-              <a:buClr>
-                <a:schemeClr val="tx2"/>
-              </a:buClr>
-            </a:pPr>
-            <a:r>
-              <a:rPr lang="en-US" dirty="0"/>
-              <a:t>4,47</a:t>
-            </a:r>
-            <a:endParaRPr lang="de-DE" dirty="0" err="1"/>
-          </a:p>
-        </p:txBody>
-      </p:sp>
-      <p:sp>
-        <p:nvSpPr>
-          <p:cNvPr id="28" name="Textfeld 27"/>
-          <p:cNvSpPr txBox="1"/>
-          <p:nvPr/>
-        </p:nvSpPr>
-        <p:spPr>
-          <a:xfrm>
-            <a:off x="4606818" y="5350751"/>
-            <a:ext cx="3366198" cy="502417"/>
-          </a:xfrm>
-          <a:prstGeom prst="rect">
-            <a:avLst/>
-          </a:prstGeom>
-          <a:noFill/>
-        </p:spPr>
-        <p:txBody>
-          <a:bodyPr wrap="square" lIns="0" rIns="0" rtlCol="0">
-            <a:noAutofit/>
-          </a:bodyPr>
-          <a:lstStyle/>
-          <a:p>
-            <a:pPr>
-              <a:buClr>
-                <a:schemeClr val="tx2"/>
-              </a:buClr>
-            </a:pPr>
-            <a:r>
-              <a:rPr lang="en-US" dirty="0" smtClean="0"/>
-              <a:t>(0,3 * 5 + 0,4 * 6) </a:t>
-            </a:r>
-          </a:p>
-          <a:p>
-            <a:pPr>
-              <a:buClr>
-                <a:schemeClr val="tx2"/>
-              </a:buClr>
-            </a:pPr>
-            <a:r>
-              <a:rPr lang="en-US" dirty="0" smtClean="0"/>
-              <a:t>/ (0,3 + 0,4) =</a:t>
-            </a:r>
-            <a:endParaRPr lang="de-DE" dirty="0" err="1" smtClean="0"/>
-          </a:p>
-        </p:txBody>
-      </p:sp>
-      <p:sp>
-        <p:nvSpPr>
-          <p:cNvPr id="29" name="Rechteck 28"/>
-          <p:cNvSpPr/>
-          <p:nvPr/>
-        </p:nvSpPr>
-        <p:spPr>
-          <a:xfrm>
-            <a:off x="7575875" y="5360021"/>
-            <a:ext cx="633507" cy="369332"/>
-          </a:xfrm>
-          <a:prstGeom prst="rect">
-            <a:avLst/>
-          </a:prstGeom>
-        </p:spPr>
-        <p:txBody>
-          <a:bodyPr wrap="none">
-            <a:spAutoFit/>
-          </a:bodyPr>
-          <a:lstStyle/>
-          <a:p>
-            <a:pPr>
-              <a:buClr>
-                <a:schemeClr val="tx2"/>
-              </a:buClr>
-            </a:pPr>
-            <a:r>
-              <a:rPr lang="en-US" dirty="0" smtClean="0"/>
-              <a:t>5,57</a:t>
-            </a:r>
-            <a:endParaRPr lang="de-DE" dirty="0" err="1"/>
-          </a:p>
-        </p:txBody>
-      </p:sp>
     </p:spTree>
     <p:extLst>
       <p:ext uri="{BB962C8B-B14F-4D97-AF65-F5344CB8AC3E}">
-        <p14:creationId xmlns:p14="http://schemas.microsoft.com/office/powerpoint/2010/main" val="250895194"/>
+        <p14:creationId xmlns:p14="http://schemas.microsoft.com/office/powerpoint/2010/main" val="3044687076"/>
       </p:ext>
     </p:extLst>
   </p:cSld>
   <p:clrMapOvr>
     <a:masterClrMapping/>
   </p:clrMapOvr>
-  <mc:AlternateContent xmlns:mc="http://schemas.openxmlformats.org/markup-compatibility/2006">
-    <mc:Choice xmlns:p14="http://schemas.microsoft.com/office/powerpoint/2010/main" Requires="p14">
-      <p:transition spd="slow" p14:dur="2000" advTm="51376"/>
-    </mc:Choice>
-    <mc:Fallback>
-      <p:transition spd="slow" advTm="51376"/>
-    </mc:Fallback>
-  </mc:AlternateContent>
   <p:timing>
     <p:tnLst>
       <p:par>

--- a/Diss (repo)/Recommender.pptx
+++ b/Diss (repo)/Recommender.pptx
@@ -5,7 +5,7 @@
     <p:sldMasterId id="2147483673" r:id="rId1"/>
   </p:sldMasterIdLst>
   <p:notesMasterIdLst>
-    <p:notesMasterId r:id="rId25"/>
+    <p:notesMasterId r:id="rId29"/>
   </p:notesMasterIdLst>
   <p:sldIdLst>
     <p:sldId id="256" r:id="rId2"/>
@@ -27,10 +27,14 @@
     <p:sldId id="387" r:id="rId18"/>
     <p:sldId id="383" r:id="rId19"/>
     <p:sldId id="389" r:id="rId20"/>
-    <p:sldId id="391" r:id="rId21"/>
-    <p:sldId id="392" r:id="rId22"/>
-    <p:sldId id="311" r:id="rId23"/>
-    <p:sldId id="356" r:id="rId24"/>
+    <p:sldId id="392" r:id="rId21"/>
+    <p:sldId id="393" r:id="rId22"/>
+    <p:sldId id="394" r:id="rId23"/>
+    <p:sldId id="395" r:id="rId24"/>
+    <p:sldId id="396" r:id="rId25"/>
+    <p:sldId id="397" r:id="rId26"/>
+    <p:sldId id="311" r:id="rId27"/>
+    <p:sldId id="356" r:id="rId28"/>
   </p:sldIdLst>
   <p:sldSz cx="9144000" cy="6858000" type="screen4x3"/>
   <p:notesSz cx="6858000" cy="9144000"/>
@@ -185,7 +189,7 @@
 
 <file path=ppt/commentAuthors.xml><?xml version="1.0" encoding="utf-8"?>
 <p:cmAuthorLst xmlns:a="http://schemas.openxmlformats.org/drawingml/2006/main" xmlns:r="http://schemas.openxmlformats.org/officeDocument/2006/relationships" xmlns:p="http://schemas.openxmlformats.org/presentationml/2006/main">
-  <p:cmAuthor id="1" name="Jacqueline Büttner" initials="JB" lastIdx="2" clrIdx="0">
+  <p:cmAuthor id="1" name="Jacqueline Büttner" initials="JB" lastIdx="3" clrIdx="0">
     <p:extLst>
       <p:ext uri="{19B8F6BF-5375-455C-9EA6-DF929625EA0E}">
         <p15:presenceInfo xmlns:p15="http://schemas.microsoft.com/office/powerpoint/2012/main" userId="feee3de6e02f8bea" providerId="Windows Live"/>
@@ -195,19 +199,47 @@
 </p:cmAuthorLst>
 </file>
 
+<file path=ppt/comments/comment1.xml><?xml version="1.0" encoding="utf-8"?>
+<p:cmLst xmlns:a="http://schemas.openxmlformats.org/drawingml/2006/main" xmlns:r="http://schemas.openxmlformats.org/officeDocument/2006/relationships" xmlns:p="http://schemas.openxmlformats.org/presentationml/2006/main">
+  <p:cm authorId="1" dt="2018-04-09T11:04:59.293" idx="3">
+    <p:pos x="10" y="10"/>
+    <p:text/>
+    <p:extLst>
+      <p:ext uri="{C676402C-5697-4E1C-873F-D02D1690AC5C}">
+        <p15:threadingInfo xmlns:p15="http://schemas.microsoft.com/office/powerpoint/2012/main" timeZoneBias="-120"/>
+      </p:ext>
+    </p:extLst>
+  </p:cm>
+</p:cmLst>
+</file>
+
+<file path=ppt/comments/comment2.xml><?xml version="1.0" encoding="utf-8"?>
+<p:cmLst xmlns:a="http://schemas.openxmlformats.org/drawingml/2006/main" xmlns:r="http://schemas.openxmlformats.org/officeDocument/2006/relationships" xmlns:p="http://schemas.openxmlformats.org/presentationml/2006/main">
+  <p:cm authorId="1" dt="2018-04-09T11:04:59.293" idx="3">
+    <p:pos x="10" y="10"/>
+    <p:text/>
+    <p:extLst>
+      <p:ext uri="{C676402C-5697-4E1C-873F-D02D1690AC5C}">
+        <p15:threadingInfo xmlns:p15="http://schemas.microsoft.com/office/powerpoint/2012/main" timeZoneBias="-120"/>
+      </p:ext>
+    </p:extLst>
+  </p:cm>
+</p:cmLst>
+</file>
+
 <file path=ppt/diagrams/colors1.xml><?xml version="1.0" encoding="utf-8"?>
-<dgm:colorsDef xmlns:dgm="http://schemas.openxmlformats.org/drawingml/2006/diagram" xmlns:a="http://schemas.openxmlformats.org/drawingml/2006/main" uniqueId="urn:microsoft.com/office/officeart/2005/8/colors/accent1_2">
+<dgm:colorsDef xmlns:dgm="http://schemas.openxmlformats.org/drawingml/2006/diagram" xmlns:a="http://schemas.openxmlformats.org/drawingml/2006/main" uniqueId="urn:microsoft.com/office/officeart/2005/8/colors/accent0_3">
   <dgm:title val=""/>
   <dgm:desc val=""/>
   <dgm:catLst>
-    <dgm:cat type="accent1" pri="11200"/>
+    <dgm:cat type="mainScheme" pri="10300"/>
   </dgm:catLst>
   <dgm:styleLbl name="node0">
     <dgm:fillClrLst meth="repeat">
-      <a:schemeClr val="accent1"/>
+      <a:schemeClr val="dk2"/>
     </dgm:fillClrLst>
     <dgm:linClrLst meth="repeat">
-      <a:schemeClr val="lt1"/>
+      <a:schemeClr val="lt2"/>
     </dgm:linClrLst>
     <dgm:effectClrLst/>
     <dgm:txLinClrLst/>
@@ -216,10 +248,10 @@
   </dgm:styleLbl>
   <dgm:styleLbl name="alignNode1">
     <dgm:fillClrLst meth="repeat">
-      <a:schemeClr val="accent1"/>
+      <a:schemeClr val="dk2"/>
     </dgm:fillClrLst>
     <dgm:linClrLst meth="repeat">
-      <a:schemeClr val="accent1"/>
+      <a:schemeClr val="dk2"/>
     </dgm:linClrLst>
     <dgm:effectClrLst/>
     <dgm:txLinClrLst/>
@@ -228,10 +260,10 @@
   </dgm:styleLbl>
   <dgm:styleLbl name="node1">
     <dgm:fillClrLst meth="repeat">
-      <a:schemeClr val="accent1"/>
+      <a:schemeClr val="dk2"/>
     </dgm:fillClrLst>
     <dgm:linClrLst meth="repeat">
-      <a:schemeClr val="lt1"/>
+      <a:schemeClr val="lt2"/>
     </dgm:linClrLst>
     <dgm:effectClrLst/>
     <dgm:txLinClrLst/>
@@ -240,10 +272,10 @@
   </dgm:styleLbl>
   <dgm:styleLbl name="lnNode1">
     <dgm:fillClrLst meth="repeat">
-      <a:schemeClr val="accent1"/>
+      <a:schemeClr val="dk2"/>
     </dgm:fillClrLst>
     <dgm:linClrLst meth="repeat">
-      <a:schemeClr val="lt1"/>
+      <a:schemeClr val="lt2"/>
     </dgm:linClrLst>
     <dgm:effectClrLst/>
     <dgm:txLinClrLst/>
@@ -252,12 +284,12 @@
   </dgm:styleLbl>
   <dgm:styleLbl name="vennNode1">
     <dgm:fillClrLst meth="repeat">
-      <a:schemeClr val="accent1">
+      <a:schemeClr val="dk2">
         <a:alpha val="50000"/>
       </a:schemeClr>
     </dgm:fillClrLst>
     <dgm:linClrLst meth="repeat">
-      <a:schemeClr val="lt1"/>
+      <a:schemeClr val="lt2"/>
     </dgm:linClrLst>
     <dgm:effectClrLst/>
     <dgm:txLinClrLst/>
@@ -266,10 +298,10 @@
   </dgm:styleLbl>
   <dgm:styleLbl name="node2">
     <dgm:fillClrLst meth="repeat">
-      <a:schemeClr val="accent1"/>
+      <a:schemeClr val="dk2"/>
     </dgm:fillClrLst>
     <dgm:linClrLst meth="repeat">
-      <a:schemeClr val="lt1"/>
+      <a:schemeClr val="lt2"/>
     </dgm:linClrLst>
     <dgm:effectClrLst/>
     <dgm:txLinClrLst/>
@@ -278,10 +310,10 @@
   </dgm:styleLbl>
   <dgm:styleLbl name="node3">
     <dgm:fillClrLst meth="repeat">
-      <a:schemeClr val="accent1"/>
+      <a:schemeClr val="dk2"/>
     </dgm:fillClrLst>
     <dgm:linClrLst meth="repeat">
-      <a:schemeClr val="lt1"/>
+      <a:schemeClr val="lt2"/>
     </dgm:linClrLst>
     <dgm:effectClrLst/>
     <dgm:txLinClrLst/>
@@ -290,10 +322,10 @@
   </dgm:styleLbl>
   <dgm:styleLbl name="node4">
     <dgm:fillClrLst meth="repeat">
-      <a:schemeClr val="accent1"/>
+      <a:schemeClr val="dk2"/>
     </dgm:fillClrLst>
     <dgm:linClrLst meth="repeat">
-      <a:schemeClr val="lt1"/>
+      <a:schemeClr val="lt2"/>
     </dgm:linClrLst>
     <dgm:effectClrLst/>
     <dgm:txLinClrLst/>
@@ -302,60 +334,64 @@
   </dgm:styleLbl>
   <dgm:styleLbl name="fgImgPlace1">
     <dgm:fillClrLst meth="repeat">
-      <a:schemeClr val="accent1">
+      <a:schemeClr val="dk2">
         <a:tint val="50000"/>
       </a:schemeClr>
     </dgm:fillClrLst>
     <dgm:linClrLst meth="repeat">
-      <a:schemeClr val="lt1"/>
+      <a:schemeClr val="lt2"/>
     </dgm:linClrLst>
     <dgm:effectClrLst/>
     <dgm:txLinClrLst/>
     <dgm:txFillClrLst meth="repeat">
-      <a:schemeClr val="lt1"/>
+      <a:schemeClr val="lt2"/>
     </dgm:txFillClrLst>
     <dgm:txEffectClrLst/>
   </dgm:styleLbl>
   <dgm:styleLbl name="alignImgPlace1">
     <dgm:fillClrLst meth="repeat">
-      <a:schemeClr val="accent1">
+      <a:schemeClr val="dk2">
         <a:tint val="50000"/>
       </a:schemeClr>
     </dgm:fillClrLst>
     <dgm:linClrLst meth="repeat">
-      <a:schemeClr val="lt1"/>
+      <a:schemeClr val="dk2">
+        <a:shade val="80000"/>
+      </a:schemeClr>
     </dgm:linClrLst>
     <dgm:effectClrLst/>
     <dgm:txLinClrLst/>
     <dgm:txFillClrLst meth="repeat">
-      <a:schemeClr val="lt1"/>
+      <a:schemeClr val="lt2"/>
     </dgm:txFillClrLst>
     <dgm:txEffectClrLst/>
   </dgm:styleLbl>
   <dgm:styleLbl name="bgImgPlace1">
     <dgm:fillClrLst meth="repeat">
-      <a:schemeClr val="accent1">
+      <a:schemeClr val="dk2">
         <a:tint val="50000"/>
       </a:schemeClr>
     </dgm:fillClrLst>
     <dgm:linClrLst meth="repeat">
-      <a:schemeClr val="lt1"/>
+      <a:schemeClr val="dk2">
+        <a:shade val="80000"/>
+      </a:schemeClr>
     </dgm:linClrLst>
     <dgm:effectClrLst/>
     <dgm:txLinClrLst/>
     <dgm:txFillClrLst meth="repeat">
-      <a:schemeClr val="lt1"/>
+      <a:schemeClr val="lt2"/>
     </dgm:txFillClrLst>
     <dgm:txEffectClrLst/>
   </dgm:styleLbl>
   <dgm:styleLbl name="sibTrans2D1">
     <dgm:fillClrLst meth="repeat">
-      <a:schemeClr val="accent1">
+      <a:schemeClr val="dk2">
         <a:tint val="60000"/>
       </a:schemeClr>
     </dgm:fillClrLst>
     <dgm:linClrLst meth="repeat">
-      <a:schemeClr val="accent1">
+      <a:schemeClr val="dk2">
         <a:tint val="60000"/>
       </a:schemeClr>
     </dgm:linClrLst>
@@ -366,12 +402,12 @@
   </dgm:styleLbl>
   <dgm:styleLbl name="fgSibTrans2D1">
     <dgm:fillClrLst meth="repeat">
-      <a:schemeClr val="accent1">
+      <a:schemeClr val="dk2">
         <a:tint val="60000"/>
       </a:schemeClr>
     </dgm:fillClrLst>
     <dgm:linClrLst meth="repeat">
-      <a:schemeClr val="accent1">
+      <a:schemeClr val="dk2">
         <a:tint val="60000"/>
       </a:schemeClr>
     </dgm:linClrLst>
@@ -382,12 +418,12 @@
   </dgm:styleLbl>
   <dgm:styleLbl name="bgSibTrans2D1">
     <dgm:fillClrLst meth="repeat">
-      <a:schemeClr val="accent1">
+      <a:schemeClr val="dk2">
         <a:tint val="60000"/>
       </a:schemeClr>
     </dgm:fillClrLst>
     <dgm:linClrLst meth="repeat">
-      <a:schemeClr val="accent1">
+      <a:schemeClr val="dk2">
         <a:tint val="60000"/>
       </a:schemeClr>
     </dgm:linClrLst>
@@ -398,40 +434,40 @@
   </dgm:styleLbl>
   <dgm:styleLbl name="sibTrans1D1">
     <dgm:fillClrLst meth="repeat">
-      <a:schemeClr val="accent1"/>
+      <a:schemeClr val="dk2"/>
     </dgm:fillClrLst>
     <dgm:linClrLst meth="repeat">
-      <a:schemeClr val="accent1"/>
+      <a:schemeClr val="dk2"/>
     </dgm:linClrLst>
     <dgm:effectClrLst/>
     <dgm:txLinClrLst/>
     <dgm:txFillClrLst meth="repeat">
-      <a:schemeClr val="tx1"/>
+      <a:schemeClr val="lt2"/>
     </dgm:txFillClrLst>
     <dgm:txEffectClrLst/>
   </dgm:styleLbl>
   <dgm:styleLbl name="callout">
     <dgm:fillClrLst meth="repeat">
-      <a:schemeClr val="accent1"/>
+      <a:schemeClr val="dk2"/>
     </dgm:fillClrLst>
     <dgm:linClrLst meth="repeat">
-      <a:schemeClr val="accent1">
+      <a:schemeClr val="dk2">
         <a:tint val="50000"/>
       </a:schemeClr>
     </dgm:linClrLst>
     <dgm:effectClrLst/>
     <dgm:txLinClrLst/>
     <dgm:txFillClrLst meth="repeat">
-      <a:schemeClr val="tx1"/>
+      <a:schemeClr val="lt2"/>
     </dgm:txFillClrLst>
     <dgm:txEffectClrLst/>
   </dgm:styleLbl>
   <dgm:styleLbl name="asst0">
     <dgm:fillClrLst meth="repeat">
-      <a:schemeClr val="accent1"/>
+      <a:schemeClr val="dk2"/>
     </dgm:fillClrLst>
     <dgm:linClrLst meth="repeat">
-      <a:schemeClr val="lt1"/>
+      <a:schemeClr val="lt2"/>
     </dgm:linClrLst>
     <dgm:effectClrLst/>
     <dgm:txLinClrLst/>
@@ -440,10 +476,10 @@
   </dgm:styleLbl>
   <dgm:styleLbl name="asst1">
     <dgm:fillClrLst meth="repeat">
-      <a:schemeClr val="accent1"/>
+      <a:schemeClr val="dk2"/>
     </dgm:fillClrLst>
     <dgm:linClrLst meth="repeat">
-      <a:schemeClr val="lt1"/>
+      <a:schemeClr val="lt2"/>
     </dgm:linClrLst>
     <dgm:effectClrLst/>
     <dgm:txLinClrLst/>
@@ -452,10 +488,10 @@
   </dgm:styleLbl>
   <dgm:styleLbl name="asst2">
     <dgm:fillClrLst meth="repeat">
-      <a:schemeClr val="accent1"/>
+      <a:schemeClr val="dk2"/>
     </dgm:fillClrLst>
     <dgm:linClrLst meth="repeat">
-      <a:schemeClr val="lt1"/>
+      <a:schemeClr val="lt2"/>
     </dgm:linClrLst>
     <dgm:effectClrLst/>
     <dgm:txLinClrLst/>
@@ -464,10 +500,10 @@
   </dgm:styleLbl>
   <dgm:styleLbl name="asst3">
     <dgm:fillClrLst meth="repeat">
-      <a:schemeClr val="accent1"/>
+      <a:schemeClr val="dk2"/>
     </dgm:fillClrLst>
     <dgm:linClrLst meth="repeat">
-      <a:schemeClr val="lt1"/>
+      <a:schemeClr val="lt2"/>
     </dgm:linClrLst>
     <dgm:effectClrLst/>
     <dgm:txLinClrLst/>
@@ -476,10 +512,10 @@
   </dgm:styleLbl>
   <dgm:styleLbl name="asst4">
     <dgm:fillClrLst meth="repeat">
-      <a:schemeClr val="accent1"/>
+      <a:schemeClr val="dk2"/>
     </dgm:fillClrLst>
     <dgm:linClrLst meth="repeat">
-      <a:schemeClr val="lt1"/>
+      <a:schemeClr val="lt2"/>
     </dgm:linClrLst>
     <dgm:effectClrLst/>
     <dgm:txLinClrLst/>
@@ -488,70 +524,70 @@
   </dgm:styleLbl>
   <dgm:styleLbl name="parChTrans2D1">
     <dgm:fillClrLst meth="repeat">
-      <a:schemeClr val="accent1">
+      <a:schemeClr val="dk2">
         <a:tint val="60000"/>
       </a:schemeClr>
     </dgm:fillClrLst>
     <dgm:linClrLst meth="repeat">
-      <a:schemeClr val="accent1">
+      <a:schemeClr val="dk2">
         <a:tint val="60000"/>
       </a:schemeClr>
     </dgm:linClrLst>
     <dgm:effectClrLst/>
     <dgm:txLinClrLst/>
     <dgm:txFillClrLst meth="repeat">
-      <a:schemeClr val="lt1"/>
+      <a:schemeClr val="lt2"/>
     </dgm:txFillClrLst>
     <dgm:txEffectClrLst/>
   </dgm:styleLbl>
   <dgm:styleLbl name="parChTrans2D2">
     <dgm:fillClrLst meth="repeat">
-      <a:schemeClr val="accent1"/>
+      <a:schemeClr val="dk2"/>
     </dgm:fillClrLst>
     <dgm:linClrLst meth="repeat">
-      <a:schemeClr val="accent1"/>
+      <a:schemeClr val="dk2"/>
     </dgm:linClrLst>
     <dgm:effectClrLst/>
     <dgm:txLinClrLst/>
     <dgm:txFillClrLst meth="repeat">
-      <a:schemeClr val="lt1"/>
+      <a:schemeClr val="lt2"/>
     </dgm:txFillClrLst>
     <dgm:txEffectClrLst/>
   </dgm:styleLbl>
   <dgm:styleLbl name="parChTrans2D3">
     <dgm:fillClrLst meth="repeat">
-      <a:schemeClr val="accent1"/>
+      <a:schemeClr val="dk2"/>
     </dgm:fillClrLst>
     <dgm:linClrLst meth="repeat">
-      <a:schemeClr val="accent1"/>
+      <a:schemeClr val="dk2"/>
     </dgm:linClrLst>
     <dgm:effectClrLst/>
     <dgm:txLinClrLst/>
     <dgm:txFillClrLst meth="repeat">
-      <a:schemeClr val="lt1"/>
+      <a:schemeClr val="lt2"/>
     </dgm:txFillClrLst>
     <dgm:txEffectClrLst/>
   </dgm:styleLbl>
   <dgm:styleLbl name="parChTrans2D4">
     <dgm:fillClrLst meth="repeat">
-      <a:schemeClr val="accent1"/>
+      <a:schemeClr val="dk2"/>
     </dgm:fillClrLst>
     <dgm:linClrLst meth="repeat">
-      <a:schemeClr val="accent1"/>
+      <a:schemeClr val="dk2"/>
     </dgm:linClrLst>
     <dgm:effectClrLst/>
     <dgm:txLinClrLst/>
     <dgm:txFillClrLst meth="repeat">
-      <a:schemeClr val="lt1"/>
+      <a:schemeClr val="lt2"/>
     </dgm:txFillClrLst>
     <dgm:txEffectClrLst/>
   </dgm:styleLbl>
   <dgm:styleLbl name="parChTrans1D1">
     <dgm:fillClrLst meth="repeat">
-      <a:schemeClr val="accent1"/>
+      <a:schemeClr val="dk2"/>
     </dgm:fillClrLst>
     <dgm:linClrLst meth="repeat">
-      <a:schemeClr val="accent1">
+      <a:schemeClr val="dk2">
         <a:shade val="60000"/>
       </a:schemeClr>
     </dgm:linClrLst>
@@ -564,10 +600,10 @@
   </dgm:styleLbl>
   <dgm:styleLbl name="parChTrans1D2">
     <dgm:fillClrLst meth="repeat">
-      <a:schemeClr val="accent1"/>
+      <a:schemeClr val="dk2"/>
     </dgm:fillClrLst>
     <dgm:linClrLst meth="repeat">
-      <a:schemeClr val="accent1">
+      <a:schemeClr val="dk2">
         <a:shade val="60000"/>
       </a:schemeClr>
     </dgm:linClrLst>
@@ -580,10 +616,10 @@
   </dgm:styleLbl>
   <dgm:styleLbl name="parChTrans1D3">
     <dgm:fillClrLst meth="repeat">
-      <a:schemeClr val="accent1"/>
+      <a:schemeClr val="dk2"/>
     </dgm:fillClrLst>
     <dgm:linClrLst meth="repeat">
-      <a:schemeClr val="accent1">
+      <a:schemeClr val="dk2">
         <a:shade val="80000"/>
       </a:schemeClr>
     </dgm:linClrLst>
@@ -596,10 +632,10 @@
   </dgm:styleLbl>
   <dgm:styleLbl name="parChTrans1D4">
     <dgm:fillClrLst meth="repeat">
-      <a:schemeClr val="accent1"/>
+      <a:schemeClr val="dk2"/>
     </dgm:fillClrLst>
     <dgm:linClrLst meth="repeat">
-      <a:schemeClr val="accent1">
+      <a:schemeClr val="dk2">
         <a:shade val="80000"/>
       </a:schemeClr>
     </dgm:linClrLst>
@@ -612,12 +648,12 @@
   </dgm:styleLbl>
   <dgm:styleLbl name="fgAcc1">
     <dgm:fillClrLst meth="repeat">
-      <a:schemeClr val="lt1">
+      <a:schemeClr val="lt2">
         <a:alpha val="90000"/>
       </a:schemeClr>
     </dgm:fillClrLst>
     <dgm:linClrLst meth="repeat">
-      <a:schemeClr val="accent1"/>
+      <a:schemeClr val="dk2"/>
     </dgm:linClrLst>
     <dgm:effectClrLst/>
     <dgm:txLinClrLst/>
@@ -628,12 +664,12 @@
   </dgm:styleLbl>
   <dgm:styleLbl name="conFgAcc1">
     <dgm:fillClrLst meth="repeat">
-      <a:schemeClr val="lt1">
+      <a:schemeClr val="lt2">
         <a:alpha val="90000"/>
       </a:schemeClr>
     </dgm:fillClrLst>
     <dgm:linClrLst meth="repeat">
-      <a:schemeClr val="accent1"/>
+      <a:schemeClr val="dk2"/>
     </dgm:linClrLst>
     <dgm:effectClrLst/>
     <dgm:txLinClrLst/>
@@ -644,12 +680,12 @@
   </dgm:styleLbl>
   <dgm:styleLbl name="alignAcc1">
     <dgm:fillClrLst meth="repeat">
-      <a:schemeClr val="lt1">
+      <a:schemeClr val="lt2">
         <a:alpha val="90000"/>
       </a:schemeClr>
     </dgm:fillClrLst>
     <dgm:linClrLst meth="repeat">
-      <a:schemeClr val="accent1"/>
+      <a:schemeClr val="dk2"/>
     </dgm:linClrLst>
     <dgm:effectClrLst/>
     <dgm:txLinClrLst/>
@@ -660,12 +696,12 @@
   </dgm:styleLbl>
   <dgm:styleLbl name="trAlignAcc1">
     <dgm:fillClrLst meth="repeat">
-      <a:schemeClr val="lt1">
+      <a:schemeClr val="lt2">
         <a:alpha val="40000"/>
       </a:schemeClr>
     </dgm:fillClrLst>
     <dgm:linClrLst meth="repeat">
-      <a:schemeClr val="accent1"/>
+      <a:schemeClr val="dk2"/>
     </dgm:linClrLst>
     <dgm:effectClrLst/>
     <dgm:txLinClrLst/>
@@ -676,12 +712,12 @@
   </dgm:styleLbl>
   <dgm:styleLbl name="bgAcc1">
     <dgm:fillClrLst meth="repeat">
-      <a:schemeClr val="lt1">
+      <a:schemeClr val="lt2">
         <a:alpha val="90000"/>
       </a:schemeClr>
     </dgm:fillClrLst>
     <dgm:linClrLst meth="repeat">
-      <a:schemeClr val="accent1"/>
+      <a:schemeClr val="dk2"/>
     </dgm:linClrLst>
     <dgm:effectClrLst/>
     <dgm:txLinClrLst/>
@@ -692,10 +728,10 @@
   </dgm:styleLbl>
   <dgm:styleLbl name="solidFgAcc1">
     <dgm:fillClrLst meth="repeat">
-      <a:schemeClr val="lt1"/>
+      <a:schemeClr val="lt2"/>
     </dgm:fillClrLst>
     <dgm:linClrLst meth="repeat">
-      <a:schemeClr val="accent1"/>
+      <a:schemeClr val="dk2"/>
     </dgm:linClrLst>
     <dgm:effectClrLst/>
     <dgm:txLinClrLst/>
@@ -706,10 +742,10 @@
   </dgm:styleLbl>
   <dgm:styleLbl name="solidAlignAcc1">
     <dgm:fillClrLst meth="repeat">
-      <a:schemeClr val="lt1"/>
+      <a:schemeClr val="lt2"/>
     </dgm:fillClrLst>
     <dgm:linClrLst meth="repeat">
-      <a:schemeClr val="accent1"/>
+      <a:schemeClr val="dk2"/>
     </dgm:linClrLst>
     <dgm:effectClrLst/>
     <dgm:txLinClrLst/>
@@ -720,10 +756,10 @@
   </dgm:styleLbl>
   <dgm:styleLbl name="solidBgAcc1">
     <dgm:fillClrLst meth="repeat">
-      <a:schemeClr val="lt1"/>
+      <a:schemeClr val="lt2"/>
     </dgm:fillClrLst>
     <dgm:linClrLst meth="repeat">
-      <a:schemeClr val="accent1"/>
+      <a:schemeClr val="dk2"/>
     </dgm:linClrLst>
     <dgm:effectClrLst/>
     <dgm:txLinClrLst/>
@@ -734,13 +770,13 @@
   </dgm:styleLbl>
   <dgm:styleLbl name="fgAccFollowNode1">
     <dgm:fillClrLst meth="repeat">
-      <a:schemeClr val="accent1">
+      <a:schemeClr val="dk2">
         <a:alpha val="90000"/>
         <a:tint val="40000"/>
       </a:schemeClr>
     </dgm:fillClrLst>
     <dgm:linClrLst meth="repeat">
-      <a:schemeClr val="accent1">
+      <a:schemeClr val="dk2">
         <a:alpha val="90000"/>
         <a:tint val="40000"/>
       </a:schemeClr>
@@ -754,13 +790,13 @@
   </dgm:styleLbl>
   <dgm:styleLbl name="alignAccFollowNode1">
     <dgm:fillClrLst meth="repeat">
-      <a:schemeClr val="accent1">
+      <a:schemeClr val="dk2">
         <a:alpha val="90000"/>
         <a:tint val="40000"/>
       </a:schemeClr>
     </dgm:fillClrLst>
     <dgm:linClrLst meth="repeat">
-      <a:schemeClr val="accent1">
+      <a:schemeClr val="dk2">
         <a:alpha val="90000"/>
         <a:tint val="40000"/>
       </a:schemeClr>
@@ -774,13 +810,13 @@
   </dgm:styleLbl>
   <dgm:styleLbl name="bgAccFollowNode1">
     <dgm:fillClrLst meth="repeat">
-      <a:schemeClr val="accent1">
+      <a:schemeClr val="dk2">
         <a:alpha val="90000"/>
         <a:tint val="40000"/>
       </a:schemeClr>
     </dgm:fillClrLst>
     <dgm:linClrLst meth="repeat">
-      <a:schemeClr val="accent1">
+      <a:schemeClr val="dk2">
         <a:alpha val="90000"/>
         <a:tint val="40000"/>
       </a:schemeClr>
@@ -794,12 +830,12 @@
   </dgm:styleLbl>
   <dgm:styleLbl name="fgAcc0">
     <dgm:fillClrLst meth="repeat">
-      <a:schemeClr val="lt1">
+      <a:schemeClr val="lt2">
         <a:alpha val="90000"/>
       </a:schemeClr>
     </dgm:fillClrLst>
     <dgm:linClrLst meth="repeat">
-      <a:schemeClr val="accent1"/>
+      <a:schemeClr val="dk2"/>
     </dgm:linClrLst>
     <dgm:effectClrLst/>
     <dgm:txLinClrLst/>
@@ -810,12 +846,12 @@
   </dgm:styleLbl>
   <dgm:styleLbl name="fgAcc2">
     <dgm:fillClrLst meth="repeat">
-      <a:schemeClr val="lt1">
+      <a:schemeClr val="lt2">
         <a:alpha val="90000"/>
       </a:schemeClr>
     </dgm:fillClrLst>
     <dgm:linClrLst meth="repeat">
-      <a:schemeClr val="accent1"/>
+      <a:schemeClr val="dk2"/>
     </dgm:linClrLst>
     <dgm:effectClrLst/>
     <dgm:txLinClrLst/>
@@ -826,12 +862,12 @@
   </dgm:styleLbl>
   <dgm:styleLbl name="fgAcc3">
     <dgm:fillClrLst meth="repeat">
-      <a:schemeClr val="lt1">
+      <a:schemeClr val="lt2">
         <a:alpha val="90000"/>
       </a:schemeClr>
     </dgm:fillClrLst>
     <dgm:linClrLst meth="repeat">
-      <a:schemeClr val="accent1"/>
+      <a:schemeClr val="dk2"/>
     </dgm:linClrLst>
     <dgm:effectClrLst/>
     <dgm:txLinClrLst/>
@@ -842,12 +878,12 @@
   </dgm:styleLbl>
   <dgm:styleLbl name="fgAcc4">
     <dgm:fillClrLst meth="repeat">
-      <a:schemeClr val="lt1">
+      <a:schemeClr val="lt2">
         <a:alpha val="90000"/>
       </a:schemeClr>
     </dgm:fillClrLst>
     <dgm:linClrLst meth="repeat">
-      <a:schemeClr val="accent1"/>
+      <a:schemeClr val="dk2"/>
     </dgm:linClrLst>
     <dgm:effectClrLst/>
     <dgm:txLinClrLst/>
@@ -858,12 +894,12 @@
   </dgm:styleLbl>
   <dgm:styleLbl name="bgShp">
     <dgm:fillClrLst meth="repeat">
-      <a:schemeClr val="accent1">
+      <a:schemeClr val="dk2">
         <a:tint val="40000"/>
       </a:schemeClr>
     </dgm:fillClrLst>
     <dgm:linClrLst meth="repeat">
-      <a:schemeClr val="accent1"/>
+      <a:schemeClr val="dk2"/>
     </dgm:linClrLst>
     <dgm:effectClrLst/>
     <dgm:txLinClrLst/>
@@ -874,12 +910,12 @@
   </dgm:styleLbl>
   <dgm:styleLbl name="dkBgShp">
     <dgm:fillClrLst meth="repeat">
-      <a:schemeClr val="accent1">
+      <a:schemeClr val="dk2">
         <a:shade val="80000"/>
       </a:schemeClr>
     </dgm:fillClrLst>
     <dgm:linClrLst meth="repeat">
-      <a:schemeClr val="accent1"/>
+      <a:schemeClr val="dk2"/>
     </dgm:linClrLst>
     <dgm:effectClrLst/>
     <dgm:txLinClrLst/>
@@ -890,13 +926,13 @@
   </dgm:styleLbl>
   <dgm:styleLbl name="trBgShp">
     <dgm:fillClrLst meth="repeat">
-      <a:schemeClr val="accent1">
+      <a:schemeClr val="dk2">
         <a:tint val="50000"/>
         <a:alpha val="40000"/>
       </a:schemeClr>
     </dgm:fillClrLst>
     <dgm:linClrLst meth="repeat">
-      <a:schemeClr val="accent1"/>
+      <a:schemeClr val="dk2"/>
     </dgm:linClrLst>
     <dgm:effectClrLst/>
     <dgm:txLinClrLst/>
@@ -907,12 +943,12 @@
   </dgm:styleLbl>
   <dgm:styleLbl name="fgShp">
     <dgm:fillClrLst meth="repeat">
-      <a:schemeClr val="accent1">
+      <a:schemeClr val="dk2">
         <a:tint val="60000"/>
       </a:schemeClr>
     </dgm:fillClrLst>
     <dgm:linClrLst meth="repeat">
-      <a:schemeClr val="lt1"/>
+      <a:schemeClr val="lt2"/>
     </dgm:linClrLst>
     <dgm:effectClrLst/>
     <dgm:txLinClrLst/>
@@ -923,7 +959,7 @@
   </dgm:styleLbl>
   <dgm:styleLbl name="revTx">
     <dgm:fillClrLst meth="repeat">
-      <a:schemeClr val="lt1">
+      <a:schemeClr val="lt2">
         <a:alpha val="0"/>
       </a:schemeClr>
     </dgm:fillClrLst>
@@ -943,18 +979,18 @@
 </file>
 
 <file path=ppt/diagrams/colors2.xml><?xml version="1.0" encoding="utf-8"?>
-<dgm:colorsDef xmlns:dgm="http://schemas.openxmlformats.org/drawingml/2006/diagram" xmlns:a="http://schemas.openxmlformats.org/drawingml/2006/main" uniqueId="urn:microsoft.com/office/officeart/2005/8/colors/accent1_2">
+<dgm:colorsDef xmlns:dgm="http://schemas.openxmlformats.org/drawingml/2006/diagram" xmlns:a="http://schemas.openxmlformats.org/drawingml/2006/main" uniqueId="urn:microsoft.com/office/officeart/2005/8/colors/accent0_3">
   <dgm:title val=""/>
   <dgm:desc val=""/>
   <dgm:catLst>
-    <dgm:cat type="accent1" pri="11200"/>
+    <dgm:cat type="mainScheme" pri="10300"/>
   </dgm:catLst>
   <dgm:styleLbl name="node0">
     <dgm:fillClrLst meth="repeat">
-      <a:schemeClr val="accent1"/>
+      <a:schemeClr val="dk2"/>
     </dgm:fillClrLst>
     <dgm:linClrLst meth="repeat">
-      <a:schemeClr val="lt1"/>
+      <a:schemeClr val="lt2"/>
     </dgm:linClrLst>
     <dgm:effectClrLst/>
     <dgm:txLinClrLst/>
@@ -963,10 +999,10 @@
   </dgm:styleLbl>
   <dgm:styleLbl name="alignNode1">
     <dgm:fillClrLst meth="repeat">
-      <a:schemeClr val="accent1"/>
+      <a:schemeClr val="dk2"/>
     </dgm:fillClrLst>
     <dgm:linClrLst meth="repeat">
-      <a:schemeClr val="accent1"/>
+      <a:schemeClr val="dk2"/>
     </dgm:linClrLst>
     <dgm:effectClrLst/>
     <dgm:txLinClrLst/>
@@ -975,10 +1011,10 @@
   </dgm:styleLbl>
   <dgm:styleLbl name="node1">
     <dgm:fillClrLst meth="repeat">
-      <a:schemeClr val="accent1"/>
+      <a:schemeClr val="dk2"/>
     </dgm:fillClrLst>
     <dgm:linClrLst meth="repeat">
-      <a:schemeClr val="lt1"/>
+      <a:schemeClr val="lt2"/>
     </dgm:linClrLst>
     <dgm:effectClrLst/>
     <dgm:txLinClrLst/>
@@ -987,10 +1023,10 @@
   </dgm:styleLbl>
   <dgm:styleLbl name="lnNode1">
     <dgm:fillClrLst meth="repeat">
-      <a:schemeClr val="accent1"/>
+      <a:schemeClr val="dk2"/>
     </dgm:fillClrLst>
     <dgm:linClrLst meth="repeat">
-      <a:schemeClr val="lt1"/>
+      <a:schemeClr val="lt2"/>
     </dgm:linClrLst>
     <dgm:effectClrLst/>
     <dgm:txLinClrLst/>
@@ -999,12 +1035,12 @@
   </dgm:styleLbl>
   <dgm:styleLbl name="vennNode1">
     <dgm:fillClrLst meth="repeat">
-      <a:schemeClr val="accent1">
+      <a:schemeClr val="dk2">
         <a:alpha val="50000"/>
       </a:schemeClr>
     </dgm:fillClrLst>
     <dgm:linClrLst meth="repeat">
-      <a:schemeClr val="lt1"/>
+      <a:schemeClr val="lt2"/>
     </dgm:linClrLst>
     <dgm:effectClrLst/>
     <dgm:txLinClrLst/>
@@ -1013,10 +1049,10 @@
   </dgm:styleLbl>
   <dgm:styleLbl name="node2">
     <dgm:fillClrLst meth="repeat">
-      <a:schemeClr val="accent1"/>
+      <a:schemeClr val="dk2"/>
     </dgm:fillClrLst>
     <dgm:linClrLst meth="repeat">
-      <a:schemeClr val="lt1"/>
+      <a:schemeClr val="lt2"/>
     </dgm:linClrLst>
     <dgm:effectClrLst/>
     <dgm:txLinClrLst/>
@@ -1025,10 +1061,10 @@
   </dgm:styleLbl>
   <dgm:styleLbl name="node3">
     <dgm:fillClrLst meth="repeat">
-      <a:schemeClr val="accent1"/>
+      <a:schemeClr val="dk2"/>
     </dgm:fillClrLst>
     <dgm:linClrLst meth="repeat">
-      <a:schemeClr val="lt1"/>
+      <a:schemeClr val="lt2"/>
     </dgm:linClrLst>
     <dgm:effectClrLst/>
     <dgm:txLinClrLst/>
@@ -1037,10 +1073,10 @@
   </dgm:styleLbl>
   <dgm:styleLbl name="node4">
     <dgm:fillClrLst meth="repeat">
-      <a:schemeClr val="accent1"/>
+      <a:schemeClr val="dk2"/>
     </dgm:fillClrLst>
     <dgm:linClrLst meth="repeat">
-      <a:schemeClr val="lt1"/>
+      <a:schemeClr val="lt2"/>
     </dgm:linClrLst>
     <dgm:effectClrLst/>
     <dgm:txLinClrLst/>
@@ -1049,60 +1085,64 @@
   </dgm:styleLbl>
   <dgm:styleLbl name="fgImgPlace1">
     <dgm:fillClrLst meth="repeat">
-      <a:schemeClr val="accent1">
+      <a:schemeClr val="dk2">
         <a:tint val="50000"/>
       </a:schemeClr>
     </dgm:fillClrLst>
     <dgm:linClrLst meth="repeat">
-      <a:schemeClr val="lt1"/>
+      <a:schemeClr val="lt2"/>
     </dgm:linClrLst>
     <dgm:effectClrLst/>
     <dgm:txLinClrLst/>
     <dgm:txFillClrLst meth="repeat">
-      <a:schemeClr val="lt1"/>
+      <a:schemeClr val="lt2"/>
     </dgm:txFillClrLst>
     <dgm:txEffectClrLst/>
   </dgm:styleLbl>
   <dgm:styleLbl name="alignImgPlace1">
     <dgm:fillClrLst meth="repeat">
-      <a:schemeClr val="accent1">
+      <a:schemeClr val="dk2">
         <a:tint val="50000"/>
       </a:schemeClr>
     </dgm:fillClrLst>
     <dgm:linClrLst meth="repeat">
-      <a:schemeClr val="lt1"/>
+      <a:schemeClr val="dk2">
+        <a:shade val="80000"/>
+      </a:schemeClr>
     </dgm:linClrLst>
     <dgm:effectClrLst/>
     <dgm:txLinClrLst/>
     <dgm:txFillClrLst meth="repeat">
-      <a:schemeClr val="lt1"/>
+      <a:schemeClr val="lt2"/>
     </dgm:txFillClrLst>
     <dgm:txEffectClrLst/>
   </dgm:styleLbl>
   <dgm:styleLbl name="bgImgPlace1">
     <dgm:fillClrLst meth="repeat">
-      <a:schemeClr val="accent1">
+      <a:schemeClr val="dk2">
         <a:tint val="50000"/>
       </a:schemeClr>
     </dgm:fillClrLst>
     <dgm:linClrLst meth="repeat">
-      <a:schemeClr val="lt1"/>
+      <a:schemeClr val="dk2">
+        <a:shade val="80000"/>
+      </a:schemeClr>
     </dgm:linClrLst>
     <dgm:effectClrLst/>
     <dgm:txLinClrLst/>
     <dgm:txFillClrLst meth="repeat">
-      <a:schemeClr val="lt1"/>
+      <a:schemeClr val="lt2"/>
     </dgm:txFillClrLst>
     <dgm:txEffectClrLst/>
   </dgm:styleLbl>
   <dgm:styleLbl name="sibTrans2D1">
     <dgm:fillClrLst meth="repeat">
-      <a:schemeClr val="accent1">
+      <a:schemeClr val="dk2">
         <a:tint val="60000"/>
       </a:schemeClr>
     </dgm:fillClrLst>
     <dgm:linClrLst meth="repeat">
-      <a:schemeClr val="accent1">
+      <a:schemeClr val="dk2">
         <a:tint val="60000"/>
       </a:schemeClr>
     </dgm:linClrLst>
@@ -1113,12 +1153,12 @@
   </dgm:styleLbl>
   <dgm:styleLbl name="fgSibTrans2D1">
     <dgm:fillClrLst meth="repeat">
-      <a:schemeClr val="accent1">
+      <a:schemeClr val="dk2">
         <a:tint val="60000"/>
       </a:schemeClr>
     </dgm:fillClrLst>
     <dgm:linClrLst meth="repeat">
-      <a:schemeClr val="accent1">
+      <a:schemeClr val="dk2">
         <a:tint val="60000"/>
       </a:schemeClr>
     </dgm:linClrLst>
@@ -1129,12 +1169,12 @@
   </dgm:styleLbl>
   <dgm:styleLbl name="bgSibTrans2D1">
     <dgm:fillClrLst meth="repeat">
-      <a:schemeClr val="accent1">
+      <a:schemeClr val="dk2">
         <a:tint val="60000"/>
       </a:schemeClr>
     </dgm:fillClrLst>
     <dgm:linClrLst meth="repeat">
-      <a:schemeClr val="accent1">
+      <a:schemeClr val="dk2">
         <a:tint val="60000"/>
       </a:schemeClr>
     </dgm:linClrLst>
@@ -1145,40 +1185,40 @@
   </dgm:styleLbl>
   <dgm:styleLbl name="sibTrans1D1">
     <dgm:fillClrLst meth="repeat">
-      <a:schemeClr val="accent1"/>
+      <a:schemeClr val="dk2"/>
     </dgm:fillClrLst>
     <dgm:linClrLst meth="repeat">
-      <a:schemeClr val="accent1"/>
+      <a:schemeClr val="dk2"/>
     </dgm:linClrLst>
     <dgm:effectClrLst/>
     <dgm:txLinClrLst/>
     <dgm:txFillClrLst meth="repeat">
-      <a:schemeClr val="tx1"/>
+      <a:schemeClr val="lt2"/>
     </dgm:txFillClrLst>
     <dgm:txEffectClrLst/>
   </dgm:styleLbl>
   <dgm:styleLbl name="callout">
     <dgm:fillClrLst meth="repeat">
-      <a:schemeClr val="accent1"/>
+      <a:schemeClr val="dk2"/>
     </dgm:fillClrLst>
     <dgm:linClrLst meth="repeat">
-      <a:schemeClr val="accent1">
+      <a:schemeClr val="dk2">
         <a:tint val="50000"/>
       </a:schemeClr>
     </dgm:linClrLst>
     <dgm:effectClrLst/>
     <dgm:txLinClrLst/>
     <dgm:txFillClrLst meth="repeat">
-      <a:schemeClr val="tx1"/>
+      <a:schemeClr val="lt2"/>
     </dgm:txFillClrLst>
     <dgm:txEffectClrLst/>
   </dgm:styleLbl>
   <dgm:styleLbl name="asst0">
     <dgm:fillClrLst meth="repeat">
-      <a:schemeClr val="accent1"/>
+      <a:schemeClr val="dk2"/>
     </dgm:fillClrLst>
     <dgm:linClrLst meth="repeat">
-      <a:schemeClr val="lt1"/>
+      <a:schemeClr val="lt2"/>
     </dgm:linClrLst>
     <dgm:effectClrLst/>
     <dgm:txLinClrLst/>
@@ -1187,10 +1227,10 @@
   </dgm:styleLbl>
   <dgm:styleLbl name="asst1">
     <dgm:fillClrLst meth="repeat">
-      <a:schemeClr val="accent1"/>
+      <a:schemeClr val="dk2"/>
     </dgm:fillClrLst>
     <dgm:linClrLst meth="repeat">
-      <a:schemeClr val="lt1"/>
+      <a:schemeClr val="lt2"/>
     </dgm:linClrLst>
     <dgm:effectClrLst/>
     <dgm:txLinClrLst/>
@@ -1199,10 +1239,10 @@
   </dgm:styleLbl>
   <dgm:styleLbl name="asst2">
     <dgm:fillClrLst meth="repeat">
-      <a:schemeClr val="accent1"/>
+      <a:schemeClr val="dk2"/>
     </dgm:fillClrLst>
     <dgm:linClrLst meth="repeat">
-      <a:schemeClr val="lt1"/>
+      <a:schemeClr val="lt2"/>
     </dgm:linClrLst>
     <dgm:effectClrLst/>
     <dgm:txLinClrLst/>
@@ -1211,10 +1251,10 @@
   </dgm:styleLbl>
   <dgm:styleLbl name="asst3">
     <dgm:fillClrLst meth="repeat">
-      <a:schemeClr val="accent1"/>
+      <a:schemeClr val="dk2"/>
     </dgm:fillClrLst>
     <dgm:linClrLst meth="repeat">
-      <a:schemeClr val="lt1"/>
+      <a:schemeClr val="lt2"/>
     </dgm:linClrLst>
     <dgm:effectClrLst/>
     <dgm:txLinClrLst/>
@@ -1223,10 +1263,10 @@
   </dgm:styleLbl>
   <dgm:styleLbl name="asst4">
     <dgm:fillClrLst meth="repeat">
-      <a:schemeClr val="accent1"/>
+      <a:schemeClr val="dk2"/>
     </dgm:fillClrLst>
     <dgm:linClrLst meth="repeat">
-      <a:schemeClr val="lt1"/>
+      <a:schemeClr val="lt2"/>
     </dgm:linClrLst>
     <dgm:effectClrLst/>
     <dgm:txLinClrLst/>
@@ -1235,70 +1275,70 @@
   </dgm:styleLbl>
   <dgm:styleLbl name="parChTrans2D1">
     <dgm:fillClrLst meth="repeat">
-      <a:schemeClr val="accent1">
+      <a:schemeClr val="dk2">
         <a:tint val="60000"/>
       </a:schemeClr>
     </dgm:fillClrLst>
     <dgm:linClrLst meth="repeat">
-      <a:schemeClr val="accent1">
+      <a:schemeClr val="dk2">
         <a:tint val="60000"/>
       </a:schemeClr>
     </dgm:linClrLst>
     <dgm:effectClrLst/>
     <dgm:txLinClrLst/>
     <dgm:txFillClrLst meth="repeat">
-      <a:schemeClr val="lt1"/>
+      <a:schemeClr val="lt2"/>
     </dgm:txFillClrLst>
     <dgm:txEffectClrLst/>
   </dgm:styleLbl>
   <dgm:styleLbl name="parChTrans2D2">
     <dgm:fillClrLst meth="repeat">
-      <a:schemeClr val="accent1"/>
+      <a:schemeClr val="dk2"/>
     </dgm:fillClrLst>
     <dgm:linClrLst meth="repeat">
-      <a:schemeClr val="accent1"/>
+      <a:schemeClr val="dk2"/>
     </dgm:linClrLst>
     <dgm:effectClrLst/>
     <dgm:txLinClrLst/>
     <dgm:txFillClrLst meth="repeat">
-      <a:schemeClr val="lt1"/>
+      <a:schemeClr val="lt2"/>
     </dgm:txFillClrLst>
     <dgm:txEffectClrLst/>
   </dgm:styleLbl>
   <dgm:styleLbl name="parChTrans2D3">
     <dgm:fillClrLst meth="repeat">
-      <a:schemeClr val="accent1"/>
+      <a:schemeClr val="dk2"/>
     </dgm:fillClrLst>
     <dgm:linClrLst meth="repeat">
-      <a:schemeClr val="accent1"/>
+      <a:schemeClr val="dk2"/>
     </dgm:linClrLst>
     <dgm:effectClrLst/>
     <dgm:txLinClrLst/>
     <dgm:txFillClrLst meth="repeat">
-      <a:schemeClr val="lt1"/>
+      <a:schemeClr val="lt2"/>
     </dgm:txFillClrLst>
     <dgm:txEffectClrLst/>
   </dgm:styleLbl>
   <dgm:styleLbl name="parChTrans2D4">
     <dgm:fillClrLst meth="repeat">
-      <a:schemeClr val="accent1"/>
+      <a:schemeClr val="dk2"/>
     </dgm:fillClrLst>
     <dgm:linClrLst meth="repeat">
-      <a:schemeClr val="accent1"/>
+      <a:schemeClr val="dk2"/>
     </dgm:linClrLst>
     <dgm:effectClrLst/>
     <dgm:txLinClrLst/>
     <dgm:txFillClrLst meth="repeat">
-      <a:schemeClr val="lt1"/>
+      <a:schemeClr val="lt2"/>
     </dgm:txFillClrLst>
     <dgm:txEffectClrLst/>
   </dgm:styleLbl>
   <dgm:styleLbl name="parChTrans1D1">
     <dgm:fillClrLst meth="repeat">
-      <a:schemeClr val="accent1"/>
+      <a:schemeClr val="dk2"/>
     </dgm:fillClrLst>
     <dgm:linClrLst meth="repeat">
-      <a:schemeClr val="accent1">
+      <a:schemeClr val="dk2">
         <a:shade val="60000"/>
       </a:schemeClr>
     </dgm:linClrLst>
@@ -1311,10 +1351,10 @@
   </dgm:styleLbl>
   <dgm:styleLbl name="parChTrans1D2">
     <dgm:fillClrLst meth="repeat">
-      <a:schemeClr val="accent1"/>
+      <a:schemeClr val="dk2"/>
     </dgm:fillClrLst>
     <dgm:linClrLst meth="repeat">
-      <a:schemeClr val="accent1">
+      <a:schemeClr val="dk2">
         <a:shade val="60000"/>
       </a:schemeClr>
     </dgm:linClrLst>
@@ -1327,10 +1367,10 @@
   </dgm:styleLbl>
   <dgm:styleLbl name="parChTrans1D3">
     <dgm:fillClrLst meth="repeat">
-      <a:schemeClr val="accent1"/>
+      <a:schemeClr val="dk2"/>
     </dgm:fillClrLst>
     <dgm:linClrLst meth="repeat">
-      <a:schemeClr val="accent1">
+      <a:schemeClr val="dk2">
         <a:shade val="80000"/>
       </a:schemeClr>
     </dgm:linClrLst>
@@ -1343,10 +1383,10 @@
   </dgm:styleLbl>
   <dgm:styleLbl name="parChTrans1D4">
     <dgm:fillClrLst meth="repeat">
-      <a:schemeClr val="accent1"/>
+      <a:schemeClr val="dk2"/>
     </dgm:fillClrLst>
     <dgm:linClrLst meth="repeat">
-      <a:schemeClr val="accent1">
+      <a:schemeClr val="dk2">
         <a:shade val="80000"/>
       </a:schemeClr>
     </dgm:linClrLst>
@@ -1359,12 +1399,12 @@
   </dgm:styleLbl>
   <dgm:styleLbl name="fgAcc1">
     <dgm:fillClrLst meth="repeat">
-      <a:schemeClr val="lt1">
+      <a:schemeClr val="lt2">
         <a:alpha val="90000"/>
       </a:schemeClr>
     </dgm:fillClrLst>
     <dgm:linClrLst meth="repeat">
-      <a:schemeClr val="accent1"/>
+      <a:schemeClr val="dk2"/>
     </dgm:linClrLst>
     <dgm:effectClrLst/>
     <dgm:txLinClrLst/>
@@ -1375,12 +1415,12 @@
   </dgm:styleLbl>
   <dgm:styleLbl name="conFgAcc1">
     <dgm:fillClrLst meth="repeat">
-      <a:schemeClr val="lt1">
+      <a:schemeClr val="lt2">
         <a:alpha val="90000"/>
       </a:schemeClr>
     </dgm:fillClrLst>
     <dgm:linClrLst meth="repeat">
-      <a:schemeClr val="accent1"/>
+      <a:schemeClr val="dk2"/>
     </dgm:linClrLst>
     <dgm:effectClrLst/>
     <dgm:txLinClrLst/>
@@ -1391,12 +1431,12 @@
   </dgm:styleLbl>
   <dgm:styleLbl name="alignAcc1">
     <dgm:fillClrLst meth="repeat">
-      <a:schemeClr val="lt1">
+      <a:schemeClr val="lt2">
         <a:alpha val="90000"/>
       </a:schemeClr>
     </dgm:fillClrLst>
     <dgm:linClrLst meth="repeat">
-      <a:schemeClr val="accent1"/>
+      <a:schemeClr val="dk2"/>
     </dgm:linClrLst>
     <dgm:effectClrLst/>
     <dgm:txLinClrLst/>
@@ -1407,12 +1447,12 @@
   </dgm:styleLbl>
   <dgm:styleLbl name="trAlignAcc1">
     <dgm:fillClrLst meth="repeat">
-      <a:schemeClr val="lt1">
+      <a:schemeClr val="lt2">
         <a:alpha val="40000"/>
       </a:schemeClr>
     </dgm:fillClrLst>
     <dgm:linClrLst meth="repeat">
-      <a:schemeClr val="accent1"/>
+      <a:schemeClr val="dk2"/>
     </dgm:linClrLst>
     <dgm:effectClrLst/>
     <dgm:txLinClrLst/>
@@ -1423,12 +1463,12 @@
   </dgm:styleLbl>
   <dgm:styleLbl name="bgAcc1">
     <dgm:fillClrLst meth="repeat">
-      <a:schemeClr val="lt1">
+      <a:schemeClr val="lt2">
         <a:alpha val="90000"/>
       </a:schemeClr>
     </dgm:fillClrLst>
     <dgm:linClrLst meth="repeat">
-      <a:schemeClr val="accent1"/>
+      <a:schemeClr val="dk2"/>
     </dgm:linClrLst>
     <dgm:effectClrLst/>
     <dgm:txLinClrLst/>
@@ -1439,10 +1479,10 @@
   </dgm:styleLbl>
   <dgm:styleLbl name="solidFgAcc1">
     <dgm:fillClrLst meth="repeat">
-      <a:schemeClr val="lt1"/>
+      <a:schemeClr val="lt2"/>
     </dgm:fillClrLst>
     <dgm:linClrLst meth="repeat">
-      <a:schemeClr val="accent1"/>
+      <a:schemeClr val="dk2"/>
     </dgm:linClrLst>
     <dgm:effectClrLst/>
     <dgm:txLinClrLst/>
@@ -1453,10 +1493,10 @@
   </dgm:styleLbl>
   <dgm:styleLbl name="solidAlignAcc1">
     <dgm:fillClrLst meth="repeat">
-      <a:schemeClr val="lt1"/>
+      <a:schemeClr val="lt2"/>
     </dgm:fillClrLst>
     <dgm:linClrLst meth="repeat">
-      <a:schemeClr val="accent1"/>
+      <a:schemeClr val="dk2"/>
     </dgm:linClrLst>
     <dgm:effectClrLst/>
     <dgm:txLinClrLst/>
@@ -1467,10 +1507,10 @@
   </dgm:styleLbl>
   <dgm:styleLbl name="solidBgAcc1">
     <dgm:fillClrLst meth="repeat">
-      <a:schemeClr val="lt1"/>
+      <a:schemeClr val="lt2"/>
     </dgm:fillClrLst>
     <dgm:linClrLst meth="repeat">
-      <a:schemeClr val="accent1"/>
+      <a:schemeClr val="dk2"/>
     </dgm:linClrLst>
     <dgm:effectClrLst/>
     <dgm:txLinClrLst/>
@@ -1481,13 +1521,13 @@
   </dgm:styleLbl>
   <dgm:styleLbl name="fgAccFollowNode1">
     <dgm:fillClrLst meth="repeat">
-      <a:schemeClr val="accent1">
+      <a:schemeClr val="dk2">
         <a:alpha val="90000"/>
         <a:tint val="40000"/>
       </a:schemeClr>
     </dgm:fillClrLst>
     <dgm:linClrLst meth="repeat">
-      <a:schemeClr val="accent1">
+      <a:schemeClr val="dk2">
         <a:alpha val="90000"/>
         <a:tint val="40000"/>
       </a:schemeClr>
@@ -1501,13 +1541,13 @@
   </dgm:styleLbl>
   <dgm:styleLbl name="alignAccFollowNode1">
     <dgm:fillClrLst meth="repeat">
-      <a:schemeClr val="accent1">
+      <a:schemeClr val="dk2">
         <a:alpha val="90000"/>
         <a:tint val="40000"/>
       </a:schemeClr>
     </dgm:fillClrLst>
     <dgm:linClrLst meth="repeat">
-      <a:schemeClr val="accent1">
+      <a:schemeClr val="dk2">
         <a:alpha val="90000"/>
         <a:tint val="40000"/>
       </a:schemeClr>
@@ -1521,13 +1561,13 @@
   </dgm:styleLbl>
   <dgm:styleLbl name="bgAccFollowNode1">
     <dgm:fillClrLst meth="repeat">
-      <a:schemeClr val="accent1">
+      <a:schemeClr val="dk2">
         <a:alpha val="90000"/>
         <a:tint val="40000"/>
       </a:schemeClr>
     </dgm:fillClrLst>
     <dgm:linClrLst meth="repeat">
-      <a:schemeClr val="accent1">
+      <a:schemeClr val="dk2">
         <a:alpha val="90000"/>
         <a:tint val="40000"/>
       </a:schemeClr>
@@ -1541,12 +1581,12 @@
   </dgm:styleLbl>
   <dgm:styleLbl name="fgAcc0">
     <dgm:fillClrLst meth="repeat">
-      <a:schemeClr val="lt1">
+      <a:schemeClr val="lt2">
         <a:alpha val="90000"/>
       </a:schemeClr>
     </dgm:fillClrLst>
     <dgm:linClrLst meth="repeat">
-      <a:schemeClr val="accent1"/>
+      <a:schemeClr val="dk2"/>
     </dgm:linClrLst>
     <dgm:effectClrLst/>
     <dgm:txLinClrLst/>
@@ -1557,12 +1597,12 @@
   </dgm:styleLbl>
   <dgm:styleLbl name="fgAcc2">
     <dgm:fillClrLst meth="repeat">
-      <a:schemeClr val="lt1">
+      <a:schemeClr val="lt2">
         <a:alpha val="90000"/>
       </a:schemeClr>
     </dgm:fillClrLst>
     <dgm:linClrLst meth="repeat">
-      <a:schemeClr val="accent1"/>
+      <a:schemeClr val="dk2"/>
     </dgm:linClrLst>
     <dgm:effectClrLst/>
     <dgm:txLinClrLst/>
@@ -1573,12 +1613,12 @@
   </dgm:styleLbl>
   <dgm:styleLbl name="fgAcc3">
     <dgm:fillClrLst meth="repeat">
-      <a:schemeClr val="lt1">
+      <a:schemeClr val="lt2">
         <a:alpha val="90000"/>
       </a:schemeClr>
     </dgm:fillClrLst>
     <dgm:linClrLst meth="repeat">
-      <a:schemeClr val="accent1"/>
+      <a:schemeClr val="dk2"/>
     </dgm:linClrLst>
     <dgm:effectClrLst/>
     <dgm:txLinClrLst/>
@@ -1589,12 +1629,12 @@
   </dgm:styleLbl>
   <dgm:styleLbl name="fgAcc4">
     <dgm:fillClrLst meth="repeat">
-      <a:schemeClr val="lt1">
+      <a:schemeClr val="lt2">
         <a:alpha val="90000"/>
       </a:schemeClr>
     </dgm:fillClrLst>
     <dgm:linClrLst meth="repeat">
-      <a:schemeClr val="accent1"/>
+      <a:schemeClr val="dk2"/>
     </dgm:linClrLst>
     <dgm:effectClrLst/>
     <dgm:txLinClrLst/>
@@ -1605,12 +1645,12 @@
   </dgm:styleLbl>
   <dgm:styleLbl name="bgShp">
     <dgm:fillClrLst meth="repeat">
-      <a:schemeClr val="accent1">
+      <a:schemeClr val="dk2">
         <a:tint val="40000"/>
       </a:schemeClr>
     </dgm:fillClrLst>
     <dgm:linClrLst meth="repeat">
-      <a:schemeClr val="accent1"/>
+      <a:schemeClr val="dk2"/>
     </dgm:linClrLst>
     <dgm:effectClrLst/>
     <dgm:txLinClrLst/>
@@ -1621,12 +1661,12 @@
   </dgm:styleLbl>
   <dgm:styleLbl name="dkBgShp">
     <dgm:fillClrLst meth="repeat">
-      <a:schemeClr val="accent1">
+      <a:schemeClr val="dk2">
         <a:shade val="80000"/>
       </a:schemeClr>
     </dgm:fillClrLst>
     <dgm:linClrLst meth="repeat">
-      <a:schemeClr val="accent1"/>
+      <a:schemeClr val="dk2"/>
     </dgm:linClrLst>
     <dgm:effectClrLst/>
     <dgm:txLinClrLst/>
@@ -1637,13 +1677,13 @@
   </dgm:styleLbl>
   <dgm:styleLbl name="trBgShp">
     <dgm:fillClrLst meth="repeat">
-      <a:schemeClr val="accent1">
+      <a:schemeClr val="dk2">
         <a:tint val="50000"/>
         <a:alpha val="40000"/>
       </a:schemeClr>
     </dgm:fillClrLst>
     <dgm:linClrLst meth="repeat">
-      <a:schemeClr val="accent1"/>
+      <a:schemeClr val="dk2"/>
     </dgm:linClrLst>
     <dgm:effectClrLst/>
     <dgm:txLinClrLst/>
@@ -1654,12 +1694,12 @@
   </dgm:styleLbl>
   <dgm:styleLbl name="fgShp">
     <dgm:fillClrLst meth="repeat">
-      <a:schemeClr val="accent1">
+      <a:schemeClr val="dk2">
         <a:tint val="60000"/>
       </a:schemeClr>
     </dgm:fillClrLst>
     <dgm:linClrLst meth="repeat">
-      <a:schemeClr val="lt1"/>
+      <a:schemeClr val="lt2"/>
     </dgm:linClrLst>
     <dgm:effectClrLst/>
     <dgm:txLinClrLst/>
@@ -1670,7 +1710,7 @@
   </dgm:styleLbl>
   <dgm:styleLbl name="revTx">
     <dgm:fillClrLst meth="repeat">
-      <a:schemeClr val="lt1">
+      <a:schemeClr val="lt2">
         <a:alpha val="0"/>
       </a:schemeClr>
     </dgm:fillClrLst>
@@ -3942,7 +3982,7 @@
 <dgm:dataModel xmlns:dgm="http://schemas.openxmlformats.org/drawingml/2006/diagram" xmlns:a="http://schemas.openxmlformats.org/drawingml/2006/main">
   <dgm:ptLst>
     <dgm:pt modelId="{B37370B7-3616-4269-9D04-50E0EB06DC3A}" type="doc">
-      <dgm:prSet loTypeId="urn:microsoft.com/office/officeart/2005/8/layout/hProcess11" loCatId="process" qsTypeId="urn:microsoft.com/office/officeart/2005/8/quickstyle/simple1" qsCatId="simple" csTypeId="urn:microsoft.com/office/officeart/2005/8/colors/accent1_2" csCatId="accent1" phldr="1"/>
+      <dgm:prSet loTypeId="urn:microsoft.com/office/officeart/2005/8/layout/hProcess11" loCatId="process" qsTypeId="urn:microsoft.com/office/officeart/2005/8/quickstyle/simple1" qsCatId="simple" csTypeId="urn:microsoft.com/office/officeart/2005/8/colors/accent0_3" csCatId="mainScheme" phldr="1"/>
       <dgm:spPr/>
     </dgm:pt>
     <dgm:pt modelId="{848C67E0-DADF-4774-8FBE-023A901CDAA6}">
@@ -4121,6 +4161,13 @@
         </dgm:presLayoutVars>
       </dgm:prSet>
       <dgm:spPr/>
+      <dgm:t>
+        <a:bodyPr/>
+        <a:lstStyle/>
+        <a:p>
+          <a:endParaRPr lang="de-DE"/>
+        </a:p>
+      </dgm:t>
     </dgm:pt>
     <dgm:pt modelId="{BF03FD99-C858-4494-BD5E-DB529121C08A}" type="pres">
       <dgm:prSet presAssocID="{848C67E0-DADF-4774-8FBE-023A901CDAA6}" presName="circleA" presStyleLbl="node1" presStyleIdx="0" presStyleCnt="4"/>
@@ -4145,6 +4192,13 @@
         </dgm:presLayoutVars>
       </dgm:prSet>
       <dgm:spPr/>
+      <dgm:t>
+        <a:bodyPr/>
+        <a:lstStyle/>
+        <a:p>
+          <a:endParaRPr lang="de-DE"/>
+        </a:p>
+      </dgm:t>
     </dgm:pt>
     <dgm:pt modelId="{F42FDF5A-2707-4EF1-B352-9C1D19A27363}" type="pres">
       <dgm:prSet presAssocID="{3144E58A-7823-448F-8ECE-DC52B06E93A9}" presName="circleB" presStyleLbl="node1" presStyleIdx="1" presStyleCnt="4"/>
@@ -4219,8 +4273,8 @@
   </dgm:ptLst>
   <dgm:cxnLst>
     <dgm:cxn modelId="{12E34569-CF2C-4F13-9D47-E3F7428DA888}" type="presOf" srcId="{3144E58A-7823-448F-8ECE-DC52B06E93A9}" destId="{C4AD9F71-5351-4889-B630-FBE6BCE23C15}" srcOrd="0" destOrd="0" presId="urn:microsoft.com/office/officeart/2005/8/layout/hProcess11"/>
+    <dgm:cxn modelId="{E89BFAC7-9494-424C-A0B7-84F49003FE98}" type="presOf" srcId="{B37370B7-3616-4269-9D04-50E0EB06DC3A}" destId="{4BEA736C-0C2D-4AAA-9098-BDB7CC6B49E5}" srcOrd="0" destOrd="0" presId="urn:microsoft.com/office/officeart/2005/8/layout/hProcess11"/>
     <dgm:cxn modelId="{40164AEF-5F21-42EB-BDC2-A1E25C4AD291}" type="presOf" srcId="{848C67E0-DADF-4774-8FBE-023A901CDAA6}" destId="{AE5BABCC-A68A-41A8-854C-D9C2C0E50005}" srcOrd="0" destOrd="0" presId="urn:microsoft.com/office/officeart/2005/8/layout/hProcess11"/>
-    <dgm:cxn modelId="{E89BFAC7-9494-424C-A0B7-84F49003FE98}" type="presOf" srcId="{B37370B7-3616-4269-9D04-50E0EB06DC3A}" destId="{4BEA736C-0C2D-4AAA-9098-BDB7CC6B49E5}" srcOrd="0" destOrd="0" presId="urn:microsoft.com/office/officeart/2005/8/layout/hProcess11"/>
     <dgm:cxn modelId="{0B7F6FA2-BA98-4D8E-BA8D-EE3A90F18198}" srcId="{B37370B7-3616-4269-9D04-50E0EB06DC3A}" destId="{848C67E0-DADF-4774-8FBE-023A901CDAA6}" srcOrd="0" destOrd="0" parTransId="{58F24D0B-BC57-427F-A5CA-B89D8B4BC828}" sibTransId="{4FCCA445-232B-4111-AF49-D1F7EC322CAF}"/>
     <dgm:cxn modelId="{E306E8D0-2E5C-453B-B9F7-DCD165EC424E}" srcId="{B37370B7-3616-4269-9D04-50E0EB06DC3A}" destId="{3144E58A-7823-448F-8ECE-DC52B06E93A9}" srcOrd="1" destOrd="0" parTransId="{114F71A7-BB4C-4131-8CAD-E4B9E4A2CE7A}" sibTransId="{34FE9514-6A88-4640-AA62-695E309FA212}"/>
     <dgm:cxn modelId="{E2EAEEAC-9309-44C3-95F0-729605B55E8F}" srcId="{B37370B7-3616-4269-9D04-50E0EB06DC3A}" destId="{2CCADA83-502E-4AAB-8558-0DACC4BA2F4C}" srcOrd="2" destOrd="0" parTransId="{E8E86131-21ED-4C3B-B928-EBE50AF3FA94}" sibTransId="{AC8849F4-D3EA-4135-9782-BE41CE1DB84D}"/>
@@ -4263,7 +4317,7 @@
 <dgm:dataModel xmlns:dgm="http://schemas.openxmlformats.org/drawingml/2006/diagram" xmlns:a="http://schemas.openxmlformats.org/drawingml/2006/main">
   <dgm:ptLst>
     <dgm:pt modelId="{B37370B7-3616-4269-9D04-50E0EB06DC3A}" type="doc">
-      <dgm:prSet loTypeId="urn:microsoft.com/office/officeart/2005/8/layout/hProcess11" loCatId="process" qsTypeId="urn:microsoft.com/office/officeart/2005/8/quickstyle/simple1" qsCatId="simple" csTypeId="urn:microsoft.com/office/officeart/2005/8/colors/accent1_2" csCatId="accent1" phldr="1"/>
+      <dgm:prSet loTypeId="urn:microsoft.com/office/officeart/2005/8/layout/hProcess11" loCatId="process" qsTypeId="urn:microsoft.com/office/officeart/2005/8/quickstyle/simple1" qsCatId="simple" csTypeId="urn:microsoft.com/office/officeart/2005/8/colors/accent0_3" csCatId="mainScheme" phldr="1"/>
       <dgm:spPr/>
     </dgm:pt>
     <dgm:pt modelId="{848C67E0-DADF-4774-8FBE-023A901CDAA6}">
@@ -4442,6 +4496,13 @@
         </dgm:presLayoutVars>
       </dgm:prSet>
       <dgm:spPr/>
+      <dgm:t>
+        <a:bodyPr/>
+        <a:lstStyle/>
+        <a:p>
+          <a:endParaRPr lang="de-DE"/>
+        </a:p>
+      </dgm:t>
     </dgm:pt>
     <dgm:pt modelId="{BF03FD99-C858-4494-BD5E-DB529121C08A}" type="pres">
       <dgm:prSet presAssocID="{848C67E0-DADF-4774-8FBE-023A901CDAA6}" presName="circleA" presStyleLbl="node1" presStyleIdx="0" presStyleCnt="4"/>
@@ -4466,6 +4527,13 @@
         </dgm:presLayoutVars>
       </dgm:prSet>
       <dgm:spPr/>
+      <dgm:t>
+        <a:bodyPr/>
+        <a:lstStyle/>
+        <a:p>
+          <a:endParaRPr lang="de-DE"/>
+        </a:p>
+      </dgm:t>
     </dgm:pt>
     <dgm:pt modelId="{F42FDF5A-2707-4EF1-B352-9C1D19A27363}" type="pres">
       <dgm:prSet presAssocID="{3144E58A-7823-448F-8ECE-DC52B06E93A9}" presName="circleB" presStyleLbl="node1" presStyleIdx="1" presStyleCnt="4"/>
@@ -4542,8 +4610,8 @@
     <dgm:cxn modelId="{12E34569-CF2C-4F13-9D47-E3F7428DA888}" type="presOf" srcId="{3144E58A-7823-448F-8ECE-DC52B06E93A9}" destId="{C4AD9F71-5351-4889-B630-FBE6BCE23C15}" srcOrd="0" destOrd="0" presId="urn:microsoft.com/office/officeart/2005/8/layout/hProcess11"/>
     <dgm:cxn modelId="{E89BFAC7-9494-424C-A0B7-84F49003FE98}" type="presOf" srcId="{B37370B7-3616-4269-9D04-50E0EB06DC3A}" destId="{4BEA736C-0C2D-4AAA-9098-BDB7CC6B49E5}" srcOrd="0" destOrd="0" presId="urn:microsoft.com/office/officeart/2005/8/layout/hProcess11"/>
     <dgm:cxn modelId="{40164AEF-5F21-42EB-BDC2-A1E25C4AD291}" type="presOf" srcId="{848C67E0-DADF-4774-8FBE-023A901CDAA6}" destId="{AE5BABCC-A68A-41A8-854C-D9C2C0E50005}" srcOrd="0" destOrd="0" presId="urn:microsoft.com/office/officeart/2005/8/layout/hProcess11"/>
+    <dgm:cxn modelId="{0B7F6FA2-BA98-4D8E-BA8D-EE3A90F18198}" srcId="{B37370B7-3616-4269-9D04-50E0EB06DC3A}" destId="{848C67E0-DADF-4774-8FBE-023A901CDAA6}" srcOrd="0" destOrd="0" parTransId="{58F24D0B-BC57-427F-A5CA-B89D8B4BC828}" sibTransId="{4FCCA445-232B-4111-AF49-D1F7EC322CAF}"/>
     <dgm:cxn modelId="{E306E8D0-2E5C-453B-B9F7-DCD165EC424E}" srcId="{B37370B7-3616-4269-9D04-50E0EB06DC3A}" destId="{3144E58A-7823-448F-8ECE-DC52B06E93A9}" srcOrd="1" destOrd="0" parTransId="{114F71A7-BB4C-4131-8CAD-E4B9E4A2CE7A}" sibTransId="{34FE9514-6A88-4640-AA62-695E309FA212}"/>
-    <dgm:cxn modelId="{0B7F6FA2-BA98-4D8E-BA8D-EE3A90F18198}" srcId="{B37370B7-3616-4269-9D04-50E0EB06DC3A}" destId="{848C67E0-DADF-4774-8FBE-023A901CDAA6}" srcOrd="0" destOrd="0" parTransId="{58F24D0B-BC57-427F-A5CA-B89D8B4BC828}" sibTransId="{4FCCA445-232B-4111-AF49-D1F7EC322CAF}"/>
     <dgm:cxn modelId="{E2EAEEAC-9309-44C3-95F0-729605B55E8F}" srcId="{B37370B7-3616-4269-9D04-50E0EB06DC3A}" destId="{2CCADA83-502E-4AAB-8558-0DACC4BA2F4C}" srcOrd="2" destOrd="0" parTransId="{E8E86131-21ED-4C3B-B928-EBE50AF3FA94}" sibTransId="{AC8849F4-D3EA-4135-9782-BE41CE1DB84D}"/>
     <dgm:cxn modelId="{637AAC23-52D8-4419-AC54-F94A86E60A3E}" type="presOf" srcId="{2CCADA83-502E-4AAB-8558-0DACC4BA2F4C}" destId="{4C734283-6CDD-413F-A98E-2317C6B5A415}" srcOrd="0" destOrd="0" presId="urn:microsoft.com/office/officeart/2005/8/layout/hProcess11"/>
     <dgm:cxn modelId="{7E4D4AC3-6D3F-4CEA-83FA-BC6FA64B2CAA}" type="presOf" srcId="{BCAE9AEB-E62E-4483-AB53-F6A43215B89B}" destId="{AF782782-987D-4988-91A8-18FF8D1021E7}" srcOrd="0" destOrd="0" presId="urn:microsoft.com/office/officeart/2005/8/layout/hProcess11"/>
@@ -4787,6 +4855,13 @@
         </dgm:presLayoutVars>
       </dgm:prSet>
       <dgm:spPr/>
+      <dgm:t>
+        <a:bodyPr/>
+        <a:lstStyle/>
+        <a:p>
+          <a:endParaRPr lang="de-DE"/>
+        </a:p>
+      </dgm:t>
     </dgm:pt>
     <dgm:pt modelId="{EC623813-CC45-4C87-82B8-ECC701F14432}" type="pres">
       <dgm:prSet presAssocID="{62D9F5A3-C557-4B98-B0FB-CD04D2EDA7ED}" presName="Background" presStyleLbl="bgImgPlace1" presStyleIdx="0" presStyleCnt="1"/>
@@ -5026,6 +5101,13 @@
         </dgm:presLayoutVars>
       </dgm:prSet>
       <dgm:spPr/>
+      <dgm:t>
+        <a:bodyPr/>
+        <a:lstStyle/>
+        <a:p>
+          <a:endParaRPr lang="de-DE"/>
+        </a:p>
+      </dgm:t>
     </dgm:pt>
     <dgm:pt modelId="{EC623813-CC45-4C87-82B8-ECC701F14432}" type="pres">
       <dgm:prSet presAssocID="{62D9F5A3-C557-4B98-B0FB-CD04D2EDA7ED}" presName="Background" presStyleLbl="bgImgPlace1" presStyleIdx="0" presStyleCnt="1"/>
@@ -5239,6 +5321,13 @@
         </dgm:presLayoutVars>
       </dgm:prSet>
       <dgm:spPr/>
+      <dgm:t>
+        <a:bodyPr/>
+        <a:lstStyle/>
+        <a:p>
+          <a:endParaRPr lang="de-DE"/>
+        </a:p>
+      </dgm:t>
     </dgm:pt>
     <dgm:pt modelId="{B4229638-A5A1-4CCB-873D-4010979CF336}" type="pres">
       <dgm:prSet presAssocID="{ABCF6DB4-8D83-46CE-BA7D-7B110C40EFC5}" presName="spacerT" presStyleCnt="0"/>
@@ -5247,6 +5336,13 @@
     <dgm:pt modelId="{96440575-ECD3-44BB-8B83-B8414A0D9854}" type="pres">
       <dgm:prSet presAssocID="{ABCF6DB4-8D83-46CE-BA7D-7B110C40EFC5}" presName="sibTrans" presStyleLbl="sibTrans2D1" presStyleIdx="0" presStyleCnt="2"/>
       <dgm:spPr/>
+      <dgm:t>
+        <a:bodyPr/>
+        <a:lstStyle/>
+        <a:p>
+          <a:endParaRPr lang="de-DE"/>
+        </a:p>
+      </dgm:t>
     </dgm:pt>
     <dgm:pt modelId="{0B01CE7B-28CB-400F-BBAA-ABCAFA76E5B7}" type="pres">
       <dgm:prSet presAssocID="{ABCF6DB4-8D83-46CE-BA7D-7B110C40EFC5}" presName="spacerB" presStyleCnt="0"/>
@@ -5259,14 +5355,35 @@
         </dgm:presLayoutVars>
       </dgm:prSet>
       <dgm:spPr/>
+      <dgm:t>
+        <a:bodyPr/>
+        <a:lstStyle/>
+        <a:p>
+          <a:endParaRPr lang="de-DE"/>
+        </a:p>
+      </dgm:t>
     </dgm:pt>
     <dgm:pt modelId="{5AA3B43D-FE7C-4DE4-92B6-378344CE4031}" type="pres">
       <dgm:prSet presAssocID="{4236FF68-1F1E-4C4C-9BF8-92B983D6836B}" presName="sibTransLast" presStyleLbl="sibTrans2D1" presStyleIdx="1" presStyleCnt="2"/>
       <dgm:spPr/>
+      <dgm:t>
+        <a:bodyPr/>
+        <a:lstStyle/>
+        <a:p>
+          <a:endParaRPr lang="de-DE"/>
+        </a:p>
+      </dgm:t>
     </dgm:pt>
     <dgm:pt modelId="{7D92D506-7EB9-42C0-B15C-EE0D6676164E}" type="pres">
       <dgm:prSet presAssocID="{4236FF68-1F1E-4C4C-9BF8-92B983D6836B}" presName="connectorText" presStyleLbl="sibTrans2D1" presStyleIdx="1" presStyleCnt="2"/>
       <dgm:spPr/>
+      <dgm:t>
+        <a:bodyPr/>
+        <a:lstStyle/>
+        <a:p>
+          <a:endParaRPr lang="de-DE"/>
+        </a:p>
+      </dgm:t>
     </dgm:pt>
     <dgm:pt modelId="{FE177F38-1CED-463B-A988-56CB3BEB4F44}" type="pres">
       <dgm:prSet presAssocID="{4236FF68-1F1E-4C4C-9BF8-92B983D6836B}" presName="lastNode" presStyleLbl="node1" presStyleIdx="2" presStyleCnt="3">
@@ -5275,6 +5392,13 @@
         </dgm:presLayoutVars>
       </dgm:prSet>
       <dgm:spPr/>
+      <dgm:t>
+        <a:bodyPr/>
+        <a:lstStyle/>
+        <a:p>
+          <a:endParaRPr lang="de-DE"/>
+        </a:p>
+      </dgm:t>
     </dgm:pt>
   </dgm:ptLst>
   <dgm:cxnLst>
@@ -5330,7 +5454,7 @@
           <a:avLst/>
         </a:prstGeom>
         <a:solidFill>
-          <a:schemeClr val="accent1">
+          <a:schemeClr val="dk2">
             <a:tint val="40000"/>
             <a:hueOff val="0"/>
             <a:satOff val="0"/>
@@ -5430,7 +5554,7 @@
           <a:avLst/>
         </a:prstGeom>
         <a:solidFill>
-          <a:schemeClr val="accent1">
+          <a:schemeClr val="dk2">
             <a:hueOff val="0"/>
             <a:satOff val="0"/>
             <a:lumOff val="0"/>
@@ -5439,7 +5563,7 @@
         </a:solidFill>
         <a:ln w="25400" cap="flat" cmpd="sng" algn="ctr">
           <a:solidFill>
-            <a:schemeClr val="lt1">
+            <a:schemeClr val="lt2">
               <a:hueOff val="0"/>
               <a:satOff val="0"/>
               <a:lumOff val="0"/>
@@ -5539,7 +5663,7 @@
           <a:avLst/>
         </a:prstGeom>
         <a:solidFill>
-          <a:schemeClr val="accent1">
+          <a:schemeClr val="dk2">
             <a:hueOff val="0"/>
             <a:satOff val="0"/>
             <a:lumOff val="0"/>
@@ -5548,7 +5672,7 @@
         </a:solidFill>
         <a:ln w="25400" cap="flat" cmpd="sng" algn="ctr">
           <a:solidFill>
-            <a:schemeClr val="lt1">
+            <a:schemeClr val="lt2">
               <a:hueOff val="0"/>
               <a:satOff val="0"/>
               <a:lumOff val="0"/>
@@ -5648,7 +5772,7 @@
           <a:avLst/>
         </a:prstGeom>
         <a:solidFill>
-          <a:schemeClr val="accent1">
+          <a:schemeClr val="dk2">
             <a:hueOff val="0"/>
             <a:satOff val="0"/>
             <a:lumOff val="0"/>
@@ -5657,7 +5781,7 @@
         </a:solidFill>
         <a:ln w="25400" cap="flat" cmpd="sng" algn="ctr">
           <a:solidFill>
-            <a:schemeClr val="lt1">
+            <a:schemeClr val="lt2">
               <a:hueOff val="0"/>
               <a:satOff val="0"/>
               <a:lumOff val="0"/>
@@ -5757,7 +5881,7 @@
           <a:avLst/>
         </a:prstGeom>
         <a:solidFill>
-          <a:schemeClr val="accent1">
+          <a:schemeClr val="dk2">
             <a:hueOff val="0"/>
             <a:satOff val="0"/>
             <a:lumOff val="0"/>
@@ -5766,7 +5890,7 @@
         </a:solidFill>
         <a:ln w="25400" cap="flat" cmpd="sng" algn="ctr">
           <a:solidFill>
-            <a:schemeClr val="lt1">
+            <a:schemeClr val="lt2">
               <a:hueOff val="0"/>
               <a:satOff val="0"/>
               <a:lumOff val="0"/>
@@ -5818,7 +5942,7 @@
           <a:avLst/>
         </a:prstGeom>
         <a:solidFill>
-          <a:schemeClr val="accent1">
+          <a:schemeClr val="dk2">
             <a:tint val="40000"/>
             <a:hueOff val="0"/>
             <a:satOff val="0"/>
@@ -5918,7 +6042,7 @@
           <a:avLst/>
         </a:prstGeom>
         <a:solidFill>
-          <a:schemeClr val="accent1">
+          <a:schemeClr val="dk2">
             <a:hueOff val="0"/>
             <a:satOff val="0"/>
             <a:lumOff val="0"/>
@@ -5927,7 +6051,7 @@
         </a:solidFill>
         <a:ln w="25400" cap="flat" cmpd="sng" algn="ctr">
           <a:solidFill>
-            <a:schemeClr val="lt1">
+            <a:schemeClr val="lt2">
               <a:hueOff val="0"/>
               <a:satOff val="0"/>
               <a:lumOff val="0"/>
@@ -6027,7 +6151,7 @@
           <a:avLst/>
         </a:prstGeom>
         <a:solidFill>
-          <a:schemeClr val="accent1">
+          <a:schemeClr val="dk2">
             <a:hueOff val="0"/>
             <a:satOff val="0"/>
             <a:lumOff val="0"/>
@@ -6036,7 +6160,7 @@
         </a:solidFill>
         <a:ln w="25400" cap="flat" cmpd="sng" algn="ctr">
           <a:solidFill>
-            <a:schemeClr val="lt1">
+            <a:schemeClr val="lt2">
               <a:hueOff val="0"/>
               <a:satOff val="0"/>
               <a:lumOff val="0"/>
@@ -6136,7 +6260,7 @@
           <a:avLst/>
         </a:prstGeom>
         <a:solidFill>
-          <a:schemeClr val="accent1">
+          <a:schemeClr val="dk2">
             <a:hueOff val="0"/>
             <a:satOff val="0"/>
             <a:lumOff val="0"/>
@@ -6145,7 +6269,7 @@
         </a:solidFill>
         <a:ln w="25400" cap="flat" cmpd="sng" algn="ctr">
           <a:solidFill>
-            <a:schemeClr val="lt1">
+            <a:schemeClr val="lt2">
               <a:hueOff val="0"/>
               <a:satOff val="0"/>
               <a:lumOff val="0"/>
@@ -6245,7 +6369,7 @@
           <a:avLst/>
         </a:prstGeom>
         <a:solidFill>
-          <a:schemeClr val="accent1">
+          <a:schemeClr val="dk2">
             <a:hueOff val="0"/>
             <a:satOff val="0"/>
             <a:lumOff val="0"/>
@@ -6254,7 +6378,7 @@
         </a:solidFill>
         <a:ln w="25400" cap="flat" cmpd="sng" algn="ctr">
           <a:solidFill>
-            <a:schemeClr val="lt1">
+            <a:schemeClr val="lt2">
               <a:hueOff val="0"/>
               <a:satOff val="0"/>
               <a:lumOff val="0"/>
@@ -14090,7 +14214,7 @@
           <a:p>
             <a:fld id="{A9533422-EA17-F948-BF63-CBC5318A2B77}" type="datetimeFigureOut">
               <a:rPr lang="en-US" smtClean="0"/>
-              <a:t>4/6/2018</a:t>
+              <a:t>4/9/2018</a:t>
             </a:fld>
             <a:endParaRPr lang="en-US"/>
           </a:p>
@@ -25490,7 +25614,6 @@
             <a:endParaRPr lang="en-US" dirty="0"/>
           </a:p>
           <a:p>
-            <a:pPr lvl="0"/>
             <a:r>
               <a:rPr lang="en-US" dirty="0" err="1" smtClean="0"/>
               <a:t>Bewertungen</a:t>
@@ -26390,97 +26513,6 @@
             <a:pPr lvl="1"/>
             <a:r>
               <a:rPr lang="en-US" dirty="0" err="1" smtClean="0"/>
-              <a:t>Wie</a:t>
-            </a:r>
-            <a:r>
-              <a:rPr lang="en-US" dirty="0" smtClean="0"/>
-              <a:t> </a:t>
-            </a:r>
-            <a:r>
-              <a:rPr lang="en-US" dirty="0" err="1" smtClean="0"/>
-              <a:t>wird</a:t>
-            </a:r>
-            <a:r>
-              <a:rPr lang="en-US" dirty="0" smtClean="0"/>
-              <a:t> </a:t>
-            </a:r>
-            <a:r>
-              <a:rPr lang="en-US" dirty="0" err="1" smtClean="0"/>
-              <a:t>interpretiert</a:t>
-            </a:r>
-            <a:r>
-              <a:rPr lang="en-US" dirty="0" smtClean="0"/>
-              <a:t> </a:t>
-            </a:r>
-            <a:r>
-              <a:rPr lang="en-US" dirty="0" err="1" smtClean="0"/>
-              <a:t>wenn</a:t>
-            </a:r>
-            <a:r>
-              <a:rPr lang="en-US" dirty="0" smtClean="0"/>
-              <a:t> </a:t>
-            </a:r>
-            <a:r>
-              <a:rPr lang="en-US" dirty="0" err="1" smtClean="0"/>
-              <a:t>etwas</a:t>
-            </a:r>
-            <a:r>
-              <a:rPr lang="en-US" dirty="0" smtClean="0"/>
-              <a:t> </a:t>
-            </a:r>
-            <a:r>
-              <a:rPr lang="en-US" dirty="0" err="1" smtClean="0"/>
-              <a:t>wieder</a:t>
-            </a:r>
-            <a:r>
-              <a:rPr lang="en-US" dirty="0" smtClean="0"/>
-              <a:t> </a:t>
-            </a:r>
-            <a:r>
-              <a:rPr lang="en-US" dirty="0" err="1" smtClean="0"/>
-              <a:t>aus</a:t>
-            </a:r>
-            <a:r>
-              <a:rPr lang="en-US" dirty="0" smtClean="0"/>
-              <a:t> </a:t>
-            </a:r>
-            <a:r>
-              <a:rPr lang="en-US" dirty="0" err="1" smtClean="0"/>
-              <a:t>dem</a:t>
-            </a:r>
-            <a:r>
-              <a:rPr lang="en-US" dirty="0" smtClean="0"/>
-              <a:t> </a:t>
-            </a:r>
-            <a:r>
-              <a:rPr lang="en-US" dirty="0" err="1" smtClean="0"/>
-              <a:t>Einkaufskorb</a:t>
-            </a:r>
-            <a:r>
-              <a:rPr lang="en-US" dirty="0" smtClean="0"/>
-              <a:t> </a:t>
-            </a:r>
-            <a:r>
-              <a:rPr lang="en-US" dirty="0" err="1" smtClean="0"/>
-              <a:t>entfernt</a:t>
-            </a:r>
-            <a:r>
-              <a:rPr lang="en-US" dirty="0" smtClean="0"/>
-              <a:t> </a:t>
-            </a:r>
-            <a:r>
-              <a:rPr lang="en-US" dirty="0" err="1" smtClean="0"/>
-              <a:t>wird</a:t>
-            </a:r>
-            <a:r>
-              <a:rPr lang="en-US" dirty="0" smtClean="0"/>
-              <a:t>?</a:t>
-            </a:r>
-          </a:p>
-          <a:p>
-            <a:pPr lvl="1"/>
-            <a:r>
-              <a:rPr lang="en-US" dirty="0" err="1" smtClean="0"/>
               <a:t>Wann</a:t>
             </a:r>
             <a:r>
@@ -26956,6 +26988,14 @@
             <a:r>
               <a:rPr lang="en-US" dirty="0"/>
               <a:t> </a:t>
+            </a:r>
+            <a:endParaRPr lang="en-US" dirty="0" smtClean="0"/>
+          </a:p>
+          <a:p>
+            <a:pPr lvl="1"/>
+            <a:r>
+              <a:rPr lang="en-US" dirty="0" smtClean="0"/>
+              <a:t>Usability-Evaluation</a:t>
             </a:r>
             <a:endParaRPr lang="en-US" dirty="0" smtClean="0"/>
           </a:p>
@@ -27454,22 +27494,7 @@
                 <a:ea typeface="Calibri" panose="020F0502020204030204" pitchFamily="34" charset="0"/>
                 <a:cs typeface="Times New Roman" panose="02020603050405020304" pitchFamily="18" charset="0"/>
               </a:rPr>
-              <a:t>Burke </a:t>
-            </a:r>
-            <a:r>
-              <a:rPr kumimoji="0" lang="en-US" altLang="de-DE" sz="900" b="0" i="1" u="none" strike="noStrike" cap="none" normalizeH="0" baseline="0" smtClean="0">
-                <a:ln>
-                  <a:noFill/>
-                </a:ln>
-                <a:solidFill>
-                  <a:srgbClr val="44546A"/>
-                </a:solidFill>
-                <a:effectLst/>
-                <a:latin typeface="Calibri" panose="020F0502020204030204" pitchFamily="34" charset="0"/>
-                <a:ea typeface="Calibri" panose="020F0502020204030204" pitchFamily="34" charset="0"/>
-                <a:cs typeface="Times New Roman" panose="02020603050405020304" pitchFamily="18" charset="0"/>
-              </a:rPr>
-              <a:t>2007)</a:t>
+              <a:t>Burke 2007)</a:t>
             </a:r>
             <a:endParaRPr kumimoji="0" lang="en-US" altLang="de-DE" sz="1800" b="0" i="0" u="none" strike="noStrike" cap="none" normalizeH="0" baseline="0" dirty="0" smtClean="0">
               <a:ln>
@@ -27491,7 +27516,7 @@
           <p:nvPr>
             <p:extLst>
               <p:ext uri="{D42A27DB-BD31-4B8C-83A1-F6EECF244321}">
-                <p14:modId xmlns:p14="http://schemas.microsoft.com/office/powerpoint/2010/main" val="1076098368"/>
+                <p14:modId xmlns:p14="http://schemas.microsoft.com/office/powerpoint/2010/main" val="733307755"/>
               </p:ext>
             </p:extLst>
           </p:nvPr>
@@ -27973,22 +27998,7 @@
                 <a:ea typeface="Calibri" panose="020F0502020204030204" pitchFamily="34" charset="0"/>
                 <a:cs typeface="Times New Roman" panose="02020603050405020304" pitchFamily="18" charset="0"/>
               </a:rPr>
-              <a:t>(Burke </a:t>
-            </a:r>
-            <a:r>
-              <a:rPr kumimoji="0" lang="en-US" altLang="de-DE" sz="900" b="0" i="1" u="none" strike="noStrike" cap="none" normalizeH="0" baseline="0" dirty="0" smtClean="0">
-                <a:ln>
-                  <a:noFill/>
-                </a:ln>
-                <a:solidFill>
-                  <a:srgbClr val="44546A"/>
-                </a:solidFill>
-                <a:effectLst/>
-                <a:latin typeface="Calibri" panose="020F0502020204030204" pitchFamily="34" charset="0"/>
-                <a:ea typeface="Calibri" panose="020F0502020204030204" pitchFamily="34" charset="0"/>
-                <a:cs typeface="Times New Roman" panose="02020603050405020304" pitchFamily="18" charset="0"/>
-              </a:rPr>
-              <a:t>2007)</a:t>
+              <a:t>(Burke 2007)</a:t>
             </a:r>
             <a:endParaRPr kumimoji="0" lang="en-US" altLang="de-DE" sz="1800" b="0" i="0" u="none" strike="noStrike" cap="none" normalizeH="0" baseline="0" dirty="0" smtClean="0">
               <a:ln>
@@ -28010,7 +28020,7 @@
           <p:nvPr>
             <p:extLst>
               <p:ext uri="{D42A27DB-BD31-4B8C-83A1-F6EECF244321}">
-                <p14:modId xmlns:p14="http://schemas.microsoft.com/office/powerpoint/2010/main" val="2847103149"/>
+                <p14:modId xmlns:p14="http://schemas.microsoft.com/office/powerpoint/2010/main" val="3933670271"/>
               </p:ext>
             </p:extLst>
           </p:nvPr>
@@ -28062,11 +28072,7 @@
             </a:r>
             <a:r>
               <a:rPr lang="en-US" dirty="0" err="1" smtClean="0"/>
-              <a:t>Domänen</a:t>
-            </a:r>
-            <a:r>
-              <a:rPr lang="en-US" dirty="0" err="1" smtClean="0"/>
-              <a:t>wissen</a:t>
+              <a:t>Domänenwissen</a:t>
             </a:r>
             <a:r>
               <a:rPr lang="en-US" dirty="0" smtClean="0"/>
@@ -28372,7 +28378,15 @@
             </a:r>
             <a:r>
               <a:rPr lang="en-US" dirty="0" smtClean="0"/>
-              <a:t> RS (</a:t>
+              <a:t> </a:t>
+            </a:r>
+            <a:r>
+              <a:rPr lang="en-US" dirty="0" smtClean="0"/>
+              <a:t>demographic RS </a:t>
+            </a:r>
+            <a:r>
+              <a:rPr lang="en-US" dirty="0" smtClean="0"/>
+              <a:t>(</a:t>
             </a:r>
             <a:r>
               <a:rPr lang="en-US" dirty="0" err="1" smtClean="0"/>
@@ -28584,12 +28598,52 @@
               <a:rPr lang="en-US" dirty="0" err="1" smtClean="0"/>
               <a:t>Datenbanken</a:t>
             </a:r>
+            <a:r>
+              <a:rPr lang="en-US" dirty="0" smtClean="0"/>
+              <a:t> </a:t>
+            </a:r>
+            <a:r>
+              <a:rPr lang="en-US" dirty="0" err="1" smtClean="0"/>
+              <a:t>anhand</a:t>
+            </a:r>
+            <a:r>
+              <a:rPr lang="en-US" dirty="0" smtClean="0"/>
+              <a:t> </a:t>
+            </a:r>
+            <a:r>
+              <a:rPr lang="en-US" dirty="0" err="1" smtClean="0"/>
+              <a:t>Rangmetriken</a:t>
+            </a:r>
+            <a:r>
+              <a:rPr lang="en-US" dirty="0" smtClean="0"/>
+              <a:t> </a:t>
+            </a:r>
+            <a:r>
+              <a:rPr lang="en-US" dirty="0" err="1" smtClean="0"/>
+              <a:t>oder</a:t>
+            </a:r>
+            <a:r>
+              <a:rPr lang="en-US" dirty="0"/>
+              <a:t> </a:t>
+            </a:r>
+            <a:r>
+              <a:rPr lang="en-US" dirty="0" err="1" smtClean="0"/>
+              <a:t>Genauigkeit</a:t>
+            </a:r>
             <a:endParaRPr lang="en-US" dirty="0" smtClean="0"/>
           </a:p>
           <a:p>
             <a:pPr lvl="0"/>
             <a:r>
               <a:rPr lang="en-US" dirty="0" err="1" smtClean="0"/>
+              <a:t>Nutzerevaluation</a:t>
+            </a:r>
+            <a:r>
+              <a:rPr lang="en-US" dirty="0" smtClean="0"/>
+              <a:t>: </a:t>
+            </a:r>
+            <a:r>
+              <a:rPr lang="en-US" dirty="0" err="1" smtClean="0"/>
               <a:t>statistische</a:t>
             </a:r>
             <a:r>
@@ -28623,7 +28677,7 @@
             <a:endParaRPr lang="de-DE" dirty="0"/>
           </a:p>
           <a:p>
-            <a:pPr lvl="0"/>
+            <a:pPr lvl="1"/>
             <a:r>
               <a:rPr lang="en-US" dirty="0"/>
               <a:t>Positive feedback </a:t>
@@ -28634,7 +28688,7 @@
             </a:r>
           </a:p>
           <a:p>
-            <a:pPr lvl="0"/>
+            <a:pPr lvl="1"/>
             <a:r>
               <a:rPr lang="en-US" dirty="0" err="1" smtClean="0"/>
               <a:t>Ablehnung</a:t>
@@ -29141,11 +29195,15 @@
             </a:r>
             <a:r>
               <a:rPr lang="en-US" dirty="0" err="1" smtClean="0"/>
-              <a:t>gesehner</a:t>
-            </a:r>
-            <a:r>
-              <a:rPr lang="en-US" dirty="0" smtClean="0"/>
-              <a:t> Videos</a:t>
+              <a:t>gesehener</a:t>
+            </a:r>
+            <a:r>
+              <a:rPr lang="en-US" dirty="0" smtClean="0"/>
+              <a:t> </a:t>
+            </a:r>
+            <a:r>
+              <a:rPr lang="en-US" dirty="0" smtClean="0"/>
+              <a:t>Videos</a:t>
             </a:r>
           </a:p>
           <a:p>
@@ -29159,11 +29217,15 @@
             </a:r>
             <a:r>
               <a:rPr lang="en-US" dirty="0" err="1" smtClean="0"/>
-              <a:t>Relvanz</a:t>
-            </a:r>
-            <a:r>
-              <a:rPr lang="en-US" dirty="0" smtClean="0"/>
-              <a:t> muss </a:t>
+              <a:t>Relevanz</a:t>
+            </a:r>
+            <a:r>
+              <a:rPr lang="en-US" dirty="0" smtClean="0"/>
+              <a:t> </a:t>
+            </a:r>
+            <a:r>
+              <a:rPr lang="en-US" dirty="0" smtClean="0"/>
+              <a:t>muss </a:t>
             </a:r>
             <a:r>
               <a:rPr lang="en-US" dirty="0" err="1" smtClean="0"/>
@@ -29442,28 +29504,32 @@
               <a:t>, </a:t>
             </a:r>
             <a:r>
-              <a:rPr lang="en-US" dirty="0" err="1" smtClean="0"/>
+              <a:rPr lang="en-US" b="1" dirty="0" err="1" smtClean="0"/>
               <a:t>Daten</a:t>
             </a:r>
             <a:r>
-              <a:rPr lang="en-US" dirty="0" smtClean="0"/>
-              <a:t> </a:t>
-            </a:r>
-            <a:r>
-              <a:rPr lang="en-US" dirty="0" err="1" smtClean="0"/>
+              <a:rPr lang="en-US" b="1" dirty="0" smtClean="0"/>
+              <a:t> </a:t>
+            </a:r>
+            <a:r>
+              <a:rPr lang="en-US" b="1" dirty="0" err="1" smtClean="0"/>
               <a:t>über</a:t>
             </a:r>
             <a:r>
-              <a:rPr lang="en-US" dirty="0" smtClean="0"/>
-              <a:t> </a:t>
-            </a:r>
-            <a:r>
-              <a:rPr lang="en-US" dirty="0" err="1" smtClean="0"/>
+              <a:rPr lang="en-US" b="1" dirty="0" smtClean="0"/>
+              <a:t> </a:t>
+            </a:r>
+            <a:r>
+              <a:rPr lang="en-US" b="1" dirty="0" err="1" smtClean="0"/>
               <a:t>Nutzer</a:t>
             </a:r>
             <a:r>
-              <a:rPr lang="en-US" dirty="0" smtClean="0"/>
-              <a:t> und </a:t>
+              <a:rPr lang="en-US" b="1" dirty="0" smtClean="0"/>
+              <a:t> </a:t>
+            </a:r>
+            <a:r>
+              <a:rPr lang="en-US" dirty="0" smtClean="0"/>
+              <a:t>und </a:t>
             </a:r>
             <a:r>
               <a:rPr lang="en-US" dirty="0" err="1" smtClean="0"/>
@@ -29482,23 +29548,23 @@
               <a:t> in </a:t>
             </a:r>
             <a:r>
-              <a:rPr lang="en-US" dirty="0" err="1" smtClean="0"/>
+              <a:rPr lang="en-US" b="1" dirty="0" err="1" smtClean="0"/>
               <a:t>Vorhersagen</a:t>
             </a:r>
             <a:r>
-              <a:rPr lang="en-US" dirty="0" smtClean="0"/>
+              <a:rPr lang="en-US" b="1" dirty="0" smtClean="0"/>
               <a:t> der </a:t>
             </a:r>
             <a:r>
-              <a:rPr lang="en-US" dirty="0" err="1" smtClean="0"/>
+              <a:rPr lang="en-US" b="1" dirty="0" err="1" smtClean="0"/>
               <a:t>zukünfigen</a:t>
             </a:r>
             <a:r>
-              <a:rPr lang="en-US" dirty="0" smtClean="0"/>
-              <a:t> </a:t>
-            </a:r>
-            <a:r>
-              <a:rPr lang="en-US" dirty="0" err="1" smtClean="0"/>
+              <a:rPr lang="en-US" b="1" dirty="0" smtClean="0"/>
+              <a:t> </a:t>
+            </a:r>
+            <a:r>
+              <a:rPr lang="en-US" b="1" dirty="0" err="1" smtClean="0"/>
               <a:t>Vorlieben</a:t>
             </a:r>
             <a:r>
@@ -29599,55 +29665,55 @@
               <a:t> </a:t>
             </a:r>
             <a:r>
-              <a:rPr lang="en-US" dirty="0" err="1" smtClean="0"/>
+              <a:rPr lang="en-US" b="1" dirty="0" err="1" smtClean="0"/>
               <a:t>Nutzern</a:t>
             </a:r>
             <a:r>
-              <a:rPr lang="en-US" dirty="0" smtClean="0"/>
+              <a:rPr lang="en-US" b="1" dirty="0" smtClean="0"/>
               <a:t>, </a:t>
             </a:r>
             <a:r>
-              <a:rPr lang="en-US" dirty="0" err="1" smtClean="0"/>
+              <a:rPr lang="en-US" b="1" dirty="0" err="1" smtClean="0"/>
               <a:t>Inhalte</a:t>
             </a:r>
             <a:r>
-              <a:rPr lang="en-US" dirty="0" smtClean="0"/>
+              <a:rPr lang="en-US" b="1" dirty="0" smtClean="0"/>
               <a:t>, </a:t>
             </a:r>
             <a:r>
-              <a:rPr lang="en-US" dirty="0" err="1" smtClean="0"/>
+              <a:rPr lang="en-US" b="1" dirty="0" err="1" smtClean="0"/>
               <a:t>Produkte</a:t>
             </a:r>
             <a:r>
-              <a:rPr lang="en-US" dirty="0" smtClean="0"/>
-              <a:t> </a:t>
-            </a:r>
-            <a:r>
-              <a:rPr lang="en-US" dirty="0" err="1" smtClean="0"/>
+              <a:rPr lang="en-US" b="1" dirty="0" smtClean="0"/>
+              <a:t> </a:t>
+            </a:r>
+            <a:r>
+              <a:rPr lang="en-US" b="1" dirty="0" err="1" smtClean="0"/>
               <a:t>oder</a:t>
             </a:r>
             <a:r>
-              <a:rPr lang="en-US" dirty="0" smtClean="0"/>
-              <a:t> </a:t>
-            </a:r>
-            <a:r>
-              <a:rPr lang="en-US" dirty="0" err="1" smtClean="0"/>
+              <a:rPr lang="en-US" b="1" dirty="0" smtClean="0"/>
+              <a:t> </a:t>
+            </a:r>
+            <a:r>
+              <a:rPr lang="en-US" b="1" dirty="0" err="1" smtClean="0"/>
               <a:t>Dienstleistungen</a:t>
             </a:r>
             <a:r>
-              <a:rPr lang="en-US" dirty="0" smtClean="0"/>
-              <a:t> </a:t>
-            </a:r>
-            <a:r>
-              <a:rPr lang="en-US" dirty="0" err="1" smtClean="0"/>
+              <a:rPr lang="en-US" b="1" dirty="0" smtClean="0"/>
+              <a:t> </a:t>
+            </a:r>
+            <a:r>
+              <a:rPr lang="en-US" b="1" dirty="0" err="1" smtClean="0"/>
               <a:t>zu</a:t>
             </a:r>
             <a:r>
-              <a:rPr lang="en-US" dirty="0" smtClean="0"/>
-              <a:t> </a:t>
-            </a:r>
-            <a:r>
-              <a:rPr lang="en-US" dirty="0" err="1" smtClean="0"/>
+              <a:rPr lang="en-US" b="1" dirty="0" smtClean="0"/>
+              <a:t> </a:t>
+            </a:r>
+            <a:r>
+              <a:rPr lang="en-US" b="1" dirty="0" err="1" smtClean="0"/>
               <a:t>finden</a:t>
             </a:r>
             <a:r>
@@ -29679,27 +29745,27 @@
               <a:t> und </a:t>
             </a:r>
             <a:r>
-              <a:rPr lang="en-US" dirty="0" err="1" smtClean="0"/>
+              <a:rPr lang="en-US" b="1" dirty="0" err="1" smtClean="0"/>
               <a:t>Bewertungen</a:t>
             </a:r>
             <a:r>
-              <a:rPr lang="en-US" dirty="0" smtClean="0"/>
-              <a:t> </a:t>
-            </a:r>
-            <a:r>
-              <a:rPr lang="en-US" dirty="0" err="1" smtClean="0"/>
+              <a:rPr lang="en-US" b="1" dirty="0" smtClean="0"/>
+              <a:t> </a:t>
+            </a:r>
+            <a:r>
+              <a:rPr lang="en-US" b="1" dirty="0" err="1" smtClean="0"/>
               <a:t>anderer</a:t>
             </a:r>
             <a:r>
-              <a:rPr lang="en-US" dirty="0" smtClean="0"/>
-              <a:t> </a:t>
-            </a:r>
-            <a:r>
-              <a:rPr lang="en-US" dirty="0" err="1" smtClean="0"/>
+              <a:rPr lang="en-US" b="1" dirty="0" smtClean="0"/>
+              <a:t> </a:t>
+            </a:r>
+            <a:r>
+              <a:rPr lang="en-US" b="1" dirty="0" err="1" smtClean="0"/>
               <a:t>Nutzer</a:t>
             </a:r>
             <a:r>
-              <a:rPr lang="en-US" dirty="0" smtClean="0"/>
+              <a:rPr lang="en-US" b="1" dirty="0" smtClean="0"/>
               <a:t> </a:t>
             </a:r>
             <a:r>
@@ -29823,79 +29889,79 @@
               <a:t>versuchen</a:t>
             </a:r>
             <a:r>
-              <a:rPr lang="en-US" dirty="0" smtClean="0"/>
+              <a:rPr lang="en-US" b="1" dirty="0" smtClean="0"/>
               <a:t>, </a:t>
             </a:r>
             <a:r>
-              <a:rPr lang="en-US" dirty="0" err="1" smtClean="0"/>
+              <a:rPr lang="en-US" b="1" dirty="0" err="1" smtClean="0"/>
               <a:t>Faktoren</a:t>
             </a:r>
             <a:r>
-              <a:rPr lang="en-US" dirty="0" smtClean="0"/>
-              <a:t> </a:t>
-            </a:r>
-            <a:r>
-              <a:rPr lang="en-US" dirty="0" err="1" smtClean="0"/>
+              <a:rPr lang="en-US" b="1" dirty="0" smtClean="0"/>
+              <a:t> </a:t>
+            </a:r>
+            <a:r>
+              <a:rPr lang="en-US" b="1" dirty="0" err="1" smtClean="0"/>
               <a:t>wie</a:t>
             </a:r>
             <a:r>
-              <a:rPr lang="en-US" dirty="0" smtClean="0"/>
-              <a:t> </a:t>
-            </a:r>
-            <a:r>
-              <a:rPr lang="en-US" dirty="0" err="1" smtClean="0"/>
+              <a:rPr lang="en-US" b="1" dirty="0" smtClean="0"/>
+              <a:t> </a:t>
+            </a:r>
+            <a:r>
+              <a:rPr lang="en-US" b="1" dirty="0" err="1" smtClean="0"/>
               <a:t>Genauigkeit</a:t>
             </a:r>
             <a:r>
-              <a:rPr lang="en-US" dirty="0" smtClean="0"/>
+              <a:rPr lang="en-US" b="1" dirty="0" smtClean="0"/>
               <a:t>, </a:t>
             </a:r>
             <a:r>
-              <a:rPr lang="en-US" dirty="0" err="1" smtClean="0"/>
+              <a:rPr lang="en-US" b="1" dirty="0" err="1" smtClean="0"/>
               <a:t>Neuheit</a:t>
             </a:r>
             <a:r>
-              <a:rPr lang="en-US" dirty="0" smtClean="0"/>
+              <a:rPr lang="en-US" b="1" dirty="0" smtClean="0"/>
               <a:t>, </a:t>
             </a:r>
             <a:r>
-              <a:rPr lang="en-US" dirty="0" err="1" smtClean="0"/>
+              <a:rPr lang="en-US" b="1" dirty="0" err="1" smtClean="0"/>
               <a:t>Verschiedenheit</a:t>
             </a:r>
             <a:r>
-              <a:rPr lang="en-US" dirty="0" smtClean="0"/>
+              <a:rPr lang="en-US" b="1" dirty="0" smtClean="0"/>
               <a:t> (</a:t>
             </a:r>
             <a:r>
-              <a:rPr lang="en-US" dirty="0" err="1" smtClean="0"/>
+              <a:rPr lang="en-US" b="1" dirty="0" err="1" smtClean="0"/>
               <a:t>dispersity</a:t>
             </a:r>
             <a:r>
-              <a:rPr lang="en-US" dirty="0" smtClean="0"/>
+              <a:rPr lang="en-US" b="1" dirty="0" smtClean="0"/>
               <a:t>) und </a:t>
             </a:r>
             <a:r>
-              <a:rPr lang="en-US" dirty="0" err="1" smtClean="0"/>
+              <a:rPr lang="en-US" b="1" dirty="0" err="1" smtClean="0"/>
               <a:t>eine</a:t>
             </a:r>
             <a:r>
-              <a:rPr lang="en-US" dirty="0" smtClean="0"/>
-              <a:t> </a:t>
-            </a:r>
-            <a:r>
-              <a:rPr lang="en-US" dirty="0" err="1" smtClean="0"/>
+              <a:rPr lang="en-US" b="1" dirty="0" smtClean="0"/>
+              <a:t> </a:t>
+            </a:r>
+            <a:r>
+              <a:rPr lang="en-US" b="1" dirty="0" err="1" smtClean="0"/>
               <a:t>Stabiltät</a:t>
             </a:r>
             <a:r>
-              <a:rPr lang="en-US" dirty="0" smtClean="0"/>
+              <a:rPr lang="en-US" b="1" dirty="0" smtClean="0"/>
               <a:t> der </a:t>
             </a:r>
             <a:r>
-              <a:rPr lang="en-US" dirty="0" err="1" smtClean="0"/>
+              <a:rPr lang="en-US" b="1" dirty="0" err="1" smtClean="0"/>
               <a:t>Vorhersagen</a:t>
             </a:r>
             <a:r>
-              <a:rPr lang="en-US" dirty="0" smtClean="0"/>
+              <a:rPr lang="en-US" b="1" dirty="0" smtClean="0"/>
               <a:t> </a:t>
             </a:r>
             <a:r>
@@ -30043,8 +30109,19 @@
           <a:lstStyle/>
           <a:p>
             <a:r>
-              <a:rPr lang="en-US" dirty="0" err="1" smtClean="0"/>
-              <a:t>EventAware</a:t>
+              <a:rPr lang="en-US" dirty="0" smtClean="0"/>
+              <a:t>Academic paper </a:t>
+            </a:r>
+            <a:r>
+              <a:rPr lang="en-US" dirty="0" smtClean="0"/>
+              <a:t>recommender </a:t>
+            </a:r>
+            <a:br>
+              <a:rPr lang="en-US" dirty="0" smtClean="0"/>
+            </a:br>
+            <a:r>
+              <a:rPr lang="en-US" dirty="0" smtClean="0"/>
+              <a:t>Business &amp; Data understanding</a:t>
             </a:r>
             <a:endParaRPr lang="de-DE" dirty="0"/>
           </a:p>
@@ -30060,19 +30137,562 @@
             <p:ph idx="1"/>
           </p:nvPr>
         </p:nvSpPr>
-        <p:spPr/>
+        <p:spPr>
+          <a:xfrm>
+            <a:off x="457200" y="1150070"/>
+            <a:ext cx="8229600" cy="4976093"/>
+          </a:xfrm>
+        </p:spPr>
         <p:txBody>
-          <a:bodyPr/>
+          <a:bodyPr>
+            <a:normAutofit/>
+          </a:bodyPr>
           <a:lstStyle/>
           <a:p>
-            <a:endParaRPr lang="de-DE"/>
+            <a:r>
+              <a:rPr lang="en-US" dirty="0" err="1" smtClean="0"/>
+              <a:t>Geschäftsziel</a:t>
+            </a:r>
+            <a:r>
+              <a:rPr lang="en-US" dirty="0" smtClean="0"/>
+              <a:t>: </a:t>
+            </a:r>
+            <a:r>
+              <a:rPr lang="en-US" dirty="0" err="1" smtClean="0"/>
+              <a:t>relevante</a:t>
+            </a:r>
+            <a:r>
+              <a:rPr lang="en-US" dirty="0" smtClean="0"/>
+              <a:t> Paper </a:t>
+            </a:r>
+            <a:r>
+              <a:rPr lang="en-US" dirty="0" err="1" smtClean="0"/>
+              <a:t>zu</a:t>
+            </a:r>
+            <a:r>
+              <a:rPr lang="en-US" dirty="0" smtClean="0"/>
+              <a:t> </a:t>
+            </a:r>
+            <a:r>
+              <a:rPr lang="en-US" dirty="0" err="1" smtClean="0"/>
+              <a:t>eine</a:t>
+            </a:r>
+            <a:r>
+              <a:rPr lang="en-US" dirty="0" err="1" smtClean="0"/>
+              <a:t>m</a:t>
+            </a:r>
+            <a:r>
+              <a:rPr lang="en-US" dirty="0" smtClean="0"/>
+              <a:t> </a:t>
+            </a:r>
+            <a:r>
+              <a:rPr lang="en-US" dirty="0" err="1" smtClean="0"/>
+              <a:t>angesehenen</a:t>
+            </a:r>
+            <a:r>
+              <a:rPr lang="en-US" dirty="0" smtClean="0"/>
+              <a:t> Paper </a:t>
+            </a:r>
+            <a:r>
+              <a:rPr lang="en-US" dirty="0" err="1" smtClean="0"/>
+              <a:t>liefern</a:t>
+            </a:r>
+            <a:endParaRPr lang="en-US" dirty="0" smtClean="0"/>
+          </a:p>
+          <a:p>
+            <a:r>
+              <a:rPr lang="en-US" dirty="0" err="1" smtClean="0"/>
+              <a:t>Bewertungen</a:t>
+            </a:r>
+            <a:r>
+              <a:rPr lang="en-US" dirty="0" smtClean="0"/>
+              <a:t> </a:t>
+            </a:r>
+            <a:r>
+              <a:rPr lang="en-US" dirty="0" err="1" smtClean="0"/>
+              <a:t>nicht</a:t>
+            </a:r>
+            <a:r>
+              <a:rPr lang="en-US" dirty="0" smtClean="0"/>
+              <a:t> </a:t>
+            </a:r>
+            <a:r>
+              <a:rPr lang="en-US" dirty="0" err="1" smtClean="0"/>
+              <a:t>vorhanden</a:t>
+            </a:r>
+            <a:r>
+              <a:rPr lang="en-US" dirty="0" smtClean="0"/>
+              <a:t>, Collaborative Filtering </a:t>
+            </a:r>
+            <a:r>
+              <a:rPr lang="en-US" dirty="0" err="1" smtClean="0"/>
+              <a:t>daher</a:t>
+            </a:r>
+            <a:r>
+              <a:rPr lang="en-US" dirty="0" smtClean="0"/>
+              <a:t> </a:t>
+            </a:r>
+            <a:r>
+              <a:rPr lang="en-US" dirty="0" err="1" smtClean="0"/>
+              <a:t>nicht</a:t>
+            </a:r>
+            <a:r>
+              <a:rPr lang="en-US" dirty="0" smtClean="0"/>
+              <a:t> </a:t>
+            </a:r>
+            <a:r>
+              <a:rPr lang="en-US" dirty="0" err="1" smtClean="0"/>
+              <a:t>anwendbar</a:t>
+            </a:r>
+            <a:endParaRPr lang="en-US" dirty="0" smtClean="0"/>
+          </a:p>
+          <a:p>
+            <a:pPr lvl="1"/>
+            <a:r>
+              <a:rPr lang="en-US" dirty="0"/>
+              <a:t>Matrix </a:t>
+            </a:r>
+            <a:r>
+              <a:rPr lang="en-US" dirty="0" err="1"/>
+              <a:t>aus</a:t>
+            </a:r>
+            <a:r>
+              <a:rPr lang="en-US" dirty="0"/>
+              <a:t> </a:t>
+            </a:r>
+            <a:r>
+              <a:rPr lang="en-US" dirty="0" err="1"/>
+              <a:t>Autor</a:t>
+            </a:r>
+            <a:r>
+              <a:rPr lang="en-US" dirty="0"/>
+              <a:t> / Paper, </a:t>
+            </a:r>
+            <a:r>
+              <a:rPr lang="en-US" dirty="0" err="1"/>
+              <a:t>Anzahl</a:t>
+            </a:r>
+            <a:r>
+              <a:rPr lang="en-US" dirty="0"/>
+              <a:t> </a:t>
+            </a:r>
+            <a:r>
+              <a:rPr lang="en-US" dirty="0" err="1"/>
+              <a:t>Zitationen</a:t>
+            </a:r>
+            <a:endParaRPr lang="en-US" dirty="0"/>
+          </a:p>
+          <a:p>
+            <a:pPr lvl="2"/>
+            <a:r>
+              <a:rPr lang="en-US" dirty="0" err="1"/>
+              <a:t>Autoren</a:t>
+            </a:r>
+            <a:r>
+              <a:rPr lang="en-US" dirty="0"/>
+              <a:t> </a:t>
+            </a:r>
+            <a:r>
+              <a:rPr lang="en-US" dirty="0" err="1"/>
+              <a:t>mit</a:t>
+            </a:r>
+            <a:r>
+              <a:rPr lang="en-US" dirty="0"/>
+              <a:t> </a:t>
+            </a:r>
+            <a:r>
+              <a:rPr lang="en-US" dirty="0" err="1"/>
+              <a:t>mehreren</a:t>
+            </a:r>
+            <a:r>
+              <a:rPr lang="en-US" dirty="0"/>
+              <a:t> </a:t>
+            </a:r>
+            <a:r>
+              <a:rPr lang="en-US" dirty="0" err="1"/>
+              <a:t>Themen</a:t>
+            </a:r>
+            <a:endParaRPr lang="en-US" dirty="0"/>
+          </a:p>
+          <a:p>
+            <a:pPr lvl="2"/>
+            <a:r>
+              <a:rPr lang="en-US" dirty="0" err="1"/>
+              <a:t>Autoren</a:t>
+            </a:r>
+            <a:r>
+              <a:rPr lang="en-US" dirty="0"/>
+              <a:t>, die das </a:t>
+            </a:r>
+            <a:r>
+              <a:rPr lang="en-US" dirty="0" err="1"/>
+              <a:t>Themengebiet</a:t>
+            </a:r>
+            <a:r>
+              <a:rPr lang="en-US" dirty="0"/>
+              <a:t> </a:t>
+            </a:r>
+            <a:r>
+              <a:rPr lang="en-US" dirty="0" err="1"/>
+              <a:t>geändert</a:t>
+            </a:r>
+            <a:r>
+              <a:rPr lang="en-US" dirty="0"/>
+              <a:t> </a:t>
+            </a:r>
+            <a:r>
+              <a:rPr lang="en-US" dirty="0" err="1" smtClean="0"/>
+              <a:t>haben</a:t>
+            </a:r>
+            <a:endParaRPr lang="en-US" dirty="0" smtClean="0"/>
+          </a:p>
+          <a:p>
+            <a:r>
+              <a:rPr lang="en-US" dirty="0" err="1" smtClean="0"/>
+              <a:t>Profil</a:t>
+            </a:r>
+            <a:r>
+              <a:rPr lang="en-US" dirty="0" smtClean="0"/>
+              <a:t> </a:t>
+            </a:r>
+            <a:r>
+              <a:rPr lang="en-US" dirty="0" err="1" smtClean="0"/>
+              <a:t>mittels</a:t>
+            </a:r>
+            <a:r>
+              <a:rPr lang="en-US" dirty="0" smtClean="0"/>
+              <a:t> </a:t>
+            </a:r>
+            <a:r>
+              <a:rPr lang="en-US" dirty="0" err="1" smtClean="0"/>
+              <a:t>Fragebögen</a:t>
+            </a:r>
+            <a:r>
+              <a:rPr lang="en-US" dirty="0" smtClean="0"/>
+              <a:t> </a:t>
+            </a:r>
+            <a:r>
+              <a:rPr lang="en-US" dirty="0" err="1" smtClean="0"/>
+              <a:t>macht</a:t>
+            </a:r>
+            <a:r>
+              <a:rPr lang="en-US" dirty="0" smtClean="0"/>
+              <a:t> </a:t>
+            </a:r>
+            <a:r>
+              <a:rPr lang="en-US" dirty="0" err="1" smtClean="0"/>
+              <a:t>wenig</a:t>
+            </a:r>
+            <a:r>
+              <a:rPr lang="en-US" dirty="0" smtClean="0"/>
+              <a:t> Sinn, da System Problem </a:t>
+            </a:r>
+            <a:r>
+              <a:rPr lang="en-US" dirty="0" err="1" smtClean="0"/>
+              <a:t>besser</a:t>
+            </a:r>
+            <a:r>
+              <a:rPr lang="en-US" dirty="0" smtClean="0"/>
+              <a:t> </a:t>
+            </a:r>
+            <a:r>
+              <a:rPr lang="en-US" dirty="0" err="1" smtClean="0"/>
+              <a:t>verstehen</a:t>
+            </a:r>
+            <a:r>
+              <a:rPr lang="en-US" dirty="0" smtClean="0"/>
+              <a:t> </a:t>
+            </a:r>
+            <a:r>
+              <a:rPr lang="en-US" dirty="0" err="1" smtClean="0"/>
+              <a:t>müsste</a:t>
+            </a:r>
+            <a:r>
+              <a:rPr lang="en-US" dirty="0" smtClean="0"/>
+              <a:t> </a:t>
+            </a:r>
+            <a:r>
+              <a:rPr lang="en-US" dirty="0" err="1" smtClean="0"/>
+              <a:t>als</a:t>
+            </a:r>
+            <a:r>
+              <a:rPr lang="en-US" dirty="0" smtClean="0"/>
+              <a:t> </a:t>
+            </a:r>
+            <a:r>
+              <a:rPr lang="en-US" dirty="0" err="1" smtClean="0"/>
+              <a:t>Wissenschaftler</a:t>
+            </a:r>
+            <a:endParaRPr lang="en-US" dirty="0" smtClean="0"/>
+          </a:p>
+          <a:p>
+            <a:r>
+              <a:rPr lang="en-US" dirty="0" err="1" smtClean="0"/>
+              <a:t>Wissensbasierte</a:t>
+            </a:r>
+            <a:r>
+              <a:rPr lang="en-US" dirty="0" smtClean="0"/>
+              <a:t> </a:t>
+            </a:r>
+            <a:r>
+              <a:rPr lang="en-US" dirty="0" err="1" smtClean="0"/>
+              <a:t>Ansätze</a:t>
+            </a:r>
+            <a:r>
+              <a:rPr lang="en-US" dirty="0" smtClean="0"/>
+              <a:t> </a:t>
+            </a:r>
+            <a:r>
+              <a:rPr lang="en-US" dirty="0" err="1" smtClean="0"/>
+              <a:t>nicht</a:t>
+            </a:r>
+            <a:r>
+              <a:rPr lang="en-US" dirty="0" smtClean="0"/>
+              <a:t> </a:t>
+            </a:r>
+            <a:r>
+              <a:rPr lang="en-US" dirty="0" err="1" smtClean="0"/>
+              <a:t>praktikabel</a:t>
+            </a:r>
+            <a:r>
+              <a:rPr lang="en-US" dirty="0" smtClean="0"/>
+              <a:t>, da</a:t>
+            </a:r>
+            <a:r>
+              <a:rPr lang="en-US" dirty="0" smtClean="0"/>
+              <a:t> </a:t>
+            </a:r>
+            <a:r>
+              <a:rPr lang="en-US" dirty="0" err="1" smtClean="0"/>
+              <a:t>expliztes</a:t>
+            </a:r>
+            <a:r>
+              <a:rPr lang="en-US" dirty="0" smtClean="0"/>
+              <a:t> </a:t>
+            </a:r>
+            <a:r>
+              <a:rPr lang="en-US" dirty="0" err="1" smtClean="0"/>
+              <a:t>Wissen</a:t>
+            </a:r>
+            <a:r>
+              <a:rPr lang="en-US" dirty="0" smtClean="0"/>
+              <a:t> </a:t>
+            </a:r>
+            <a:r>
+              <a:rPr lang="en-US" dirty="0" err="1" smtClean="0"/>
+              <a:t>aus</a:t>
+            </a:r>
+            <a:r>
+              <a:rPr lang="en-US" dirty="0" smtClean="0"/>
+              <a:t> </a:t>
+            </a:r>
+            <a:r>
+              <a:rPr lang="en-US" dirty="0" err="1" smtClean="0"/>
+              <a:t>allen</a:t>
+            </a:r>
+            <a:r>
+              <a:rPr lang="en-US" dirty="0" smtClean="0"/>
+              <a:t> </a:t>
+            </a:r>
+            <a:r>
+              <a:rPr lang="en-US" dirty="0" err="1" smtClean="0"/>
+              <a:t>Wissenschaften</a:t>
+            </a:r>
+            <a:r>
+              <a:rPr lang="en-US" dirty="0" smtClean="0"/>
+              <a:t> </a:t>
+            </a:r>
+            <a:r>
+              <a:rPr lang="en-US" dirty="0" err="1" smtClean="0"/>
+              <a:t>benötigt</a:t>
+            </a:r>
+            <a:r>
+              <a:rPr lang="en-US" dirty="0" smtClean="0"/>
+              <a:t> </a:t>
+            </a:r>
+            <a:r>
+              <a:rPr lang="en-US" dirty="0" err="1" smtClean="0"/>
+              <a:t>würde</a:t>
+            </a:r>
+            <a:endParaRPr lang="en-US" dirty="0" smtClean="0"/>
+          </a:p>
+          <a:p>
+            <a:r>
+              <a:rPr lang="en-US" dirty="0" smtClean="0"/>
+              <a:t>Content-based: </a:t>
+            </a:r>
+            <a:r>
+              <a:rPr lang="en-US" dirty="0" err="1" smtClean="0"/>
+              <a:t>Vergleich</a:t>
+            </a:r>
+            <a:r>
+              <a:rPr lang="en-US" dirty="0" smtClean="0"/>
+              <a:t> </a:t>
+            </a:r>
+            <a:r>
+              <a:rPr lang="en-US" dirty="0" err="1" smtClean="0"/>
+              <a:t>gesamter</a:t>
+            </a:r>
+            <a:r>
+              <a:rPr lang="en-US" dirty="0" smtClean="0"/>
+              <a:t> </a:t>
+            </a:r>
+            <a:r>
+              <a:rPr lang="en-US" dirty="0" err="1" smtClean="0"/>
+              <a:t>Texte</a:t>
+            </a:r>
+            <a:r>
+              <a:rPr lang="en-US" dirty="0"/>
+              <a:t> </a:t>
+            </a:r>
+            <a:r>
+              <a:rPr lang="en-US" dirty="0" err="1" smtClean="0"/>
+              <a:t>anhand</a:t>
+            </a:r>
+            <a:r>
+              <a:rPr lang="en-US" dirty="0" smtClean="0"/>
+              <a:t> </a:t>
+            </a:r>
+            <a:r>
+              <a:rPr lang="en-US" dirty="0" err="1" smtClean="0"/>
+              <a:t>Schlagwörtern</a:t>
+            </a:r>
+            <a:r>
+              <a:rPr lang="en-US" dirty="0" smtClean="0"/>
+              <a:t> / text-</a:t>
+            </a:r>
+            <a:r>
+              <a:rPr lang="en-US" dirty="0" err="1" smtClean="0"/>
+              <a:t>basierten</a:t>
+            </a:r>
+            <a:r>
+              <a:rPr lang="en-US" dirty="0" smtClean="0"/>
+              <a:t> Features</a:t>
+            </a:r>
+          </a:p>
+          <a:p>
+            <a:r>
+              <a:rPr lang="en-US" dirty="0" err="1" smtClean="0"/>
+              <a:t>Netzwerkanalyse</a:t>
+            </a:r>
+            <a:r>
+              <a:rPr lang="en-US" dirty="0" smtClean="0"/>
+              <a:t> der </a:t>
+            </a:r>
+            <a:r>
+              <a:rPr lang="en-US" dirty="0" err="1" smtClean="0"/>
+              <a:t>Zitationen</a:t>
+            </a:r>
+            <a:endParaRPr lang="en-US" dirty="0" smtClean="0"/>
+          </a:p>
+          <a:p>
+            <a:pPr lvl="1"/>
+            <a:endParaRPr lang="en-US" dirty="0"/>
+          </a:p>
+        </p:txBody>
+      </p:sp>
+      <p:sp>
+        <p:nvSpPr>
+          <p:cNvPr id="4" name="Rechteck 3"/>
+          <p:cNvSpPr/>
+          <p:nvPr/>
+        </p:nvSpPr>
+        <p:spPr>
+          <a:xfrm>
+            <a:off x="6755574" y="6126163"/>
+            <a:ext cx="1997663" cy="230832"/>
+          </a:xfrm>
+          <a:prstGeom prst="rect">
+            <a:avLst/>
+          </a:prstGeom>
+        </p:spPr>
+        <p:txBody>
+          <a:bodyPr wrap="none">
+            <a:spAutoFit/>
+          </a:bodyPr>
+          <a:lstStyle/>
+          <a:p>
+            <a:r>
+              <a:rPr lang="en-US" sz="900" i="1" dirty="0">
+                <a:solidFill>
+                  <a:srgbClr val="44546A"/>
+                </a:solidFill>
+                <a:latin typeface="Calibri" panose="020F0502020204030204" pitchFamily="34" charset="0"/>
+                <a:ea typeface="Calibri" panose="020F0502020204030204" pitchFamily="34" charset="0"/>
+                <a:cs typeface="Times New Roman" panose="02020603050405020304" pitchFamily="18" charset="0"/>
+              </a:rPr>
+              <a:t>(</a:t>
+            </a:r>
+            <a:r>
+              <a:rPr lang="en-US" sz="900" i="1" dirty="0" err="1">
+                <a:solidFill>
+                  <a:srgbClr val="44546A"/>
+                </a:solidFill>
+                <a:latin typeface="Calibri" panose="020F0502020204030204" pitchFamily="34" charset="0"/>
+                <a:ea typeface="Calibri" panose="020F0502020204030204" pitchFamily="34" charset="0"/>
+                <a:cs typeface="Times New Roman" panose="02020603050405020304" pitchFamily="18" charset="0"/>
+              </a:rPr>
+              <a:t>Jieun</a:t>
+            </a:r>
+            <a:r>
+              <a:rPr lang="en-US" sz="900" i="1" dirty="0">
+                <a:solidFill>
+                  <a:srgbClr val="44546A"/>
+                </a:solidFill>
+                <a:latin typeface="Calibri" panose="020F0502020204030204" pitchFamily="34" charset="0"/>
+                <a:ea typeface="Calibri" panose="020F0502020204030204" pitchFamily="34" charset="0"/>
+                <a:cs typeface="Times New Roman" panose="02020603050405020304" pitchFamily="18" charset="0"/>
+              </a:rPr>
+              <a:t> Son und </a:t>
+            </a:r>
+            <a:r>
+              <a:rPr lang="en-US" sz="900" i="1" dirty="0" err="1">
+                <a:solidFill>
+                  <a:srgbClr val="44546A"/>
+                </a:solidFill>
+                <a:latin typeface="Calibri" panose="020F0502020204030204" pitchFamily="34" charset="0"/>
+                <a:ea typeface="Calibri" panose="020F0502020204030204" pitchFamily="34" charset="0"/>
+                <a:cs typeface="Times New Roman" panose="02020603050405020304" pitchFamily="18" charset="0"/>
+              </a:rPr>
+              <a:t>Seoung</a:t>
+            </a:r>
+            <a:r>
+              <a:rPr lang="en-US" sz="900" i="1" dirty="0">
+                <a:solidFill>
+                  <a:srgbClr val="44546A"/>
+                </a:solidFill>
+                <a:latin typeface="Calibri" panose="020F0502020204030204" pitchFamily="34" charset="0"/>
+                <a:ea typeface="Calibri" panose="020F0502020204030204" pitchFamily="34" charset="0"/>
+                <a:cs typeface="Times New Roman" panose="02020603050405020304" pitchFamily="18" charset="0"/>
+              </a:rPr>
+              <a:t> Bum </a:t>
+            </a:r>
+            <a:r>
+              <a:rPr lang="en-US" sz="900" i="1" dirty="0" smtClean="0">
+                <a:solidFill>
+                  <a:srgbClr val="44546A"/>
+                </a:solidFill>
+                <a:latin typeface="Calibri" panose="020F0502020204030204" pitchFamily="34" charset="0"/>
+                <a:ea typeface="Calibri" panose="020F0502020204030204" pitchFamily="34" charset="0"/>
+                <a:cs typeface="Times New Roman" panose="02020603050405020304" pitchFamily="18" charset="0"/>
+              </a:rPr>
+              <a:t>Kim, 2018)</a:t>
+            </a:r>
+            <a:endParaRPr lang="de-DE" sz="900" i="1" dirty="0">
+              <a:solidFill>
+                <a:srgbClr val="44546A"/>
+              </a:solidFill>
+              <a:latin typeface="Calibri" panose="020F0502020204030204" pitchFamily="34" charset="0"/>
+              <a:ea typeface="Calibri" panose="020F0502020204030204" pitchFamily="34" charset="0"/>
+              <a:cs typeface="Times New Roman" panose="02020603050405020304" pitchFamily="18" charset="0"/>
+            </a:endParaRPr>
           </a:p>
         </p:txBody>
       </p:sp>
     </p:spTree>
     <p:extLst>
       <p:ext uri="{BB962C8B-B14F-4D97-AF65-F5344CB8AC3E}">
-        <p14:creationId xmlns:p14="http://schemas.microsoft.com/office/powerpoint/2010/main" val="1905915729"/>
+        <p14:creationId xmlns:p14="http://schemas.microsoft.com/office/powerpoint/2010/main" val="4203404131"/>
       </p:ext>
     </p:extLst>
   </p:cSld>
@@ -30116,13 +30736,20 @@
           <a:p>
             <a:r>
               <a:rPr lang="en-US" dirty="0" smtClean="0"/>
-              <a:t>Academic </a:t>
-            </a:r>
-            <a:r>
-              <a:rPr lang="en-US" smtClean="0"/>
-              <a:t>paper recommender</a:t>
-            </a:r>
-            <a:endParaRPr lang="de-DE"/>
+              <a:t>Academic paper </a:t>
+            </a:r>
+            <a:r>
+              <a:rPr lang="en-US" dirty="0" smtClean="0"/>
+              <a:t>recommender </a:t>
+            </a:r>
+            <a:br>
+              <a:rPr lang="en-US" dirty="0" smtClean="0"/>
+            </a:br>
+            <a:r>
+              <a:rPr lang="en-US" dirty="0" smtClean="0"/>
+              <a:t>Modeling</a:t>
+            </a:r>
+            <a:endParaRPr lang="de-DE" dirty="0"/>
           </a:p>
         </p:txBody>
       </p:sp>
@@ -30136,19 +30763,603 @@
             <p:ph idx="1"/>
           </p:nvPr>
         </p:nvSpPr>
-        <p:spPr/>
+        <p:spPr>
+          <a:xfrm>
+            <a:off x="457200" y="1150070"/>
+            <a:ext cx="8229600" cy="4976093"/>
+          </a:xfrm>
+        </p:spPr>
         <p:txBody>
-          <a:bodyPr/>
+          <a:bodyPr>
+            <a:normAutofit/>
+          </a:bodyPr>
           <a:lstStyle/>
           <a:p>
-            <a:endParaRPr lang="de-DE"/>
+            <a:r>
+              <a:rPr lang="en-US" dirty="0"/>
+              <a:t>SCOPUS: paper die </a:t>
+            </a:r>
+            <a:r>
+              <a:rPr lang="en-US" dirty="0" err="1"/>
+              <a:t>mindestens</a:t>
+            </a:r>
+            <a:r>
+              <a:rPr lang="en-US" dirty="0"/>
+              <a:t> </a:t>
+            </a:r>
+            <a:r>
+              <a:rPr lang="en-US" dirty="0" err="1"/>
+              <a:t>ein</a:t>
+            </a:r>
+            <a:r>
+              <a:rPr lang="en-US" dirty="0"/>
+              <a:t> </a:t>
+            </a:r>
+            <a:r>
+              <a:rPr lang="en-US" dirty="0" err="1"/>
+              <a:t>Schlagwort</a:t>
+            </a:r>
+            <a:r>
+              <a:rPr lang="en-US" dirty="0"/>
+              <a:t> </a:t>
+            </a:r>
+            <a:r>
+              <a:rPr lang="en-US" dirty="0" err="1"/>
+              <a:t>teilen</a:t>
+            </a:r>
+            <a:r>
+              <a:rPr lang="en-US" dirty="0"/>
+              <a:t>, </a:t>
+            </a:r>
+            <a:r>
+              <a:rPr lang="en-US" dirty="0" err="1"/>
+              <a:t>Sortierung</a:t>
+            </a:r>
+            <a:r>
+              <a:rPr lang="en-US" dirty="0"/>
+              <a:t> </a:t>
+            </a:r>
+            <a:r>
+              <a:rPr lang="en-US" dirty="0" err="1"/>
+              <a:t>nach</a:t>
+            </a:r>
+            <a:r>
+              <a:rPr lang="en-US" dirty="0"/>
+              <a:t> </a:t>
+            </a:r>
+            <a:r>
+              <a:rPr lang="en-US" dirty="0" err="1"/>
+              <a:t>höchster</a:t>
+            </a:r>
+            <a:r>
+              <a:rPr lang="en-US" dirty="0"/>
+              <a:t> </a:t>
+            </a:r>
+            <a:r>
+              <a:rPr lang="en-US" dirty="0" err="1"/>
+              <a:t>Übereinstimmung</a:t>
+            </a:r>
+            <a:endParaRPr lang="en-US" dirty="0"/>
+          </a:p>
+          <a:p>
+            <a:pPr lvl="1"/>
+            <a:r>
+              <a:rPr lang="en-US" dirty="0" err="1"/>
+              <a:t>Funktioniert</a:t>
+            </a:r>
+            <a:r>
+              <a:rPr lang="en-US" dirty="0"/>
+              <a:t> </a:t>
+            </a:r>
+            <a:r>
+              <a:rPr lang="en-US" dirty="0" err="1"/>
+              <a:t>nur</a:t>
+            </a:r>
+            <a:r>
+              <a:rPr lang="en-US" dirty="0"/>
+              <a:t>, </a:t>
+            </a:r>
+            <a:r>
+              <a:rPr lang="en-US" dirty="0" err="1"/>
+              <a:t>wenn</a:t>
+            </a:r>
+            <a:r>
+              <a:rPr lang="en-US" dirty="0"/>
+              <a:t> </a:t>
+            </a:r>
+            <a:r>
+              <a:rPr lang="en-US" dirty="0" err="1"/>
+              <a:t>zwei</a:t>
+            </a:r>
+            <a:r>
+              <a:rPr lang="en-US" dirty="0"/>
+              <a:t> Paper das </a:t>
+            </a:r>
+            <a:r>
+              <a:rPr lang="en-US" dirty="0" err="1"/>
+              <a:t>selbe</a:t>
+            </a:r>
+            <a:r>
+              <a:rPr lang="en-US" dirty="0"/>
+              <a:t> </a:t>
+            </a:r>
+            <a:r>
+              <a:rPr lang="en-US" dirty="0" err="1"/>
+              <a:t>Vokabular</a:t>
+            </a:r>
+            <a:r>
+              <a:rPr lang="en-US" dirty="0"/>
+              <a:t> </a:t>
+            </a:r>
+            <a:r>
+              <a:rPr lang="en-US" dirty="0" err="1"/>
+              <a:t>nutzen</a:t>
+            </a:r>
+            <a:r>
+              <a:rPr lang="en-US" dirty="0"/>
+              <a:t>, </a:t>
+            </a:r>
+            <a:r>
+              <a:rPr lang="en-US" dirty="0" err="1"/>
+              <a:t>verschiedene</a:t>
+            </a:r>
+            <a:r>
+              <a:rPr lang="en-US" dirty="0"/>
+              <a:t> </a:t>
+            </a:r>
+            <a:r>
+              <a:rPr lang="en-US" dirty="0" err="1"/>
+              <a:t>Disziplinen</a:t>
+            </a:r>
+            <a:r>
+              <a:rPr lang="en-US" dirty="0"/>
+              <a:t> </a:t>
+            </a:r>
+            <a:r>
+              <a:rPr lang="en-US" dirty="0" err="1"/>
+              <a:t>nutzen</a:t>
+            </a:r>
+            <a:r>
+              <a:rPr lang="en-US" dirty="0"/>
+              <a:t> </a:t>
+            </a:r>
+            <a:r>
+              <a:rPr lang="en-US" dirty="0" err="1"/>
+              <a:t>Begriffe</a:t>
+            </a:r>
+            <a:r>
+              <a:rPr lang="en-US" dirty="0"/>
+              <a:t> </a:t>
+            </a:r>
+            <a:r>
+              <a:rPr lang="en-US" dirty="0" err="1"/>
+              <a:t>unterschiedlich</a:t>
+            </a:r>
+            <a:r>
+              <a:rPr lang="en-US" dirty="0"/>
+              <a:t> (“port”)</a:t>
+            </a:r>
+          </a:p>
+          <a:p>
+            <a:r>
+              <a:rPr lang="en-US" dirty="0"/>
+              <a:t>Google scholar: PageRank </a:t>
+            </a:r>
+            <a:r>
+              <a:rPr lang="en-US" dirty="0" err="1"/>
+              <a:t>basierend</a:t>
+            </a:r>
+            <a:r>
+              <a:rPr lang="en-US" dirty="0"/>
+              <a:t> auf Text, </a:t>
+            </a:r>
+            <a:r>
+              <a:rPr lang="en-US" dirty="0" err="1"/>
+              <a:t>Autor</a:t>
+            </a:r>
+            <a:r>
+              <a:rPr lang="en-US" dirty="0"/>
+              <a:t>, Datum, </a:t>
+            </a:r>
+            <a:r>
+              <a:rPr lang="en-US" dirty="0" err="1" smtClean="0"/>
+              <a:t>Zitationen</a:t>
+            </a:r>
+            <a:endParaRPr lang="en-US" dirty="0" smtClean="0"/>
+          </a:p>
+          <a:p>
+            <a:pPr lvl="1"/>
+            <a:r>
+              <a:rPr lang="en-US" dirty="0" err="1" smtClean="0"/>
+              <a:t>hohes</a:t>
+            </a:r>
+            <a:r>
+              <a:rPr lang="en-US" dirty="0" smtClean="0"/>
+              <a:t> </a:t>
+            </a:r>
+            <a:r>
+              <a:rPr lang="en-US" dirty="0" err="1"/>
+              <a:t>Gewicht</a:t>
+            </a:r>
+            <a:r>
+              <a:rPr lang="en-US" dirty="0"/>
+              <a:t> auf </a:t>
+            </a:r>
+            <a:r>
+              <a:rPr lang="en-US" dirty="0" err="1"/>
+              <a:t>Zitationen</a:t>
+            </a:r>
+            <a:r>
+              <a:rPr lang="en-US" dirty="0"/>
+              <a:t> -&gt; </a:t>
+            </a:r>
+            <a:r>
+              <a:rPr lang="en-US" dirty="0" err="1"/>
+              <a:t>neue</a:t>
+            </a:r>
+            <a:r>
+              <a:rPr lang="en-US" dirty="0"/>
+              <a:t> Paper </a:t>
+            </a:r>
+            <a:r>
+              <a:rPr lang="en-US" dirty="0" err="1" smtClean="0"/>
+              <a:t>werden</a:t>
+            </a:r>
+            <a:r>
+              <a:rPr lang="en-US" dirty="0" smtClean="0"/>
+              <a:t> </a:t>
+            </a:r>
+            <a:r>
+              <a:rPr lang="en-US" dirty="0" err="1" smtClean="0"/>
+              <a:t>weit</a:t>
+            </a:r>
+            <a:r>
+              <a:rPr lang="en-US" dirty="0" smtClean="0"/>
+              <a:t> </a:t>
+            </a:r>
+            <a:r>
+              <a:rPr lang="en-US" dirty="0" err="1" smtClean="0"/>
+              <a:t>hinten</a:t>
+            </a:r>
+            <a:r>
+              <a:rPr lang="en-US" dirty="0" smtClean="0"/>
+              <a:t> </a:t>
+            </a:r>
+            <a:r>
+              <a:rPr lang="en-US" dirty="0" err="1" smtClean="0"/>
+              <a:t>gelistet</a:t>
+            </a:r>
+            <a:endParaRPr lang="en-US" dirty="0" smtClean="0"/>
+          </a:p>
+          <a:p>
+            <a:r>
+              <a:rPr lang="en-US" dirty="0" err="1" smtClean="0"/>
+              <a:t>Kombination</a:t>
+            </a:r>
+            <a:r>
+              <a:rPr lang="en-US" dirty="0" smtClean="0"/>
+              <a:t> content-based auf Basis </a:t>
+            </a:r>
+            <a:r>
+              <a:rPr lang="en-US" dirty="0" err="1" smtClean="0"/>
+              <a:t>Zitationen</a:t>
+            </a:r>
+            <a:r>
+              <a:rPr lang="en-US" dirty="0" smtClean="0"/>
+              <a:t> und </a:t>
+            </a:r>
+            <a:r>
+              <a:rPr lang="en-US" dirty="0" err="1" smtClean="0"/>
+              <a:t>Netzwerkanalyse</a:t>
+            </a:r>
+            <a:endParaRPr lang="en-US" dirty="0"/>
+          </a:p>
+          <a:p>
+            <a:pPr lvl="1"/>
+            <a:r>
+              <a:rPr lang="en-US" dirty="0" err="1" smtClean="0"/>
+              <a:t>Annahme</a:t>
+            </a:r>
+            <a:r>
+              <a:rPr lang="en-US" dirty="0" smtClean="0"/>
+              <a:t>: je </a:t>
+            </a:r>
+            <a:r>
+              <a:rPr lang="en-US" dirty="0" err="1" smtClean="0"/>
+              <a:t>ähnlicher</a:t>
+            </a:r>
+            <a:r>
+              <a:rPr lang="en-US" dirty="0" smtClean="0"/>
+              <a:t> </a:t>
+            </a:r>
+            <a:r>
+              <a:rPr lang="en-US" dirty="0" err="1" smtClean="0"/>
+              <a:t>sich</a:t>
+            </a:r>
+            <a:r>
+              <a:rPr lang="en-US" dirty="0" smtClean="0"/>
+              <a:t> </a:t>
+            </a:r>
+            <a:r>
+              <a:rPr lang="en-US" dirty="0" err="1" smtClean="0"/>
+              <a:t>zwei</a:t>
+            </a:r>
+            <a:r>
+              <a:rPr lang="en-US" dirty="0" smtClean="0"/>
+              <a:t> Paper </a:t>
+            </a:r>
+            <a:r>
+              <a:rPr lang="en-US" dirty="0" err="1" smtClean="0"/>
+              <a:t>sind</a:t>
+            </a:r>
+            <a:r>
+              <a:rPr lang="en-US" dirty="0" smtClean="0"/>
+              <a:t>, </a:t>
+            </a:r>
+            <a:r>
+              <a:rPr lang="en-US" dirty="0" err="1" smtClean="0"/>
+              <a:t>desto</a:t>
+            </a:r>
+            <a:r>
+              <a:rPr lang="en-US" dirty="0" smtClean="0"/>
+              <a:t> </a:t>
+            </a:r>
+            <a:r>
+              <a:rPr lang="en-US" dirty="0" err="1" smtClean="0"/>
+              <a:t>mehr</a:t>
+            </a:r>
+            <a:r>
+              <a:rPr lang="en-US" dirty="0" smtClean="0"/>
+              <a:t> </a:t>
+            </a:r>
+            <a:r>
+              <a:rPr lang="en-US" dirty="0" err="1" smtClean="0"/>
+              <a:t>Zitationen</a:t>
+            </a:r>
+            <a:r>
+              <a:rPr lang="en-US" dirty="0" smtClean="0"/>
+              <a:t> </a:t>
+            </a:r>
+            <a:r>
+              <a:rPr lang="en-US" dirty="0" err="1" smtClean="0"/>
+              <a:t>teilen</a:t>
+            </a:r>
+            <a:r>
+              <a:rPr lang="en-US" dirty="0" smtClean="0"/>
+              <a:t> </a:t>
+            </a:r>
+            <a:r>
+              <a:rPr lang="en-US" dirty="0" err="1" smtClean="0"/>
+              <a:t>sie</a:t>
+            </a:r>
+            <a:r>
+              <a:rPr lang="en-US" dirty="0" smtClean="0"/>
+              <a:t> </a:t>
+            </a:r>
+            <a:r>
+              <a:rPr lang="en-US" dirty="0" err="1" smtClean="0"/>
+              <a:t>ggf</a:t>
+            </a:r>
+            <a:r>
+              <a:rPr lang="en-US" dirty="0" smtClean="0"/>
+              <a:t>. </a:t>
+            </a:r>
+            <a:r>
+              <a:rPr lang="en-US" dirty="0" err="1" smtClean="0"/>
+              <a:t>über</a:t>
+            </a:r>
+            <a:r>
+              <a:rPr lang="en-US" dirty="0" smtClean="0"/>
+              <a:t> </a:t>
+            </a:r>
+            <a:r>
+              <a:rPr lang="en-US" dirty="0" err="1" smtClean="0"/>
+              <a:t>mehrere</a:t>
+            </a:r>
+            <a:r>
+              <a:rPr lang="en-US" dirty="0" smtClean="0"/>
+              <a:t> </a:t>
+            </a:r>
+            <a:r>
+              <a:rPr lang="en-US" dirty="0" err="1" smtClean="0"/>
+              <a:t>Ebenen</a:t>
+            </a:r>
+            <a:r>
+              <a:rPr lang="en-US" dirty="0" smtClean="0"/>
+              <a:t> </a:t>
+            </a:r>
+          </a:p>
+          <a:p>
+            <a:pPr lvl="1"/>
+            <a:r>
+              <a:rPr lang="en-US" dirty="0" err="1"/>
+              <a:t>Thematisch</a:t>
+            </a:r>
+            <a:r>
+              <a:rPr lang="en-US" dirty="0"/>
+              <a:t> </a:t>
+            </a:r>
+            <a:r>
+              <a:rPr lang="en-US" dirty="0" err="1"/>
+              <a:t>Gemeinsamkeiten</a:t>
+            </a:r>
+            <a:r>
+              <a:rPr lang="en-US" dirty="0"/>
+              <a:t> </a:t>
+            </a:r>
+            <a:r>
+              <a:rPr lang="en-US" dirty="0" smtClean="0"/>
+              <a:t>: </a:t>
+            </a:r>
+            <a:r>
+              <a:rPr lang="en-US" dirty="0" err="1" smtClean="0"/>
+              <a:t>Analyse</a:t>
+            </a:r>
+            <a:r>
+              <a:rPr lang="en-US" dirty="0" smtClean="0"/>
+              <a:t> der </a:t>
+            </a:r>
+            <a:r>
+              <a:rPr lang="en-US" dirty="0" err="1" smtClean="0"/>
+              <a:t>gemeinsamen</a:t>
+            </a:r>
+            <a:r>
+              <a:rPr lang="en-US" dirty="0" smtClean="0"/>
+              <a:t> </a:t>
+            </a:r>
+            <a:r>
+              <a:rPr lang="en-US" dirty="0" err="1" smtClean="0"/>
+              <a:t>Zitationen</a:t>
+            </a:r>
+            <a:endParaRPr lang="en-US" dirty="0"/>
+          </a:p>
+          <a:p>
+            <a:pPr lvl="1"/>
+            <a:r>
+              <a:rPr lang="en-US" dirty="0" err="1" smtClean="0"/>
+              <a:t>Anlayse</a:t>
+            </a:r>
+            <a:r>
+              <a:rPr lang="en-US" dirty="0" smtClean="0"/>
+              <a:t> des </a:t>
+            </a:r>
+            <a:r>
+              <a:rPr lang="en-US" dirty="0" err="1" smtClean="0"/>
+              <a:t>Netzwerkes</a:t>
+            </a:r>
+            <a:r>
+              <a:rPr lang="en-US" dirty="0" smtClean="0"/>
+              <a:t> </a:t>
+            </a:r>
+            <a:r>
+              <a:rPr lang="en-US" dirty="0" err="1" smtClean="0"/>
+              <a:t>selbst</a:t>
+            </a:r>
+            <a:r>
+              <a:rPr lang="en-US" dirty="0" smtClean="0"/>
+              <a:t>: Communities, </a:t>
+            </a:r>
+            <a:r>
+              <a:rPr lang="en-US" dirty="0" err="1" smtClean="0"/>
+              <a:t>besonders</a:t>
+            </a:r>
+            <a:r>
+              <a:rPr lang="en-US" dirty="0" smtClean="0"/>
+              <a:t> </a:t>
+            </a:r>
+            <a:r>
+              <a:rPr lang="en-US" dirty="0" err="1" smtClean="0"/>
+              <a:t>einflussreiche</a:t>
+            </a:r>
+            <a:r>
+              <a:rPr lang="en-US" dirty="0" smtClean="0"/>
+              <a:t> paper</a:t>
+            </a:r>
+          </a:p>
+        </p:txBody>
+      </p:sp>
+      <p:sp>
+        <p:nvSpPr>
+          <p:cNvPr id="4" name="Rechteck 3"/>
+          <p:cNvSpPr/>
+          <p:nvPr/>
+        </p:nvSpPr>
+        <p:spPr>
+          <a:xfrm>
+            <a:off x="6755574" y="6126163"/>
+            <a:ext cx="1997663" cy="230832"/>
+          </a:xfrm>
+          <a:prstGeom prst="rect">
+            <a:avLst/>
+          </a:prstGeom>
+        </p:spPr>
+        <p:txBody>
+          <a:bodyPr wrap="none">
+            <a:spAutoFit/>
+          </a:bodyPr>
+          <a:lstStyle/>
+          <a:p>
+            <a:r>
+              <a:rPr lang="en-US" sz="900" i="1" dirty="0">
+                <a:solidFill>
+                  <a:srgbClr val="44546A"/>
+                </a:solidFill>
+                <a:latin typeface="Calibri" panose="020F0502020204030204" pitchFamily="34" charset="0"/>
+                <a:ea typeface="Calibri" panose="020F0502020204030204" pitchFamily="34" charset="0"/>
+                <a:cs typeface="Times New Roman" panose="02020603050405020304" pitchFamily="18" charset="0"/>
+              </a:rPr>
+              <a:t>(</a:t>
+            </a:r>
+            <a:r>
+              <a:rPr lang="en-US" sz="900" i="1" dirty="0" err="1">
+                <a:solidFill>
+                  <a:srgbClr val="44546A"/>
+                </a:solidFill>
+                <a:latin typeface="Calibri" panose="020F0502020204030204" pitchFamily="34" charset="0"/>
+                <a:ea typeface="Calibri" panose="020F0502020204030204" pitchFamily="34" charset="0"/>
+                <a:cs typeface="Times New Roman" panose="02020603050405020304" pitchFamily="18" charset="0"/>
+              </a:rPr>
+              <a:t>Jieun</a:t>
+            </a:r>
+            <a:r>
+              <a:rPr lang="en-US" sz="900" i="1" dirty="0">
+                <a:solidFill>
+                  <a:srgbClr val="44546A"/>
+                </a:solidFill>
+                <a:latin typeface="Calibri" panose="020F0502020204030204" pitchFamily="34" charset="0"/>
+                <a:ea typeface="Calibri" panose="020F0502020204030204" pitchFamily="34" charset="0"/>
+                <a:cs typeface="Times New Roman" panose="02020603050405020304" pitchFamily="18" charset="0"/>
+              </a:rPr>
+              <a:t> Son und </a:t>
+            </a:r>
+            <a:r>
+              <a:rPr lang="en-US" sz="900" i="1" dirty="0" err="1">
+                <a:solidFill>
+                  <a:srgbClr val="44546A"/>
+                </a:solidFill>
+                <a:latin typeface="Calibri" panose="020F0502020204030204" pitchFamily="34" charset="0"/>
+                <a:ea typeface="Calibri" panose="020F0502020204030204" pitchFamily="34" charset="0"/>
+                <a:cs typeface="Times New Roman" panose="02020603050405020304" pitchFamily="18" charset="0"/>
+              </a:rPr>
+              <a:t>Seoung</a:t>
+            </a:r>
+            <a:r>
+              <a:rPr lang="en-US" sz="900" i="1" dirty="0">
+                <a:solidFill>
+                  <a:srgbClr val="44546A"/>
+                </a:solidFill>
+                <a:latin typeface="Calibri" panose="020F0502020204030204" pitchFamily="34" charset="0"/>
+                <a:ea typeface="Calibri" panose="020F0502020204030204" pitchFamily="34" charset="0"/>
+                <a:cs typeface="Times New Roman" panose="02020603050405020304" pitchFamily="18" charset="0"/>
+              </a:rPr>
+              <a:t> Bum </a:t>
+            </a:r>
+            <a:r>
+              <a:rPr lang="en-US" sz="900" i="1" dirty="0" smtClean="0">
+                <a:solidFill>
+                  <a:srgbClr val="44546A"/>
+                </a:solidFill>
+                <a:latin typeface="Calibri" panose="020F0502020204030204" pitchFamily="34" charset="0"/>
+                <a:ea typeface="Calibri" panose="020F0502020204030204" pitchFamily="34" charset="0"/>
+                <a:cs typeface="Times New Roman" panose="02020603050405020304" pitchFamily="18" charset="0"/>
+              </a:rPr>
+              <a:t>Kim, 2018)</a:t>
+            </a:r>
+            <a:endParaRPr lang="de-DE" sz="900" i="1" dirty="0">
+              <a:solidFill>
+                <a:srgbClr val="44546A"/>
+              </a:solidFill>
+              <a:latin typeface="Calibri" panose="020F0502020204030204" pitchFamily="34" charset="0"/>
+              <a:ea typeface="Calibri" panose="020F0502020204030204" pitchFamily="34" charset="0"/>
+              <a:cs typeface="Times New Roman" panose="02020603050405020304" pitchFamily="18" charset="0"/>
+            </a:endParaRPr>
           </a:p>
         </p:txBody>
       </p:sp>
     </p:spTree>
     <p:extLst>
       <p:ext uri="{BB962C8B-B14F-4D97-AF65-F5344CB8AC3E}">
-        <p14:creationId xmlns:p14="http://schemas.microsoft.com/office/powerpoint/2010/main" val="4203404131"/>
+        <p14:creationId xmlns:p14="http://schemas.microsoft.com/office/powerpoint/2010/main" val="1902434982"/>
       </p:ext>
     </p:extLst>
   </p:cSld>
@@ -30159,6 +31370,1852 @@
 </file>
 
 <file path=ppt/slides/slide22.xml><?xml version="1.0" encoding="utf-8"?>
+<p:sld xmlns:a="http://schemas.openxmlformats.org/drawingml/2006/main" xmlns:r="http://schemas.openxmlformats.org/officeDocument/2006/relationships" xmlns:p="http://schemas.openxmlformats.org/presentationml/2006/main">
+  <p:cSld>
+    <p:spTree>
+      <p:nvGrpSpPr>
+        <p:cNvPr id="1" name=""/>
+        <p:cNvGrpSpPr/>
+        <p:nvPr/>
+      </p:nvGrpSpPr>
+      <p:grpSpPr>
+        <a:xfrm>
+          <a:off x="0" y="0"/>
+          <a:ext cx="0" cy="0"/>
+          <a:chOff x="0" y="0"/>
+          <a:chExt cx="0" cy="0"/>
+        </a:xfrm>
+      </p:grpSpPr>
+      <p:sp>
+        <p:nvSpPr>
+          <p:cNvPr id="2" name="Titel 1"/>
+          <p:cNvSpPr>
+            <a:spLocks noGrp="1"/>
+          </p:cNvSpPr>
+          <p:nvPr>
+            <p:ph type="title"/>
+          </p:nvPr>
+        </p:nvSpPr>
+        <p:spPr/>
+        <p:txBody>
+          <a:bodyPr/>
+          <a:lstStyle/>
+          <a:p>
+            <a:r>
+              <a:rPr lang="en-US" dirty="0" smtClean="0"/>
+              <a:t>Academic paper </a:t>
+            </a:r>
+            <a:r>
+              <a:rPr lang="en-US" dirty="0" smtClean="0"/>
+              <a:t>recommender </a:t>
+            </a:r>
+            <a:br>
+              <a:rPr lang="en-US" dirty="0" smtClean="0"/>
+            </a:br>
+            <a:r>
+              <a:rPr lang="en-US" dirty="0" smtClean="0"/>
+              <a:t>Evaluation</a:t>
+            </a:r>
+            <a:endParaRPr lang="de-DE" dirty="0"/>
+          </a:p>
+        </p:txBody>
+      </p:sp>
+      <p:sp>
+        <p:nvSpPr>
+          <p:cNvPr id="3" name="Inhaltsplatzhalter 2"/>
+          <p:cNvSpPr>
+            <a:spLocks noGrp="1"/>
+          </p:cNvSpPr>
+          <p:nvPr>
+            <p:ph sz="half" idx="2"/>
+          </p:nvPr>
+        </p:nvSpPr>
+        <p:spPr>
+          <a:xfrm>
+            <a:off x="457200" y="1049338"/>
+            <a:ext cx="4040188" cy="5070475"/>
+          </a:xfrm>
+        </p:spPr>
+        <p:txBody>
+          <a:bodyPr>
+            <a:normAutofit lnSpcReduction="10000"/>
+          </a:bodyPr>
+          <a:lstStyle/>
+          <a:p>
+            <a:r>
+              <a:rPr lang="en-US" dirty="0" smtClean="0"/>
+              <a:t>Evaluation </a:t>
+            </a:r>
+            <a:r>
+              <a:rPr lang="en-US" dirty="0" err="1" smtClean="0"/>
+              <a:t>durch</a:t>
+            </a:r>
+            <a:r>
+              <a:rPr lang="en-US" dirty="0" smtClean="0"/>
+              <a:t> 24 Tester </a:t>
+            </a:r>
+            <a:r>
+              <a:rPr lang="en-US" dirty="0" err="1" smtClean="0"/>
+              <a:t>aus</a:t>
+            </a:r>
+            <a:r>
+              <a:rPr lang="en-US" dirty="0" smtClean="0"/>
+              <a:t> </a:t>
+            </a:r>
+            <a:r>
+              <a:rPr lang="en-US" dirty="0" err="1" smtClean="0"/>
+              <a:t>acht</a:t>
+            </a:r>
+            <a:r>
+              <a:rPr lang="en-US" dirty="0" smtClean="0"/>
+              <a:t> </a:t>
+            </a:r>
+            <a:r>
+              <a:rPr lang="en-US" dirty="0" err="1" smtClean="0"/>
+              <a:t>Disziplinen</a:t>
+            </a:r>
+            <a:endParaRPr lang="en-US" dirty="0" smtClean="0"/>
+          </a:p>
+          <a:p>
+            <a:pPr lvl="1"/>
+            <a:r>
+              <a:rPr lang="en-US" dirty="0" err="1" smtClean="0"/>
+              <a:t>Wirtschaft</a:t>
+            </a:r>
+            <a:r>
+              <a:rPr lang="en-US" dirty="0" smtClean="0"/>
+              <a:t>, </a:t>
+            </a:r>
+            <a:r>
+              <a:rPr lang="en-US" dirty="0" err="1" smtClean="0"/>
+              <a:t>Psychologie</a:t>
+            </a:r>
+            <a:r>
+              <a:rPr lang="en-US" dirty="0" smtClean="0"/>
+              <a:t>, </a:t>
+            </a:r>
+            <a:r>
+              <a:rPr lang="en-US" dirty="0" err="1" smtClean="0"/>
+              <a:t>Biotechnik</a:t>
+            </a:r>
+            <a:r>
+              <a:rPr lang="en-US" dirty="0" smtClean="0"/>
+              <a:t>, </a:t>
+            </a:r>
+            <a:r>
+              <a:rPr lang="en-US" dirty="0" err="1" smtClean="0"/>
+              <a:t>Medizin</a:t>
+            </a:r>
+            <a:r>
+              <a:rPr lang="en-US" dirty="0" smtClean="0"/>
+              <a:t>, </a:t>
+            </a:r>
+            <a:r>
+              <a:rPr lang="en-US" dirty="0" err="1" smtClean="0"/>
+              <a:t>Sozialwissenschaften</a:t>
+            </a:r>
+            <a:endParaRPr lang="en-US" dirty="0" smtClean="0"/>
+          </a:p>
+          <a:p>
+            <a:pPr lvl="1"/>
+            <a:r>
+              <a:rPr lang="en-US" dirty="0" smtClean="0"/>
+              <a:t>“</a:t>
+            </a:r>
+            <a:r>
+              <a:rPr lang="en-US" dirty="0" err="1" smtClean="0"/>
+              <a:t>Ziehung</a:t>
+            </a:r>
+            <a:r>
+              <a:rPr lang="en-US" dirty="0" smtClean="0"/>
+              <a:t>” von </a:t>
+            </a:r>
+            <a:r>
+              <a:rPr lang="en-US" dirty="0" err="1" smtClean="0"/>
+              <a:t>Ausgangspapern</a:t>
+            </a:r>
+            <a:endParaRPr lang="en-US" dirty="0" smtClean="0"/>
+          </a:p>
+          <a:p>
+            <a:pPr lvl="1"/>
+            <a:r>
+              <a:rPr lang="en-US" dirty="0" err="1" smtClean="0"/>
+              <a:t>Generierung</a:t>
+            </a:r>
+            <a:r>
+              <a:rPr lang="en-US" dirty="0" smtClean="0"/>
+              <a:t> 500 </a:t>
+            </a:r>
+            <a:r>
+              <a:rPr lang="en-US" dirty="0" err="1" smtClean="0"/>
+              <a:t>Kandidaten</a:t>
+            </a:r>
+            <a:r>
+              <a:rPr lang="en-US" dirty="0" smtClean="0"/>
+              <a:t> </a:t>
+            </a:r>
+            <a:r>
+              <a:rPr lang="en-US" dirty="0" err="1" smtClean="0"/>
+              <a:t>aus</a:t>
+            </a:r>
+            <a:r>
+              <a:rPr lang="en-US" dirty="0" smtClean="0"/>
+              <a:t> </a:t>
+            </a:r>
+            <a:r>
+              <a:rPr lang="en-US" dirty="0" err="1" smtClean="0"/>
+              <a:t>denen</a:t>
+            </a:r>
+            <a:r>
+              <a:rPr lang="en-US" dirty="0" smtClean="0"/>
+              <a:t> 25 Paper </a:t>
+            </a:r>
+            <a:r>
+              <a:rPr lang="en-US" dirty="0" err="1" smtClean="0"/>
+              <a:t>empfohlen</a:t>
+            </a:r>
+            <a:r>
+              <a:rPr lang="en-US" dirty="0" smtClean="0"/>
+              <a:t> </a:t>
+            </a:r>
+            <a:r>
+              <a:rPr lang="en-US" dirty="0" err="1" smtClean="0"/>
+              <a:t>wurden</a:t>
+            </a:r>
+            <a:endParaRPr lang="en-US" dirty="0" smtClean="0"/>
+          </a:p>
+          <a:p>
+            <a:pPr lvl="1"/>
+            <a:r>
+              <a:rPr lang="en-US" dirty="0" err="1" smtClean="0"/>
+              <a:t>Geben</a:t>
+            </a:r>
+            <a:r>
+              <a:rPr lang="en-US" dirty="0" smtClean="0"/>
+              <a:t> an, </a:t>
+            </a:r>
+            <a:r>
+              <a:rPr lang="en-US" dirty="0" err="1" smtClean="0"/>
+              <a:t>ob</a:t>
+            </a:r>
+            <a:r>
+              <a:rPr lang="en-US" dirty="0" smtClean="0"/>
+              <a:t> </a:t>
+            </a:r>
+            <a:r>
+              <a:rPr lang="en-US" dirty="0" err="1" smtClean="0"/>
+              <a:t>sie</a:t>
+            </a:r>
+            <a:r>
+              <a:rPr lang="en-US" dirty="0" smtClean="0"/>
+              <a:t> </a:t>
+            </a:r>
+            <a:r>
+              <a:rPr lang="en-US" dirty="0" err="1" smtClean="0"/>
+              <a:t>mit</a:t>
+            </a:r>
+            <a:r>
+              <a:rPr lang="en-US" dirty="0" smtClean="0"/>
+              <a:t> der </a:t>
+            </a:r>
+            <a:r>
+              <a:rPr lang="en-US" dirty="0" err="1" smtClean="0"/>
+              <a:t>Empfehlung</a:t>
+            </a:r>
+            <a:r>
+              <a:rPr lang="en-US" dirty="0" smtClean="0"/>
+              <a:t> </a:t>
+            </a:r>
+            <a:r>
+              <a:rPr lang="en-US" dirty="0" err="1" smtClean="0"/>
+              <a:t>zufrieden</a:t>
+            </a:r>
+            <a:r>
+              <a:rPr lang="en-US" dirty="0" smtClean="0"/>
+              <a:t> </a:t>
+            </a:r>
+            <a:r>
+              <a:rPr lang="en-US" dirty="0" err="1" smtClean="0"/>
+              <a:t>sind</a:t>
+            </a:r>
+            <a:r>
+              <a:rPr lang="en-US" dirty="0" smtClean="0"/>
+              <a:t> </a:t>
+            </a:r>
+            <a:r>
+              <a:rPr lang="en-US" dirty="0" err="1" smtClean="0"/>
+              <a:t>oder</a:t>
+            </a:r>
+            <a:r>
+              <a:rPr lang="en-US" dirty="0" smtClean="0"/>
+              <a:t> </a:t>
+            </a:r>
+            <a:r>
+              <a:rPr lang="en-US" dirty="0" err="1" smtClean="0"/>
+              <a:t>nicht</a:t>
+            </a:r>
+            <a:endParaRPr lang="en-US" dirty="0" smtClean="0"/>
+          </a:p>
+          <a:p>
+            <a:pPr lvl="1"/>
+            <a:r>
+              <a:rPr lang="en-US" dirty="0" err="1" smtClean="0"/>
+              <a:t>Vergleich</a:t>
+            </a:r>
+            <a:r>
+              <a:rPr lang="en-US" dirty="0" smtClean="0"/>
+              <a:t> </a:t>
+            </a:r>
+            <a:r>
+              <a:rPr lang="en-US" dirty="0" err="1" smtClean="0"/>
+              <a:t>mit</a:t>
+            </a:r>
+            <a:r>
+              <a:rPr lang="en-US" dirty="0" smtClean="0"/>
+              <a:t> Google Scholar und SCOPUS</a:t>
+            </a:r>
+          </a:p>
+          <a:p>
+            <a:r>
+              <a:rPr lang="en-US" dirty="0" err="1" smtClean="0"/>
+              <a:t>Evaluationsmetriken</a:t>
+            </a:r>
+            <a:r>
+              <a:rPr lang="en-US" dirty="0" smtClean="0"/>
+              <a:t>, die </a:t>
+            </a:r>
+            <a:r>
+              <a:rPr lang="en-US" dirty="0" err="1" smtClean="0"/>
+              <a:t>Zufriedenheit</a:t>
+            </a:r>
+            <a:r>
+              <a:rPr lang="en-US" dirty="0" smtClean="0"/>
+              <a:t> und Rang </a:t>
+            </a:r>
+            <a:r>
+              <a:rPr lang="en-US" dirty="0" err="1" smtClean="0"/>
+              <a:t>berücksichtigen</a:t>
+            </a:r>
+            <a:endParaRPr lang="en-US" dirty="0" smtClean="0"/>
+          </a:p>
+        </p:txBody>
+      </p:sp>
+      <p:pic>
+        <p:nvPicPr>
+          <p:cNvPr id="7" name="Inhaltsplatzhalter 6"/>
+          <p:cNvPicPr>
+            <a:picLocks noGrp="1"/>
+          </p:cNvPicPr>
+          <p:nvPr>
+            <p:ph sz="quarter" idx="4"/>
+          </p:nvPr>
+        </p:nvPicPr>
+        <p:blipFill>
+          <a:blip r:embed="rId2" cstate="print">
+            <a:extLst>
+              <a:ext uri="{28A0092B-C50C-407E-A947-70E740481C1C}">
+                <a14:useLocalDpi xmlns:a14="http://schemas.microsoft.com/office/drawing/2010/main" val="0"/>
+              </a:ext>
+            </a:extLst>
+          </a:blip>
+          <a:stretch>
+            <a:fillRect/>
+          </a:stretch>
+        </p:blipFill>
+        <p:spPr>
+          <a:xfrm>
+            <a:off x="4645025" y="1575169"/>
+            <a:ext cx="4041775" cy="3547472"/>
+          </a:xfrm>
+          <a:prstGeom prst="rect">
+            <a:avLst/>
+          </a:prstGeom>
+        </p:spPr>
+      </p:pic>
+      <p:sp>
+        <p:nvSpPr>
+          <p:cNvPr id="8" name="Rechteck 7"/>
+          <p:cNvSpPr/>
+          <p:nvPr/>
+        </p:nvSpPr>
+        <p:spPr>
+          <a:xfrm>
+            <a:off x="6755574" y="6126163"/>
+            <a:ext cx="1997663" cy="230832"/>
+          </a:xfrm>
+          <a:prstGeom prst="rect">
+            <a:avLst/>
+          </a:prstGeom>
+        </p:spPr>
+        <p:txBody>
+          <a:bodyPr wrap="none">
+            <a:spAutoFit/>
+          </a:bodyPr>
+          <a:lstStyle/>
+          <a:p>
+            <a:r>
+              <a:rPr lang="en-US" sz="900" i="1" dirty="0">
+                <a:solidFill>
+                  <a:srgbClr val="44546A"/>
+                </a:solidFill>
+                <a:latin typeface="Calibri" panose="020F0502020204030204" pitchFamily="34" charset="0"/>
+                <a:ea typeface="Calibri" panose="020F0502020204030204" pitchFamily="34" charset="0"/>
+                <a:cs typeface="Times New Roman" panose="02020603050405020304" pitchFamily="18" charset="0"/>
+              </a:rPr>
+              <a:t>(</a:t>
+            </a:r>
+            <a:r>
+              <a:rPr lang="en-US" sz="900" i="1" dirty="0" err="1">
+                <a:solidFill>
+                  <a:srgbClr val="44546A"/>
+                </a:solidFill>
+                <a:latin typeface="Calibri" panose="020F0502020204030204" pitchFamily="34" charset="0"/>
+                <a:ea typeface="Calibri" panose="020F0502020204030204" pitchFamily="34" charset="0"/>
+                <a:cs typeface="Times New Roman" panose="02020603050405020304" pitchFamily="18" charset="0"/>
+              </a:rPr>
+              <a:t>Jieun</a:t>
+            </a:r>
+            <a:r>
+              <a:rPr lang="en-US" sz="900" i="1" dirty="0">
+                <a:solidFill>
+                  <a:srgbClr val="44546A"/>
+                </a:solidFill>
+                <a:latin typeface="Calibri" panose="020F0502020204030204" pitchFamily="34" charset="0"/>
+                <a:ea typeface="Calibri" panose="020F0502020204030204" pitchFamily="34" charset="0"/>
+                <a:cs typeface="Times New Roman" panose="02020603050405020304" pitchFamily="18" charset="0"/>
+              </a:rPr>
+              <a:t> Son und </a:t>
+            </a:r>
+            <a:r>
+              <a:rPr lang="en-US" sz="900" i="1" dirty="0" err="1">
+                <a:solidFill>
+                  <a:srgbClr val="44546A"/>
+                </a:solidFill>
+                <a:latin typeface="Calibri" panose="020F0502020204030204" pitchFamily="34" charset="0"/>
+                <a:ea typeface="Calibri" panose="020F0502020204030204" pitchFamily="34" charset="0"/>
+                <a:cs typeface="Times New Roman" panose="02020603050405020304" pitchFamily="18" charset="0"/>
+              </a:rPr>
+              <a:t>Seoung</a:t>
+            </a:r>
+            <a:r>
+              <a:rPr lang="en-US" sz="900" i="1" dirty="0">
+                <a:solidFill>
+                  <a:srgbClr val="44546A"/>
+                </a:solidFill>
+                <a:latin typeface="Calibri" panose="020F0502020204030204" pitchFamily="34" charset="0"/>
+                <a:ea typeface="Calibri" panose="020F0502020204030204" pitchFamily="34" charset="0"/>
+                <a:cs typeface="Times New Roman" panose="02020603050405020304" pitchFamily="18" charset="0"/>
+              </a:rPr>
+              <a:t> Bum </a:t>
+            </a:r>
+            <a:r>
+              <a:rPr lang="en-US" sz="900" i="1" dirty="0" smtClean="0">
+                <a:solidFill>
+                  <a:srgbClr val="44546A"/>
+                </a:solidFill>
+                <a:latin typeface="Calibri" panose="020F0502020204030204" pitchFamily="34" charset="0"/>
+                <a:ea typeface="Calibri" panose="020F0502020204030204" pitchFamily="34" charset="0"/>
+                <a:cs typeface="Times New Roman" panose="02020603050405020304" pitchFamily="18" charset="0"/>
+              </a:rPr>
+              <a:t>Kim, 2018)</a:t>
+            </a:r>
+            <a:endParaRPr lang="de-DE" sz="900" i="1" dirty="0">
+              <a:solidFill>
+                <a:srgbClr val="44546A"/>
+              </a:solidFill>
+              <a:latin typeface="Calibri" panose="020F0502020204030204" pitchFamily="34" charset="0"/>
+              <a:ea typeface="Calibri" panose="020F0502020204030204" pitchFamily="34" charset="0"/>
+              <a:cs typeface="Times New Roman" panose="02020603050405020304" pitchFamily="18" charset="0"/>
+            </a:endParaRPr>
+          </a:p>
+        </p:txBody>
+      </p:sp>
+    </p:spTree>
+    <p:extLst>
+      <p:ext uri="{BB962C8B-B14F-4D97-AF65-F5344CB8AC3E}">
+        <p14:creationId xmlns:p14="http://schemas.microsoft.com/office/powerpoint/2010/main" val="1790913463"/>
+      </p:ext>
+    </p:extLst>
+  </p:cSld>
+  <p:clrMapOvr>
+    <a:masterClrMapping/>
+  </p:clrMapOvr>
+</p:sld>
+</file>
+
+<file path=ppt/slides/slide23.xml><?xml version="1.0" encoding="utf-8"?>
+<p:sld xmlns:a="http://schemas.openxmlformats.org/drawingml/2006/main" xmlns:r="http://schemas.openxmlformats.org/officeDocument/2006/relationships" xmlns:p="http://schemas.openxmlformats.org/presentationml/2006/main">
+  <p:cSld>
+    <p:spTree>
+      <p:nvGrpSpPr>
+        <p:cNvPr id="1" name=""/>
+        <p:cNvGrpSpPr/>
+        <p:nvPr/>
+      </p:nvGrpSpPr>
+      <p:grpSpPr>
+        <a:xfrm>
+          <a:off x="0" y="0"/>
+          <a:ext cx="0" cy="0"/>
+          <a:chOff x="0" y="0"/>
+          <a:chExt cx="0" cy="0"/>
+        </a:xfrm>
+      </p:grpSpPr>
+      <p:sp>
+        <p:nvSpPr>
+          <p:cNvPr id="2" name="Titel 1"/>
+          <p:cNvSpPr>
+            <a:spLocks noGrp="1"/>
+          </p:cNvSpPr>
+          <p:nvPr>
+            <p:ph type="title"/>
+          </p:nvPr>
+        </p:nvSpPr>
+        <p:spPr/>
+        <p:txBody>
+          <a:bodyPr/>
+          <a:lstStyle/>
+          <a:p>
+            <a:r>
+              <a:rPr lang="en-US" dirty="0" err="1" smtClean="0"/>
+              <a:t>EventAware</a:t>
+            </a:r>
+            <a:r>
+              <a:rPr lang="en-US" dirty="0" smtClean="0"/>
+              <a:t/>
+            </a:r>
+            <a:br>
+              <a:rPr lang="en-US" dirty="0" smtClean="0"/>
+            </a:br>
+            <a:r>
+              <a:rPr lang="en-US" dirty="0" smtClean="0"/>
+              <a:t>Business &amp; Data understanding</a:t>
+            </a:r>
+            <a:endParaRPr lang="de-DE" dirty="0"/>
+          </a:p>
+        </p:txBody>
+      </p:sp>
+      <p:sp>
+        <p:nvSpPr>
+          <p:cNvPr id="3" name="Inhaltsplatzhalter 2"/>
+          <p:cNvSpPr>
+            <a:spLocks noGrp="1"/>
+          </p:cNvSpPr>
+          <p:nvPr>
+            <p:ph idx="1"/>
+          </p:nvPr>
+        </p:nvSpPr>
+        <p:spPr>
+          <a:xfrm>
+            <a:off x="457200" y="1150070"/>
+            <a:ext cx="8229600" cy="4976093"/>
+          </a:xfrm>
+        </p:spPr>
+        <p:txBody>
+          <a:bodyPr>
+            <a:normAutofit/>
+          </a:bodyPr>
+          <a:lstStyle/>
+          <a:p>
+            <a:r>
+              <a:rPr lang="en-US" dirty="0" err="1" smtClean="0"/>
+              <a:t>Geschäftsziel</a:t>
+            </a:r>
+            <a:r>
+              <a:rPr lang="en-US" dirty="0" smtClean="0"/>
+              <a:t>: </a:t>
+            </a:r>
+            <a:r>
+              <a:rPr lang="en-US" dirty="0" err="1" smtClean="0"/>
+              <a:t>Veranstaltungen</a:t>
+            </a:r>
+            <a:r>
+              <a:rPr lang="en-US" dirty="0" smtClean="0"/>
+              <a:t> auf </a:t>
+            </a:r>
+            <a:r>
+              <a:rPr lang="en-US" dirty="0" err="1" smtClean="0"/>
+              <a:t>einem</a:t>
+            </a:r>
+            <a:r>
+              <a:rPr lang="en-US" dirty="0" smtClean="0"/>
+              <a:t> </a:t>
+            </a:r>
+            <a:r>
+              <a:rPr lang="en-US" dirty="0" err="1" smtClean="0"/>
+              <a:t>Kongress</a:t>
+            </a:r>
+            <a:r>
+              <a:rPr lang="en-US" dirty="0" smtClean="0"/>
+              <a:t> </a:t>
+            </a:r>
+            <a:r>
+              <a:rPr lang="en-US" dirty="0" err="1" smtClean="0"/>
+              <a:t>empfehlen</a:t>
+            </a:r>
+            <a:r>
+              <a:rPr lang="en-US" dirty="0" smtClean="0"/>
+              <a:t>, </a:t>
+            </a:r>
+            <a:r>
+              <a:rPr lang="en-US" dirty="0" err="1" smtClean="0"/>
+              <a:t>personalisierte</a:t>
+            </a:r>
+            <a:r>
+              <a:rPr lang="en-US" dirty="0" smtClean="0"/>
+              <a:t> Agenda </a:t>
+            </a:r>
+            <a:r>
+              <a:rPr lang="en-US" dirty="0" err="1" smtClean="0"/>
+              <a:t>zusammenstellen</a:t>
+            </a:r>
+            <a:endParaRPr lang="en-US" dirty="0" smtClean="0"/>
+          </a:p>
+          <a:p>
+            <a:r>
+              <a:rPr lang="en-US" dirty="0" err="1" smtClean="0"/>
+              <a:t>Relevanz</a:t>
+            </a:r>
+            <a:r>
+              <a:rPr lang="en-US" dirty="0" smtClean="0"/>
+              <a:t> der </a:t>
+            </a:r>
+            <a:r>
+              <a:rPr lang="en-US" dirty="0" err="1" smtClean="0"/>
+              <a:t>Veranstaltungen</a:t>
+            </a:r>
+            <a:r>
+              <a:rPr lang="en-US" dirty="0" smtClean="0"/>
+              <a:t> </a:t>
+            </a:r>
+            <a:r>
+              <a:rPr lang="en-US" dirty="0" err="1" smtClean="0"/>
+              <a:t>ist</a:t>
+            </a:r>
+            <a:r>
+              <a:rPr lang="en-US" dirty="0" smtClean="0"/>
+              <a:t> </a:t>
+            </a:r>
+            <a:r>
+              <a:rPr lang="en-US" dirty="0" err="1" smtClean="0"/>
+              <a:t>nur</a:t>
+            </a:r>
+            <a:r>
+              <a:rPr lang="en-US" dirty="0" smtClean="0"/>
+              <a:t> von </a:t>
+            </a:r>
+            <a:r>
+              <a:rPr lang="en-US" dirty="0" err="1" smtClean="0"/>
+              <a:t>kurzer</a:t>
+            </a:r>
+            <a:r>
+              <a:rPr lang="en-US" dirty="0" smtClean="0"/>
+              <a:t> </a:t>
+            </a:r>
+            <a:r>
+              <a:rPr lang="en-US" dirty="0" err="1" smtClean="0"/>
+              <a:t>Dauer</a:t>
+            </a:r>
+            <a:endParaRPr lang="en-US" dirty="0" smtClean="0"/>
+          </a:p>
+          <a:p>
+            <a:r>
+              <a:rPr lang="en-US" dirty="0" err="1" smtClean="0"/>
+              <a:t>Interaktion</a:t>
+            </a:r>
+            <a:r>
+              <a:rPr lang="en-US" dirty="0" smtClean="0"/>
+              <a:t> </a:t>
+            </a:r>
+            <a:r>
+              <a:rPr lang="en-US" dirty="0" err="1" smtClean="0"/>
+              <a:t>sollte</a:t>
+            </a:r>
+            <a:r>
+              <a:rPr lang="en-US" dirty="0" smtClean="0"/>
+              <a:t> </a:t>
+            </a:r>
+            <a:r>
+              <a:rPr lang="en-US" dirty="0" err="1" smtClean="0"/>
+              <a:t>zeitlich</a:t>
+            </a:r>
+            <a:r>
+              <a:rPr lang="en-US" dirty="0" smtClean="0"/>
+              <a:t> stark </a:t>
+            </a:r>
+            <a:r>
+              <a:rPr lang="en-US" dirty="0" err="1" smtClean="0"/>
+              <a:t>begrenzt</a:t>
+            </a:r>
+            <a:r>
+              <a:rPr lang="en-US" dirty="0" smtClean="0"/>
+              <a:t> sein, </a:t>
+            </a:r>
+            <a:r>
+              <a:rPr lang="en-US" dirty="0" err="1" smtClean="0"/>
+              <a:t>Bewertung</a:t>
+            </a:r>
+            <a:r>
+              <a:rPr lang="en-US" dirty="0" smtClean="0"/>
+              <a:t> </a:t>
+            </a:r>
+            <a:r>
+              <a:rPr lang="en-US" dirty="0" err="1" smtClean="0"/>
+              <a:t>einer</a:t>
+            </a:r>
+            <a:r>
+              <a:rPr lang="en-US" dirty="0" smtClean="0"/>
+              <a:t> </a:t>
+            </a:r>
+            <a:r>
+              <a:rPr lang="en-US" dirty="0" err="1" smtClean="0"/>
+              <a:t>zukünftigen</a:t>
+            </a:r>
+            <a:r>
+              <a:rPr lang="en-US" dirty="0" smtClean="0"/>
+              <a:t> </a:t>
+            </a:r>
+            <a:r>
+              <a:rPr lang="en-US" dirty="0" err="1" smtClean="0"/>
+              <a:t>Veranstaltung</a:t>
+            </a:r>
+            <a:r>
+              <a:rPr lang="en-US" dirty="0" smtClean="0"/>
+              <a:t> </a:t>
+            </a:r>
+            <a:r>
+              <a:rPr lang="en-US" dirty="0" err="1" smtClean="0"/>
+              <a:t>schwierig</a:t>
+            </a:r>
+            <a:r>
+              <a:rPr lang="en-US" dirty="0" smtClean="0"/>
+              <a:t>, Collaborative Filtering </a:t>
+            </a:r>
+            <a:r>
+              <a:rPr lang="en-US" dirty="0" err="1" smtClean="0"/>
+              <a:t>müsste</a:t>
+            </a:r>
+            <a:r>
+              <a:rPr lang="en-US" dirty="0" smtClean="0"/>
+              <a:t> also </a:t>
+            </a:r>
+            <a:r>
+              <a:rPr lang="en-US" dirty="0" err="1" smtClean="0"/>
+              <a:t>über</a:t>
+            </a:r>
+            <a:r>
+              <a:rPr lang="en-US" dirty="0" smtClean="0"/>
+              <a:t> </a:t>
+            </a:r>
+            <a:r>
+              <a:rPr lang="en-US" dirty="0" err="1" smtClean="0"/>
+              <a:t>mehrere</a:t>
+            </a:r>
+            <a:r>
+              <a:rPr lang="en-US" dirty="0" smtClean="0"/>
+              <a:t> </a:t>
+            </a:r>
+            <a:r>
+              <a:rPr lang="en-US" dirty="0" err="1" smtClean="0"/>
+              <a:t>Jahre</a:t>
+            </a:r>
+            <a:r>
+              <a:rPr lang="en-US" dirty="0" smtClean="0"/>
+              <a:t> </a:t>
+            </a:r>
+            <a:r>
+              <a:rPr lang="en-US" dirty="0" err="1" smtClean="0"/>
+              <a:t>passieren</a:t>
+            </a:r>
+            <a:r>
+              <a:rPr lang="en-US" dirty="0" smtClean="0"/>
+              <a:t>, </a:t>
+            </a:r>
+            <a:r>
+              <a:rPr lang="en-US" dirty="0" err="1" smtClean="0"/>
+              <a:t>Themen</a:t>
+            </a:r>
+            <a:r>
+              <a:rPr lang="en-US" dirty="0" smtClean="0"/>
+              <a:t> </a:t>
+            </a:r>
+            <a:r>
+              <a:rPr lang="en-US" dirty="0" err="1" smtClean="0"/>
+              <a:t>ändern</a:t>
+            </a:r>
+            <a:r>
+              <a:rPr lang="en-US" dirty="0" smtClean="0"/>
+              <a:t> </a:t>
+            </a:r>
+            <a:r>
+              <a:rPr lang="en-US" dirty="0" err="1" smtClean="0"/>
+              <a:t>sich</a:t>
+            </a:r>
+            <a:r>
+              <a:rPr lang="en-US" dirty="0" smtClean="0"/>
+              <a:t> </a:t>
+            </a:r>
+            <a:r>
+              <a:rPr lang="en-US" dirty="0" err="1" smtClean="0"/>
+              <a:t>aber</a:t>
+            </a:r>
+            <a:r>
+              <a:rPr lang="en-US" dirty="0" smtClean="0"/>
+              <a:t> </a:t>
+            </a:r>
+            <a:r>
+              <a:rPr lang="en-US" dirty="0" err="1" smtClean="0"/>
+              <a:t>zu</a:t>
+            </a:r>
+            <a:r>
+              <a:rPr lang="en-US" dirty="0" smtClean="0"/>
+              <a:t> stark</a:t>
+            </a:r>
+          </a:p>
+          <a:p>
+            <a:r>
+              <a:rPr lang="en-US" dirty="0" err="1" smtClean="0"/>
+              <a:t>Empfehlung</a:t>
+            </a:r>
+            <a:r>
+              <a:rPr lang="en-US" dirty="0" smtClean="0"/>
+              <a:t> </a:t>
+            </a:r>
+            <a:r>
+              <a:rPr lang="en-US" dirty="0" err="1" smtClean="0"/>
+              <a:t>ist</a:t>
+            </a:r>
+            <a:r>
+              <a:rPr lang="en-US" dirty="0" smtClean="0"/>
+              <a:t> </a:t>
+            </a:r>
+            <a:r>
+              <a:rPr lang="en-US" dirty="0" err="1" smtClean="0"/>
+              <a:t>hilfreich</a:t>
+            </a:r>
+            <a:r>
+              <a:rPr lang="en-US" dirty="0" smtClean="0"/>
+              <a:t>, </a:t>
+            </a:r>
+            <a:r>
+              <a:rPr lang="en-US" dirty="0" err="1" smtClean="0"/>
+              <a:t>wenn</a:t>
+            </a:r>
+            <a:r>
+              <a:rPr lang="en-US" dirty="0" smtClean="0"/>
+              <a:t> </a:t>
+            </a:r>
+            <a:r>
+              <a:rPr lang="en-US" dirty="0" err="1" smtClean="0"/>
+              <a:t>sie</a:t>
+            </a:r>
+            <a:r>
+              <a:rPr lang="en-US" dirty="0" smtClean="0"/>
+              <a:t> </a:t>
+            </a:r>
+            <a:r>
+              <a:rPr lang="en-US" dirty="0" err="1" smtClean="0"/>
+              <a:t>thematisch</a:t>
+            </a:r>
+            <a:r>
+              <a:rPr lang="en-US" dirty="0" smtClean="0"/>
+              <a:t> gut </a:t>
+            </a:r>
+            <a:r>
+              <a:rPr lang="en-US" dirty="0" err="1" smtClean="0"/>
+              <a:t>zum</a:t>
+            </a:r>
+            <a:r>
+              <a:rPr lang="en-US" dirty="0" smtClean="0"/>
+              <a:t> </a:t>
+            </a:r>
+            <a:r>
+              <a:rPr lang="en-US" dirty="0" err="1" smtClean="0"/>
+              <a:t>Beruf</a:t>
+            </a:r>
+            <a:r>
+              <a:rPr lang="en-US" dirty="0" smtClean="0"/>
+              <a:t> </a:t>
+            </a:r>
+            <a:r>
+              <a:rPr lang="en-US" dirty="0" err="1" smtClean="0"/>
+              <a:t>oder</a:t>
+            </a:r>
+            <a:r>
+              <a:rPr lang="en-US" dirty="0" smtClean="0"/>
+              <a:t> </a:t>
+            </a:r>
+            <a:r>
+              <a:rPr lang="en-US" dirty="0" err="1" smtClean="0"/>
+              <a:t>Interessenprofil</a:t>
+            </a:r>
+            <a:r>
+              <a:rPr lang="en-US" dirty="0" smtClean="0"/>
+              <a:t> </a:t>
+            </a:r>
+            <a:r>
+              <a:rPr lang="en-US" dirty="0" err="1" smtClean="0"/>
+              <a:t>eines</a:t>
+            </a:r>
+            <a:r>
+              <a:rPr lang="en-US" dirty="0" smtClean="0"/>
+              <a:t> </a:t>
+            </a:r>
+            <a:r>
+              <a:rPr lang="en-US" dirty="0" err="1" smtClean="0"/>
+              <a:t>Besuchers</a:t>
+            </a:r>
+            <a:r>
+              <a:rPr lang="en-US" dirty="0" smtClean="0"/>
+              <a:t> past</a:t>
+            </a:r>
+          </a:p>
+          <a:p>
+            <a:r>
+              <a:rPr lang="en-US" dirty="0" err="1"/>
+              <a:t>Informationen</a:t>
+            </a:r>
+            <a:r>
+              <a:rPr lang="en-US" dirty="0"/>
+              <a:t> </a:t>
+            </a:r>
+            <a:r>
+              <a:rPr lang="en-US" dirty="0" err="1"/>
+              <a:t>über</a:t>
+            </a:r>
+            <a:r>
+              <a:rPr lang="en-US" dirty="0"/>
+              <a:t> den Context (Ort, </a:t>
+            </a:r>
+            <a:r>
+              <a:rPr lang="en-US" dirty="0" err="1"/>
+              <a:t>Zeit</a:t>
+            </a:r>
+            <a:r>
+              <a:rPr lang="en-US" dirty="0"/>
+              <a:t>) </a:t>
+            </a:r>
+            <a:r>
+              <a:rPr lang="en-US" dirty="0" err="1"/>
+              <a:t>über</a:t>
+            </a:r>
+            <a:r>
+              <a:rPr lang="en-US" dirty="0"/>
+              <a:t> App </a:t>
+            </a:r>
+            <a:r>
+              <a:rPr lang="en-US" dirty="0" err="1"/>
+              <a:t>verfügbar</a:t>
+            </a:r>
+            <a:endParaRPr lang="en-US" dirty="0"/>
+          </a:p>
+          <a:p>
+            <a:r>
+              <a:rPr lang="en-US" dirty="0"/>
+              <a:t>Mobiles </a:t>
+            </a:r>
+            <a:r>
+              <a:rPr lang="en-US" dirty="0" err="1"/>
+              <a:t>Netz</a:t>
+            </a:r>
+            <a:r>
+              <a:rPr lang="en-US" dirty="0"/>
+              <a:t> </a:t>
+            </a:r>
+            <a:r>
+              <a:rPr lang="en-US" dirty="0" err="1"/>
+              <a:t>ermöglicht</a:t>
+            </a:r>
+            <a:r>
+              <a:rPr lang="en-US" dirty="0"/>
+              <a:t> </a:t>
+            </a:r>
+            <a:r>
+              <a:rPr lang="en-US" dirty="0" err="1"/>
+              <a:t>Zugriff</a:t>
+            </a:r>
+            <a:r>
+              <a:rPr lang="en-US" dirty="0"/>
+              <a:t> auf </a:t>
+            </a:r>
+            <a:r>
+              <a:rPr lang="en-US" dirty="0" err="1"/>
+              <a:t>Berufsnetzwerke</a:t>
+            </a:r>
+            <a:r>
+              <a:rPr lang="en-US" dirty="0"/>
+              <a:t> (LinkedIn, Xing</a:t>
+            </a:r>
+            <a:r>
+              <a:rPr lang="en-US" dirty="0" smtClean="0"/>
+              <a:t>), </a:t>
+            </a:r>
+            <a:r>
+              <a:rPr lang="en-US" dirty="0" err="1" smtClean="0"/>
+              <a:t>sodass</a:t>
+            </a:r>
+            <a:r>
+              <a:rPr lang="en-US" dirty="0" smtClean="0"/>
+              <a:t> </a:t>
+            </a:r>
+            <a:r>
+              <a:rPr lang="en-US" dirty="0" err="1" smtClean="0"/>
+              <a:t>ein</a:t>
+            </a:r>
+            <a:r>
+              <a:rPr lang="en-US" dirty="0" smtClean="0"/>
+              <a:t> </a:t>
+            </a:r>
+            <a:r>
+              <a:rPr lang="en-US" dirty="0" err="1" smtClean="0"/>
+              <a:t>Profil</a:t>
+            </a:r>
+            <a:r>
+              <a:rPr lang="en-US" dirty="0" smtClean="0"/>
+              <a:t> </a:t>
+            </a:r>
+            <a:r>
+              <a:rPr lang="en-US" dirty="0" err="1" smtClean="0"/>
+              <a:t>mit</a:t>
+            </a:r>
+            <a:r>
+              <a:rPr lang="en-US" dirty="0" smtClean="0"/>
+              <a:t> </a:t>
+            </a:r>
+            <a:r>
+              <a:rPr lang="en-US" dirty="0" err="1" smtClean="0"/>
+              <a:t>möglichen</a:t>
+            </a:r>
+            <a:r>
+              <a:rPr lang="en-US" dirty="0" smtClean="0"/>
+              <a:t> </a:t>
+            </a:r>
+            <a:r>
+              <a:rPr lang="en-US" dirty="0" err="1" smtClean="0"/>
+              <a:t>Interessen</a:t>
+            </a:r>
+            <a:r>
+              <a:rPr lang="en-US" dirty="0" smtClean="0"/>
+              <a:t> </a:t>
+            </a:r>
+            <a:r>
+              <a:rPr lang="en-US" dirty="0" err="1" smtClean="0"/>
+              <a:t>vorbefüllt</a:t>
+            </a:r>
+            <a:r>
+              <a:rPr lang="en-US" dirty="0" smtClean="0"/>
+              <a:t> </a:t>
+            </a:r>
+            <a:r>
+              <a:rPr lang="en-US" dirty="0" err="1" smtClean="0"/>
+              <a:t>werden</a:t>
+            </a:r>
+            <a:r>
+              <a:rPr lang="en-US" dirty="0" smtClean="0"/>
+              <a:t> </a:t>
+            </a:r>
+            <a:r>
+              <a:rPr lang="en-US" dirty="0" err="1" smtClean="0"/>
+              <a:t>kann</a:t>
+            </a:r>
+            <a:endParaRPr lang="en-US" dirty="0" smtClean="0"/>
+          </a:p>
+          <a:p>
+            <a:r>
+              <a:rPr lang="en-US" dirty="0" err="1" smtClean="0"/>
+              <a:t>Es</a:t>
+            </a:r>
+            <a:r>
+              <a:rPr lang="en-US" dirty="0" smtClean="0"/>
+              <a:t> </a:t>
+            </a:r>
+            <a:r>
+              <a:rPr lang="en-US" dirty="0" err="1" smtClean="0"/>
+              <a:t>existieren</a:t>
+            </a:r>
+            <a:r>
+              <a:rPr lang="en-US" dirty="0" smtClean="0"/>
+              <a:t> </a:t>
+            </a:r>
+            <a:r>
+              <a:rPr lang="en-US" dirty="0" err="1" smtClean="0"/>
+              <a:t>Schlagwörter</a:t>
+            </a:r>
+            <a:r>
+              <a:rPr lang="en-US" dirty="0" smtClean="0"/>
+              <a:t> und </a:t>
+            </a:r>
+            <a:r>
+              <a:rPr lang="en-US" dirty="0" err="1" smtClean="0"/>
+              <a:t>Kurzbeschreibungen</a:t>
+            </a:r>
+            <a:r>
+              <a:rPr lang="en-US" dirty="0" smtClean="0"/>
+              <a:t> </a:t>
+            </a:r>
+            <a:r>
+              <a:rPr lang="en-US" dirty="0" err="1" smtClean="0"/>
+              <a:t>zu</a:t>
+            </a:r>
+            <a:r>
+              <a:rPr lang="en-US" dirty="0" smtClean="0"/>
+              <a:t> den </a:t>
+            </a:r>
+            <a:r>
+              <a:rPr lang="en-US" dirty="0" err="1" smtClean="0"/>
+              <a:t>Veranstaltungen</a:t>
+            </a:r>
+            <a:r>
+              <a:rPr lang="en-US" dirty="0" smtClean="0"/>
+              <a:t> und </a:t>
+            </a:r>
+            <a:r>
+              <a:rPr lang="en-US" dirty="0" err="1" smtClean="0"/>
+              <a:t>Ausstellern</a:t>
+            </a:r>
+            <a:endParaRPr lang="en-US" dirty="0"/>
+          </a:p>
+          <a:p>
+            <a:endParaRPr lang="en-US" dirty="0" smtClean="0"/>
+          </a:p>
+          <a:p>
+            <a:pPr lvl="1"/>
+            <a:endParaRPr lang="en-US" dirty="0" smtClean="0"/>
+          </a:p>
+          <a:p>
+            <a:endParaRPr lang="en-US" dirty="0"/>
+          </a:p>
+        </p:txBody>
+      </p:sp>
+      <p:sp>
+        <p:nvSpPr>
+          <p:cNvPr id="4" name="Rechteck 3"/>
+          <p:cNvSpPr/>
+          <p:nvPr/>
+        </p:nvSpPr>
+        <p:spPr>
+          <a:xfrm>
+            <a:off x="6755574" y="6126163"/>
+            <a:ext cx="1223412" cy="230832"/>
+          </a:xfrm>
+          <a:prstGeom prst="rect">
+            <a:avLst/>
+          </a:prstGeom>
+        </p:spPr>
+        <p:txBody>
+          <a:bodyPr wrap="none">
+            <a:spAutoFit/>
+          </a:bodyPr>
+          <a:lstStyle/>
+          <a:p>
+            <a:r>
+              <a:rPr lang="en-US" sz="900" i="1" dirty="0" smtClean="0">
+                <a:solidFill>
+                  <a:srgbClr val="44546A"/>
+                </a:solidFill>
+                <a:latin typeface="Calibri" panose="020F0502020204030204" pitchFamily="34" charset="0"/>
+                <a:ea typeface="Calibri" panose="020F0502020204030204" pitchFamily="34" charset="0"/>
+                <a:cs typeface="Times New Roman" panose="02020603050405020304" pitchFamily="18" charset="0"/>
+              </a:rPr>
+              <a:t>(Horowitz et al., 2017)</a:t>
+            </a:r>
+            <a:endParaRPr lang="de-DE" sz="900" i="1" dirty="0">
+              <a:solidFill>
+                <a:srgbClr val="44546A"/>
+              </a:solidFill>
+              <a:latin typeface="Calibri" panose="020F0502020204030204" pitchFamily="34" charset="0"/>
+              <a:ea typeface="Calibri" panose="020F0502020204030204" pitchFamily="34" charset="0"/>
+              <a:cs typeface="Times New Roman" panose="02020603050405020304" pitchFamily="18" charset="0"/>
+            </a:endParaRPr>
+          </a:p>
+        </p:txBody>
+      </p:sp>
+    </p:spTree>
+    <p:extLst>
+      <p:ext uri="{BB962C8B-B14F-4D97-AF65-F5344CB8AC3E}">
+        <p14:creationId xmlns:p14="http://schemas.microsoft.com/office/powerpoint/2010/main" val="3670257667"/>
+      </p:ext>
+    </p:extLst>
+  </p:cSld>
+  <p:clrMapOvr>
+    <a:masterClrMapping/>
+  </p:clrMapOvr>
+</p:sld>
+</file>
+
+<file path=ppt/slides/slide24.xml><?xml version="1.0" encoding="utf-8"?>
+<p:sld xmlns:a="http://schemas.openxmlformats.org/drawingml/2006/main" xmlns:r="http://schemas.openxmlformats.org/officeDocument/2006/relationships" xmlns:p="http://schemas.openxmlformats.org/presentationml/2006/main">
+  <p:cSld>
+    <p:spTree>
+      <p:nvGrpSpPr>
+        <p:cNvPr id="1" name=""/>
+        <p:cNvGrpSpPr/>
+        <p:nvPr/>
+      </p:nvGrpSpPr>
+      <p:grpSpPr>
+        <a:xfrm>
+          <a:off x="0" y="0"/>
+          <a:ext cx="0" cy="0"/>
+          <a:chOff x="0" y="0"/>
+          <a:chExt cx="0" cy="0"/>
+        </a:xfrm>
+      </p:grpSpPr>
+      <p:sp>
+        <p:nvSpPr>
+          <p:cNvPr id="2" name="Titel 1"/>
+          <p:cNvSpPr>
+            <a:spLocks noGrp="1"/>
+          </p:cNvSpPr>
+          <p:nvPr>
+            <p:ph type="title"/>
+          </p:nvPr>
+        </p:nvSpPr>
+        <p:spPr/>
+        <p:txBody>
+          <a:bodyPr/>
+          <a:lstStyle/>
+          <a:p>
+            <a:r>
+              <a:rPr lang="en-US" dirty="0" err="1" smtClean="0"/>
+              <a:t>EventAware</a:t>
+            </a:r>
+            <a:r>
+              <a:rPr lang="en-US" dirty="0" smtClean="0"/>
+              <a:t/>
+            </a:r>
+            <a:br>
+              <a:rPr lang="en-US" dirty="0" smtClean="0"/>
+            </a:br>
+            <a:r>
+              <a:rPr lang="en-US" dirty="0" smtClean="0"/>
+              <a:t>Modeling</a:t>
+            </a:r>
+            <a:endParaRPr lang="de-DE" dirty="0"/>
+          </a:p>
+        </p:txBody>
+      </p:sp>
+      <p:sp>
+        <p:nvSpPr>
+          <p:cNvPr id="3" name="Inhaltsplatzhalter 2"/>
+          <p:cNvSpPr>
+            <a:spLocks noGrp="1"/>
+          </p:cNvSpPr>
+          <p:nvPr>
+            <p:ph idx="1"/>
+          </p:nvPr>
+        </p:nvSpPr>
+        <p:spPr>
+          <a:xfrm>
+            <a:off x="457200" y="1150070"/>
+            <a:ext cx="8229600" cy="4976093"/>
+          </a:xfrm>
+        </p:spPr>
+        <p:txBody>
+          <a:bodyPr>
+            <a:normAutofit/>
+          </a:bodyPr>
+          <a:lstStyle/>
+          <a:p>
+            <a:pPr marL="457200" lvl="1" indent="0">
+              <a:buNone/>
+            </a:pPr>
+            <a:endParaRPr lang="en-US" dirty="0" smtClean="0"/>
+          </a:p>
+          <a:p>
+            <a:endParaRPr lang="en-US" dirty="0"/>
+          </a:p>
+        </p:txBody>
+      </p:sp>
+      <p:pic>
+        <p:nvPicPr>
+          <p:cNvPr id="5" name="Grafik 4"/>
+          <p:cNvPicPr/>
+          <p:nvPr/>
+        </p:nvPicPr>
+        <p:blipFill>
+          <a:blip r:embed="rId2" cstate="print">
+            <a:extLst>
+              <a:ext uri="{28A0092B-C50C-407E-A947-70E740481C1C}">
+                <a14:useLocalDpi xmlns:a14="http://schemas.microsoft.com/office/drawing/2010/main" val="0"/>
+              </a:ext>
+            </a:extLst>
+          </a:blip>
+          <a:stretch>
+            <a:fillRect/>
+          </a:stretch>
+        </p:blipFill>
+        <p:spPr>
+          <a:xfrm>
+            <a:off x="3330567" y="1024393"/>
+            <a:ext cx="5176321" cy="5101770"/>
+          </a:xfrm>
+          <a:prstGeom prst="rect">
+            <a:avLst/>
+          </a:prstGeom>
+        </p:spPr>
+      </p:pic>
+      <p:sp>
+        <p:nvSpPr>
+          <p:cNvPr id="6" name="Rechteck 5"/>
+          <p:cNvSpPr/>
+          <p:nvPr/>
+        </p:nvSpPr>
+        <p:spPr>
+          <a:xfrm>
+            <a:off x="7283476" y="6153184"/>
+            <a:ext cx="1223412" cy="230832"/>
+          </a:xfrm>
+          <a:prstGeom prst="rect">
+            <a:avLst/>
+          </a:prstGeom>
+        </p:spPr>
+        <p:txBody>
+          <a:bodyPr wrap="none">
+            <a:spAutoFit/>
+          </a:bodyPr>
+          <a:lstStyle/>
+          <a:p>
+            <a:r>
+              <a:rPr lang="en-US" sz="900" i="1" dirty="0" smtClean="0">
+                <a:solidFill>
+                  <a:srgbClr val="44546A"/>
+                </a:solidFill>
+                <a:latin typeface="Calibri" panose="020F0502020204030204" pitchFamily="34" charset="0"/>
+                <a:ea typeface="Calibri" panose="020F0502020204030204" pitchFamily="34" charset="0"/>
+                <a:cs typeface="Times New Roman" panose="02020603050405020304" pitchFamily="18" charset="0"/>
+              </a:rPr>
+              <a:t>(Horowitz et al., 2017)</a:t>
+            </a:r>
+            <a:endParaRPr lang="de-DE" sz="900" i="1" dirty="0">
+              <a:solidFill>
+                <a:srgbClr val="44546A"/>
+              </a:solidFill>
+              <a:latin typeface="Calibri" panose="020F0502020204030204" pitchFamily="34" charset="0"/>
+              <a:ea typeface="Calibri" panose="020F0502020204030204" pitchFamily="34" charset="0"/>
+              <a:cs typeface="Times New Roman" panose="02020603050405020304" pitchFamily="18" charset="0"/>
+            </a:endParaRPr>
+          </a:p>
+        </p:txBody>
+      </p:sp>
+      <p:pic>
+        <p:nvPicPr>
+          <p:cNvPr id="7" name="Grafik 6"/>
+          <p:cNvPicPr>
+            <a:picLocks noChangeAspect="1"/>
+          </p:cNvPicPr>
+          <p:nvPr/>
+        </p:nvPicPr>
+        <p:blipFill>
+          <a:blip r:embed="rId3"/>
+          <a:stretch>
+            <a:fillRect/>
+          </a:stretch>
+        </p:blipFill>
+        <p:spPr>
+          <a:xfrm>
+            <a:off x="297317" y="3638116"/>
+            <a:ext cx="3381669" cy="2293386"/>
+          </a:xfrm>
+          <a:prstGeom prst="rect">
+            <a:avLst/>
+          </a:prstGeom>
+        </p:spPr>
+      </p:pic>
+      <p:sp>
+        <p:nvSpPr>
+          <p:cNvPr id="8" name="Textfeld 7"/>
+          <p:cNvSpPr txBox="1"/>
+          <p:nvPr/>
+        </p:nvSpPr>
+        <p:spPr>
+          <a:xfrm>
+            <a:off x="457200" y="1253765"/>
+            <a:ext cx="3221786" cy="2321513"/>
+          </a:xfrm>
+          <a:prstGeom prst="rect">
+            <a:avLst/>
+          </a:prstGeom>
+          <a:noFill/>
+        </p:spPr>
+        <p:txBody>
+          <a:bodyPr wrap="square" lIns="0" rIns="0" rtlCol="0">
+            <a:noAutofit/>
+          </a:bodyPr>
+          <a:lstStyle/>
+          <a:p>
+            <a:pPr marL="285750" indent="-285750">
+              <a:buClr>
+                <a:schemeClr val="tx2"/>
+              </a:buClr>
+              <a:buFont typeface="Arial" panose="020B0604020202020204" pitchFamily="34" charset="0"/>
+              <a:buChar char="•"/>
+            </a:pPr>
+            <a:r>
+              <a:rPr lang="en-US" dirty="0" err="1" smtClean="0"/>
+              <a:t>Generierung</a:t>
+            </a:r>
+            <a:r>
+              <a:rPr lang="en-US" dirty="0" smtClean="0"/>
+              <a:t> von Tags</a:t>
+            </a:r>
+          </a:p>
+          <a:p>
+            <a:pPr marL="742950" lvl="1" indent="-285750">
+              <a:buClr>
+                <a:schemeClr val="tx2"/>
+              </a:buClr>
+              <a:buFont typeface="Arial" panose="020B0604020202020204" pitchFamily="34" charset="0"/>
+              <a:buChar char="•"/>
+            </a:pPr>
+            <a:r>
+              <a:rPr lang="en-US" dirty="0" err="1" smtClean="0"/>
+              <a:t>für</a:t>
+            </a:r>
+            <a:r>
+              <a:rPr lang="en-US" dirty="0" smtClean="0"/>
+              <a:t> </a:t>
+            </a:r>
+            <a:r>
+              <a:rPr lang="en-US" dirty="0" err="1" smtClean="0"/>
+              <a:t>Nutzer</a:t>
+            </a:r>
+            <a:r>
+              <a:rPr lang="en-US" dirty="0" smtClean="0"/>
+              <a:t> auf Basis LinkedIn und </a:t>
+            </a:r>
+            <a:r>
+              <a:rPr lang="en-US" dirty="0" err="1" smtClean="0"/>
+              <a:t>Bewertung</a:t>
+            </a:r>
+            <a:endParaRPr lang="en-US" dirty="0" smtClean="0"/>
+          </a:p>
+          <a:p>
+            <a:pPr lvl="1">
+              <a:buClr>
+                <a:schemeClr val="tx2"/>
+              </a:buClr>
+            </a:pPr>
+            <a:r>
+              <a:rPr lang="en-US" dirty="0" smtClean="0"/>
+              <a:t>(User Knowledge Base)</a:t>
+            </a:r>
+            <a:endParaRPr lang="en-US" dirty="0" smtClean="0"/>
+          </a:p>
+          <a:p>
+            <a:pPr marL="742950" lvl="1" indent="-285750">
+              <a:buClr>
+                <a:schemeClr val="tx2"/>
+              </a:buClr>
+              <a:buFont typeface="Arial" panose="020B0604020202020204" pitchFamily="34" charset="0"/>
+              <a:buChar char="•"/>
+            </a:pPr>
+            <a:r>
+              <a:rPr lang="en-US" dirty="0" err="1" smtClean="0"/>
+              <a:t>fü</a:t>
+            </a:r>
+            <a:r>
+              <a:rPr lang="en-US" dirty="0" err="1" smtClean="0"/>
+              <a:t>r</a:t>
+            </a:r>
+            <a:r>
+              <a:rPr lang="en-US" dirty="0" smtClean="0"/>
+              <a:t> </a:t>
+            </a:r>
+            <a:r>
+              <a:rPr lang="en-US" dirty="0" err="1" smtClean="0"/>
+              <a:t>Veranstaltungen</a:t>
+            </a:r>
+            <a:r>
+              <a:rPr lang="en-US" dirty="0" smtClean="0"/>
+              <a:t> </a:t>
+            </a:r>
+            <a:r>
+              <a:rPr lang="en-US" dirty="0" err="1" smtClean="0"/>
+              <a:t>mittels</a:t>
+            </a:r>
+            <a:r>
+              <a:rPr lang="en-US" dirty="0" smtClean="0"/>
+              <a:t> Wikipedia</a:t>
+            </a:r>
+          </a:p>
+          <a:p>
+            <a:pPr lvl="1">
+              <a:buClr>
+                <a:schemeClr val="tx2"/>
+              </a:buClr>
+            </a:pPr>
+            <a:r>
+              <a:rPr lang="en-US" dirty="0" smtClean="0"/>
+              <a:t>(Items Tag Base)</a:t>
+            </a:r>
+            <a:endParaRPr lang="de-DE" dirty="0" err="1" smtClean="0"/>
+          </a:p>
+        </p:txBody>
+      </p:sp>
+    </p:spTree>
+    <p:extLst>
+      <p:ext uri="{BB962C8B-B14F-4D97-AF65-F5344CB8AC3E}">
+        <p14:creationId xmlns:p14="http://schemas.microsoft.com/office/powerpoint/2010/main" val="2593252775"/>
+      </p:ext>
+    </p:extLst>
+  </p:cSld>
+  <p:clrMapOvr>
+    <a:masterClrMapping/>
+  </p:clrMapOvr>
+</p:sld>
+</file>
+
+<file path=ppt/slides/slide25.xml><?xml version="1.0" encoding="utf-8"?>
+<p:sld xmlns:a="http://schemas.openxmlformats.org/drawingml/2006/main" xmlns:r="http://schemas.openxmlformats.org/officeDocument/2006/relationships" xmlns:p="http://schemas.openxmlformats.org/presentationml/2006/main">
+  <p:cSld>
+    <p:spTree>
+      <p:nvGrpSpPr>
+        <p:cNvPr id="1" name=""/>
+        <p:cNvGrpSpPr/>
+        <p:nvPr/>
+      </p:nvGrpSpPr>
+      <p:grpSpPr>
+        <a:xfrm>
+          <a:off x="0" y="0"/>
+          <a:ext cx="0" cy="0"/>
+          <a:chOff x="0" y="0"/>
+          <a:chExt cx="0" cy="0"/>
+        </a:xfrm>
+      </p:grpSpPr>
+      <p:sp>
+        <p:nvSpPr>
+          <p:cNvPr id="2" name="Titel 1"/>
+          <p:cNvSpPr>
+            <a:spLocks noGrp="1"/>
+          </p:cNvSpPr>
+          <p:nvPr>
+            <p:ph type="title"/>
+          </p:nvPr>
+        </p:nvSpPr>
+        <p:spPr/>
+        <p:txBody>
+          <a:bodyPr/>
+          <a:lstStyle/>
+          <a:p>
+            <a:r>
+              <a:rPr lang="en-US" dirty="0" err="1" smtClean="0"/>
+              <a:t>EventAware</a:t>
+            </a:r>
+            <a:r>
+              <a:rPr lang="en-US" dirty="0" smtClean="0"/>
+              <a:t/>
+            </a:r>
+            <a:br>
+              <a:rPr lang="en-US" dirty="0" smtClean="0"/>
+            </a:br>
+            <a:r>
+              <a:rPr lang="en-US" dirty="0" smtClean="0"/>
+              <a:t>Evaluation</a:t>
+            </a:r>
+            <a:endParaRPr lang="de-DE" dirty="0"/>
+          </a:p>
+        </p:txBody>
+      </p:sp>
+      <p:sp>
+        <p:nvSpPr>
+          <p:cNvPr id="10" name="Inhaltsplatzhalter 9"/>
+          <p:cNvSpPr>
+            <a:spLocks noGrp="1"/>
+          </p:cNvSpPr>
+          <p:nvPr>
+            <p:ph idx="1"/>
+          </p:nvPr>
+        </p:nvSpPr>
+        <p:spPr/>
+        <p:txBody>
+          <a:bodyPr/>
+          <a:lstStyle/>
+          <a:p>
+            <a:r>
+              <a:rPr lang="en-US" dirty="0" smtClean="0"/>
+              <a:t>15 </a:t>
+            </a:r>
+            <a:r>
+              <a:rPr lang="en-US" dirty="0" err="1" smtClean="0"/>
+              <a:t>Studienteilnehmer</a:t>
+            </a:r>
+            <a:r>
+              <a:rPr lang="en-US" dirty="0" smtClean="0"/>
+              <a:t> </a:t>
+            </a:r>
+            <a:r>
+              <a:rPr lang="en-US" dirty="0" err="1" smtClean="0"/>
+              <a:t>mit</a:t>
+            </a:r>
+            <a:r>
+              <a:rPr lang="en-US" dirty="0" smtClean="0"/>
+              <a:t> “</a:t>
+            </a:r>
+            <a:r>
+              <a:rPr lang="en-US" dirty="0" err="1" smtClean="0"/>
+              <a:t>verschiedenem</a:t>
+            </a:r>
+            <a:r>
+              <a:rPr lang="en-US" dirty="0" smtClean="0"/>
+              <a:t>” Alter, </a:t>
+            </a:r>
+            <a:r>
+              <a:rPr lang="en-US" dirty="0" err="1" smtClean="0"/>
+              <a:t>Geschlecht</a:t>
+            </a:r>
+            <a:r>
+              <a:rPr lang="en-US" dirty="0" smtClean="0"/>
+              <a:t> und Computer-</a:t>
+            </a:r>
+            <a:r>
+              <a:rPr lang="en-US" dirty="0" err="1" smtClean="0"/>
+              <a:t>Kenntnissen</a:t>
+            </a:r>
+            <a:r>
+              <a:rPr lang="en-US" dirty="0" smtClean="0"/>
+              <a:t> auf </a:t>
+            </a:r>
+            <a:r>
+              <a:rPr lang="en-US" dirty="0" err="1" smtClean="0"/>
+              <a:t>einem</a:t>
+            </a:r>
+            <a:r>
+              <a:rPr lang="en-US" dirty="0" smtClean="0"/>
+              <a:t> </a:t>
+            </a:r>
+            <a:r>
+              <a:rPr lang="en-US" dirty="0" err="1" smtClean="0"/>
+              <a:t>Kongress</a:t>
+            </a:r>
+            <a:r>
+              <a:rPr lang="en-US" dirty="0" smtClean="0"/>
+              <a:t> </a:t>
+            </a:r>
+            <a:r>
+              <a:rPr lang="en-US" dirty="0" err="1" smtClean="0"/>
+              <a:t>für</a:t>
+            </a:r>
+            <a:r>
+              <a:rPr lang="en-US" dirty="0" smtClean="0"/>
+              <a:t> mobile </a:t>
+            </a:r>
+            <a:r>
+              <a:rPr lang="en-US" dirty="0" err="1" smtClean="0"/>
+              <a:t>Technologien</a:t>
+            </a:r>
+            <a:endParaRPr lang="en-US" dirty="0" smtClean="0"/>
+          </a:p>
+          <a:p>
+            <a:r>
+              <a:rPr lang="en-US" dirty="0" err="1" smtClean="0"/>
+              <a:t>Klassische</a:t>
+            </a:r>
+            <a:r>
+              <a:rPr lang="en-US" dirty="0" smtClean="0"/>
+              <a:t> Usability-</a:t>
+            </a:r>
+            <a:r>
+              <a:rPr lang="en-US" dirty="0" err="1" smtClean="0"/>
+              <a:t>Studie</a:t>
+            </a:r>
+            <a:r>
+              <a:rPr lang="en-US" dirty="0" smtClean="0"/>
+              <a:t>, </a:t>
+            </a:r>
+            <a:r>
+              <a:rPr lang="en-US" dirty="0" err="1" smtClean="0"/>
+              <a:t>bei</a:t>
+            </a:r>
+            <a:r>
+              <a:rPr lang="en-US" dirty="0" smtClean="0"/>
+              <a:t> der </a:t>
+            </a:r>
+            <a:r>
+              <a:rPr lang="en-US" dirty="0" err="1" smtClean="0"/>
+              <a:t>Nutzer</a:t>
+            </a:r>
+            <a:r>
+              <a:rPr lang="en-US" dirty="0" smtClean="0"/>
+              <a:t> </a:t>
+            </a:r>
+            <a:r>
+              <a:rPr lang="en-US" dirty="0" err="1" smtClean="0"/>
+              <a:t>verschiedene</a:t>
+            </a:r>
+            <a:r>
+              <a:rPr lang="en-US" dirty="0" smtClean="0"/>
+              <a:t> </a:t>
+            </a:r>
+            <a:r>
+              <a:rPr lang="en-US" dirty="0" err="1" smtClean="0"/>
+              <a:t>Aufgaben</a:t>
+            </a:r>
+            <a:r>
+              <a:rPr lang="en-US" dirty="0" smtClean="0"/>
+              <a:t> </a:t>
+            </a:r>
+            <a:r>
+              <a:rPr lang="en-US" dirty="0" err="1" smtClean="0"/>
+              <a:t>mit</a:t>
+            </a:r>
+            <a:r>
+              <a:rPr lang="en-US" dirty="0" smtClean="0"/>
+              <a:t> der App auf </a:t>
+            </a:r>
+            <a:r>
+              <a:rPr lang="en-US" dirty="0" err="1" smtClean="0"/>
+              <a:t>ihren</a:t>
+            </a:r>
+            <a:r>
+              <a:rPr lang="en-US" dirty="0" smtClean="0"/>
+              <a:t> </a:t>
+            </a:r>
+            <a:r>
+              <a:rPr lang="en-US" dirty="0" err="1" smtClean="0"/>
+              <a:t>eigenen</a:t>
+            </a:r>
+            <a:r>
+              <a:rPr lang="en-US" dirty="0" smtClean="0"/>
+              <a:t> </a:t>
+            </a:r>
+            <a:r>
+              <a:rPr lang="en-US" dirty="0" err="1" smtClean="0"/>
+              <a:t>Endgeräten</a:t>
+            </a:r>
+            <a:r>
+              <a:rPr lang="en-US" dirty="0" smtClean="0"/>
+              <a:t> </a:t>
+            </a:r>
+            <a:r>
+              <a:rPr lang="en-US" dirty="0" err="1" smtClean="0"/>
+              <a:t>durchführen</a:t>
+            </a:r>
+            <a:r>
+              <a:rPr lang="en-US" dirty="0" smtClean="0"/>
+              <a:t> </a:t>
+            </a:r>
+            <a:r>
+              <a:rPr lang="en-US" dirty="0" err="1" smtClean="0"/>
+              <a:t>sollten</a:t>
+            </a:r>
+            <a:endParaRPr lang="en-US" dirty="0" smtClean="0"/>
+          </a:p>
+          <a:p>
+            <a:endParaRPr lang="en-US" dirty="0" smtClean="0"/>
+          </a:p>
+          <a:p>
+            <a:endParaRPr lang="de-DE" dirty="0"/>
+          </a:p>
+        </p:txBody>
+      </p:sp>
+      <p:sp>
+        <p:nvSpPr>
+          <p:cNvPr id="6" name="Rechteck 5"/>
+          <p:cNvSpPr/>
+          <p:nvPr/>
+        </p:nvSpPr>
+        <p:spPr>
+          <a:xfrm>
+            <a:off x="7283476" y="6153184"/>
+            <a:ext cx="1223412" cy="230832"/>
+          </a:xfrm>
+          <a:prstGeom prst="rect">
+            <a:avLst/>
+          </a:prstGeom>
+        </p:spPr>
+        <p:txBody>
+          <a:bodyPr wrap="none">
+            <a:spAutoFit/>
+          </a:bodyPr>
+          <a:lstStyle/>
+          <a:p>
+            <a:r>
+              <a:rPr lang="en-US" sz="900" i="1" dirty="0" smtClean="0">
+                <a:solidFill>
+                  <a:srgbClr val="44546A"/>
+                </a:solidFill>
+                <a:latin typeface="Calibri" panose="020F0502020204030204" pitchFamily="34" charset="0"/>
+                <a:ea typeface="Calibri" panose="020F0502020204030204" pitchFamily="34" charset="0"/>
+                <a:cs typeface="Times New Roman" panose="02020603050405020304" pitchFamily="18" charset="0"/>
+              </a:rPr>
+              <a:t>(Horowitz et al., 2017)</a:t>
+            </a:r>
+            <a:endParaRPr lang="de-DE" sz="900" i="1" dirty="0">
+              <a:solidFill>
+                <a:srgbClr val="44546A"/>
+              </a:solidFill>
+              <a:latin typeface="Calibri" panose="020F0502020204030204" pitchFamily="34" charset="0"/>
+              <a:ea typeface="Calibri" panose="020F0502020204030204" pitchFamily="34" charset="0"/>
+              <a:cs typeface="Times New Roman" panose="02020603050405020304" pitchFamily="18" charset="0"/>
+            </a:endParaRPr>
+          </a:p>
+        </p:txBody>
+      </p:sp>
+      <p:pic>
+        <p:nvPicPr>
+          <p:cNvPr id="11" name="Grafik 10"/>
+          <p:cNvPicPr/>
+          <p:nvPr/>
+        </p:nvPicPr>
+        <p:blipFill>
+          <a:blip r:embed="rId2" cstate="print">
+            <a:extLst>
+              <a:ext uri="{28A0092B-C50C-407E-A947-70E740481C1C}">
+                <a14:useLocalDpi xmlns:a14="http://schemas.microsoft.com/office/drawing/2010/main" val="0"/>
+              </a:ext>
+            </a:extLst>
+          </a:blip>
+          <a:stretch>
+            <a:fillRect/>
+          </a:stretch>
+        </p:blipFill>
+        <p:spPr>
+          <a:xfrm>
+            <a:off x="724685" y="2625588"/>
+            <a:ext cx="4158399" cy="1903550"/>
+          </a:xfrm>
+          <a:prstGeom prst="rect">
+            <a:avLst/>
+          </a:prstGeom>
+        </p:spPr>
+      </p:pic>
+      <p:pic>
+        <p:nvPicPr>
+          <p:cNvPr id="13" name="Grafik 12"/>
+          <p:cNvPicPr>
+            <a:picLocks noChangeAspect="1"/>
+          </p:cNvPicPr>
+          <p:nvPr/>
+        </p:nvPicPr>
+        <p:blipFill>
+          <a:blip r:embed="rId3"/>
+          <a:stretch>
+            <a:fillRect/>
+          </a:stretch>
+        </p:blipFill>
+        <p:spPr>
+          <a:xfrm>
+            <a:off x="5150569" y="2491513"/>
+            <a:ext cx="3171825" cy="2171700"/>
+          </a:xfrm>
+          <a:prstGeom prst="rect">
+            <a:avLst/>
+          </a:prstGeom>
+        </p:spPr>
+      </p:pic>
+    </p:spTree>
+    <p:extLst>
+      <p:ext uri="{BB962C8B-B14F-4D97-AF65-F5344CB8AC3E}">
+        <p14:creationId xmlns:p14="http://schemas.microsoft.com/office/powerpoint/2010/main" val="2925185277"/>
+      </p:ext>
+    </p:extLst>
+  </p:cSld>
+  <p:clrMapOvr>
+    <a:masterClrMapping/>
+  </p:clrMapOvr>
+</p:sld>
+</file>
+
+<file path=ppt/slides/slide26.xml><?xml version="1.0" encoding="utf-8"?>
 <p:sld xmlns:a="http://schemas.openxmlformats.org/drawingml/2006/main" xmlns:r="http://schemas.openxmlformats.org/officeDocument/2006/relationships" xmlns:p="http://schemas.openxmlformats.org/presentationml/2006/main">
   <p:cSld>
     <p:spTree>
@@ -30260,7 +33317,7 @@
 </p:sld>
 </file>
 
-<file path=ppt/slides/slide23.xml><?xml version="1.0" encoding="utf-8"?>
+<file path=ppt/slides/slide27.xml><?xml version="1.0" encoding="utf-8"?>
 <p:sld xmlns:a="http://schemas.openxmlformats.org/drawingml/2006/main" xmlns:r="http://schemas.openxmlformats.org/officeDocument/2006/relationships" xmlns:p="http://schemas.openxmlformats.org/presentationml/2006/main">
   <p:cSld>
     <p:spTree>
@@ -30350,8 +33407,8 @@
         </p:nvSpPr>
         <p:spPr bwMode="auto">
           <a:xfrm>
-            <a:off x="186981" y="75117"/>
-            <a:ext cx="8309987" cy="6124754"/>
+            <a:off x="186981" y="613836"/>
+            <a:ext cx="8309987" cy="6032421"/>
           </a:xfrm>
           <a:prstGeom prst="rect">
             <a:avLst/>
@@ -30478,7 +33535,7 @@
               </a:spcAft>
             </a:pPr>
             <a:r>
-              <a:rPr lang="de-DE" sz="1400" dirty="0">
+              <a:rPr lang="de-DE" sz="1200" dirty="0">
                 <a:solidFill>
                   <a:srgbClr val="44546A"/>
                 </a:solidFill>
@@ -30489,7 +33546,7 @@
               <a:t>Bobadilla, Jesús; Ortega, Fernando; Hernando, Antonio; Gutiérrez, Abraham (2013): </a:t>
             </a:r>
             <a:r>
-              <a:rPr lang="de-DE" sz="1400" dirty="0" err="1">
+              <a:rPr lang="de-DE" sz="1200" dirty="0" err="1">
                 <a:solidFill>
                   <a:srgbClr val="44546A"/>
                 </a:solidFill>
@@ -30500,7 +33557,7 @@
               <a:t>Recommender</a:t>
             </a:r>
             <a:r>
-              <a:rPr lang="de-DE" sz="1400" dirty="0">
+              <a:rPr lang="de-DE" sz="1200" dirty="0">
                 <a:solidFill>
                   <a:srgbClr val="44546A"/>
                 </a:solidFill>
@@ -30511,7 +33568,7 @@
               <a:t> </a:t>
             </a:r>
             <a:r>
-              <a:rPr lang="de-DE" sz="1400" dirty="0" err="1">
+              <a:rPr lang="de-DE" sz="1200" dirty="0" err="1">
                 <a:solidFill>
                   <a:srgbClr val="44546A"/>
                 </a:solidFill>
@@ -30522,7 +33579,7 @@
               <a:t>systems</a:t>
             </a:r>
             <a:r>
-              <a:rPr lang="de-DE" sz="1400" dirty="0">
+              <a:rPr lang="de-DE" sz="1200" dirty="0">
                 <a:solidFill>
                   <a:srgbClr val="44546A"/>
                 </a:solidFill>
@@ -30533,7 +33590,7 @@
               <a:t> </a:t>
             </a:r>
             <a:r>
-              <a:rPr lang="de-DE" sz="1400" dirty="0" err="1">
+              <a:rPr lang="de-DE" sz="1200" dirty="0" err="1">
                 <a:solidFill>
                   <a:srgbClr val="44546A"/>
                 </a:solidFill>
@@ -30544,7 +33601,7 @@
               <a:t>survey</a:t>
             </a:r>
             <a:r>
-              <a:rPr lang="de-DE" sz="1400" dirty="0">
+              <a:rPr lang="de-DE" sz="1200" dirty="0">
                 <a:solidFill>
                   <a:srgbClr val="44546A"/>
                 </a:solidFill>
@@ -30555,7 +33612,7 @@
               <a:t>. </a:t>
             </a:r>
             <a:r>
-              <a:rPr lang="en-US" sz="1400" dirty="0">
+              <a:rPr lang="en-US" sz="1200" dirty="0">
                 <a:solidFill>
                   <a:srgbClr val="44546A"/>
                 </a:solidFill>
@@ -30566,7 +33623,7 @@
               <a:t>In: Knowledge-based systems 46, S. 109–132</a:t>
             </a:r>
             <a:r>
-              <a:rPr lang="en-US" sz="1400" dirty="0" smtClean="0">
+              <a:rPr lang="en-US" sz="1200" dirty="0" smtClean="0">
                 <a:solidFill>
                   <a:srgbClr val="44546A"/>
                 </a:solidFill>
@@ -30586,7 +33643,7 @@
                 <a:spcPct val="0"/>
               </a:spcAft>
             </a:pPr>
-            <a:endParaRPr lang="en-US" sz="1400" dirty="0">
+            <a:endParaRPr lang="en-US" sz="1200" dirty="0">
               <a:solidFill>
                 <a:srgbClr val="44546A"/>
               </a:solidFill>
@@ -30605,7 +33662,7 @@
               </a:spcAft>
             </a:pPr>
             <a:r>
-              <a:rPr lang="de-DE" sz="1400" dirty="0">
+              <a:rPr lang="de-DE" sz="1200" dirty="0">
                 <a:solidFill>
                   <a:srgbClr val="44546A"/>
                 </a:solidFill>
@@ -30616,7 +33673,7 @@
               <a:t>Burke, Robin (2007): Hybrid web </a:t>
             </a:r>
             <a:r>
-              <a:rPr lang="de-DE" sz="1400" dirty="0" err="1">
+              <a:rPr lang="de-DE" sz="1200" dirty="0" err="1">
                 <a:solidFill>
                   <a:srgbClr val="44546A"/>
                 </a:solidFill>
@@ -30627,7 +33684,7 @@
               <a:t>recommender</a:t>
             </a:r>
             <a:r>
-              <a:rPr lang="de-DE" sz="1400" dirty="0">
+              <a:rPr lang="de-DE" sz="1200" dirty="0">
                 <a:solidFill>
                   <a:srgbClr val="44546A"/>
                 </a:solidFill>
@@ -30638,7 +33695,7 @@
               <a:t> </a:t>
             </a:r>
             <a:r>
-              <a:rPr lang="de-DE" sz="1400" dirty="0" err="1">
+              <a:rPr lang="de-DE" sz="1200" dirty="0" err="1">
                 <a:solidFill>
                   <a:srgbClr val="44546A"/>
                 </a:solidFill>
@@ -30649,7 +33706,7 @@
               <a:t>systems</a:t>
             </a:r>
             <a:r>
-              <a:rPr lang="de-DE" sz="1400" dirty="0">
+              <a:rPr lang="de-DE" sz="1200" dirty="0">
                 <a:solidFill>
                   <a:srgbClr val="44546A"/>
                 </a:solidFill>
@@ -30660,7 +33717,7 @@
               <a:t>. </a:t>
             </a:r>
             <a:r>
-              <a:rPr lang="en-US" sz="1400" dirty="0">
+              <a:rPr lang="en-US" sz="1200" dirty="0">
                 <a:solidFill>
                   <a:srgbClr val="44546A"/>
                 </a:solidFill>
@@ -30671,7 +33728,7 @@
               <a:t>In: The adaptive web: Springer, S. 377–408</a:t>
             </a:r>
             <a:r>
-              <a:rPr lang="en-US" sz="1400" dirty="0" smtClean="0">
+              <a:rPr lang="en-US" sz="1200" dirty="0" smtClean="0">
                 <a:solidFill>
                   <a:srgbClr val="44546A"/>
                 </a:solidFill>
@@ -30681,7 +33738,7 @@
               </a:rPr>
               <a:t>.</a:t>
             </a:r>
-            <a:endParaRPr lang="de-DE" sz="1400" dirty="0">
+            <a:endParaRPr lang="de-DE" sz="1200" dirty="0">
               <a:solidFill>
                 <a:srgbClr val="44546A"/>
               </a:solidFill>
@@ -30707,7 +33764,7 @@
               <a:buNone/>
               <a:tabLst/>
             </a:pPr>
-            <a:endParaRPr kumimoji="0" lang="de-DE" altLang="de-DE" sz="1400" b="0" i="0" u="none" strike="noStrike" cap="none" normalizeH="0" baseline="0" dirty="0" smtClean="0">
+            <a:endParaRPr kumimoji="0" lang="de-DE" altLang="de-DE" sz="1200" b="0" i="0" u="none" strike="noStrike" cap="none" normalizeH="0" baseline="0" dirty="0" smtClean="0">
               <a:ln>
                 <a:noFill/>
               </a:ln>
@@ -30735,7 +33792,7 @@
               <a:tabLst/>
             </a:pPr>
             <a:r>
-              <a:rPr lang="en-US" altLang="de-DE" sz="1400" dirty="0" err="1">
+              <a:rPr lang="en-US" altLang="de-DE" sz="1200" dirty="0" err="1">
                 <a:solidFill>
                   <a:srgbClr val="44546A"/>
                 </a:solidFill>
@@ -30746,7 +33803,7 @@
               <a:t>D</a:t>
             </a:r>
             <a:r>
-              <a:rPr lang="en-US" altLang="de-DE" sz="1400" dirty="0" err="1" bmk="">
+              <a:rPr lang="en-US" altLang="de-DE" sz="1200" dirty="0" err="1" bmk="">
                 <a:solidFill>
                   <a:srgbClr val="44546A"/>
                 </a:solidFill>
@@ -30757,7 +33814,7 @@
               <a:t>euk</a:t>
             </a:r>
             <a:r>
-              <a:rPr lang="en-US" altLang="de-DE" sz="1400" dirty="0" bmk="">
+              <a:rPr lang="en-US" altLang="de-DE" sz="1200" dirty="0" bmk="">
                 <a:solidFill>
                   <a:srgbClr val="44546A"/>
                 </a:solidFill>
@@ -30768,7 +33825,7 @@
               <a:t> </a:t>
             </a:r>
             <a:r>
-              <a:rPr lang="en-US" altLang="de-DE" sz="1400" dirty="0" err="1" bmk="">
+              <a:rPr lang="en-US" altLang="de-DE" sz="1200" dirty="0" err="1" bmk="">
                 <a:solidFill>
                   <a:srgbClr val="44546A"/>
                 </a:solidFill>
@@ -30779,7 +33836,7 @@
               <a:t>Hee</a:t>
             </a:r>
             <a:r>
-              <a:rPr lang="en-US" altLang="de-DE" sz="1400" dirty="0" bmk="">
+              <a:rPr lang="en-US" altLang="de-DE" sz="1200" dirty="0" bmk="">
                 <a:solidFill>
                   <a:srgbClr val="44546A"/>
                 </a:solidFill>
@@ -30790,7 +33847,7 @@
               <a:t> Park; </a:t>
             </a:r>
             <a:r>
-              <a:rPr lang="en-US" altLang="de-DE" sz="1400" dirty="0" err="1" bmk="">
+              <a:rPr lang="en-US" altLang="de-DE" sz="1200" dirty="0" err="1" bmk="">
                 <a:solidFill>
                   <a:srgbClr val="44546A"/>
                 </a:solidFill>
@@ -30801,7 +33858,7 @@
               <a:t>Hyea</a:t>
             </a:r>
             <a:r>
-              <a:rPr lang="en-US" altLang="de-DE" sz="1400" dirty="0" bmk="">
+              <a:rPr lang="en-US" altLang="de-DE" sz="1200" dirty="0" bmk="">
                 <a:solidFill>
                   <a:srgbClr val="44546A"/>
                 </a:solidFill>
@@ -30812,7 +33869,7 @@
               <a:t> </a:t>
             </a:r>
             <a:r>
-              <a:rPr lang="en-US" altLang="de-DE" sz="1400" dirty="0" err="1" bmk="">
+              <a:rPr lang="en-US" altLang="de-DE" sz="1200" dirty="0" err="1" bmk="">
                 <a:solidFill>
                   <a:srgbClr val="44546A"/>
                 </a:solidFill>
@@ -30823,7 +33880,7 @@
               <a:t>Kyeong</a:t>
             </a:r>
             <a:r>
-              <a:rPr lang="en-US" altLang="de-DE" sz="1400" dirty="0" bmk="">
+              <a:rPr lang="en-US" altLang="de-DE" sz="1200" dirty="0" bmk="">
                 <a:solidFill>
                   <a:srgbClr val="44546A"/>
                 </a:solidFill>
@@ -30834,7 +33891,7 @@
               <a:t> Kim; Il Young Choi; Jae </a:t>
             </a:r>
             <a:r>
-              <a:rPr lang="en-US" altLang="de-DE" sz="1400" dirty="0" err="1" bmk="">
+              <a:rPr lang="en-US" altLang="de-DE" sz="1200" dirty="0" err="1" bmk="">
                 <a:solidFill>
                   <a:srgbClr val="44546A"/>
                 </a:solidFill>
@@ -30845,7 +33902,7 @@
               <a:t>Kyeong</a:t>
             </a:r>
             <a:r>
-              <a:rPr lang="en-US" altLang="de-DE" sz="1400" dirty="0" bmk="">
+              <a:rPr lang="en-US" altLang="de-DE" sz="1200" dirty="0" bmk="">
                 <a:solidFill>
                   <a:srgbClr val="44546A"/>
                 </a:solidFill>
@@ -30856,7 +33913,7 @@
               <a:t> Kim (2012): A literature review and classification of recommender systems research. In: </a:t>
             </a:r>
             <a:r>
-              <a:rPr lang="en-US" altLang="de-DE" sz="1400" dirty="0">
+              <a:rPr lang="en-US" altLang="de-DE" sz="1200" dirty="0">
                 <a:solidFill>
                   <a:srgbClr val="44546A"/>
                 </a:solidFill>
@@ -30867,7 +33924,7 @@
               <a:t>Expert Systems with Applications 39 (11), S. 10059–10072. DOI: 10.1016/j.eswa.2012.02.038</a:t>
             </a:r>
             <a:r>
-              <a:rPr lang="en-US" altLang="de-DE" sz="1400" dirty="0" smtClean="0">
+              <a:rPr lang="en-US" altLang="de-DE" sz="1200" dirty="0" smtClean="0">
                 <a:solidFill>
                   <a:srgbClr val="44546A"/>
                 </a:solidFill>
@@ -30895,7 +33952,7 @@
               <a:buNone/>
               <a:tabLst/>
             </a:pPr>
-            <a:endParaRPr lang="en-US" altLang="de-DE" sz="1400" dirty="0">
+            <a:endParaRPr lang="en-US" altLang="de-DE" sz="1200" dirty="0">
               <a:solidFill>
                 <a:srgbClr val="44546A"/>
               </a:solidFill>
@@ -30914,7 +33971,7 @@
               </a:spcAft>
             </a:pPr>
             <a:r>
-              <a:rPr lang="en-US" sz="1400" dirty="0">
+              <a:rPr lang="en-US" sz="1200" dirty="0">
                 <a:solidFill>
                   <a:srgbClr val="44546A"/>
                 </a:solidFill>
@@ -30925,7 +33982,7 @@
               <a:t>Gomez-Uribe, Carlos A.; Hunt, Neil (2015): The Netflix Recommender System: Algorithms, Business Value, and Innovation. In: ACM Trans. Manage. Inf. Syst. 6 (4), 13:1‐13:19. DOI: 10.1145/2843948</a:t>
             </a:r>
             <a:r>
-              <a:rPr lang="en-US" sz="1400" dirty="0">
+              <a:rPr lang="en-US" sz="1200" dirty="0" smtClean="0">
                 <a:solidFill>
                   <a:srgbClr val="44546A"/>
                 </a:solidFill>
@@ -30935,7 +33992,90 @@
               </a:rPr>
               <a:t>.</a:t>
             </a:r>
-            <a:endParaRPr lang="en-US" altLang="de-DE" sz="1400" dirty="0">
+          </a:p>
+          <a:p>
+            <a:pPr defTabSz="914400" eaLnBrk="0" fontAlgn="base" hangingPunct="0">
+              <a:spcBef>
+                <a:spcPct val="0"/>
+              </a:spcBef>
+              <a:spcAft>
+                <a:spcPct val="0"/>
+              </a:spcAft>
+            </a:pPr>
+            <a:endParaRPr lang="en-US" altLang="de-DE" sz="1200" dirty="0">
+              <a:solidFill>
+                <a:srgbClr val="44546A"/>
+              </a:solidFill>
+              <a:latin typeface="Calibri" panose="020F0502020204030204" pitchFamily="34" charset="0"/>
+              <a:ea typeface="Calibri" panose="020F0502020204030204" pitchFamily="34" charset="0"/>
+              <a:cs typeface="Times New Roman" panose="02020603050405020304" pitchFamily="18" charset="0"/>
+            </a:endParaRPr>
+          </a:p>
+          <a:p>
+            <a:pPr defTabSz="914400" eaLnBrk="0" fontAlgn="base" hangingPunct="0">
+              <a:spcBef>
+                <a:spcPct val="0"/>
+              </a:spcBef>
+              <a:spcAft>
+                <a:spcPct val="0"/>
+              </a:spcAft>
+            </a:pPr>
+            <a:r>
+              <a:rPr lang="en-US" sz="1200" dirty="0">
+                <a:solidFill>
+                  <a:srgbClr val="44546A"/>
+                </a:solidFill>
+                <a:latin typeface="Calibri" panose="020F0502020204030204" pitchFamily="34" charset="0"/>
+                <a:ea typeface="Calibri" panose="020F0502020204030204" pitchFamily="34" charset="0"/>
+                <a:cs typeface="Times New Roman" panose="02020603050405020304" pitchFamily="18" charset="0"/>
+              </a:rPr>
+              <a:t>Horowitz, Daniel; Contreras, David; </a:t>
+            </a:r>
+            <a:r>
+              <a:rPr lang="en-US" sz="1200" dirty="0" err="1">
+                <a:solidFill>
+                  <a:srgbClr val="44546A"/>
+                </a:solidFill>
+                <a:latin typeface="Calibri" panose="020F0502020204030204" pitchFamily="34" charset="0"/>
+                <a:ea typeface="Calibri" panose="020F0502020204030204" pitchFamily="34" charset="0"/>
+                <a:cs typeface="Times New Roman" panose="02020603050405020304" pitchFamily="18" charset="0"/>
+              </a:rPr>
+              <a:t>Salamó</a:t>
+            </a:r>
+            <a:r>
+              <a:rPr lang="en-US" sz="1200" dirty="0">
+                <a:solidFill>
+                  <a:srgbClr val="44546A"/>
+                </a:solidFill>
+                <a:latin typeface="Calibri" panose="020F0502020204030204" pitchFamily="34" charset="0"/>
+                <a:ea typeface="Calibri" panose="020F0502020204030204" pitchFamily="34" charset="0"/>
+                <a:cs typeface="Times New Roman" panose="02020603050405020304" pitchFamily="18" charset="0"/>
+              </a:rPr>
+              <a:t>, Maria (2017): </a:t>
+            </a:r>
+            <a:r>
+              <a:rPr lang="en-US" sz="1200" dirty="0" err="1">
+                <a:solidFill>
+                  <a:srgbClr val="44546A"/>
+                </a:solidFill>
+                <a:latin typeface="Calibri" panose="020F0502020204030204" pitchFamily="34" charset="0"/>
+                <a:ea typeface="Calibri" panose="020F0502020204030204" pitchFamily="34" charset="0"/>
+                <a:cs typeface="Times New Roman" panose="02020603050405020304" pitchFamily="18" charset="0"/>
+              </a:rPr>
+              <a:t>EventAware</a:t>
+            </a:r>
+            <a:r>
+              <a:rPr lang="en-US" sz="1200" dirty="0">
+                <a:solidFill>
+                  <a:srgbClr val="44546A"/>
+                </a:solidFill>
+                <a:latin typeface="Calibri" panose="020F0502020204030204" pitchFamily="34" charset="0"/>
+                <a:ea typeface="Calibri" panose="020F0502020204030204" pitchFamily="34" charset="0"/>
+                <a:cs typeface="Times New Roman" panose="02020603050405020304" pitchFamily="18" charset="0"/>
+              </a:rPr>
+              <a:t>: A mobile recommender system for events. In: Pattern Recognition Letters.</a:t>
+            </a:r>
+            <a:endParaRPr lang="de-DE" sz="1200" dirty="0">
               <a:solidFill>
                 <a:srgbClr val="44546A"/>
               </a:solidFill>
@@ -30961,7 +34101,7 @@
               <a:buNone/>
               <a:tabLst/>
             </a:pPr>
-            <a:endParaRPr lang="en-US" sz="1400" dirty="0">
+            <a:endParaRPr lang="en-US" sz="1200" dirty="0">
               <a:solidFill>
                 <a:srgbClr val="44546A"/>
               </a:solidFill>
@@ -30988,7 +34128,7 @@
               <a:tabLst/>
             </a:pPr>
             <a:r>
-              <a:rPr lang="en-US" sz="1400" dirty="0" err="1" smtClean="0">
+              <a:rPr lang="en-US" sz="1200" dirty="0" err="1" smtClean="0">
                 <a:solidFill>
                   <a:srgbClr val="44546A"/>
                 </a:solidFill>
@@ -30999,7 +34139,7 @@
               <a:t>Koren</a:t>
             </a:r>
             <a:r>
-              <a:rPr lang="en-US" sz="1400" dirty="0">
+              <a:rPr lang="en-US" sz="1200" dirty="0">
                 <a:solidFill>
                   <a:srgbClr val="44546A"/>
                 </a:solidFill>
@@ -31010,7 +34150,7 @@
               <a:t>, Yehuda; Bell, Robert; </a:t>
             </a:r>
             <a:r>
-              <a:rPr lang="en-US" sz="1400" dirty="0" err="1">
+              <a:rPr lang="en-US" sz="1200" dirty="0" err="1">
                 <a:solidFill>
                   <a:srgbClr val="44546A"/>
                 </a:solidFill>
@@ -31021,7 +34161,7 @@
               <a:t>Volinsky</a:t>
             </a:r>
             <a:r>
-              <a:rPr lang="en-US" sz="1400" dirty="0">
+              <a:rPr lang="en-US" sz="1200" dirty="0">
                 <a:solidFill>
                   <a:srgbClr val="44546A"/>
                 </a:solidFill>
@@ -31032,7 +34172,7 @@
               <a:t>, Chris (2009): Matrix factorization techniques for recommender systems. </a:t>
             </a:r>
             <a:r>
-              <a:rPr lang="de-DE" sz="1400" dirty="0">
+              <a:rPr lang="de-DE" sz="1200" dirty="0">
                 <a:solidFill>
                   <a:srgbClr val="44546A"/>
                 </a:solidFill>
@@ -31043,7 +34183,7 @@
               <a:t>In: Computer 42 (8</a:t>
             </a:r>
             <a:r>
-              <a:rPr lang="de-DE" sz="1400" dirty="0" smtClean="0">
+              <a:rPr lang="de-DE" sz="1200" dirty="0" smtClean="0">
                 <a:solidFill>
                   <a:srgbClr val="44546A"/>
                 </a:solidFill>
@@ -31071,7 +34211,7 @@
               <a:buNone/>
               <a:tabLst/>
             </a:pPr>
-            <a:endParaRPr lang="en-US" sz="1400" dirty="0">
+            <a:endParaRPr lang="de-DE" sz="1200" dirty="0" smtClean="0">
               <a:solidFill>
                 <a:srgbClr val="44546A"/>
               </a:solidFill>
@@ -31090,7 +34230,7 @@
               </a:spcAft>
             </a:pPr>
             <a:r>
-              <a:rPr lang="gl-ES" altLang="de-DE" sz="1400" dirty="0">
+              <a:rPr lang="en-US" sz="1200" dirty="0" err="1">
                 <a:solidFill>
                   <a:srgbClr val="44546A"/>
                 </a:solidFill>
@@ -31098,10 +34238,10 @@
                 <a:ea typeface="Calibri" panose="020F0502020204030204" pitchFamily="34" charset="0"/>
                 <a:cs typeface="Times New Roman" panose="02020603050405020304" pitchFamily="18" charset="0"/>
               </a:rPr>
-              <a:t>L</a:t>
-            </a:r>
-            <a:r>
-              <a:rPr lang="gl-ES" altLang="de-DE" sz="1400" dirty="0" bmk="">
+              <a:t>Jieun</a:t>
+            </a:r>
+            <a:r>
+              <a:rPr lang="en-US" sz="1200" dirty="0">
                 <a:solidFill>
                   <a:srgbClr val="44546A"/>
                 </a:solidFill>
@@ -31109,10 +34249,10 @@
                 <a:ea typeface="Calibri" panose="020F0502020204030204" pitchFamily="34" charset="0"/>
                 <a:cs typeface="Times New Roman" panose="02020603050405020304" pitchFamily="18" charset="0"/>
               </a:rPr>
-              <a:t>ü, Linyuan; Medo, Matúš; Yeung, Chi Ho; Zhang, Yi-Cheng; Zhang, Zi-Ke; Zhou, Tao (2012): Recommender systems. In: </a:t>
-            </a:r>
-            <a:r>
-              <a:rPr lang="gl-ES" altLang="de-DE" sz="1400" i="1" dirty="0">
+              <a:t> Son; </a:t>
+            </a:r>
+            <a:r>
+              <a:rPr lang="en-US" sz="1200" dirty="0" err="1">
                 <a:solidFill>
                   <a:srgbClr val="44546A"/>
                 </a:solidFill>
@@ -31120,10 +34260,10 @@
                 <a:ea typeface="Calibri" panose="020F0502020204030204" pitchFamily="34" charset="0"/>
                 <a:cs typeface="Times New Roman" panose="02020603050405020304" pitchFamily="18" charset="0"/>
               </a:rPr>
-              <a:t>Physics Reports </a:t>
-            </a:r>
-            <a:r>
-              <a:rPr lang="gl-ES" altLang="de-DE" sz="1400" dirty="0">
+              <a:t>Seoung</a:t>
+            </a:r>
+            <a:r>
+              <a:rPr lang="en-US" sz="1200" dirty="0">
                 <a:solidFill>
                   <a:srgbClr val="44546A"/>
                 </a:solidFill>
@@ -31131,9 +34271,97 @@
                 <a:ea typeface="Calibri" panose="020F0502020204030204" pitchFamily="34" charset="0"/>
                 <a:cs typeface="Times New Roman" panose="02020603050405020304" pitchFamily="18" charset="0"/>
               </a:rPr>
+              <a:t> Bum Kim (2018): Academic paper recommender system using multilevel simultaneous citation networks. In: Decision Support Systems 105, S. 24–33. DOI: 10.1016/j.dss.2017.10.011</a:t>
+            </a:r>
+            <a:endParaRPr lang="de-DE" sz="1200" dirty="0">
+              <a:solidFill>
+                <a:srgbClr val="44546A"/>
+              </a:solidFill>
+              <a:latin typeface="Calibri" panose="020F0502020204030204" pitchFamily="34" charset="0"/>
+              <a:ea typeface="Calibri" panose="020F0502020204030204" pitchFamily="34" charset="0"/>
+              <a:cs typeface="Times New Roman" panose="02020603050405020304" pitchFamily="18" charset="0"/>
+            </a:endParaRPr>
+          </a:p>
+          <a:p>
+            <a:pPr marR="0" lvl="0" indent="0" defTabSz="914400" eaLnBrk="0" fontAlgn="base" hangingPunct="0">
+              <a:lnSpc>
+                <a:spcPct val="100000"/>
+              </a:lnSpc>
+              <a:spcBef>
+                <a:spcPct val="0"/>
+              </a:spcBef>
+              <a:spcAft>
+                <a:spcPct val="0"/>
+              </a:spcAft>
+              <a:buClrTx/>
+              <a:buSzTx/>
+              <a:buFontTx/>
+              <a:buNone/>
+              <a:tabLst/>
+            </a:pPr>
+            <a:endParaRPr lang="en-US" sz="1200" dirty="0">
+              <a:solidFill>
+                <a:srgbClr val="44546A"/>
+              </a:solidFill>
+              <a:latin typeface="Calibri" panose="020F0502020204030204" pitchFamily="34" charset="0"/>
+              <a:ea typeface="Calibri" panose="020F0502020204030204" pitchFamily="34" charset="0"/>
+              <a:cs typeface="Times New Roman" panose="02020603050405020304" pitchFamily="18" charset="0"/>
+            </a:endParaRPr>
+          </a:p>
+          <a:p>
+            <a:pPr defTabSz="914400" eaLnBrk="0" fontAlgn="base" hangingPunct="0">
+              <a:spcBef>
+                <a:spcPct val="0"/>
+              </a:spcBef>
+              <a:spcAft>
+                <a:spcPct val="0"/>
+              </a:spcAft>
+            </a:pPr>
+            <a:r>
+              <a:rPr lang="gl-ES" altLang="de-DE" sz="1200" dirty="0">
+                <a:solidFill>
+                  <a:srgbClr val="44546A"/>
+                </a:solidFill>
+                <a:latin typeface="Calibri" panose="020F0502020204030204" pitchFamily="34" charset="0"/>
+                <a:ea typeface="Calibri" panose="020F0502020204030204" pitchFamily="34" charset="0"/>
+                <a:cs typeface="Times New Roman" panose="02020603050405020304" pitchFamily="18" charset="0"/>
+              </a:rPr>
+              <a:t>L</a:t>
+            </a:r>
+            <a:r>
+              <a:rPr lang="gl-ES" altLang="de-DE" sz="1200" dirty="0" bmk="">
+                <a:solidFill>
+                  <a:srgbClr val="44546A"/>
+                </a:solidFill>
+                <a:latin typeface="Calibri" panose="020F0502020204030204" pitchFamily="34" charset="0"/>
+                <a:ea typeface="Calibri" panose="020F0502020204030204" pitchFamily="34" charset="0"/>
+                <a:cs typeface="Times New Roman" panose="02020603050405020304" pitchFamily="18" charset="0"/>
+              </a:rPr>
+              <a:t>ü, Linyuan; Medo, Matúš; Yeung, Chi Ho; Zhang, Yi-Cheng; Zhang, Zi-Ke; Zhou, Tao (2012): Recommender systems. In: </a:t>
+            </a:r>
+            <a:r>
+              <a:rPr lang="gl-ES" altLang="de-DE" sz="1200" i="1" dirty="0">
+                <a:solidFill>
+                  <a:srgbClr val="44546A"/>
+                </a:solidFill>
+                <a:latin typeface="Calibri" panose="020F0502020204030204" pitchFamily="34" charset="0"/>
+                <a:ea typeface="Calibri" panose="020F0502020204030204" pitchFamily="34" charset="0"/>
+                <a:cs typeface="Times New Roman" panose="02020603050405020304" pitchFamily="18" charset="0"/>
+              </a:rPr>
+              <a:t>Physics Reports </a:t>
+            </a:r>
+            <a:r>
+              <a:rPr lang="gl-ES" altLang="de-DE" sz="1200" dirty="0">
+                <a:solidFill>
+                  <a:srgbClr val="44546A"/>
+                </a:solidFill>
+                <a:latin typeface="Calibri" panose="020F0502020204030204" pitchFamily="34" charset="0"/>
+                <a:ea typeface="Calibri" panose="020F0502020204030204" pitchFamily="34" charset="0"/>
+                <a:cs typeface="Times New Roman" panose="02020603050405020304" pitchFamily="18" charset="0"/>
+              </a:rPr>
               <a:t>519 (1), S. 1–49.</a:t>
             </a:r>
-            <a:endParaRPr lang="gl-ES" altLang="de-DE" sz="1400" dirty="0">
+            <a:endParaRPr lang="gl-ES" altLang="de-DE" sz="1200" dirty="0">
               <a:latin typeface="Arial" panose="020B0604020202020204" pitchFamily="34" charset="0"/>
             </a:endParaRPr>
           </a:p>
@@ -31154,7 +34382,7 @@
               <a:buNone/>
               <a:tabLst/>
             </a:pPr>
-            <a:endParaRPr lang="en-US" sz="1400" dirty="0" smtClean="0">
+            <a:endParaRPr lang="en-US" sz="1200" dirty="0" smtClean="0">
               <a:solidFill>
                 <a:srgbClr val="44546A"/>
               </a:solidFill>
@@ -31173,7 +34401,7 @@
               </a:spcAft>
             </a:pPr>
             <a:r>
-              <a:rPr lang="en-US" altLang="de-DE" sz="1400" dirty="0" err="1">
+              <a:rPr lang="en-US" altLang="de-DE" sz="1200" dirty="0" err="1">
                 <a:solidFill>
                   <a:srgbClr val="44546A"/>
                 </a:solidFill>
@@ -31184,7 +34412,7 @@
               <a:t>S</a:t>
             </a:r>
             <a:r>
-              <a:rPr lang="en-US" altLang="de-DE" sz="1400" dirty="0" err="1" bmk="">
+              <a:rPr lang="en-US" altLang="de-DE" sz="1200" dirty="0" err="1" bmk="">
                 <a:solidFill>
                   <a:srgbClr val="44546A"/>
                 </a:solidFill>
@@ -31195,7 +34423,7 @@
               <a:t>hepitsen</a:t>
             </a:r>
             <a:r>
-              <a:rPr lang="en-US" altLang="de-DE" sz="1400" dirty="0" bmk="">
+              <a:rPr lang="en-US" altLang="de-DE" sz="1200" dirty="0" bmk="">
                 <a:solidFill>
                   <a:srgbClr val="44546A"/>
                 </a:solidFill>
@@ -31206,7 +34434,7 @@
               <a:t>, </a:t>
             </a:r>
             <a:r>
-              <a:rPr lang="en-US" altLang="de-DE" sz="1400" dirty="0" err="1" bmk="">
+              <a:rPr lang="en-US" altLang="de-DE" sz="1200" dirty="0" err="1" bmk="">
                 <a:solidFill>
                   <a:srgbClr val="44546A"/>
                 </a:solidFill>
@@ -31217,7 +34445,7 @@
               <a:t>Andriy</a:t>
             </a:r>
             <a:r>
-              <a:rPr lang="en-US" altLang="de-DE" sz="1400" dirty="0" bmk="">
+              <a:rPr lang="en-US" altLang="de-DE" sz="1200" dirty="0" bmk="">
                 <a:solidFill>
                   <a:srgbClr val="44546A"/>
                 </a:solidFill>
@@ -31228,7 +34456,7 @@
               <a:t>; </a:t>
             </a:r>
             <a:r>
-              <a:rPr lang="en-US" altLang="de-DE" sz="1400" dirty="0" err="1" bmk="">
+              <a:rPr lang="en-US" altLang="de-DE" sz="1200" dirty="0" err="1" bmk="">
                 <a:solidFill>
                   <a:srgbClr val="44546A"/>
                 </a:solidFill>
@@ -31239,7 +34467,7 @@
               <a:t>Gemmell</a:t>
             </a:r>
             <a:r>
-              <a:rPr lang="en-US" altLang="de-DE" sz="1400" dirty="0" bmk="">
+              <a:rPr lang="en-US" altLang="de-DE" sz="1200" dirty="0" bmk="">
                 <a:solidFill>
                   <a:srgbClr val="44546A"/>
                 </a:solidFill>
@@ -31250,7 +34478,7 @@
               <a:t>, Jonathan; </a:t>
             </a:r>
             <a:r>
-              <a:rPr lang="en-US" altLang="de-DE" sz="1400" dirty="0" err="1" bmk="">
+              <a:rPr lang="en-US" altLang="de-DE" sz="1200" dirty="0" err="1" bmk="">
                 <a:solidFill>
                   <a:srgbClr val="44546A"/>
                 </a:solidFill>
@@ -31261,7 +34489,7 @@
               <a:t>Mobasher</a:t>
             </a:r>
             <a:r>
-              <a:rPr lang="en-US" altLang="de-DE" sz="1400" dirty="0" bmk="">
+              <a:rPr lang="en-US" altLang="de-DE" sz="1200" dirty="0" bmk="">
                 <a:solidFill>
                   <a:srgbClr val="44546A"/>
                 </a:solidFill>
@@ -31272,7 +34500,7 @@
               <a:t>, </a:t>
             </a:r>
             <a:r>
-              <a:rPr lang="en-US" altLang="de-DE" sz="1400" dirty="0" err="1" bmk="">
+              <a:rPr lang="en-US" altLang="de-DE" sz="1200" dirty="0" err="1" bmk="">
                 <a:solidFill>
                   <a:srgbClr val="44546A"/>
                 </a:solidFill>
@@ -31283,7 +34511,7 @@
               <a:t>Bamshad</a:t>
             </a:r>
             <a:r>
-              <a:rPr lang="en-US" altLang="de-DE" sz="1400" dirty="0" bmk="">
+              <a:rPr lang="en-US" altLang="de-DE" sz="1200" dirty="0" bmk="">
                 <a:solidFill>
                   <a:srgbClr val="44546A"/>
                 </a:solidFill>
@@ -31293,7 +34521,7 @@
               </a:rPr>
               <a:t>; Burke, Robin (2008): Personalized recommendation in social tagging systems using hierarchical clustering. In: Proceedings of the 2008 ACM conference on Recommender systems. ACM, S. 259–266.</a:t>
             </a:r>
-            <a:endParaRPr lang="en-US" altLang="de-DE" sz="1400" dirty="0">
+            <a:endParaRPr lang="en-US" altLang="de-DE" sz="1200" dirty="0">
               <a:solidFill>
                 <a:srgbClr val="44546A"/>
               </a:solidFill>
@@ -33121,7 +36349,7 @@
         </p:spPr>
         <p:txBody>
           <a:bodyPr>
-            <a:normAutofit fontScale="92500" lnSpcReduction="10000"/>
+            <a:normAutofit fontScale="92500" lnSpcReduction="20000"/>
           </a:bodyPr>
           <a:lstStyle/>
           <a:p>
@@ -33224,6 +36452,14 @@
           </a:p>
           <a:p>
             <a:pPr lvl="1"/>
+            <a:r>
+              <a:rPr lang="en-US" dirty="0" err="1" smtClean="0"/>
+              <a:t>Ggf</a:t>
+            </a:r>
+            <a:r>
+              <a:rPr lang="en-US" dirty="0" smtClean="0"/>
+              <a:t>. </a:t>
+            </a:r>
             <a:r>
               <a:rPr lang="en-US" dirty="0" err="1" smtClean="0"/>
               <a:t>Nutzerspezifisches</a:t>
@@ -33670,11 +36906,15 @@
             </a:r>
             <a:r>
               <a:rPr lang="en-US" dirty="0" err="1" smtClean="0"/>
-              <a:t>Ansehen</a:t>
-            </a:r>
-            <a:r>
-              <a:rPr lang="en-US" dirty="0" smtClean="0"/>
-              <a:t> von </a:t>
+              <a:t>Anklicken</a:t>
+            </a:r>
+            <a:r>
+              <a:rPr lang="en-US" dirty="0" smtClean="0"/>
+              <a:t> </a:t>
+            </a:r>
+            <a:r>
+              <a:rPr lang="en-US" dirty="0" smtClean="0"/>
+              <a:t>von </a:t>
             </a:r>
             <a:r>
               <a:rPr lang="en-US" dirty="0" err="1" smtClean="0"/>
@@ -33817,18 +37057,7 @@
               <a:rPr lang="en-US" sz="2000" dirty="0" err="1" smtClean="0"/>
               <a:t>Nutzerbewertungen</a:t>
             </a:r>
-            <a:r>
-              <a:rPr lang="en-US" sz="2000" dirty="0" smtClean="0"/>
-              <a:t>, auf Basis </a:t>
-            </a:r>
-            <a:r>
-              <a:rPr lang="en-US" sz="2000" dirty="0" err="1" smtClean="0"/>
-              <a:t>ähnlicher</a:t>
-            </a:r>
-            <a:r>
-              <a:rPr lang="en-US" sz="2000" dirty="0" smtClean="0"/>
-              <a:t> Hobbies </a:t>
-            </a:r>
+            <a:endParaRPr lang="en-US" sz="2000" dirty="0" smtClean="0"/>
           </a:p>
           <a:p>
             <a:pPr lvl="1"/>
@@ -37422,79 +40651,24 @@
               <a:t> an </a:t>
             </a:r>
             <a:r>
-              <a:rPr lang="en-US" dirty="0" err="1"/>
+              <a:rPr lang="en-US" dirty="0" err="1" smtClean="0"/>
               <a:t>Schnelligkeit</a:t>
             </a:r>
             <a:r>
+              <a:rPr lang="en-US" dirty="0" smtClean="0"/>
+              <a:t> und </a:t>
+            </a:r>
+            <a:r>
+              <a:rPr lang="en-US" dirty="0" err="1" smtClean="0"/>
+              <a:t>Transparenz</a:t>
+            </a:r>
+            <a:r>
               <a:rPr lang="en-US" dirty="0"/>
-              <a:t>,  </a:t>
-            </a:r>
-            <a:r>
-              <a:rPr lang="en-US" dirty="0" err="1" smtClean="0"/>
-              <a:t>Transparenz</a:t>
-            </a:r>
-            <a:r>
-              <a:rPr lang="en-US" dirty="0"/>
-              <a:t> </a:t>
-            </a:r>
-            <a:r>
-              <a:rPr lang="en-US" dirty="0" smtClean="0"/>
-              <a:t>/ User </a:t>
-            </a:r>
-            <a:r>
-              <a:rPr lang="en-US" dirty="0" err="1" smtClean="0"/>
-              <a:t>Akzeptanz</a:t>
-            </a:r>
-            <a:r>
-              <a:rPr lang="en-US" dirty="0" smtClean="0"/>
-              <a:t>, </a:t>
-            </a:r>
-            <a:r>
-              <a:rPr lang="en-US" dirty="0" err="1"/>
-              <a:t>Robustheit</a:t>
-            </a:r>
-            <a:r>
-              <a:rPr lang="en-US" dirty="0"/>
-              <a:t> </a:t>
-            </a:r>
-            <a:r>
-              <a:rPr lang="en-US" dirty="0" err="1"/>
-              <a:t>ggü</a:t>
-            </a:r>
-            <a:r>
-              <a:rPr lang="en-US" dirty="0"/>
-              <a:t>. </a:t>
-            </a:r>
-            <a:r>
-              <a:rPr lang="en-US" dirty="0" err="1" smtClean="0"/>
-              <a:t>Angriffen</a:t>
-            </a:r>
-            <a:r>
-              <a:rPr lang="en-US" dirty="0" smtClean="0"/>
-              <a:t> </a:t>
-            </a:r>
+              <a:t> </a:t>
+            </a:r>
+            <a:endParaRPr lang="en-US" dirty="0" smtClean="0"/>
           </a:p>
           <a:p>
-            <a:r>
-              <a:rPr lang="en-US" dirty="0" err="1" smtClean="0"/>
-              <a:t>Erwartungen</a:t>
-            </a:r>
-            <a:r>
-              <a:rPr lang="en-US" dirty="0" smtClean="0"/>
-              <a:t> </a:t>
-            </a:r>
-            <a:r>
-              <a:rPr lang="en-US" dirty="0"/>
-              <a:t>der </a:t>
-            </a:r>
-            <a:r>
-              <a:rPr lang="en-US" dirty="0" err="1" smtClean="0"/>
-              <a:t>Nutzer</a:t>
-            </a:r>
-            <a:r>
-              <a:rPr lang="en-US" dirty="0" smtClean="0"/>
-              <a:t>: </a:t>
-            </a:r>
             <a:r>
               <a:rPr lang="en-US" dirty="0" err="1" smtClean="0"/>
               <a:t>Wann</a:t>
